--- a/Slides/Module 08 React Hooks.pptx
+++ b/Slides/Module 08 React Hooks.pptx
@@ -9,7 +9,7 @@
   </p:notesMasterIdLst>
   <p:sldIdLst>
     <p:sldId id="404" r:id="rId2"/>
-    <p:sldId id="405" r:id="rId3"/>
+    <p:sldId id="431" r:id="rId3"/>
     <p:sldId id="427" r:id="rId4"/>
     <p:sldId id="407" r:id="rId5"/>
     <p:sldId id="428" r:id="rId6"/>
@@ -346,7 +346,7 @@
         <p14:section name="Module 08" id="{87F11A1D-0905-4345-98B2-6DEE278E2564}">
           <p14:sldIdLst>
             <p14:sldId id="404"/>
-            <p14:sldId id="405"/>
+            <p14:sldId id="431"/>
             <p14:sldId id="427"/>
             <p14:sldId id="407"/>
             <p14:sldId id="428"/>
@@ -397,375 +397,6 @@
 
 <file path=ppt/changesInfos/changesInfo1.xml><?xml version="1.0" encoding="utf-8"?>
 <pc:chgInfo xmlns:a="http://schemas.openxmlformats.org/drawingml/2006/main" xmlns:r="http://schemas.openxmlformats.org/officeDocument/2006/relationships" xmlns:ac="http://schemas.microsoft.com/office/drawing/2013/main/command" xmlns:pc="http://schemas.microsoft.com/office/powerpoint/2013/main/command">
-  <pc:docChgLst>
-    <pc:chgData name="Mitchell Wand" userId="de9b44c55c049659" providerId="LiveId" clId="{A3C5E289-FD0A-4A2C-B775-A66EDB85EC8C}"/>
-    <pc:docChg chg="addSld delSld modSld delSection modSection">
-      <pc:chgData name="Mitchell Wand" userId="de9b44c55c049659" providerId="LiveId" clId="{A3C5E289-FD0A-4A2C-B775-A66EDB85EC8C}" dt="2023-09-21T19:08:19.001" v="5"/>
-      <pc:docMkLst>
-        <pc:docMk/>
-      </pc:docMkLst>
-      <pc:sldChg chg="del">
-        <pc:chgData name="Mitchell Wand" userId="de9b44c55c049659" providerId="LiveId" clId="{A3C5E289-FD0A-4A2C-B775-A66EDB85EC8C}" dt="2023-09-21T19:05:48.983" v="0" actId="18676"/>
-        <pc:sldMkLst>
-          <pc:docMk/>
-          <pc:sldMk cId="0" sldId="256"/>
-        </pc:sldMkLst>
-      </pc:sldChg>
-      <pc:sldChg chg="del">
-        <pc:chgData name="Mitchell Wand" userId="de9b44c55c049659" providerId="LiveId" clId="{A3C5E289-FD0A-4A2C-B775-A66EDB85EC8C}" dt="2023-09-21T19:05:48.983" v="0" actId="18676"/>
-        <pc:sldMkLst>
-          <pc:docMk/>
-          <pc:sldMk cId="0" sldId="257"/>
-        </pc:sldMkLst>
-      </pc:sldChg>
-      <pc:sldChg chg="del">
-        <pc:chgData name="Mitchell Wand" userId="de9b44c55c049659" providerId="LiveId" clId="{A3C5E289-FD0A-4A2C-B775-A66EDB85EC8C}" dt="2023-09-21T19:05:48.983" v="0" actId="18676"/>
-        <pc:sldMkLst>
-          <pc:docMk/>
-          <pc:sldMk cId="0" sldId="258"/>
-        </pc:sldMkLst>
-      </pc:sldChg>
-      <pc:sldChg chg="del">
-        <pc:chgData name="Mitchell Wand" userId="de9b44c55c049659" providerId="LiveId" clId="{A3C5E289-FD0A-4A2C-B775-A66EDB85EC8C}" dt="2023-09-21T19:05:48.983" v="0" actId="18676"/>
-        <pc:sldMkLst>
-          <pc:docMk/>
-          <pc:sldMk cId="0" sldId="259"/>
-        </pc:sldMkLst>
-      </pc:sldChg>
-      <pc:sldChg chg="del">
-        <pc:chgData name="Mitchell Wand" userId="de9b44c55c049659" providerId="LiveId" clId="{A3C5E289-FD0A-4A2C-B775-A66EDB85EC8C}" dt="2023-09-21T19:05:48.983" v="0" actId="18676"/>
-        <pc:sldMkLst>
-          <pc:docMk/>
-          <pc:sldMk cId="0" sldId="260"/>
-        </pc:sldMkLst>
-      </pc:sldChg>
-      <pc:sldChg chg="del">
-        <pc:chgData name="Mitchell Wand" userId="de9b44c55c049659" providerId="LiveId" clId="{A3C5E289-FD0A-4A2C-B775-A66EDB85EC8C}" dt="2023-09-21T19:05:48.983" v="0" actId="18676"/>
-        <pc:sldMkLst>
-          <pc:docMk/>
-          <pc:sldMk cId="0" sldId="262"/>
-        </pc:sldMkLst>
-      </pc:sldChg>
-      <pc:sldChg chg="del">
-        <pc:chgData name="Mitchell Wand" userId="de9b44c55c049659" providerId="LiveId" clId="{A3C5E289-FD0A-4A2C-B775-A66EDB85EC8C}" dt="2023-09-21T19:05:48.983" v="0" actId="18676"/>
-        <pc:sldMkLst>
-          <pc:docMk/>
-          <pc:sldMk cId="0" sldId="263"/>
-        </pc:sldMkLst>
-      </pc:sldChg>
-      <pc:sldChg chg="del">
-        <pc:chgData name="Mitchell Wand" userId="de9b44c55c049659" providerId="LiveId" clId="{A3C5E289-FD0A-4A2C-B775-A66EDB85EC8C}" dt="2023-09-21T19:05:48.983" v="0" actId="18676"/>
-        <pc:sldMkLst>
-          <pc:docMk/>
-          <pc:sldMk cId="0" sldId="264"/>
-        </pc:sldMkLst>
-      </pc:sldChg>
-      <pc:sldChg chg="del">
-        <pc:chgData name="Mitchell Wand" userId="de9b44c55c049659" providerId="LiveId" clId="{A3C5E289-FD0A-4A2C-B775-A66EDB85EC8C}" dt="2023-09-21T19:05:48.983" v="0" actId="18676"/>
-        <pc:sldMkLst>
-          <pc:docMk/>
-          <pc:sldMk cId="0" sldId="265"/>
-        </pc:sldMkLst>
-      </pc:sldChg>
-      <pc:sldChg chg="del">
-        <pc:chgData name="Mitchell Wand" userId="de9b44c55c049659" providerId="LiveId" clId="{A3C5E289-FD0A-4A2C-B775-A66EDB85EC8C}" dt="2023-09-21T19:05:48.983" v="0" actId="18676"/>
-        <pc:sldMkLst>
-          <pc:docMk/>
-          <pc:sldMk cId="0" sldId="266"/>
-        </pc:sldMkLst>
-      </pc:sldChg>
-      <pc:sldChg chg="del">
-        <pc:chgData name="Mitchell Wand" userId="de9b44c55c049659" providerId="LiveId" clId="{A3C5E289-FD0A-4A2C-B775-A66EDB85EC8C}" dt="2023-09-21T19:05:48.983" v="0" actId="18676"/>
-        <pc:sldMkLst>
-          <pc:docMk/>
-          <pc:sldMk cId="0" sldId="267"/>
-        </pc:sldMkLst>
-      </pc:sldChg>
-      <pc:sldChg chg="del">
-        <pc:chgData name="Mitchell Wand" userId="de9b44c55c049659" providerId="LiveId" clId="{A3C5E289-FD0A-4A2C-B775-A66EDB85EC8C}" dt="2023-09-21T19:05:48.983" v="0" actId="18676"/>
-        <pc:sldMkLst>
-          <pc:docMk/>
-          <pc:sldMk cId="0" sldId="268"/>
-        </pc:sldMkLst>
-      </pc:sldChg>
-      <pc:sldChg chg="del">
-        <pc:chgData name="Mitchell Wand" userId="de9b44c55c049659" providerId="LiveId" clId="{A3C5E289-FD0A-4A2C-B775-A66EDB85EC8C}" dt="2023-09-21T19:05:48.983" v="0" actId="18676"/>
-        <pc:sldMkLst>
-          <pc:docMk/>
-          <pc:sldMk cId="0" sldId="269"/>
-        </pc:sldMkLst>
-      </pc:sldChg>
-      <pc:sldChg chg="del">
-        <pc:chgData name="Mitchell Wand" userId="de9b44c55c049659" providerId="LiveId" clId="{A3C5E289-FD0A-4A2C-B775-A66EDB85EC8C}" dt="2023-09-21T19:05:48.983" v="0" actId="18676"/>
-        <pc:sldMkLst>
-          <pc:docMk/>
-          <pc:sldMk cId="0" sldId="270"/>
-        </pc:sldMkLst>
-      </pc:sldChg>
-      <pc:sldChg chg="del">
-        <pc:chgData name="Mitchell Wand" userId="de9b44c55c049659" providerId="LiveId" clId="{A3C5E289-FD0A-4A2C-B775-A66EDB85EC8C}" dt="2023-09-21T19:05:48.983" v="0" actId="18676"/>
-        <pc:sldMkLst>
-          <pc:docMk/>
-          <pc:sldMk cId="0" sldId="271"/>
-        </pc:sldMkLst>
-      </pc:sldChg>
-      <pc:sldChg chg="del">
-        <pc:chgData name="Mitchell Wand" userId="de9b44c55c049659" providerId="LiveId" clId="{A3C5E289-FD0A-4A2C-B775-A66EDB85EC8C}" dt="2023-09-21T19:05:48.983" v="0" actId="18676"/>
-        <pc:sldMkLst>
-          <pc:docMk/>
-          <pc:sldMk cId="0" sldId="273"/>
-        </pc:sldMkLst>
-      </pc:sldChg>
-      <pc:sldChg chg="del">
-        <pc:chgData name="Mitchell Wand" userId="de9b44c55c049659" providerId="LiveId" clId="{A3C5E289-FD0A-4A2C-B775-A66EDB85EC8C}" dt="2023-09-21T19:05:48.983" v="0" actId="18676"/>
-        <pc:sldMkLst>
-          <pc:docMk/>
-          <pc:sldMk cId="0" sldId="274"/>
-        </pc:sldMkLst>
-      </pc:sldChg>
-      <pc:sldChg chg="del">
-        <pc:chgData name="Mitchell Wand" userId="de9b44c55c049659" providerId="LiveId" clId="{A3C5E289-FD0A-4A2C-B775-A66EDB85EC8C}" dt="2023-09-21T19:05:48.983" v="0" actId="18676"/>
-        <pc:sldMkLst>
-          <pc:docMk/>
-          <pc:sldMk cId="0" sldId="275"/>
-        </pc:sldMkLst>
-      </pc:sldChg>
-      <pc:sldChg chg="del">
-        <pc:chgData name="Mitchell Wand" userId="de9b44c55c049659" providerId="LiveId" clId="{A3C5E289-FD0A-4A2C-B775-A66EDB85EC8C}" dt="2023-09-21T19:05:48.983" v="0" actId="18676"/>
-        <pc:sldMkLst>
-          <pc:docMk/>
-          <pc:sldMk cId="0" sldId="278"/>
-        </pc:sldMkLst>
-      </pc:sldChg>
-      <pc:sldChg chg="del">
-        <pc:chgData name="Mitchell Wand" userId="de9b44c55c049659" providerId="LiveId" clId="{A3C5E289-FD0A-4A2C-B775-A66EDB85EC8C}" dt="2023-09-21T19:05:48.983" v="0" actId="18676"/>
-        <pc:sldMkLst>
-          <pc:docMk/>
-          <pc:sldMk cId="0" sldId="279"/>
-        </pc:sldMkLst>
-      </pc:sldChg>
-      <pc:sldChg chg="add del">
-        <pc:chgData name="Mitchell Wand" userId="de9b44c55c049659" providerId="LiveId" clId="{A3C5E289-FD0A-4A2C-B775-A66EDB85EC8C}" dt="2023-09-21T19:07:12.046" v="1"/>
-        <pc:sldMkLst>
-          <pc:docMk/>
-          <pc:sldMk cId="0" sldId="286"/>
-        </pc:sldMkLst>
-      </pc:sldChg>
-      <pc:sldChg chg="add del">
-        <pc:chgData name="Mitchell Wand" userId="de9b44c55c049659" providerId="LiveId" clId="{A3C5E289-FD0A-4A2C-B775-A66EDB85EC8C}" dt="2023-09-21T19:07:12.046" v="1"/>
-        <pc:sldMkLst>
-          <pc:docMk/>
-          <pc:sldMk cId="0" sldId="288"/>
-        </pc:sldMkLst>
-      </pc:sldChg>
-      <pc:sldChg chg="add del">
-        <pc:chgData name="Mitchell Wand" userId="de9b44c55c049659" providerId="LiveId" clId="{A3C5E289-FD0A-4A2C-B775-A66EDB85EC8C}" dt="2023-09-21T19:07:12.046" v="1"/>
-        <pc:sldMkLst>
-          <pc:docMk/>
-          <pc:sldMk cId="0" sldId="289"/>
-        </pc:sldMkLst>
-      </pc:sldChg>
-      <pc:sldChg chg="add del">
-        <pc:chgData name="Mitchell Wand" userId="de9b44c55c049659" providerId="LiveId" clId="{A3C5E289-FD0A-4A2C-B775-A66EDB85EC8C}" dt="2023-09-21T19:07:12.046" v="1"/>
-        <pc:sldMkLst>
-          <pc:docMk/>
-          <pc:sldMk cId="0" sldId="290"/>
-        </pc:sldMkLst>
-      </pc:sldChg>
-      <pc:sldChg chg="add del">
-        <pc:chgData name="Mitchell Wand" userId="de9b44c55c049659" providerId="LiveId" clId="{A3C5E289-FD0A-4A2C-B775-A66EDB85EC8C}" dt="2023-09-21T19:07:12.046" v="1"/>
-        <pc:sldMkLst>
-          <pc:docMk/>
-          <pc:sldMk cId="0" sldId="291"/>
-        </pc:sldMkLst>
-      </pc:sldChg>
-      <pc:sldChg chg="add del">
-        <pc:chgData name="Mitchell Wand" userId="de9b44c55c049659" providerId="LiveId" clId="{A3C5E289-FD0A-4A2C-B775-A66EDB85EC8C}" dt="2023-09-21T19:07:12.046" v="1"/>
-        <pc:sldMkLst>
-          <pc:docMk/>
-          <pc:sldMk cId="0" sldId="292"/>
-        </pc:sldMkLst>
-      </pc:sldChg>
-      <pc:sldChg chg="add del">
-        <pc:chgData name="Mitchell Wand" userId="de9b44c55c049659" providerId="LiveId" clId="{A3C5E289-FD0A-4A2C-B775-A66EDB85EC8C}" dt="2023-09-21T19:07:12.046" v="1"/>
-        <pc:sldMkLst>
-          <pc:docMk/>
-          <pc:sldMk cId="0" sldId="293"/>
-        </pc:sldMkLst>
-      </pc:sldChg>
-      <pc:sldChg chg="del">
-        <pc:chgData name="Mitchell Wand" userId="de9b44c55c049659" providerId="LiveId" clId="{A3C5E289-FD0A-4A2C-B775-A66EDB85EC8C}" dt="2023-09-21T19:05:48.983" v="0" actId="18676"/>
-        <pc:sldMkLst>
-          <pc:docMk/>
-          <pc:sldMk cId="0" sldId="294"/>
-        </pc:sldMkLst>
-      </pc:sldChg>
-      <pc:sldChg chg="del">
-        <pc:chgData name="Mitchell Wand" userId="de9b44c55c049659" providerId="LiveId" clId="{A3C5E289-FD0A-4A2C-B775-A66EDB85EC8C}" dt="2023-09-21T19:05:48.983" v="0" actId="18676"/>
-        <pc:sldMkLst>
-          <pc:docMk/>
-          <pc:sldMk cId="2813158976" sldId="296"/>
-        </pc:sldMkLst>
-      </pc:sldChg>
-      <pc:sldChg chg="add del">
-        <pc:chgData name="Mitchell Wand" userId="de9b44c55c049659" providerId="LiveId" clId="{A3C5E289-FD0A-4A2C-B775-A66EDB85EC8C}" dt="2023-09-21T19:07:12.046" v="1"/>
-        <pc:sldMkLst>
-          <pc:docMk/>
-          <pc:sldMk cId="2690522714" sldId="386"/>
-        </pc:sldMkLst>
-      </pc:sldChg>
-      <pc:sldChg chg="del">
-        <pc:chgData name="Mitchell Wand" userId="de9b44c55c049659" providerId="LiveId" clId="{A3C5E289-FD0A-4A2C-B775-A66EDB85EC8C}" dt="2023-09-21T19:05:48.983" v="0" actId="18676"/>
-        <pc:sldMkLst>
-          <pc:docMk/>
-          <pc:sldMk cId="1712348606" sldId="387"/>
-        </pc:sldMkLst>
-      </pc:sldChg>
-      <pc:sldChg chg="del">
-        <pc:chgData name="Mitchell Wand" userId="de9b44c55c049659" providerId="LiveId" clId="{A3C5E289-FD0A-4A2C-B775-A66EDB85EC8C}" dt="2023-09-21T19:05:48.983" v="0" actId="18676"/>
-        <pc:sldMkLst>
-          <pc:docMk/>
-          <pc:sldMk cId="4105083793" sldId="388"/>
-        </pc:sldMkLst>
-      </pc:sldChg>
-      <pc:sldChg chg="del">
-        <pc:chgData name="Mitchell Wand" userId="de9b44c55c049659" providerId="LiveId" clId="{A3C5E289-FD0A-4A2C-B775-A66EDB85EC8C}" dt="2023-09-21T19:05:48.983" v="0" actId="18676"/>
-        <pc:sldMkLst>
-          <pc:docMk/>
-          <pc:sldMk cId="2457656915" sldId="389"/>
-        </pc:sldMkLst>
-      </pc:sldChg>
-      <pc:sldChg chg="del">
-        <pc:chgData name="Mitchell Wand" userId="de9b44c55c049659" providerId="LiveId" clId="{A3C5E289-FD0A-4A2C-B775-A66EDB85EC8C}" dt="2023-09-21T19:05:48.983" v="0" actId="18676"/>
-        <pc:sldMkLst>
-          <pc:docMk/>
-          <pc:sldMk cId="4204086104" sldId="390"/>
-        </pc:sldMkLst>
-      </pc:sldChg>
-      <pc:sldChg chg="del">
-        <pc:chgData name="Mitchell Wand" userId="de9b44c55c049659" providerId="LiveId" clId="{A3C5E289-FD0A-4A2C-B775-A66EDB85EC8C}" dt="2023-09-21T19:05:48.983" v="0" actId="18676"/>
-        <pc:sldMkLst>
-          <pc:docMk/>
-          <pc:sldMk cId="3646889748" sldId="391"/>
-        </pc:sldMkLst>
-      </pc:sldChg>
-      <pc:sldChg chg="del">
-        <pc:chgData name="Mitchell Wand" userId="de9b44c55c049659" providerId="LiveId" clId="{A3C5E289-FD0A-4A2C-B775-A66EDB85EC8C}" dt="2023-09-21T19:05:48.983" v="0" actId="18676"/>
-        <pc:sldMkLst>
-          <pc:docMk/>
-          <pc:sldMk cId="2936127610" sldId="393"/>
-        </pc:sldMkLst>
-      </pc:sldChg>
-      <pc:sldChg chg="del">
-        <pc:chgData name="Mitchell Wand" userId="de9b44c55c049659" providerId="LiveId" clId="{A3C5E289-FD0A-4A2C-B775-A66EDB85EC8C}" dt="2023-09-21T19:05:48.983" v="0" actId="18676"/>
-        <pc:sldMkLst>
-          <pc:docMk/>
-          <pc:sldMk cId="3959368631" sldId="395"/>
-        </pc:sldMkLst>
-      </pc:sldChg>
-      <pc:sldChg chg="del">
-        <pc:chgData name="Mitchell Wand" userId="de9b44c55c049659" providerId="LiveId" clId="{A3C5E289-FD0A-4A2C-B775-A66EDB85EC8C}" dt="2023-09-21T19:05:48.983" v="0" actId="18676"/>
-        <pc:sldMkLst>
-          <pc:docMk/>
-          <pc:sldMk cId="731707150" sldId="396"/>
-        </pc:sldMkLst>
-      </pc:sldChg>
-      <pc:sldChg chg="del">
-        <pc:chgData name="Mitchell Wand" userId="de9b44c55c049659" providerId="LiveId" clId="{A3C5E289-FD0A-4A2C-B775-A66EDB85EC8C}" dt="2023-09-21T19:05:48.983" v="0" actId="18676"/>
-        <pc:sldMkLst>
-          <pc:docMk/>
-          <pc:sldMk cId="448131492" sldId="397"/>
-        </pc:sldMkLst>
-      </pc:sldChg>
-      <pc:sldChg chg="del">
-        <pc:chgData name="Mitchell Wand" userId="de9b44c55c049659" providerId="LiveId" clId="{A3C5E289-FD0A-4A2C-B775-A66EDB85EC8C}" dt="2023-09-21T19:05:48.983" v="0" actId="18676"/>
-        <pc:sldMkLst>
-          <pc:docMk/>
-          <pc:sldMk cId="2865064717" sldId="398"/>
-        </pc:sldMkLst>
-      </pc:sldChg>
-      <pc:sldChg chg="del">
-        <pc:chgData name="Mitchell Wand" userId="de9b44c55c049659" providerId="LiveId" clId="{A3C5E289-FD0A-4A2C-B775-A66EDB85EC8C}" dt="2023-09-21T19:05:48.983" v="0" actId="18676"/>
-        <pc:sldMkLst>
-          <pc:docMk/>
-          <pc:sldMk cId="406903797" sldId="399"/>
-        </pc:sldMkLst>
-      </pc:sldChg>
-      <pc:sldChg chg="del">
-        <pc:chgData name="Mitchell Wand" userId="de9b44c55c049659" providerId="LiveId" clId="{A3C5E289-FD0A-4A2C-B775-A66EDB85EC8C}" dt="2023-09-21T19:05:48.983" v="0" actId="18676"/>
-        <pc:sldMkLst>
-          <pc:docMk/>
-          <pc:sldMk cId="1631386980" sldId="400"/>
-        </pc:sldMkLst>
-      </pc:sldChg>
-      <pc:sldChg chg="del">
-        <pc:chgData name="Mitchell Wand" userId="de9b44c55c049659" providerId="LiveId" clId="{A3C5E289-FD0A-4A2C-B775-A66EDB85EC8C}" dt="2023-09-21T19:05:48.983" v="0" actId="18676"/>
-        <pc:sldMkLst>
-          <pc:docMk/>
-          <pc:sldMk cId="581266231" sldId="401"/>
-        </pc:sldMkLst>
-      </pc:sldChg>
-      <pc:sldChg chg="del">
-        <pc:chgData name="Mitchell Wand" userId="de9b44c55c049659" providerId="LiveId" clId="{A3C5E289-FD0A-4A2C-B775-A66EDB85EC8C}" dt="2023-09-21T19:05:48.983" v="0" actId="18676"/>
-        <pc:sldMkLst>
-          <pc:docMk/>
-          <pc:sldMk cId="1352059909" sldId="402"/>
-        </pc:sldMkLst>
-      </pc:sldChg>
-      <pc:sldChg chg="del">
-        <pc:chgData name="Mitchell Wand" userId="de9b44c55c049659" providerId="LiveId" clId="{A3C5E289-FD0A-4A2C-B775-A66EDB85EC8C}" dt="2023-09-21T19:05:48.983" v="0" actId="18676"/>
-        <pc:sldMkLst>
-          <pc:docMk/>
-          <pc:sldMk cId="424888832" sldId="403"/>
-        </pc:sldMkLst>
-      </pc:sldChg>
-      <pc:sldChg chg="modSp mod">
-        <pc:chgData name="Mitchell Wand" userId="de9b44c55c049659" providerId="LiveId" clId="{A3C5E289-FD0A-4A2C-B775-A66EDB85EC8C}" dt="2023-09-21T19:08:02.826" v="3"/>
-        <pc:sldMkLst>
-          <pc:docMk/>
-          <pc:sldMk cId="2060496032" sldId="405"/>
-        </pc:sldMkLst>
-        <pc:spChg chg="mod">
-          <ac:chgData name="Mitchell Wand" userId="de9b44c55c049659" providerId="LiveId" clId="{A3C5E289-FD0A-4A2C-B775-A66EDB85EC8C}" dt="2023-09-21T19:08:02.826" v="3"/>
-          <ac:spMkLst>
-            <pc:docMk/>
-            <pc:sldMk cId="2060496032" sldId="405"/>
-            <ac:spMk id="3" creationId="{9BEC0C84-159D-289A-AB37-71EDCED09F3D}"/>
-          </ac:spMkLst>
-        </pc:spChg>
-      </pc:sldChg>
-      <pc:sldChg chg="modSp mod">
-        <pc:chgData name="Mitchell Wand" userId="de9b44c55c049659" providerId="LiveId" clId="{A3C5E289-FD0A-4A2C-B775-A66EDB85EC8C}" dt="2023-09-21T19:08:19.001" v="5"/>
-        <pc:sldMkLst>
-          <pc:docMk/>
-          <pc:sldMk cId="2363062081" sldId="425"/>
-        </pc:sldMkLst>
-        <pc:spChg chg="mod">
-          <ac:chgData name="Mitchell Wand" userId="de9b44c55c049659" providerId="LiveId" clId="{A3C5E289-FD0A-4A2C-B775-A66EDB85EC8C}" dt="2023-09-21T19:08:19.001" v="5"/>
-          <ac:spMkLst>
-            <pc:docMk/>
-            <pc:sldMk cId="2363062081" sldId="425"/>
-            <ac:spMk id="3" creationId="{9BEC0C84-159D-289A-AB37-71EDCED09F3D}"/>
-          </ac:spMkLst>
-        </pc:spChg>
-      </pc:sldChg>
-      <pc:sldMasterChg chg="delSldLayout">
-        <pc:chgData name="Mitchell Wand" userId="de9b44c55c049659" providerId="LiveId" clId="{A3C5E289-FD0A-4A2C-B775-A66EDB85EC8C}" dt="2023-09-21T19:05:48.983" v="0" actId="18676"/>
-        <pc:sldMasterMkLst>
-          <pc:docMk/>
-          <pc:sldMasterMk cId="0" sldId="2147483648"/>
-        </pc:sldMasterMkLst>
-        <pc:sldLayoutChg chg="del">
-          <pc:chgData name="Mitchell Wand" userId="de9b44c55c049659" providerId="LiveId" clId="{A3C5E289-FD0A-4A2C-B775-A66EDB85EC8C}" dt="2023-09-21T19:05:48.983" v="0" actId="18676"/>
-          <pc:sldLayoutMkLst>
-            <pc:docMk/>
-            <pc:sldMasterMk cId="0" sldId="2147483648"/>
-            <pc:sldLayoutMk cId="0" sldId="2147483652"/>
-          </pc:sldLayoutMkLst>
-        </pc:sldLayoutChg>
-      </pc:sldMasterChg>
-    </pc:docChg>
-  </pc:docChgLst>
   <pc:docChgLst>
     <pc:chgData name="Mitchell Wand" userId="de9b44c55c049659" providerId="LiveId" clId="{4E8951AA-E15D-42A6-A3F0-2BF2BA009931}"/>
     <pc:docChg chg="undo custSel addSld delSld modSld modSection">
@@ -2308,6 +1939,375 @@
       </pc:sldMasterChg>
     </pc:docChg>
   </pc:docChgLst>
+  <pc:docChgLst>
+    <pc:chgData name="Mitchell Wand" userId="de9b44c55c049659" providerId="LiveId" clId="{A3C5E289-FD0A-4A2C-B775-A66EDB85EC8C}"/>
+    <pc:docChg chg="addSld delSld modSld delSection modSection">
+      <pc:chgData name="Mitchell Wand" userId="de9b44c55c049659" providerId="LiveId" clId="{A3C5E289-FD0A-4A2C-B775-A66EDB85EC8C}" dt="2023-09-21T19:08:19.001" v="5"/>
+      <pc:docMkLst>
+        <pc:docMk/>
+      </pc:docMkLst>
+      <pc:sldChg chg="del">
+        <pc:chgData name="Mitchell Wand" userId="de9b44c55c049659" providerId="LiveId" clId="{A3C5E289-FD0A-4A2C-B775-A66EDB85EC8C}" dt="2023-09-21T19:05:48.983" v="0" actId="18676"/>
+        <pc:sldMkLst>
+          <pc:docMk/>
+          <pc:sldMk cId="0" sldId="256"/>
+        </pc:sldMkLst>
+      </pc:sldChg>
+      <pc:sldChg chg="del">
+        <pc:chgData name="Mitchell Wand" userId="de9b44c55c049659" providerId="LiveId" clId="{A3C5E289-FD0A-4A2C-B775-A66EDB85EC8C}" dt="2023-09-21T19:05:48.983" v="0" actId="18676"/>
+        <pc:sldMkLst>
+          <pc:docMk/>
+          <pc:sldMk cId="0" sldId="257"/>
+        </pc:sldMkLst>
+      </pc:sldChg>
+      <pc:sldChg chg="del">
+        <pc:chgData name="Mitchell Wand" userId="de9b44c55c049659" providerId="LiveId" clId="{A3C5E289-FD0A-4A2C-B775-A66EDB85EC8C}" dt="2023-09-21T19:05:48.983" v="0" actId="18676"/>
+        <pc:sldMkLst>
+          <pc:docMk/>
+          <pc:sldMk cId="0" sldId="258"/>
+        </pc:sldMkLst>
+      </pc:sldChg>
+      <pc:sldChg chg="del">
+        <pc:chgData name="Mitchell Wand" userId="de9b44c55c049659" providerId="LiveId" clId="{A3C5E289-FD0A-4A2C-B775-A66EDB85EC8C}" dt="2023-09-21T19:05:48.983" v="0" actId="18676"/>
+        <pc:sldMkLst>
+          <pc:docMk/>
+          <pc:sldMk cId="0" sldId="259"/>
+        </pc:sldMkLst>
+      </pc:sldChg>
+      <pc:sldChg chg="del">
+        <pc:chgData name="Mitchell Wand" userId="de9b44c55c049659" providerId="LiveId" clId="{A3C5E289-FD0A-4A2C-B775-A66EDB85EC8C}" dt="2023-09-21T19:05:48.983" v="0" actId="18676"/>
+        <pc:sldMkLst>
+          <pc:docMk/>
+          <pc:sldMk cId="0" sldId="260"/>
+        </pc:sldMkLst>
+      </pc:sldChg>
+      <pc:sldChg chg="del">
+        <pc:chgData name="Mitchell Wand" userId="de9b44c55c049659" providerId="LiveId" clId="{A3C5E289-FD0A-4A2C-B775-A66EDB85EC8C}" dt="2023-09-21T19:05:48.983" v="0" actId="18676"/>
+        <pc:sldMkLst>
+          <pc:docMk/>
+          <pc:sldMk cId="0" sldId="262"/>
+        </pc:sldMkLst>
+      </pc:sldChg>
+      <pc:sldChg chg="del">
+        <pc:chgData name="Mitchell Wand" userId="de9b44c55c049659" providerId="LiveId" clId="{A3C5E289-FD0A-4A2C-B775-A66EDB85EC8C}" dt="2023-09-21T19:05:48.983" v="0" actId="18676"/>
+        <pc:sldMkLst>
+          <pc:docMk/>
+          <pc:sldMk cId="0" sldId="263"/>
+        </pc:sldMkLst>
+      </pc:sldChg>
+      <pc:sldChg chg="del">
+        <pc:chgData name="Mitchell Wand" userId="de9b44c55c049659" providerId="LiveId" clId="{A3C5E289-FD0A-4A2C-B775-A66EDB85EC8C}" dt="2023-09-21T19:05:48.983" v="0" actId="18676"/>
+        <pc:sldMkLst>
+          <pc:docMk/>
+          <pc:sldMk cId="0" sldId="264"/>
+        </pc:sldMkLst>
+      </pc:sldChg>
+      <pc:sldChg chg="del">
+        <pc:chgData name="Mitchell Wand" userId="de9b44c55c049659" providerId="LiveId" clId="{A3C5E289-FD0A-4A2C-B775-A66EDB85EC8C}" dt="2023-09-21T19:05:48.983" v="0" actId="18676"/>
+        <pc:sldMkLst>
+          <pc:docMk/>
+          <pc:sldMk cId="0" sldId="265"/>
+        </pc:sldMkLst>
+      </pc:sldChg>
+      <pc:sldChg chg="del">
+        <pc:chgData name="Mitchell Wand" userId="de9b44c55c049659" providerId="LiveId" clId="{A3C5E289-FD0A-4A2C-B775-A66EDB85EC8C}" dt="2023-09-21T19:05:48.983" v="0" actId="18676"/>
+        <pc:sldMkLst>
+          <pc:docMk/>
+          <pc:sldMk cId="0" sldId="266"/>
+        </pc:sldMkLst>
+      </pc:sldChg>
+      <pc:sldChg chg="del">
+        <pc:chgData name="Mitchell Wand" userId="de9b44c55c049659" providerId="LiveId" clId="{A3C5E289-FD0A-4A2C-B775-A66EDB85EC8C}" dt="2023-09-21T19:05:48.983" v="0" actId="18676"/>
+        <pc:sldMkLst>
+          <pc:docMk/>
+          <pc:sldMk cId="0" sldId="267"/>
+        </pc:sldMkLst>
+      </pc:sldChg>
+      <pc:sldChg chg="del">
+        <pc:chgData name="Mitchell Wand" userId="de9b44c55c049659" providerId="LiveId" clId="{A3C5E289-FD0A-4A2C-B775-A66EDB85EC8C}" dt="2023-09-21T19:05:48.983" v="0" actId="18676"/>
+        <pc:sldMkLst>
+          <pc:docMk/>
+          <pc:sldMk cId="0" sldId="268"/>
+        </pc:sldMkLst>
+      </pc:sldChg>
+      <pc:sldChg chg="del">
+        <pc:chgData name="Mitchell Wand" userId="de9b44c55c049659" providerId="LiveId" clId="{A3C5E289-FD0A-4A2C-B775-A66EDB85EC8C}" dt="2023-09-21T19:05:48.983" v="0" actId="18676"/>
+        <pc:sldMkLst>
+          <pc:docMk/>
+          <pc:sldMk cId="0" sldId="269"/>
+        </pc:sldMkLst>
+      </pc:sldChg>
+      <pc:sldChg chg="del">
+        <pc:chgData name="Mitchell Wand" userId="de9b44c55c049659" providerId="LiveId" clId="{A3C5E289-FD0A-4A2C-B775-A66EDB85EC8C}" dt="2023-09-21T19:05:48.983" v="0" actId="18676"/>
+        <pc:sldMkLst>
+          <pc:docMk/>
+          <pc:sldMk cId="0" sldId="270"/>
+        </pc:sldMkLst>
+      </pc:sldChg>
+      <pc:sldChg chg="del">
+        <pc:chgData name="Mitchell Wand" userId="de9b44c55c049659" providerId="LiveId" clId="{A3C5E289-FD0A-4A2C-B775-A66EDB85EC8C}" dt="2023-09-21T19:05:48.983" v="0" actId="18676"/>
+        <pc:sldMkLst>
+          <pc:docMk/>
+          <pc:sldMk cId="0" sldId="271"/>
+        </pc:sldMkLst>
+      </pc:sldChg>
+      <pc:sldChg chg="del">
+        <pc:chgData name="Mitchell Wand" userId="de9b44c55c049659" providerId="LiveId" clId="{A3C5E289-FD0A-4A2C-B775-A66EDB85EC8C}" dt="2023-09-21T19:05:48.983" v="0" actId="18676"/>
+        <pc:sldMkLst>
+          <pc:docMk/>
+          <pc:sldMk cId="0" sldId="273"/>
+        </pc:sldMkLst>
+      </pc:sldChg>
+      <pc:sldChg chg="del">
+        <pc:chgData name="Mitchell Wand" userId="de9b44c55c049659" providerId="LiveId" clId="{A3C5E289-FD0A-4A2C-B775-A66EDB85EC8C}" dt="2023-09-21T19:05:48.983" v="0" actId="18676"/>
+        <pc:sldMkLst>
+          <pc:docMk/>
+          <pc:sldMk cId="0" sldId="274"/>
+        </pc:sldMkLst>
+      </pc:sldChg>
+      <pc:sldChg chg="del">
+        <pc:chgData name="Mitchell Wand" userId="de9b44c55c049659" providerId="LiveId" clId="{A3C5E289-FD0A-4A2C-B775-A66EDB85EC8C}" dt="2023-09-21T19:05:48.983" v="0" actId="18676"/>
+        <pc:sldMkLst>
+          <pc:docMk/>
+          <pc:sldMk cId="0" sldId="275"/>
+        </pc:sldMkLst>
+      </pc:sldChg>
+      <pc:sldChg chg="del">
+        <pc:chgData name="Mitchell Wand" userId="de9b44c55c049659" providerId="LiveId" clId="{A3C5E289-FD0A-4A2C-B775-A66EDB85EC8C}" dt="2023-09-21T19:05:48.983" v="0" actId="18676"/>
+        <pc:sldMkLst>
+          <pc:docMk/>
+          <pc:sldMk cId="0" sldId="278"/>
+        </pc:sldMkLst>
+      </pc:sldChg>
+      <pc:sldChg chg="del">
+        <pc:chgData name="Mitchell Wand" userId="de9b44c55c049659" providerId="LiveId" clId="{A3C5E289-FD0A-4A2C-B775-A66EDB85EC8C}" dt="2023-09-21T19:05:48.983" v="0" actId="18676"/>
+        <pc:sldMkLst>
+          <pc:docMk/>
+          <pc:sldMk cId="0" sldId="279"/>
+        </pc:sldMkLst>
+      </pc:sldChg>
+      <pc:sldChg chg="add del">
+        <pc:chgData name="Mitchell Wand" userId="de9b44c55c049659" providerId="LiveId" clId="{A3C5E289-FD0A-4A2C-B775-A66EDB85EC8C}" dt="2023-09-21T19:07:12.046" v="1"/>
+        <pc:sldMkLst>
+          <pc:docMk/>
+          <pc:sldMk cId="0" sldId="286"/>
+        </pc:sldMkLst>
+      </pc:sldChg>
+      <pc:sldChg chg="add del">
+        <pc:chgData name="Mitchell Wand" userId="de9b44c55c049659" providerId="LiveId" clId="{A3C5E289-FD0A-4A2C-B775-A66EDB85EC8C}" dt="2023-09-21T19:07:12.046" v="1"/>
+        <pc:sldMkLst>
+          <pc:docMk/>
+          <pc:sldMk cId="0" sldId="288"/>
+        </pc:sldMkLst>
+      </pc:sldChg>
+      <pc:sldChg chg="add del">
+        <pc:chgData name="Mitchell Wand" userId="de9b44c55c049659" providerId="LiveId" clId="{A3C5E289-FD0A-4A2C-B775-A66EDB85EC8C}" dt="2023-09-21T19:07:12.046" v="1"/>
+        <pc:sldMkLst>
+          <pc:docMk/>
+          <pc:sldMk cId="0" sldId="289"/>
+        </pc:sldMkLst>
+      </pc:sldChg>
+      <pc:sldChg chg="add del">
+        <pc:chgData name="Mitchell Wand" userId="de9b44c55c049659" providerId="LiveId" clId="{A3C5E289-FD0A-4A2C-B775-A66EDB85EC8C}" dt="2023-09-21T19:07:12.046" v="1"/>
+        <pc:sldMkLst>
+          <pc:docMk/>
+          <pc:sldMk cId="0" sldId="290"/>
+        </pc:sldMkLst>
+      </pc:sldChg>
+      <pc:sldChg chg="add del">
+        <pc:chgData name="Mitchell Wand" userId="de9b44c55c049659" providerId="LiveId" clId="{A3C5E289-FD0A-4A2C-B775-A66EDB85EC8C}" dt="2023-09-21T19:07:12.046" v="1"/>
+        <pc:sldMkLst>
+          <pc:docMk/>
+          <pc:sldMk cId="0" sldId="291"/>
+        </pc:sldMkLst>
+      </pc:sldChg>
+      <pc:sldChg chg="add del">
+        <pc:chgData name="Mitchell Wand" userId="de9b44c55c049659" providerId="LiveId" clId="{A3C5E289-FD0A-4A2C-B775-A66EDB85EC8C}" dt="2023-09-21T19:07:12.046" v="1"/>
+        <pc:sldMkLst>
+          <pc:docMk/>
+          <pc:sldMk cId="0" sldId="292"/>
+        </pc:sldMkLst>
+      </pc:sldChg>
+      <pc:sldChg chg="add del">
+        <pc:chgData name="Mitchell Wand" userId="de9b44c55c049659" providerId="LiveId" clId="{A3C5E289-FD0A-4A2C-B775-A66EDB85EC8C}" dt="2023-09-21T19:07:12.046" v="1"/>
+        <pc:sldMkLst>
+          <pc:docMk/>
+          <pc:sldMk cId="0" sldId="293"/>
+        </pc:sldMkLst>
+      </pc:sldChg>
+      <pc:sldChg chg="del">
+        <pc:chgData name="Mitchell Wand" userId="de9b44c55c049659" providerId="LiveId" clId="{A3C5E289-FD0A-4A2C-B775-A66EDB85EC8C}" dt="2023-09-21T19:05:48.983" v="0" actId="18676"/>
+        <pc:sldMkLst>
+          <pc:docMk/>
+          <pc:sldMk cId="0" sldId="294"/>
+        </pc:sldMkLst>
+      </pc:sldChg>
+      <pc:sldChg chg="del">
+        <pc:chgData name="Mitchell Wand" userId="de9b44c55c049659" providerId="LiveId" clId="{A3C5E289-FD0A-4A2C-B775-A66EDB85EC8C}" dt="2023-09-21T19:05:48.983" v="0" actId="18676"/>
+        <pc:sldMkLst>
+          <pc:docMk/>
+          <pc:sldMk cId="2813158976" sldId="296"/>
+        </pc:sldMkLst>
+      </pc:sldChg>
+      <pc:sldChg chg="add del">
+        <pc:chgData name="Mitchell Wand" userId="de9b44c55c049659" providerId="LiveId" clId="{A3C5E289-FD0A-4A2C-B775-A66EDB85EC8C}" dt="2023-09-21T19:07:12.046" v="1"/>
+        <pc:sldMkLst>
+          <pc:docMk/>
+          <pc:sldMk cId="2690522714" sldId="386"/>
+        </pc:sldMkLst>
+      </pc:sldChg>
+      <pc:sldChg chg="del">
+        <pc:chgData name="Mitchell Wand" userId="de9b44c55c049659" providerId="LiveId" clId="{A3C5E289-FD0A-4A2C-B775-A66EDB85EC8C}" dt="2023-09-21T19:05:48.983" v="0" actId="18676"/>
+        <pc:sldMkLst>
+          <pc:docMk/>
+          <pc:sldMk cId="1712348606" sldId="387"/>
+        </pc:sldMkLst>
+      </pc:sldChg>
+      <pc:sldChg chg="del">
+        <pc:chgData name="Mitchell Wand" userId="de9b44c55c049659" providerId="LiveId" clId="{A3C5E289-FD0A-4A2C-B775-A66EDB85EC8C}" dt="2023-09-21T19:05:48.983" v="0" actId="18676"/>
+        <pc:sldMkLst>
+          <pc:docMk/>
+          <pc:sldMk cId="4105083793" sldId="388"/>
+        </pc:sldMkLst>
+      </pc:sldChg>
+      <pc:sldChg chg="del">
+        <pc:chgData name="Mitchell Wand" userId="de9b44c55c049659" providerId="LiveId" clId="{A3C5E289-FD0A-4A2C-B775-A66EDB85EC8C}" dt="2023-09-21T19:05:48.983" v="0" actId="18676"/>
+        <pc:sldMkLst>
+          <pc:docMk/>
+          <pc:sldMk cId="2457656915" sldId="389"/>
+        </pc:sldMkLst>
+      </pc:sldChg>
+      <pc:sldChg chg="del">
+        <pc:chgData name="Mitchell Wand" userId="de9b44c55c049659" providerId="LiveId" clId="{A3C5E289-FD0A-4A2C-B775-A66EDB85EC8C}" dt="2023-09-21T19:05:48.983" v="0" actId="18676"/>
+        <pc:sldMkLst>
+          <pc:docMk/>
+          <pc:sldMk cId="4204086104" sldId="390"/>
+        </pc:sldMkLst>
+      </pc:sldChg>
+      <pc:sldChg chg="del">
+        <pc:chgData name="Mitchell Wand" userId="de9b44c55c049659" providerId="LiveId" clId="{A3C5E289-FD0A-4A2C-B775-A66EDB85EC8C}" dt="2023-09-21T19:05:48.983" v="0" actId="18676"/>
+        <pc:sldMkLst>
+          <pc:docMk/>
+          <pc:sldMk cId="3646889748" sldId="391"/>
+        </pc:sldMkLst>
+      </pc:sldChg>
+      <pc:sldChg chg="del">
+        <pc:chgData name="Mitchell Wand" userId="de9b44c55c049659" providerId="LiveId" clId="{A3C5E289-FD0A-4A2C-B775-A66EDB85EC8C}" dt="2023-09-21T19:05:48.983" v="0" actId="18676"/>
+        <pc:sldMkLst>
+          <pc:docMk/>
+          <pc:sldMk cId="2936127610" sldId="393"/>
+        </pc:sldMkLst>
+      </pc:sldChg>
+      <pc:sldChg chg="del">
+        <pc:chgData name="Mitchell Wand" userId="de9b44c55c049659" providerId="LiveId" clId="{A3C5E289-FD0A-4A2C-B775-A66EDB85EC8C}" dt="2023-09-21T19:05:48.983" v="0" actId="18676"/>
+        <pc:sldMkLst>
+          <pc:docMk/>
+          <pc:sldMk cId="3959368631" sldId="395"/>
+        </pc:sldMkLst>
+      </pc:sldChg>
+      <pc:sldChg chg="del">
+        <pc:chgData name="Mitchell Wand" userId="de9b44c55c049659" providerId="LiveId" clId="{A3C5E289-FD0A-4A2C-B775-A66EDB85EC8C}" dt="2023-09-21T19:05:48.983" v="0" actId="18676"/>
+        <pc:sldMkLst>
+          <pc:docMk/>
+          <pc:sldMk cId="731707150" sldId="396"/>
+        </pc:sldMkLst>
+      </pc:sldChg>
+      <pc:sldChg chg="del">
+        <pc:chgData name="Mitchell Wand" userId="de9b44c55c049659" providerId="LiveId" clId="{A3C5E289-FD0A-4A2C-B775-A66EDB85EC8C}" dt="2023-09-21T19:05:48.983" v="0" actId="18676"/>
+        <pc:sldMkLst>
+          <pc:docMk/>
+          <pc:sldMk cId="448131492" sldId="397"/>
+        </pc:sldMkLst>
+      </pc:sldChg>
+      <pc:sldChg chg="del">
+        <pc:chgData name="Mitchell Wand" userId="de9b44c55c049659" providerId="LiveId" clId="{A3C5E289-FD0A-4A2C-B775-A66EDB85EC8C}" dt="2023-09-21T19:05:48.983" v="0" actId="18676"/>
+        <pc:sldMkLst>
+          <pc:docMk/>
+          <pc:sldMk cId="2865064717" sldId="398"/>
+        </pc:sldMkLst>
+      </pc:sldChg>
+      <pc:sldChg chg="del">
+        <pc:chgData name="Mitchell Wand" userId="de9b44c55c049659" providerId="LiveId" clId="{A3C5E289-FD0A-4A2C-B775-A66EDB85EC8C}" dt="2023-09-21T19:05:48.983" v="0" actId="18676"/>
+        <pc:sldMkLst>
+          <pc:docMk/>
+          <pc:sldMk cId="406903797" sldId="399"/>
+        </pc:sldMkLst>
+      </pc:sldChg>
+      <pc:sldChg chg="del">
+        <pc:chgData name="Mitchell Wand" userId="de9b44c55c049659" providerId="LiveId" clId="{A3C5E289-FD0A-4A2C-B775-A66EDB85EC8C}" dt="2023-09-21T19:05:48.983" v="0" actId="18676"/>
+        <pc:sldMkLst>
+          <pc:docMk/>
+          <pc:sldMk cId="1631386980" sldId="400"/>
+        </pc:sldMkLst>
+      </pc:sldChg>
+      <pc:sldChg chg="del">
+        <pc:chgData name="Mitchell Wand" userId="de9b44c55c049659" providerId="LiveId" clId="{A3C5E289-FD0A-4A2C-B775-A66EDB85EC8C}" dt="2023-09-21T19:05:48.983" v="0" actId="18676"/>
+        <pc:sldMkLst>
+          <pc:docMk/>
+          <pc:sldMk cId="581266231" sldId="401"/>
+        </pc:sldMkLst>
+      </pc:sldChg>
+      <pc:sldChg chg="del">
+        <pc:chgData name="Mitchell Wand" userId="de9b44c55c049659" providerId="LiveId" clId="{A3C5E289-FD0A-4A2C-B775-A66EDB85EC8C}" dt="2023-09-21T19:05:48.983" v="0" actId="18676"/>
+        <pc:sldMkLst>
+          <pc:docMk/>
+          <pc:sldMk cId="1352059909" sldId="402"/>
+        </pc:sldMkLst>
+      </pc:sldChg>
+      <pc:sldChg chg="del">
+        <pc:chgData name="Mitchell Wand" userId="de9b44c55c049659" providerId="LiveId" clId="{A3C5E289-FD0A-4A2C-B775-A66EDB85EC8C}" dt="2023-09-21T19:05:48.983" v="0" actId="18676"/>
+        <pc:sldMkLst>
+          <pc:docMk/>
+          <pc:sldMk cId="424888832" sldId="403"/>
+        </pc:sldMkLst>
+      </pc:sldChg>
+      <pc:sldChg chg="modSp mod">
+        <pc:chgData name="Mitchell Wand" userId="de9b44c55c049659" providerId="LiveId" clId="{A3C5E289-FD0A-4A2C-B775-A66EDB85EC8C}" dt="2023-09-21T19:08:02.826" v="3"/>
+        <pc:sldMkLst>
+          <pc:docMk/>
+          <pc:sldMk cId="2060496032" sldId="405"/>
+        </pc:sldMkLst>
+        <pc:spChg chg="mod">
+          <ac:chgData name="Mitchell Wand" userId="de9b44c55c049659" providerId="LiveId" clId="{A3C5E289-FD0A-4A2C-B775-A66EDB85EC8C}" dt="2023-09-21T19:08:02.826" v="3"/>
+          <ac:spMkLst>
+            <pc:docMk/>
+            <pc:sldMk cId="2060496032" sldId="405"/>
+            <ac:spMk id="3" creationId="{9BEC0C84-159D-289A-AB37-71EDCED09F3D}"/>
+          </ac:spMkLst>
+        </pc:spChg>
+      </pc:sldChg>
+      <pc:sldChg chg="modSp mod">
+        <pc:chgData name="Mitchell Wand" userId="de9b44c55c049659" providerId="LiveId" clId="{A3C5E289-FD0A-4A2C-B775-A66EDB85EC8C}" dt="2023-09-21T19:08:19.001" v="5"/>
+        <pc:sldMkLst>
+          <pc:docMk/>
+          <pc:sldMk cId="2363062081" sldId="425"/>
+        </pc:sldMkLst>
+        <pc:spChg chg="mod">
+          <ac:chgData name="Mitchell Wand" userId="de9b44c55c049659" providerId="LiveId" clId="{A3C5E289-FD0A-4A2C-B775-A66EDB85EC8C}" dt="2023-09-21T19:08:19.001" v="5"/>
+          <ac:spMkLst>
+            <pc:docMk/>
+            <pc:sldMk cId="2363062081" sldId="425"/>
+            <ac:spMk id="3" creationId="{9BEC0C84-159D-289A-AB37-71EDCED09F3D}"/>
+          </ac:spMkLst>
+        </pc:spChg>
+      </pc:sldChg>
+      <pc:sldMasterChg chg="delSldLayout">
+        <pc:chgData name="Mitchell Wand" userId="de9b44c55c049659" providerId="LiveId" clId="{A3C5E289-FD0A-4A2C-B775-A66EDB85EC8C}" dt="2023-09-21T19:05:48.983" v="0" actId="18676"/>
+        <pc:sldMasterMkLst>
+          <pc:docMk/>
+          <pc:sldMasterMk cId="0" sldId="2147483648"/>
+        </pc:sldMasterMkLst>
+        <pc:sldLayoutChg chg="del">
+          <pc:chgData name="Mitchell Wand" userId="de9b44c55c049659" providerId="LiveId" clId="{A3C5E289-FD0A-4A2C-B775-A66EDB85EC8C}" dt="2023-09-21T19:05:48.983" v="0" actId="18676"/>
+          <pc:sldLayoutMkLst>
+            <pc:docMk/>
+            <pc:sldMasterMk cId="0" sldId="2147483648"/>
+            <pc:sldLayoutMk cId="0" sldId="2147483652"/>
+          </pc:sldLayoutMkLst>
+        </pc:sldLayoutChg>
+      </pc:sldMasterChg>
+    </pc:docChg>
+  </pc:docChgLst>
 </pc:chgInfo>
 </file>
 
@@ -2516,7 +2516,28 @@
           <a:bodyPr/>
           <a:lstStyle/>
           <a:p>
-            <a:endParaRPr lang="en-US"/>
+            <a:r>
+              <a:rPr lang="en-US" dirty="0"/>
+              <a:t>Welcome to Module 08: React Hooks.   Hooks are a unique feature of REACT, which enable React components to deal with inputs other than mouse clicks and the like.  </a:t>
+            </a:r>
+          </a:p>
+          <a:p>
+            <a:endParaRPr lang="en-US" dirty="0"/>
+          </a:p>
+          <a:p>
+            <a:r>
+              <a:rPr lang="en-US" dirty="0"/>
+              <a:t>In this first video for Module 08, we'll talk about hooks.</a:t>
+            </a:r>
+          </a:p>
+          <a:p>
+            <a:endParaRPr lang="en-US" dirty="0"/>
+          </a:p>
+          <a:p>
+            <a:r>
+              <a:rPr lang="en-US" dirty="0"/>
+              <a:t>In the second video, We'll talk briefly about how to do automated testing of React applications.</a:t>
+            </a:r>
           </a:p>
         </p:txBody>
       </p:sp>
@@ -2584,7 +2605,23 @@
           <a:p>
             <a:r>
               <a:rPr lang="en-US" dirty="0"/>
-              <a:t>Next, let's look at the dependency array in more detail.</a:t>
+              <a:t>And finally, here's where the display is actually generated.  We have an </a:t>
+            </a:r>
+            <a:r>
+              <a:rPr lang="en-US" dirty="0" err="1"/>
+              <a:t>hstack</a:t>
+            </a:r>
+            <a:r>
+              <a:rPr lang="en-US" dirty="0"/>
+              <a:t> that shows the clock's name, its local time, a button for asking its parent to delete it, and a button for asking its parent to create a new </a:t>
+            </a:r>
+            <a:r>
+              <a:rPr lang="en-US" dirty="0" err="1"/>
+              <a:t>clockdisplay</a:t>
+            </a:r>
+            <a:r>
+              <a:rPr lang="en-US" dirty="0"/>
+              <a:t>.</a:t>
             </a:r>
           </a:p>
         </p:txBody>
@@ -2592,7 +2629,7 @@
     </p:spTree>
     <p:extLst>
       <p:ext uri="{BB962C8B-B14F-4D97-AF65-F5344CB8AC3E}">
-        <p14:creationId xmlns:p14="http://schemas.microsoft.com/office/powerpoint/2010/main" val="2145125702"/>
+        <p14:creationId xmlns:p14="http://schemas.microsoft.com/office/powerpoint/2010/main" val="3924830816"/>
       </p:ext>
     </p:extLst>
   </p:cSld>
@@ -2653,7 +2690,7 @@
           <a:p>
             <a:r>
               <a:rPr lang="en-US" dirty="0"/>
-              <a:t>&lt;Demo; display console with Control-I&gt;</a:t>
+              <a:t>Next, let's look at the dependency array in more detail.  &lt;read slide&gt;</a:t>
             </a:r>
           </a:p>
         </p:txBody>
@@ -2661,7 +2698,7 @@
     </p:spTree>
     <p:extLst>
       <p:ext uri="{BB962C8B-B14F-4D97-AF65-F5344CB8AC3E}">
-        <p14:creationId xmlns:p14="http://schemas.microsoft.com/office/powerpoint/2010/main" val="1472379758"/>
+        <p14:creationId xmlns:p14="http://schemas.microsoft.com/office/powerpoint/2010/main" val="2145125702"/>
       </p:ext>
     </p:extLst>
   </p:cSld>
@@ -2722,27 +2759,66 @@
           <a:p>
             <a:r>
               <a:rPr lang="en-US" dirty="0"/>
-              <a:t>Demo: Apps/</a:t>
+              <a:t>Here's an example with two state variables, n and m, and a bunch of </a:t>
             </a:r>
             <a:r>
               <a:rPr lang="en-US" dirty="0" err="1"/>
-              <a:t>ArrayOfClocksApp.tsx</a:t>
+              <a:t>useEffects</a:t>
             </a:r>
             <a:r>
               <a:rPr lang="en-US" dirty="0"/>
-              <a:t>   </a:t>
-            </a:r>
-          </a:p>
-          <a:p>
+              <a:t>, with different dependency arrays.  The log messages tell us when each of the </a:t>
+            </a:r>
+            <a:r>
+              <a:rPr lang="en-US" dirty="0" err="1"/>
+              <a:t>useEffects</a:t>
+            </a:r>
             <a:r>
               <a:rPr lang="en-US" dirty="0"/>
-              <a:t>Observe that the number of listeners is decremented whenever you delete a clock display.</a:t>
-            </a:r>
-          </a:p>
-          <a:p>
+              <a:t> run:</a:t>
+            </a:r>
+          </a:p>
+          <a:p>
+            <a:endParaRPr lang="en-US" dirty="0"/>
+          </a:p>
+          <a:p>
+            <a:r>
+              <a:rPr lang="en-US" dirty="0" err="1"/>
+              <a:t>useEffect</a:t>
+            </a:r>
             <a:r>
               <a:rPr lang="en-US" dirty="0"/>
-              <a:t>Open up console and see that the console.log </a:t>
+              <a:t> #1 has an empty dependency array, so it is run only on first render</a:t>
+            </a:r>
+          </a:p>
+          <a:p>
+            <a:r>
+              <a:rPr lang="en-US" dirty="0" err="1"/>
+              <a:t>useEffect</a:t>
+            </a:r>
+            <a:r>
+              <a:rPr lang="en-US" dirty="0"/>
+              <a:t> #2N has a dependency array with just n, so it is run only when n changes.</a:t>
+            </a:r>
+          </a:p>
+          <a:p>
+            <a:r>
+              <a:rPr lang="en-US" dirty="0" err="1"/>
+              <a:t>useEffect</a:t>
+            </a:r>
+            <a:r>
+              <a:rPr lang="en-US" dirty="0"/>
+              <a:t> #2M has a dependency array with just m, so it is run only when m changes.</a:t>
+            </a:r>
+          </a:p>
+          <a:p>
+            <a:r>
+              <a:rPr lang="en-US" dirty="0" err="1"/>
+              <a:t>useEffects</a:t>
+            </a:r>
+            <a:r>
+              <a:rPr lang="en-US" dirty="0"/>
+              <a:t> #3A, B and C (on next slide) have no second argument, so they are run on every render.  We'll see that these are run in the order they appear in the file.</a:t>
             </a:r>
           </a:p>
         </p:txBody>
@@ -2750,7 +2826,7 @@
     </p:spTree>
     <p:extLst>
       <p:ext uri="{BB962C8B-B14F-4D97-AF65-F5344CB8AC3E}">
-        <p14:creationId xmlns:p14="http://schemas.microsoft.com/office/powerpoint/2010/main" val="3955276847"/>
+        <p14:creationId xmlns:p14="http://schemas.microsoft.com/office/powerpoint/2010/main" val="686638407"/>
       </p:ext>
     </p:extLst>
   </p:cSld>
@@ -2811,94 +2887,21 @@
           <a:p>
             <a:r>
               <a:rPr lang="en-US" dirty="0"/>
-              <a:t>We’ll use the same </a:t>
-            </a:r>
-            <a:r>
-              <a:rPr lang="en-US" dirty="0" err="1"/>
-              <a:t>ClockDisplay</a:t>
-            </a:r>
+              <a:t>Let's watch.  </a:t>
+            </a:r>
+          </a:p>
+          <a:p>
             <a:r>
               <a:rPr lang="en-US" dirty="0"/>
-              <a:t> component we used before.</a:t>
-            </a:r>
-          </a:p>
-          <a:p>
-            <a:r>
-              <a:rPr lang="en-US" dirty="0"/>
-              <a:t>We’ll keep a list of the clock displays, but we only keep the data for each display, not the actual component– this keeps the business logic separate from the display logic.</a:t>
-            </a:r>
-          </a:p>
-          <a:p>
-            <a:endParaRPr lang="en-US" dirty="0"/>
-          </a:p>
-          <a:p>
-            <a:r>
-              <a:rPr lang="en-US" dirty="0"/>
-              <a:t>We have </a:t>
-            </a:r>
-            <a:r>
-              <a:rPr lang="en-US" dirty="0" err="1"/>
-              <a:t>handleAdd</a:t>
-            </a:r>
-            <a:r>
-              <a:rPr lang="en-US" dirty="0"/>
-              <a:t> and </a:t>
-            </a:r>
-            <a:r>
-              <a:rPr lang="en-US" dirty="0" err="1"/>
-              <a:t>handleDelete</a:t>
-            </a:r>
-            <a:r>
-              <a:rPr lang="en-US" dirty="0"/>
-              <a:t> to manage this list.</a:t>
-            </a:r>
-          </a:p>
-          <a:p>
-            <a:endParaRPr lang="en-US" dirty="0"/>
-          </a:p>
-          <a:p>
-            <a:r>
-              <a:rPr lang="en-US" dirty="0"/>
-              <a:t>We run a </a:t>
-            </a:r>
-            <a:r>
-              <a:rPr lang="en-US" dirty="0" err="1"/>
-              <a:t>useEffect</a:t>
-            </a:r>
-            <a:r>
-              <a:rPr lang="en-US" dirty="0"/>
-              <a:t> on the first render to add the first clock display to the list.  `</a:t>
-            </a:r>
-            <a:r>
-              <a:rPr lang="en-US" dirty="0" err="1"/>
-              <a:t>handleAdd</a:t>
-            </a:r>
-            <a:r>
-              <a:rPr lang="en-US" dirty="0"/>
-              <a:t>` does this nicely for us, so we get to avoid some duplicated code.</a:t>
-            </a:r>
-          </a:p>
-          <a:p>
-            <a:endParaRPr lang="en-US" dirty="0"/>
-          </a:p>
-          <a:p>
-            <a:r>
-              <a:rPr lang="en-US" dirty="0"/>
-              <a:t>We’ll see the display logic on the next slide.</a:t>
-            </a:r>
-          </a:p>
-          <a:p>
-            <a:endParaRPr lang="en-US" dirty="0"/>
-          </a:p>
-          <a:p>
-            <a:endParaRPr lang="en-US" dirty="0"/>
+              <a:t>&lt;Demo; display console with Control-I&gt;</a:t>
+            </a:r>
           </a:p>
         </p:txBody>
       </p:sp>
     </p:spTree>
     <p:extLst>
       <p:ext uri="{BB962C8B-B14F-4D97-AF65-F5344CB8AC3E}">
-        <p14:creationId xmlns:p14="http://schemas.microsoft.com/office/powerpoint/2010/main" val="801643076"/>
+        <p14:creationId xmlns:p14="http://schemas.microsoft.com/office/powerpoint/2010/main" val="1472379758"/>
       </p:ext>
     </p:extLst>
   </p:cSld>
@@ -2959,7 +2962,33 @@
           <a:p>
             <a:r>
               <a:rPr lang="en-US" dirty="0"/>
-              <a:t>This is just like the code we had back in Module 07, where we did a `map` over a list of items, and displayed each in turn.</a:t>
+              <a:t>&lt;Read slide&gt;</a:t>
+            </a:r>
+          </a:p>
+          <a:p>
+            <a:r>
+              <a:rPr lang="en-US" dirty="0"/>
+              <a:t>&lt;Demo: Apps/</a:t>
+            </a:r>
+            <a:r>
+              <a:rPr lang="en-US" dirty="0" err="1"/>
+              <a:t>ArrayOfClocksApp.tsx</a:t>
+            </a:r>
+            <a:r>
+              <a:rPr lang="en-US" dirty="0"/>
+              <a:t> &gt;  </a:t>
+            </a:r>
+          </a:p>
+          <a:p>
+            <a:r>
+              <a:rPr lang="en-US" dirty="0"/>
+              <a:t>Observe that the number of listeners is decremented whenever you delete a clock display.</a:t>
+            </a:r>
+          </a:p>
+          <a:p>
+            <a:r>
+              <a:rPr lang="en-US" dirty="0"/>
+              <a:t>This tells us that the cleanup code is running.  And you can watch this in the console log also.</a:t>
             </a:r>
           </a:p>
           <a:p>
@@ -2968,40 +2997,7 @@
           <a:p>
             <a:r>
               <a:rPr lang="en-US" dirty="0"/>
-              <a:t>The function `</a:t>
-            </a:r>
-            <a:r>
-              <a:rPr lang="en-US" dirty="0" err="1"/>
-              <a:t>displayOneClock</a:t>
-            </a:r>
-            <a:r>
-              <a:rPr lang="en-US" dirty="0"/>
-              <a:t>` takes the data for a single clock, and emits a table row with a &lt;</a:t>
-            </a:r>
-            <a:r>
-              <a:rPr lang="en-US" dirty="0" err="1"/>
-              <a:t>ClockDisplay</a:t>
-            </a:r>
-            <a:r>
-              <a:rPr lang="en-US" dirty="0"/>
-              <a:t>&gt; for that clock.</a:t>
-            </a:r>
-          </a:p>
-          <a:p>
-            <a:endParaRPr lang="en-US" dirty="0"/>
-          </a:p>
-          <a:p>
-            <a:r>
-              <a:rPr lang="en-US" dirty="0"/>
-              <a:t>Then we map this function over the whole list of </a:t>
-            </a:r>
-            <a:r>
-              <a:rPr lang="en-US" dirty="0" err="1"/>
-              <a:t>clockDisplays</a:t>
-            </a:r>
-            <a:r>
-              <a:rPr lang="en-US" dirty="0"/>
-              <a:t>.</a:t>
+              <a:t>Let's look at the code for this:</a:t>
             </a:r>
           </a:p>
         </p:txBody>
@@ -3009,7 +3005,7 @@
     </p:spTree>
     <p:extLst>
       <p:ext uri="{BB962C8B-B14F-4D97-AF65-F5344CB8AC3E}">
-        <p14:creationId xmlns:p14="http://schemas.microsoft.com/office/powerpoint/2010/main" val="2749446221"/>
+        <p14:creationId xmlns:p14="http://schemas.microsoft.com/office/powerpoint/2010/main" val="3955276847"/>
       </p:ext>
     </p:extLst>
   </p:cSld>
@@ -3070,15 +3066,131 @@
           <a:p>
             <a:r>
               <a:rPr lang="en-US" dirty="0"/>
-              <a:t>For example, you could package up a simple hook to run on the first render.</a:t>
-            </a:r>
+              <a:t>We’ll use the same </a:t>
+            </a:r>
+            <a:r>
+              <a:rPr lang="en-US" dirty="0" err="1"/>
+              <a:t>ClockDisplay</a:t>
+            </a:r>
+            <a:r>
+              <a:rPr lang="en-US" dirty="0"/>
+              <a:t> component we used before.</a:t>
+            </a:r>
+          </a:p>
+          <a:p>
+            <a:r>
+              <a:rPr lang="en-US" dirty="0"/>
+              <a:t>We’ll keep a list of the clock displays, but we only keep the data for each display, not the actual component– this keeps the business logic separate from the display logic.</a:t>
+            </a:r>
+          </a:p>
+          <a:p>
+            <a:endParaRPr lang="en-US" dirty="0"/>
+          </a:p>
+          <a:p>
+            <a:r>
+              <a:rPr lang="en-US" dirty="0"/>
+              <a:t>We have </a:t>
+            </a:r>
+            <a:r>
+              <a:rPr lang="en-US" dirty="0" err="1"/>
+              <a:t>handleAdd</a:t>
+            </a:r>
+            <a:r>
+              <a:rPr lang="en-US" dirty="0"/>
+              <a:t> and </a:t>
+            </a:r>
+            <a:r>
+              <a:rPr lang="en-US" dirty="0" err="1"/>
+              <a:t>handleDelete</a:t>
+            </a:r>
+            <a:r>
+              <a:rPr lang="en-US" dirty="0"/>
+              <a:t> to manage this list.  </a:t>
+            </a:r>
+            <a:r>
+              <a:rPr lang="en-US" dirty="0" err="1"/>
+              <a:t>handleAdd</a:t>
+            </a:r>
+            <a:r>
+              <a:rPr lang="en-US" dirty="0"/>
+              <a:t> follows the pattern we saw in the </a:t>
+            </a:r>
+            <a:r>
+              <a:rPr lang="en-US" dirty="0" err="1"/>
+              <a:t>todo</a:t>
+            </a:r>
+            <a:r>
+              <a:rPr lang="en-US" dirty="0"/>
+              <a:t> app:  it assembles the data for the new display, adds this data to the list, and then increments the key so it will be ready for the next clock to be added.</a:t>
+            </a:r>
+          </a:p>
+          <a:p>
+            <a:endParaRPr lang="en-US" dirty="0"/>
+          </a:p>
+          <a:p>
+            <a:r>
+              <a:rPr lang="en-US" dirty="0" err="1"/>
+              <a:t>handleDelete</a:t>
+            </a:r>
+            <a:r>
+              <a:rPr lang="en-US" dirty="0"/>
+              <a:t> is routine, just like the one in the </a:t>
+            </a:r>
+            <a:r>
+              <a:rPr lang="en-US" dirty="0" err="1"/>
+              <a:t>todo</a:t>
+            </a:r>
+            <a:r>
+              <a:rPr lang="en-US" dirty="0"/>
+              <a:t> app.</a:t>
+            </a:r>
+          </a:p>
+          <a:p>
+            <a:endParaRPr lang="en-US" dirty="0"/>
+          </a:p>
+          <a:p>
+            <a:r>
+              <a:rPr lang="en-US" dirty="0"/>
+              <a:t>We run a </a:t>
+            </a:r>
+            <a:r>
+              <a:rPr lang="en-US" dirty="0" err="1"/>
+              <a:t>useEffect</a:t>
+            </a:r>
+            <a:r>
+              <a:rPr lang="en-US" dirty="0"/>
+              <a:t> on the first render to add the first clock display to the list.  `</a:t>
+            </a:r>
+            <a:r>
+              <a:rPr lang="en-US" dirty="0" err="1"/>
+              <a:t>handleAdd</a:t>
+            </a:r>
+            <a:r>
+              <a:rPr lang="en-US" dirty="0"/>
+              <a:t>` does this nicely for us, so we get to avoid some duplicated code.  </a:t>
+            </a:r>
+          </a:p>
+          <a:p>
+            <a:endParaRPr lang="en-US" dirty="0"/>
+          </a:p>
+          <a:p>
+            <a:r>
+              <a:rPr lang="en-US" dirty="0"/>
+              <a:t>We’ll see the display logic on the next slide.</a:t>
+            </a:r>
+          </a:p>
+          <a:p>
+            <a:endParaRPr lang="en-US" dirty="0"/>
+          </a:p>
+          <a:p>
+            <a:endParaRPr lang="en-US" dirty="0"/>
           </a:p>
         </p:txBody>
       </p:sp>
     </p:spTree>
     <p:extLst>
       <p:ext uri="{BB962C8B-B14F-4D97-AF65-F5344CB8AC3E}">
-        <p14:creationId xmlns:p14="http://schemas.microsoft.com/office/powerpoint/2010/main" val="194553693"/>
+        <p14:creationId xmlns:p14="http://schemas.microsoft.com/office/powerpoint/2010/main" val="801643076"/>
       </p:ext>
     </p:extLst>
   </p:cSld>
@@ -3139,23 +3251,57 @@
           <a:p>
             <a:r>
               <a:rPr lang="en-US" dirty="0"/>
-              <a:t>Here we’ve created an abstraction of a </a:t>
+              <a:t>This is just like the code we had in the </a:t>
             </a:r>
             <a:r>
               <a:rPr lang="en-US" dirty="0" err="1"/>
-              <a:t>useEffect</a:t>
+              <a:t>todo</a:t>
             </a:r>
             <a:r>
               <a:rPr lang="en-US" dirty="0"/>
-              <a:t> that uses the singleton clock.  Notice that </a:t>
+              <a:t> app, where we did a `map` over a list of items, and displayed each in turn.</a:t>
+            </a:r>
+          </a:p>
+          <a:p>
+            <a:endParaRPr lang="en-US" dirty="0"/>
+          </a:p>
+          <a:p>
+            <a:r>
+              <a:rPr lang="en-US" dirty="0"/>
+              <a:t>The function `</a:t>
             </a:r>
             <a:r>
               <a:rPr lang="en-US" dirty="0" err="1"/>
-              <a:t>useClock</a:t>
+              <a:t>displayOneClock</a:t>
             </a:r>
             <a:r>
               <a:rPr lang="en-US" dirty="0"/>
-              <a:t> takes one argument (a listener for the clock) and returns the clock as a value, so we can refer to the clock elsewhere in the component.</a:t>
+              <a:t>` takes the data for a single clock, and emits a table row with a &lt;</a:t>
+            </a:r>
+            <a:r>
+              <a:rPr lang="en-US" dirty="0" err="1"/>
+              <a:t>ClockDisplay</a:t>
+            </a:r>
+            <a:r>
+              <a:rPr lang="en-US" dirty="0"/>
+              <a:t>&gt; for that clock.</a:t>
+            </a:r>
+          </a:p>
+          <a:p>
+            <a:endParaRPr lang="en-US" dirty="0"/>
+          </a:p>
+          <a:p>
+            <a:r>
+              <a:rPr lang="en-US" dirty="0"/>
+              <a:t>Then we map this function over the whole list of </a:t>
+            </a:r>
+            <a:r>
+              <a:rPr lang="en-US" dirty="0" err="1"/>
+              <a:t>clockDisplays</a:t>
+            </a:r>
+            <a:r>
+              <a:rPr lang="en-US" dirty="0"/>
+              <a:t>.</a:t>
             </a:r>
           </a:p>
         </p:txBody>
@@ -3163,7 +3309,7 @@
     </p:spTree>
     <p:extLst>
       <p:ext uri="{BB962C8B-B14F-4D97-AF65-F5344CB8AC3E}">
-        <p14:creationId xmlns:p14="http://schemas.microsoft.com/office/powerpoint/2010/main" val="2450037311"/>
+        <p14:creationId xmlns:p14="http://schemas.microsoft.com/office/powerpoint/2010/main" val="2749446221"/>
       </p:ext>
     </p:extLst>
   </p:cSld>
@@ -3224,72 +3370,7 @@
           <a:p>
             <a:r>
               <a:rPr lang="en-US" dirty="0"/>
-              <a:t>Here’s our old friend </a:t>
-            </a:r>
-            <a:r>
-              <a:rPr lang="en-US" dirty="0" err="1"/>
-              <a:t>ClockDisplay</a:t>
-            </a:r>
-            <a:r>
-              <a:rPr lang="en-US" dirty="0"/>
-              <a:t>, but this time using </a:t>
-            </a:r>
-            <a:r>
-              <a:rPr lang="en-US" dirty="0" err="1"/>
-              <a:t>useClock</a:t>
-            </a:r>
-            <a:r>
-              <a:rPr lang="en-US" dirty="0"/>
-              <a:t>.  We take advantage of the fact that </a:t>
-            </a:r>
-            <a:r>
-              <a:rPr lang="en-US" dirty="0" err="1"/>
-              <a:t>useClock</a:t>
-            </a:r>
-            <a:r>
-              <a:rPr lang="en-US" dirty="0"/>
-              <a:t> returns the clock so that we can refer to </a:t>
-            </a:r>
-            <a:r>
-              <a:rPr lang="en-US" dirty="0" err="1"/>
-              <a:t>clock.nListeners</a:t>
-            </a:r>
-            <a:r>
-              <a:rPr lang="en-US" dirty="0"/>
-              <a:t> later on.</a:t>
-            </a:r>
-          </a:p>
-          <a:p>
-            <a:endParaRPr lang="en-US" dirty="0"/>
-          </a:p>
-          <a:p>
-            <a:r>
-              <a:rPr lang="en-US" dirty="0"/>
-              <a:t>More complicated hooks might return more complicated objects, </a:t>
-            </a:r>
-            <a:r>
-              <a:rPr lang="en-US" dirty="0" err="1"/>
-              <a:t>eg</a:t>
-            </a:r>
-            <a:r>
-              <a:rPr lang="en-US" dirty="0"/>
-              <a:t> </a:t>
-            </a:r>
-            <a:r>
-              <a:rPr lang="en-US" dirty="0" err="1"/>
-              <a:t>useTown</a:t>
-            </a:r>
-            <a:r>
-              <a:rPr lang="en-US" dirty="0"/>
-              <a:t> in </a:t>
-            </a:r>
-            <a:r>
-              <a:rPr lang="en-US" dirty="0" err="1"/>
-              <a:t>covey.town</a:t>
-            </a:r>
-            <a:r>
-              <a:rPr lang="en-US" dirty="0"/>
-              <a:t>.</a:t>
+              <a:t>&lt;Read slide&gt;</a:t>
             </a:r>
           </a:p>
         </p:txBody>
@@ -3297,7 +3378,7 @@
     </p:spTree>
     <p:extLst>
       <p:ext uri="{BB962C8B-B14F-4D97-AF65-F5344CB8AC3E}">
-        <p14:creationId xmlns:p14="http://schemas.microsoft.com/office/powerpoint/2010/main" val="3737499629"/>
+        <p14:creationId xmlns:p14="http://schemas.microsoft.com/office/powerpoint/2010/main" val="596009424"/>
       </p:ext>
     </p:extLst>
   </p:cSld>
@@ -3326,7 +3407,7 @@
       </p:grpSpPr>
       <p:sp>
         <p:nvSpPr>
-          <p:cNvPr id="315" name="Shape 315"/>
+          <p:cNvPr id="2" name="Slide Image Placeholder 1"/>
           <p:cNvSpPr>
             <a:spLocks noGrp="1" noRot="1" noChangeAspect="1"/>
           </p:cNvSpPr>
@@ -3339,58 +3420,34 @@
             <a:off x="381000" y="685800"/>
             <a:ext cx="6096000" cy="3429000"/>
           </a:xfrm>
-          <a:prstGeom prst="rect">
-            <a:avLst/>
-          </a:prstGeom>
         </p:spPr>
-        <p:txBody>
-          <a:bodyPr/>
-          <a:lstStyle/>
-          <a:p>
-            <a:endParaRPr/>
-          </a:p>
-        </p:txBody>
       </p:sp>
       <p:sp>
         <p:nvSpPr>
-          <p:cNvPr id="316" name="Shape 316"/>
+          <p:cNvPr id="3" name="Notes Placeholder 2"/>
           <p:cNvSpPr>
             <a:spLocks noGrp="1"/>
           </p:cNvSpPr>
           <p:nvPr>
-            <p:ph type="body" sz="quarter" idx="1"/>
+            <p:ph type="body" idx="1"/>
           </p:nvPr>
         </p:nvSpPr>
-        <p:spPr>
-          <a:prstGeom prst="rect">
-            <a:avLst/>
-          </a:prstGeom>
-        </p:spPr>
+        <p:spPr/>
         <p:txBody>
           <a:bodyPr/>
           <a:lstStyle/>
           <a:p>
             <a:r>
-              <a:t>There are two rules of hooks, both of which are necessary for React to uniquely identify calls to hooks across different renders of the same component.</a:t>
-            </a:r>
-          </a:p>
-          <a:p>
-            <a:endParaRPr/>
-          </a:p>
-          <a:p>
-            <a:r>
-              <a:t>(Read slide)</a:t>
-            </a:r>
-          </a:p>
-          <a:p>
-            <a:endParaRPr/>
+              <a:rPr lang="en-US" dirty="0"/>
+              <a:t>For example, you could package up a simple hook to run on the first render.</a:t>
+            </a:r>
           </a:p>
         </p:txBody>
       </p:sp>
     </p:spTree>
     <p:extLst>
       <p:ext uri="{BB962C8B-B14F-4D97-AF65-F5344CB8AC3E}">
-        <p14:creationId xmlns:p14="http://schemas.microsoft.com/office/powerpoint/2010/main" val="1530624716"/>
+        <p14:creationId xmlns:p14="http://schemas.microsoft.com/office/powerpoint/2010/main" val="194553693"/>
       </p:ext>
     </p:extLst>
   </p:cSld>
@@ -3451,15 +3508,66 @@
           <a:p>
             <a:r>
               <a:rPr lang="en-US" dirty="0"/>
-              <a:t>(read slide)</a:t>
-            </a:r>
+              <a:t>Here's a more substantial example.  In this example, we’ve created an abstraction of a </a:t>
+            </a:r>
+            <a:r>
+              <a:rPr lang="en-US" dirty="0" err="1"/>
+              <a:t>useEffect</a:t>
+            </a:r>
+            <a:r>
+              <a:rPr lang="en-US" dirty="0"/>
+              <a:t> that uses the singleton clock.  </a:t>
+            </a:r>
+          </a:p>
+          <a:p>
+            <a:endParaRPr lang="en-US" dirty="0"/>
+          </a:p>
+          <a:p>
+            <a:r>
+              <a:rPr lang="en-US" dirty="0"/>
+              <a:t>How might this help?  We imagine that we have several components that all want to listen to the master clock.  But they are likely to use different listeners, so we'll make the listener an argument to our hook.  (We say that we "abstract over" the listener).  And we also imagine that our components might need other access to the clock, so we have the </a:t>
+            </a:r>
+            <a:r>
+              <a:rPr lang="en-US" dirty="0" err="1"/>
+              <a:t>the</a:t>
+            </a:r>
+            <a:r>
+              <a:rPr lang="en-US" dirty="0"/>
+              <a:t> hook return a reference to the clock.</a:t>
+            </a:r>
+          </a:p>
+          <a:p>
+            <a:endParaRPr lang="en-US" dirty="0"/>
+          </a:p>
+          <a:p>
+            <a:r>
+              <a:rPr lang="en-US" dirty="0"/>
+              <a:t>But we always want to do this on the first render of the component, so we add an empty </a:t>
+            </a:r>
+            <a:r>
+              <a:rPr lang="en-US" dirty="0" err="1"/>
+              <a:t>dependenc</a:t>
+            </a:r>
+            <a:r>
+              <a:rPr lang="en-US" dirty="0"/>
+              <a:t> array.</a:t>
+            </a:r>
+          </a:p>
+          <a:p>
+            <a:endParaRPr lang="en-US" dirty="0"/>
+          </a:p>
+          <a:p>
+            <a:endParaRPr lang="en-US" dirty="0"/>
+          </a:p>
+          <a:p>
+            <a:endParaRPr lang="en-US" dirty="0"/>
           </a:p>
         </p:txBody>
       </p:sp>
     </p:spTree>
     <p:extLst>
       <p:ext uri="{BB962C8B-B14F-4D97-AF65-F5344CB8AC3E}">
-        <p14:creationId xmlns:p14="http://schemas.microsoft.com/office/powerpoint/2010/main" val="1433288861"/>
+        <p14:creationId xmlns:p14="http://schemas.microsoft.com/office/powerpoint/2010/main" val="2450037311"/>
       </p:ext>
     </p:extLst>
   </p:cSld>
@@ -3518,14 +3626,17 @@
           <a:bodyPr/>
           <a:lstStyle/>
           <a:p>
-            <a:endParaRPr lang="en-US" dirty="0"/>
+            <a:r>
+              <a:rPr lang="en-US" dirty="0"/>
+              <a:t>&lt;read slide&gt;</a:t>
+            </a:r>
           </a:p>
         </p:txBody>
       </p:sp>
     </p:spTree>
     <p:extLst>
       <p:ext uri="{BB962C8B-B14F-4D97-AF65-F5344CB8AC3E}">
-        <p14:creationId xmlns:p14="http://schemas.microsoft.com/office/powerpoint/2010/main" val="3035166709"/>
+        <p14:creationId xmlns:p14="http://schemas.microsoft.com/office/powerpoint/2010/main" val="567154477"/>
       </p:ext>
     </p:extLst>
   </p:cSld>
@@ -3586,7 +3697,64 @@
           <a:p>
             <a:r>
               <a:rPr lang="en-US" dirty="0"/>
-              <a:t>(read slide)</a:t>
+              <a:t>Here’s our old friend </a:t>
+            </a:r>
+            <a:r>
+              <a:rPr lang="en-US" dirty="0" err="1"/>
+              <a:t>ClockDisplay</a:t>
+            </a:r>
+            <a:r>
+              <a:rPr lang="en-US" dirty="0"/>
+              <a:t>, but this time using </a:t>
+            </a:r>
+            <a:r>
+              <a:rPr lang="en-US" dirty="0" err="1"/>
+              <a:t>useClock</a:t>
+            </a:r>
+            <a:r>
+              <a:rPr lang="en-US" dirty="0"/>
+              <a:t>.  We take advantage of the fact that </a:t>
+            </a:r>
+            <a:r>
+              <a:rPr lang="en-US" dirty="0" err="1"/>
+              <a:t>useClock</a:t>
+            </a:r>
+            <a:r>
+              <a:rPr lang="en-US" dirty="0"/>
+              <a:t> returns the clock so that we can refer to </a:t>
+            </a:r>
+            <a:r>
+              <a:rPr lang="en-US" dirty="0" err="1"/>
+              <a:t>clock.nListeners</a:t>
+            </a:r>
+            <a:r>
+              <a:rPr lang="en-US" dirty="0"/>
+              <a:t> later on.</a:t>
+            </a:r>
+          </a:p>
+          <a:p>
+            <a:endParaRPr lang="en-US" dirty="0"/>
+          </a:p>
+          <a:p>
+            <a:r>
+              <a:rPr lang="en-US" dirty="0"/>
+              <a:t>More complicated hooks might return more complicated objects.  For example, </a:t>
+            </a:r>
+            <a:r>
+              <a:rPr lang="en-US" dirty="0" err="1"/>
+              <a:t>covey.town</a:t>
+            </a:r>
+            <a:r>
+              <a:rPr lang="en-US" dirty="0"/>
+              <a:t> makes extensive use a hook called </a:t>
+            </a:r>
+            <a:r>
+              <a:rPr lang="en-US" dirty="0" err="1"/>
+              <a:t>useTown</a:t>
+            </a:r>
+            <a:r>
+              <a:rPr lang="en-US" dirty="0"/>
+              <a:t> that returns the town in which some component is running.</a:t>
             </a:r>
           </a:p>
         </p:txBody>
@@ -3594,7 +3762,7 @@
     </p:spTree>
     <p:extLst>
       <p:ext uri="{BB962C8B-B14F-4D97-AF65-F5344CB8AC3E}">
-        <p14:creationId xmlns:p14="http://schemas.microsoft.com/office/powerpoint/2010/main" val="448005849"/>
+        <p14:creationId xmlns:p14="http://schemas.microsoft.com/office/powerpoint/2010/main" val="3737499629"/>
       </p:ext>
     </p:extLst>
   </p:cSld>
@@ -3623,7 +3791,7 @@
       </p:grpSpPr>
       <p:sp>
         <p:nvSpPr>
-          <p:cNvPr id="381" name="Shape 381"/>
+          <p:cNvPr id="315" name="Shape 315"/>
           <p:cNvSpPr>
             <a:spLocks noGrp="1" noRot="1" noChangeAspect="1"/>
           </p:cNvSpPr>
@@ -3650,7 +3818,7 @@
       </p:sp>
       <p:sp>
         <p:nvSpPr>
-          <p:cNvPr id="382" name="Shape 382"/>
+          <p:cNvPr id="316" name="Shape 316"/>
           <p:cNvSpPr>
             <a:spLocks noGrp="1"/>
           </p:cNvSpPr>
@@ -3668,31 +3836,28 @@
           <a:lstStyle/>
           <a:p>
             <a:r>
-              <a:rPr lang="en-US" dirty="0"/>
-              <a:t>Using the testing library, we can start to sketch a test for the delete button on our greeting app.</a:t>
-            </a:r>
-          </a:p>
-          <a:p>
-            <a:endParaRPr lang="en-US" dirty="0"/>
-          </a:p>
-          <a:p>
-            <a:r>
-              <a:rPr lang="en-US" dirty="0"/>
-              <a:t>(read slide, bullets explain the code)</a:t>
-            </a:r>
-          </a:p>
-          <a:p>
-            <a:endParaRPr lang="en-US" dirty="0"/>
-          </a:p>
-          <a:p>
-            <a:r>
-              <a:rPr dirty="0"/>
-              <a:t>There are also a variety of options to pass to render, but unlikely to ever need them. Can see docs for more.</a:t>
-            </a:r>
+              <a:t>There are two rules of hooks, both of which are necessary for React to uniquely identify calls to hooks across different renders of the same component.</a:t>
+            </a:r>
+          </a:p>
+          <a:p>
+            <a:endParaRPr/>
+          </a:p>
+          <a:p>
+            <a:r>
+              <a:t>(Read slide)</a:t>
+            </a:r>
+          </a:p>
+          <a:p>
+            <a:endParaRPr/>
           </a:p>
         </p:txBody>
       </p:sp>
     </p:spTree>
+    <p:extLst>
+      <p:ext uri="{BB962C8B-B14F-4D97-AF65-F5344CB8AC3E}">
+        <p14:creationId xmlns:p14="http://schemas.microsoft.com/office/powerpoint/2010/main" val="1530624716"/>
+      </p:ext>
+    </p:extLst>
   </p:cSld>
   <p:clrMapOvr>
     <a:masterClrMapping/>
@@ -3719,7 +3884,7 @@
       </p:grpSpPr>
       <p:sp>
         <p:nvSpPr>
-          <p:cNvPr id="391" name="Shape 391"/>
+          <p:cNvPr id="2" name="Slide Image Placeholder 1"/>
           <p:cNvSpPr>
             <a:spLocks noGrp="1" noRot="1" noChangeAspect="1"/>
           </p:cNvSpPr>
@@ -3732,58 +3897,36 @@
             <a:off x="381000" y="685800"/>
             <a:ext cx="6096000" cy="3429000"/>
           </a:xfrm>
-          <a:prstGeom prst="rect">
-            <a:avLst/>
-          </a:prstGeom>
         </p:spPr>
-        <p:txBody>
-          <a:bodyPr/>
-          <a:lstStyle/>
-          <a:p>
-            <a:endParaRPr/>
-          </a:p>
-        </p:txBody>
       </p:sp>
       <p:sp>
         <p:nvSpPr>
-          <p:cNvPr id="392" name="Shape 392"/>
+          <p:cNvPr id="3" name="Notes Placeholder 2"/>
           <p:cNvSpPr>
             <a:spLocks noGrp="1"/>
           </p:cNvSpPr>
           <p:nvPr>
-            <p:ph type="body" sz="quarter" idx="1"/>
+            <p:ph type="body" idx="1"/>
           </p:nvPr>
         </p:nvSpPr>
-        <p:spPr>
-          <a:prstGeom prst="rect">
-            <a:avLst/>
-          </a:prstGeom>
-        </p:spPr>
+        <p:spPr/>
         <p:txBody>
           <a:bodyPr/>
           <a:lstStyle/>
           <a:p>
             <a:r>
-              <a:rPr dirty="0"/>
-              <a:t>How do we find individual components to inspect and interact with? Here is the first approach that we will look at (read slide</a:t>
-            </a:r>
-            <a:r>
               <a:rPr lang="en-US" dirty="0"/>
-              <a:t>, note SUT -&gt; system under test</a:t>
-            </a:r>
-            <a:r>
-              <a:rPr dirty="0"/>
-              <a:t>)</a:t>
-            </a:r>
-            <a:r>
-              <a:rPr lang="en-US" dirty="0"/>
-              <a:t>. This test will simply check that the text “Hello, Ripley” occurs in the document. </a:t>
-            </a:r>
-            <a:endParaRPr dirty="0"/>
+              <a:t>That is the end of Module 8, Part 1.   In Part 2, we'll talk about how one could use automated testing on components of React and similar systems.</a:t>
+            </a:r>
           </a:p>
         </p:txBody>
       </p:sp>
     </p:spTree>
+    <p:extLst>
+      <p:ext uri="{BB962C8B-B14F-4D97-AF65-F5344CB8AC3E}">
+        <p14:creationId xmlns:p14="http://schemas.microsoft.com/office/powerpoint/2010/main" val="1634834818"/>
+      </p:ext>
+    </p:extLst>
   </p:cSld>
   <p:clrMapOvr>
     <a:masterClrMapping/>
@@ -3842,38 +3985,49 @@
           <a:p>
             <a:r>
               <a:rPr lang="en-US" dirty="0"/>
-              <a:t>&lt;read slide&gt;</a:t>
-            </a:r>
-          </a:p>
-        </p:txBody>
-      </p:sp>
-      <p:sp>
-        <p:nvSpPr>
-          <p:cNvPr id="4" name="Slide Number Placeholder 3"/>
-          <p:cNvSpPr>
-            <a:spLocks noGrp="1"/>
-          </p:cNvSpPr>
-          <p:nvPr>
-            <p:ph type="sldNum" sz="quarter" idx="5"/>
-          </p:nvPr>
-        </p:nvSpPr>
-        <p:spPr/>
-        <p:txBody>
-          <a:bodyPr/>
-          <a:lstStyle/>
-          <a:p>
-            <a:fld id="{07937F07-1250-4CCE-B198-1B2887014F41}" type="slidenum">
-              <a:rPr lang="en-US" smtClean="0"/>
-              <a:t>27</a:t>
-            </a:fld>
-            <a:endParaRPr lang="en-US"/>
+              <a:t>Welcome to Part 2 of Module 8.  In this video, we'll briefly discuss how we might go about testing React components.</a:t>
+            </a:r>
+          </a:p>
+          <a:p>
+            <a:endParaRPr lang="en-US" dirty="0"/>
+          </a:p>
+          <a:p>
+            <a:r>
+              <a:rPr lang="en-US" dirty="0"/>
+              <a:t>What we'd like to do is to build a "fake React".  The fake would render components into a "virtual </a:t>
+            </a:r>
+            <a:r>
+              <a:rPr lang="en-US" dirty="0" err="1"/>
+              <a:t>dom</a:t>
+            </a:r>
+            <a:r>
+              <a:rPr lang="en-US" dirty="0"/>
+              <a:t>" just like the browser's DOM.  We would interact with the fake </a:t>
+            </a:r>
+            <a:r>
+              <a:rPr lang="en-US" dirty="0" err="1"/>
+              <a:t>dom</a:t>
+            </a:r>
+            <a:r>
+              <a:rPr lang="en-US" dirty="0"/>
+              <a:t> by firing events just like a user would, and then we should be able to inspect the virtual DOM to see what happened.</a:t>
+            </a:r>
+          </a:p>
+          <a:p>
+            <a:endParaRPr lang="en-US" dirty="0"/>
+          </a:p>
+          <a:p>
+            <a:r>
+              <a:rPr lang="en-US" dirty="0"/>
+              <a:t>This can all be done using a package called "testing-library", which is compatible not only with React and Jest, but with many UI libraries and testing frameworks.</a:t>
+            </a:r>
           </a:p>
         </p:txBody>
       </p:sp>
     </p:spTree>
     <p:extLst>
       <p:ext uri="{BB962C8B-B14F-4D97-AF65-F5344CB8AC3E}">
-        <p14:creationId xmlns:p14="http://schemas.microsoft.com/office/powerpoint/2010/main" val="3025164752"/>
+        <p14:creationId xmlns:p14="http://schemas.microsoft.com/office/powerpoint/2010/main" val="1433288861"/>
       </p:ext>
     </p:extLst>
   </p:cSld>
@@ -3902,7 +4056,7 @@
       </p:grpSpPr>
       <p:sp>
         <p:nvSpPr>
-          <p:cNvPr id="400" name="Shape 400"/>
+          <p:cNvPr id="2" name="Slide Image Placeholder 1"/>
           <p:cNvSpPr>
             <a:spLocks noGrp="1" noRot="1" noChangeAspect="1"/>
           </p:cNvSpPr>
@@ -3915,105 +4069,36 @@
             <a:off x="381000" y="685800"/>
             <a:ext cx="6096000" cy="3429000"/>
           </a:xfrm>
-          <a:prstGeom prst="rect">
-            <a:avLst/>
-          </a:prstGeom>
         </p:spPr>
-        <p:txBody>
-          <a:bodyPr/>
-          <a:lstStyle/>
-          <a:p>
-            <a:endParaRPr/>
-          </a:p>
-        </p:txBody>
       </p:sp>
       <p:sp>
         <p:nvSpPr>
-          <p:cNvPr id="401" name="Shape 401"/>
+          <p:cNvPr id="3" name="Notes Placeholder 2"/>
           <p:cNvSpPr>
             <a:spLocks noGrp="1"/>
           </p:cNvSpPr>
           <p:nvPr>
-            <p:ph type="body" sz="quarter" idx="1"/>
+            <p:ph type="body" idx="1"/>
           </p:nvPr>
         </p:nvSpPr>
-        <p:spPr>
-          <a:prstGeom prst="rect">
-            <a:avLst/>
-          </a:prstGeom>
-        </p:spPr>
+        <p:spPr/>
         <p:txBody>
           <a:bodyPr/>
           <a:lstStyle/>
           <a:p>
-            <a:pPr marL="0" marR="0" lvl="0" indent="0" defTabSz="914400" eaLnBrk="1" fontAlgn="auto" latinLnBrk="0" hangingPunct="1">
-              <a:lnSpc>
-                <a:spcPct val="100000"/>
-              </a:lnSpc>
-              <a:spcBef>
-                <a:spcPts val="0"/>
-              </a:spcBef>
-              <a:spcAft>
-                <a:spcPts val="0"/>
-              </a:spcAft>
-              <a:buClrTx/>
-              <a:buSzTx/>
-              <a:buFontTx/>
-              <a:buNone/>
-              <a:tabLst/>
-              <a:defRPr/>
-            </a:pPr>
             <a:r>
               <a:rPr lang="en-US" dirty="0"/>
-              <a:t>How do we find and interact with the like button? Another strategy for finding rendered components is to use the “aria label” – making use of that alt text that we specified on the buttons.</a:t>
-            </a:r>
-          </a:p>
-          <a:p>
-            <a:pPr marL="0" marR="0" lvl="0" indent="0" defTabSz="914400" eaLnBrk="1" fontAlgn="auto" latinLnBrk="0" hangingPunct="1">
-              <a:lnSpc>
-                <a:spcPct val="100000"/>
-              </a:lnSpc>
-              <a:spcBef>
-                <a:spcPts val="0"/>
-              </a:spcBef>
-              <a:spcAft>
-                <a:spcPts val="0"/>
-              </a:spcAft>
-              <a:buClrTx/>
-              <a:buSzTx/>
-              <a:buFontTx/>
-              <a:buNone/>
-              <a:tabLst/>
-              <a:defRPr/>
-            </a:pPr>
-            <a:endParaRPr lang="en-US" dirty="0"/>
-          </a:p>
-          <a:p>
-            <a:pPr marL="0" marR="0" lvl="0" indent="0" defTabSz="914400" eaLnBrk="1" fontAlgn="auto" latinLnBrk="0" hangingPunct="1">
-              <a:lnSpc>
-                <a:spcPct val="100000"/>
-              </a:lnSpc>
-              <a:spcBef>
-                <a:spcPts val="0"/>
-              </a:spcBef>
-              <a:spcAft>
-                <a:spcPts val="0"/>
-              </a:spcAft>
-              <a:buClrTx/>
-              <a:buSzTx/>
-              <a:buFontTx/>
-              <a:buNone/>
-              <a:tabLst/>
-              <a:defRPr/>
-            </a:pPr>
-            <a:r>
-              <a:rPr lang="en-US" dirty="0"/>
-              <a:t>This test will find the like button (or throw an error if it can’t be found), then click the button, then find the unlike button (or throw an error if it doesn’t’ exist), and then click it. At the end, it will one last time find the like button, and click it. We could be even more verbose and assert that the OTHER button isn’t there too, but that would be a very verbose test…</a:t>
+              <a:t>(read slide)</a:t>
             </a:r>
           </a:p>
         </p:txBody>
       </p:sp>
     </p:spTree>
+    <p:extLst>
+      <p:ext uri="{BB962C8B-B14F-4D97-AF65-F5344CB8AC3E}">
+        <p14:creationId xmlns:p14="http://schemas.microsoft.com/office/powerpoint/2010/main" val="448005849"/>
+      </p:ext>
+    </p:extLst>
   </p:cSld>
   <p:clrMapOvr>
     <a:masterClrMapping/>
@@ -4040,7 +4125,7 @@
       </p:grpSpPr>
       <p:sp>
         <p:nvSpPr>
-          <p:cNvPr id="407" name="Shape 407"/>
+          <p:cNvPr id="381" name="Shape 381"/>
           <p:cNvSpPr>
             <a:spLocks noGrp="1" noRot="1" noChangeAspect="1"/>
           </p:cNvSpPr>
@@ -4067,7 +4152,7 @@
       </p:sp>
       <p:sp>
         <p:nvSpPr>
-          <p:cNvPr id="408" name="Shape 408"/>
+          <p:cNvPr id="382" name="Shape 382"/>
           <p:cNvSpPr>
             <a:spLocks noGrp="1"/>
           </p:cNvSpPr>
@@ -4086,7 +4171,15 @@
           <a:p>
             <a:r>
               <a:rPr lang="en-US" dirty="0"/>
-              <a:t>Overall, there are three ways that we can find rendered components using the testing library.</a:t>
+              <a:t>Imagine we were testing an app that had a component called </a:t>
+            </a:r>
+            <a:r>
+              <a:rPr lang="en-US" dirty="0" err="1"/>
+              <a:t>PersonalizedLikeableDeletableHello</a:t>
+            </a:r>
+            <a:r>
+              <a:rPr lang="en-US" dirty="0"/>
+              <a:t>.  Hopefully you can imagine the app-- like the Todo App, it would display a list of these things, allow them to be "liked", and allow now ones to be added or existing ones to be deleted.</a:t>
             </a:r>
           </a:p>
           <a:p>
@@ -4095,7 +4188,7 @@
           <a:p>
             <a:r>
               <a:rPr lang="en-US" dirty="0"/>
-              <a:t>Key idea is that the best way to test our UI components is by writing tests that interact the same way that users do: finding things like buttons, or labels. </a:t>
+              <a:t>Using the testing library, we can start to sketch a test for the delete button on our greeting app.</a:t>
             </a:r>
           </a:p>
           <a:p>
@@ -4104,7 +4197,23 @@
           <a:p>
             <a:r>
               <a:rPr lang="en-US" dirty="0"/>
-              <a:t>The “grey area” in the middle of “how some users interact” captures aspects only used by screen readers, and not usually presented to sighted users.</a:t>
+              <a:t>We start by writing a </a:t>
+            </a:r>
+            <a:r>
+              <a:rPr lang="en-US" dirty="0" err="1"/>
+              <a:t>beforeEach</a:t>
+            </a:r>
+            <a:r>
+              <a:rPr lang="en-US" dirty="0"/>
+              <a:t> block that sets up the virtual </a:t>
+            </a:r>
+            <a:r>
+              <a:rPr lang="en-US" dirty="0" err="1"/>
+              <a:t>dom</a:t>
+            </a:r>
+            <a:r>
+              <a:rPr lang="en-US" dirty="0"/>
+              <a:t> that our tests will inspect.</a:t>
             </a:r>
           </a:p>
           <a:p>
@@ -4113,27 +4222,32 @@
           <a:p>
             <a:r>
               <a:rPr lang="en-US" dirty="0"/>
-              <a:t>There is n</a:t>
-            </a:r>
+              <a:t>(read slide, bullets explain the code)</a:t>
+            </a:r>
+          </a:p>
+          <a:p>
+            <a:endParaRPr lang="en-US" dirty="0"/>
+          </a:p>
+          <a:p>
             <a:r>
               <a:rPr dirty="0"/>
-              <a:t>o need to memorize </a:t>
+              <a:t>There are also a variety of options to pass to render, but </a:t>
             </a:r>
             <a:r>
               <a:rPr lang="en-US" dirty="0"/>
-              <a:t>each of </a:t>
+              <a:t>you are </a:t>
             </a:r>
             <a:r>
               <a:rPr dirty="0"/>
-              <a:t>these, there’s a </a:t>
-            </a:r>
-            <a:r>
-              <a:rPr dirty="0" err="1"/>
-              <a:t>cheatsheet</a:t>
+              <a:t>unlikely to ever need them. </a:t>
+            </a:r>
+            <a:r>
+              <a:rPr lang="en-US" dirty="0"/>
+              <a:t>You can look at the </a:t>
             </a:r>
             <a:r>
               <a:rPr dirty="0"/>
-              <a:t> on the link on the slide. </a:t>
+              <a:t>docs for more.</a:t>
             </a:r>
           </a:p>
         </p:txBody>
@@ -4165,7 +4279,7 @@
       </p:grpSpPr>
       <p:sp>
         <p:nvSpPr>
-          <p:cNvPr id="415" name="Shape 415"/>
+          <p:cNvPr id="391" name="Shape 391"/>
           <p:cNvSpPr>
             <a:spLocks noGrp="1" noRot="1" noChangeAspect="1"/>
           </p:cNvSpPr>
@@ -4192,7 +4306,7 @@
       </p:sp>
       <p:sp>
         <p:nvSpPr>
-          <p:cNvPr id="416" name="Shape 416"/>
+          <p:cNvPr id="392" name="Shape 392"/>
           <p:cNvSpPr>
             <a:spLocks noGrp="1"/>
           </p:cNvSpPr>
@@ -4210,8 +4324,56 @@
           <a:lstStyle/>
           <a:p>
             <a:r>
-              <a:t>Writing good GUI tests is complicated - particularly because they tend to have lots of asynchronous behavior. The Testing Library offers a variety of matchers to find items in the page. There is no need to study or memorize this. However, should you find yourself needing to write GUI tests, we would strongly encourage you to refer to the testing library cheat sheet, which explains the difference between getBy, findBy and queryBy.</a:t>
-            </a:r>
+              <a:rPr dirty="0"/>
+              <a:t>How do we find individual components to inspect and interact with? Here</a:t>
+            </a:r>
+            <a:r>
+              <a:rPr lang="en-US" dirty="0"/>
+              <a:t>'s a </a:t>
+            </a:r>
+            <a:r>
+              <a:rPr dirty="0"/>
+              <a:t>first</a:t>
+            </a:r>
+            <a:r>
+              <a:rPr lang="en-US" dirty="0"/>
+              <a:t> approach.  </a:t>
+            </a:r>
+          </a:p>
+          <a:p>
+            <a:endParaRPr lang="en-US" dirty="0"/>
+          </a:p>
+          <a:p>
+            <a:r>
+              <a:rPr lang="en-US" dirty="0"/>
+              <a:t>We imagine that we've set up our virtual </a:t>
+            </a:r>
+            <a:r>
+              <a:rPr lang="en-US" dirty="0" err="1"/>
+              <a:t>dom</a:t>
+            </a:r>
+            <a:r>
+              <a:rPr lang="en-US" dirty="0"/>
+              <a:t> using the </a:t>
+            </a:r>
+            <a:r>
+              <a:rPr lang="en-US" dirty="0" err="1"/>
+              <a:t>beforeEach</a:t>
+            </a:r>
+            <a:r>
+              <a:rPr lang="en-US" dirty="0"/>
+              <a:t> block on the preceding slide.</a:t>
+            </a:r>
+          </a:p>
+          <a:p>
+            <a:endParaRPr lang="en-US" dirty="0"/>
+          </a:p>
+          <a:p>
+            <a:r>
+              <a:rPr lang="en-US" dirty="0"/>
+              <a:t>This test will simply check that the text “Hello, Ripley” occurs in the document. </a:t>
+            </a:r>
+            <a:endParaRPr dirty="0"/>
           </a:p>
         </p:txBody>
       </p:sp>
@@ -4272,16 +4434,409 @@
           <a:bodyPr/>
           <a:lstStyle/>
           <a:p>
-            <a:endParaRPr lang="en-US" dirty="0"/>
+            <a:r>
+              <a:rPr lang="en-US" dirty="0"/>
+              <a:t>We'll need to fake-interact with our fake-dom.  The library provides a set of methods for doing this.</a:t>
+            </a:r>
+          </a:p>
+          <a:p>
+            <a:r>
+              <a:rPr lang="en-US" dirty="0"/>
+              <a:t>&lt;read slide&gt;</a:t>
+            </a:r>
+          </a:p>
+        </p:txBody>
+      </p:sp>
+      <p:sp>
+        <p:nvSpPr>
+          <p:cNvPr id="4" name="Slide Number Placeholder 3"/>
+          <p:cNvSpPr>
+            <a:spLocks noGrp="1"/>
+          </p:cNvSpPr>
+          <p:nvPr>
+            <p:ph type="sldNum" sz="quarter" idx="5"/>
+          </p:nvPr>
+        </p:nvSpPr>
+        <p:spPr/>
+        <p:txBody>
+          <a:bodyPr/>
+          <a:lstStyle/>
+          <a:p>
+            <a:fld id="{07937F07-1250-4CCE-B198-1B2887014F41}" type="slidenum">
+              <a:rPr lang="en-US" smtClean="0"/>
+              <a:t>27</a:t>
+            </a:fld>
+            <a:endParaRPr lang="en-US"/>
           </a:p>
         </p:txBody>
       </p:sp>
     </p:spTree>
     <p:extLst>
       <p:ext uri="{BB962C8B-B14F-4D97-AF65-F5344CB8AC3E}">
-        <p14:creationId xmlns:p14="http://schemas.microsoft.com/office/powerpoint/2010/main" val="708333178"/>
+        <p14:creationId xmlns:p14="http://schemas.microsoft.com/office/powerpoint/2010/main" val="3025164752"/>
       </p:ext>
     </p:extLst>
+  </p:cSld>
+  <p:clrMapOvr>
+    <a:masterClrMapping/>
+  </p:clrMapOvr>
+</p:notes>
+</file>
+
+<file path=ppt/notesSlides/notesSlide28.xml><?xml version="1.0" encoding="utf-8"?>
+<p:notes xmlns:a="http://schemas.openxmlformats.org/drawingml/2006/main" xmlns:r="http://schemas.openxmlformats.org/officeDocument/2006/relationships" xmlns:p="http://schemas.openxmlformats.org/presentationml/2006/main">
+  <p:cSld>
+    <p:spTree>
+      <p:nvGrpSpPr>
+        <p:cNvPr id="1" name=""/>
+        <p:cNvGrpSpPr/>
+        <p:nvPr/>
+      </p:nvGrpSpPr>
+      <p:grpSpPr>
+        <a:xfrm>
+          <a:off x="0" y="0"/>
+          <a:ext cx="0" cy="0"/>
+          <a:chOff x="0" y="0"/>
+          <a:chExt cx="0" cy="0"/>
+        </a:xfrm>
+      </p:grpSpPr>
+      <p:sp>
+        <p:nvSpPr>
+          <p:cNvPr id="400" name="Shape 400"/>
+          <p:cNvSpPr>
+            <a:spLocks noGrp="1" noRot="1" noChangeAspect="1"/>
+          </p:cNvSpPr>
+          <p:nvPr>
+            <p:ph type="sldImg"/>
+          </p:nvPr>
+        </p:nvSpPr>
+        <p:spPr>
+          <a:xfrm>
+            <a:off x="381000" y="685800"/>
+            <a:ext cx="6096000" cy="3429000"/>
+          </a:xfrm>
+          <a:prstGeom prst="rect">
+            <a:avLst/>
+          </a:prstGeom>
+        </p:spPr>
+        <p:txBody>
+          <a:bodyPr/>
+          <a:lstStyle/>
+          <a:p>
+            <a:endParaRPr/>
+          </a:p>
+        </p:txBody>
+      </p:sp>
+      <p:sp>
+        <p:nvSpPr>
+          <p:cNvPr id="401" name="Shape 401"/>
+          <p:cNvSpPr>
+            <a:spLocks noGrp="1"/>
+          </p:cNvSpPr>
+          <p:nvPr>
+            <p:ph type="body" sz="quarter" idx="1"/>
+          </p:nvPr>
+        </p:nvSpPr>
+        <p:spPr>
+          <a:prstGeom prst="rect">
+            <a:avLst/>
+          </a:prstGeom>
+        </p:spPr>
+        <p:txBody>
+          <a:bodyPr/>
+          <a:lstStyle/>
+          <a:p>
+            <a:pPr marL="0" marR="0" lvl="0" indent="0" defTabSz="914400" eaLnBrk="1" fontAlgn="auto" latinLnBrk="0" hangingPunct="1">
+              <a:lnSpc>
+                <a:spcPct val="100000"/>
+              </a:lnSpc>
+              <a:spcBef>
+                <a:spcPts val="0"/>
+              </a:spcBef>
+              <a:spcAft>
+                <a:spcPts val="0"/>
+              </a:spcAft>
+              <a:buClrTx/>
+              <a:buSzTx/>
+              <a:buFontTx/>
+              <a:buNone/>
+              <a:tabLst/>
+              <a:defRPr/>
+            </a:pPr>
+            <a:r>
+              <a:rPr lang="en-US" dirty="0"/>
+              <a:t>Here's an example. We'd like to check the behavior of the like button.</a:t>
+            </a:r>
+          </a:p>
+          <a:p>
+            <a:pPr marL="0" marR="0" lvl="0" indent="0" defTabSz="914400" eaLnBrk="1" fontAlgn="auto" latinLnBrk="0" hangingPunct="1">
+              <a:lnSpc>
+                <a:spcPct val="100000"/>
+              </a:lnSpc>
+              <a:spcBef>
+                <a:spcPts val="0"/>
+              </a:spcBef>
+              <a:spcAft>
+                <a:spcPts val="0"/>
+              </a:spcAft>
+              <a:buClrTx/>
+              <a:buSzTx/>
+              <a:buFontTx/>
+              <a:buNone/>
+              <a:tabLst/>
+              <a:defRPr/>
+            </a:pPr>
+            <a:endParaRPr lang="en-US" dirty="0"/>
+          </a:p>
+          <a:p>
+            <a:pPr marL="0" marR="0" lvl="0" indent="0" defTabSz="914400" eaLnBrk="1" fontAlgn="auto" latinLnBrk="0" hangingPunct="1">
+              <a:lnSpc>
+                <a:spcPct val="100000"/>
+              </a:lnSpc>
+              <a:spcBef>
+                <a:spcPts val="0"/>
+              </a:spcBef>
+              <a:spcAft>
+                <a:spcPts val="0"/>
+              </a:spcAft>
+              <a:buClrTx/>
+              <a:buSzTx/>
+              <a:buFontTx/>
+              <a:buNone/>
+              <a:tabLst/>
+              <a:defRPr/>
+            </a:pPr>
+            <a:r>
+              <a:rPr lang="en-US" dirty="0"/>
+              <a:t>First, of course, we have to find it.  Here we find it using the “aria label” – making use of that alt text that we specified on the buttons.</a:t>
+            </a:r>
+          </a:p>
+          <a:p>
+            <a:pPr marL="0" marR="0" lvl="0" indent="0" defTabSz="914400" eaLnBrk="1" fontAlgn="auto" latinLnBrk="0" hangingPunct="1">
+              <a:lnSpc>
+                <a:spcPct val="100000"/>
+              </a:lnSpc>
+              <a:spcBef>
+                <a:spcPts val="0"/>
+              </a:spcBef>
+              <a:spcAft>
+                <a:spcPts val="0"/>
+              </a:spcAft>
+              <a:buClrTx/>
+              <a:buSzTx/>
+              <a:buFontTx/>
+              <a:buNone/>
+              <a:tabLst/>
+              <a:defRPr/>
+            </a:pPr>
+            <a:endParaRPr lang="en-US" dirty="0"/>
+          </a:p>
+          <a:p>
+            <a:pPr marL="0" marR="0" lvl="0" indent="0" defTabSz="914400" eaLnBrk="1" fontAlgn="auto" latinLnBrk="0" hangingPunct="1">
+              <a:lnSpc>
+                <a:spcPct val="100000"/>
+              </a:lnSpc>
+              <a:spcBef>
+                <a:spcPts val="0"/>
+              </a:spcBef>
+              <a:spcAft>
+                <a:spcPts val="0"/>
+              </a:spcAft>
+              <a:buClrTx/>
+              <a:buSzTx/>
+              <a:buFontTx/>
+              <a:buNone/>
+              <a:tabLst/>
+              <a:defRPr/>
+            </a:pPr>
+            <a:r>
+              <a:rPr lang="en-US" dirty="0"/>
+              <a:t>Here's a fragment of our imaginary code dealing with the like button.  We can see that the button comes in two flavors, marked with the aria labels "unlike" and "like".</a:t>
+            </a:r>
+          </a:p>
+          <a:p>
+            <a:pPr marL="0" marR="0" lvl="0" indent="0" defTabSz="914400" eaLnBrk="1" fontAlgn="auto" latinLnBrk="0" hangingPunct="1">
+              <a:lnSpc>
+                <a:spcPct val="100000"/>
+              </a:lnSpc>
+              <a:spcBef>
+                <a:spcPts val="0"/>
+              </a:spcBef>
+              <a:spcAft>
+                <a:spcPts val="0"/>
+              </a:spcAft>
+              <a:buClrTx/>
+              <a:buSzTx/>
+              <a:buFontTx/>
+              <a:buNone/>
+              <a:tabLst/>
+              <a:defRPr/>
+            </a:pPr>
+            <a:endParaRPr lang="en-US" dirty="0"/>
+          </a:p>
+          <a:p>
+            <a:pPr marL="0" marR="0" lvl="0" indent="0" defTabSz="914400" eaLnBrk="1" fontAlgn="auto" latinLnBrk="0" hangingPunct="1">
+              <a:lnSpc>
+                <a:spcPct val="100000"/>
+              </a:lnSpc>
+              <a:spcBef>
+                <a:spcPts val="0"/>
+              </a:spcBef>
+              <a:spcAft>
+                <a:spcPts val="0"/>
+              </a:spcAft>
+              <a:buClrTx/>
+              <a:buSzTx/>
+              <a:buFontTx/>
+              <a:buNone/>
+              <a:tabLst/>
+              <a:defRPr/>
+            </a:pPr>
+            <a:r>
+              <a:rPr lang="en-US" dirty="0"/>
+              <a:t>Our test uses </a:t>
+            </a:r>
+            <a:r>
+              <a:rPr lang="en-US" dirty="0" err="1"/>
+              <a:t>getByLabelText</a:t>
+            </a:r>
+            <a:r>
+              <a:rPr lang="en-US" dirty="0"/>
+              <a:t> to find the button.  </a:t>
+            </a:r>
+          </a:p>
+          <a:p>
+            <a:pPr marL="0" marR="0" lvl="0" indent="0" defTabSz="914400" eaLnBrk="1" fontAlgn="auto" latinLnBrk="0" hangingPunct="1">
+              <a:lnSpc>
+                <a:spcPct val="100000"/>
+              </a:lnSpc>
+              <a:spcBef>
+                <a:spcPts val="0"/>
+              </a:spcBef>
+              <a:spcAft>
+                <a:spcPts val="0"/>
+              </a:spcAft>
+              <a:buClrTx/>
+              <a:buSzTx/>
+              <a:buFontTx/>
+              <a:buNone/>
+              <a:tabLst/>
+              <a:defRPr/>
+            </a:pPr>
+            <a:r>
+              <a:rPr lang="en-US" dirty="0"/>
+              <a:t>This test will find the like button (or throw an error if it can’t be found), then click the button, then find the unlike button (or throw an error if it doesn’t’ exist), and then click it. At the end, it will one last time find the like button, and click it. We could be even more verbose and assert that the OTHER button isn’t there too, but that would be a very verbose test…</a:t>
+            </a:r>
+          </a:p>
+        </p:txBody>
+      </p:sp>
+    </p:spTree>
+  </p:cSld>
+  <p:clrMapOvr>
+    <a:masterClrMapping/>
+  </p:clrMapOvr>
+</p:notes>
+</file>
+
+<file path=ppt/notesSlides/notesSlide29.xml><?xml version="1.0" encoding="utf-8"?>
+<p:notes xmlns:a="http://schemas.openxmlformats.org/drawingml/2006/main" xmlns:r="http://schemas.openxmlformats.org/officeDocument/2006/relationships" xmlns:p="http://schemas.openxmlformats.org/presentationml/2006/main">
+  <p:cSld>
+    <p:spTree>
+      <p:nvGrpSpPr>
+        <p:cNvPr id="1" name=""/>
+        <p:cNvGrpSpPr/>
+        <p:nvPr/>
+      </p:nvGrpSpPr>
+      <p:grpSpPr>
+        <a:xfrm>
+          <a:off x="0" y="0"/>
+          <a:ext cx="0" cy="0"/>
+          <a:chOff x="0" y="0"/>
+          <a:chExt cx="0" cy="0"/>
+        </a:xfrm>
+      </p:grpSpPr>
+      <p:sp>
+        <p:nvSpPr>
+          <p:cNvPr id="407" name="Shape 407"/>
+          <p:cNvSpPr>
+            <a:spLocks noGrp="1" noRot="1" noChangeAspect="1"/>
+          </p:cNvSpPr>
+          <p:nvPr>
+            <p:ph type="sldImg"/>
+          </p:nvPr>
+        </p:nvSpPr>
+        <p:spPr>
+          <a:xfrm>
+            <a:off x="381000" y="685800"/>
+            <a:ext cx="6096000" cy="3429000"/>
+          </a:xfrm>
+          <a:prstGeom prst="rect">
+            <a:avLst/>
+          </a:prstGeom>
+        </p:spPr>
+        <p:txBody>
+          <a:bodyPr/>
+          <a:lstStyle/>
+          <a:p>
+            <a:endParaRPr/>
+          </a:p>
+        </p:txBody>
+      </p:sp>
+      <p:sp>
+        <p:nvSpPr>
+          <p:cNvPr id="408" name="Shape 408"/>
+          <p:cNvSpPr>
+            <a:spLocks noGrp="1"/>
+          </p:cNvSpPr>
+          <p:nvPr>
+            <p:ph type="body" sz="quarter" idx="1"/>
+          </p:nvPr>
+        </p:nvSpPr>
+        <p:spPr>
+          <a:prstGeom prst="rect">
+            <a:avLst/>
+          </a:prstGeom>
+        </p:spPr>
+        <p:txBody>
+          <a:bodyPr/>
+          <a:lstStyle/>
+          <a:p>
+            <a:r>
+              <a:rPr lang="en-US" dirty="0"/>
+              <a:t>In general, the ways that we can find rendered components using the testing library fall into three categories: queries that reflect how most users interact with your app, tests that reflect how /some/ users interact, and queries that do not refer to how users interact with the app.</a:t>
+            </a:r>
+          </a:p>
+          <a:p>
+            <a:endParaRPr lang="en-US" dirty="0"/>
+          </a:p>
+          <a:p>
+            <a:r>
+              <a:rPr lang="en-US" dirty="0"/>
+              <a:t>The best way to test our UI components is by writing tests that interact the same way that users do: finding things like buttons, or labels-- queries in the first category.</a:t>
+            </a:r>
+          </a:p>
+          <a:p>
+            <a:endParaRPr lang="en-US" dirty="0"/>
+          </a:p>
+          <a:p>
+            <a:r>
+              <a:rPr lang="en-US" dirty="0"/>
+              <a:t>The queries in the middle of “how some users interact” captures aspects typically only used by screen readers, and not usually presented to sighted users.</a:t>
+            </a:r>
+          </a:p>
+          <a:p>
+            <a:endParaRPr lang="en-US" dirty="0"/>
+          </a:p>
+          <a:p>
+            <a:r>
+              <a:rPr lang="en-US" dirty="0"/>
+              <a:t>These names refer to the library called 'testing-library', but any package for testing UI's is likely to have similar capabilities.</a:t>
+            </a:r>
+            <a:endParaRPr dirty="0"/>
+          </a:p>
+        </p:txBody>
+      </p:sp>
+    </p:spTree>
   </p:cSld>
   <p:clrMapOvr>
     <a:masterClrMapping/>
@@ -4340,7 +4895,23 @@
           <a:p>
             <a:r>
               <a:rPr lang="en-US" dirty="0"/>
-              <a:t>Sometimes, you need to synchronize your component with some system external to REACT.  Here’s an example of connecting to an imaginary external clock.  Let's look at the different pieces  </a:t>
+              <a:t>The fundamental job of </a:t>
+            </a:r>
+            <a:r>
+              <a:rPr lang="en-US" dirty="0" err="1"/>
+              <a:t>useEffect</a:t>
+            </a:r>
+            <a:r>
+              <a:rPr lang="en-US" dirty="0"/>
+              <a:t> is to coordinate your component with some system external to REACT.   Here’s an example, where we want to connect to an imaginary external clock.  Let's look at the different pieces  of the </a:t>
+            </a:r>
+            <a:r>
+              <a:rPr lang="en-US" dirty="0" err="1"/>
+              <a:t>useEffect</a:t>
+            </a:r>
+            <a:r>
+              <a:rPr lang="en-US" dirty="0"/>
+              <a:t>.</a:t>
             </a:r>
           </a:p>
           <a:p>
@@ -4441,7 +5012,7 @@
             </a:r>
             <a:r>
               <a:rPr lang="en-US" i="0" dirty="0"/>
-              <a:t> design, this is value returned by the hook function-- look at the 'return'.  Because this hook is run only when the component mounts, the cleanup function is run only when the component dismounts.  In this case, the cleanup function releases the connection to the external clock.  This is the polite thing to do, as it eliminates possible resource leaks.  Again, we'll talk about other possibilities later. </a:t>
+              <a:t> design, this is value returned by the hook function-- look at the 'return'.  Because this hook is run only when the component mounts, the cleanup function is run only when the component dismounts.  In this case, the cleanup function releases the connection to the external clock.  This is the polite thing to do, as it eliminates possible resource leaks. We'll talk about other possibilities later. </a:t>
             </a:r>
           </a:p>
           <a:p>
@@ -4460,6 +5031,161 @@
     <p:extLst>
       <p:ext uri="{BB962C8B-B14F-4D97-AF65-F5344CB8AC3E}">
         <p14:creationId xmlns:p14="http://schemas.microsoft.com/office/powerpoint/2010/main" val="1821095051"/>
+      </p:ext>
+    </p:extLst>
+  </p:cSld>
+  <p:clrMapOvr>
+    <a:masterClrMapping/>
+  </p:clrMapOvr>
+</p:notes>
+</file>
+
+<file path=ppt/notesSlides/notesSlide30.xml><?xml version="1.0" encoding="utf-8"?>
+<p:notes xmlns:a="http://schemas.openxmlformats.org/drawingml/2006/main" xmlns:r="http://schemas.openxmlformats.org/officeDocument/2006/relationships" xmlns:p="http://schemas.openxmlformats.org/presentationml/2006/main">
+  <p:cSld>
+    <p:spTree>
+      <p:nvGrpSpPr>
+        <p:cNvPr id="1" name=""/>
+        <p:cNvGrpSpPr/>
+        <p:nvPr/>
+      </p:nvGrpSpPr>
+      <p:grpSpPr>
+        <a:xfrm>
+          <a:off x="0" y="0"/>
+          <a:ext cx="0" cy="0"/>
+          <a:chOff x="0" y="0"/>
+          <a:chExt cx="0" cy="0"/>
+        </a:xfrm>
+      </p:grpSpPr>
+      <p:sp>
+        <p:nvSpPr>
+          <p:cNvPr id="415" name="Shape 415"/>
+          <p:cNvSpPr>
+            <a:spLocks noGrp="1" noRot="1" noChangeAspect="1"/>
+          </p:cNvSpPr>
+          <p:nvPr>
+            <p:ph type="sldImg"/>
+          </p:nvPr>
+        </p:nvSpPr>
+        <p:spPr>
+          <a:xfrm>
+            <a:off x="381000" y="685800"/>
+            <a:ext cx="6096000" cy="3429000"/>
+          </a:xfrm>
+          <a:prstGeom prst="rect">
+            <a:avLst/>
+          </a:prstGeom>
+        </p:spPr>
+        <p:txBody>
+          <a:bodyPr/>
+          <a:lstStyle/>
+          <a:p>
+            <a:endParaRPr/>
+          </a:p>
+        </p:txBody>
+      </p:sp>
+      <p:sp>
+        <p:nvSpPr>
+          <p:cNvPr id="416" name="Shape 416"/>
+          <p:cNvSpPr>
+            <a:spLocks noGrp="1"/>
+          </p:cNvSpPr>
+          <p:nvPr>
+            <p:ph type="body" sz="quarter" idx="1"/>
+          </p:nvPr>
+        </p:nvSpPr>
+        <p:spPr>
+          <a:prstGeom prst="rect">
+            <a:avLst/>
+          </a:prstGeom>
+        </p:spPr>
+        <p:txBody>
+          <a:bodyPr/>
+          <a:lstStyle/>
+          <a:p>
+            <a:r>
+              <a:rPr dirty="0"/>
+              <a:t>Writing good GUI tests is complicated - particularly because they tend to have lots of asynchronous behavior. The Testing Library offers a variety of matchers to find items in the page. </a:t>
+            </a:r>
+            <a:endParaRPr lang="en-US" dirty="0"/>
+          </a:p>
+          <a:p>
+            <a:endParaRPr lang="en-US" dirty="0"/>
+          </a:p>
+          <a:p>
+            <a:r>
+              <a:rPr lang="en-US" dirty="0"/>
+              <a:t>Our goal here is not to equip you to write these GUI tests right now, but just to give you a feel for the territory.</a:t>
+            </a:r>
+            <a:endParaRPr dirty="0"/>
+          </a:p>
+        </p:txBody>
+      </p:sp>
+    </p:spTree>
+  </p:cSld>
+  <p:clrMapOvr>
+    <a:masterClrMapping/>
+  </p:clrMapOvr>
+</p:notes>
+</file>
+
+<file path=ppt/notesSlides/notesSlide31.xml><?xml version="1.0" encoding="utf-8"?>
+<p:notes xmlns:a="http://schemas.openxmlformats.org/drawingml/2006/main" xmlns:r="http://schemas.openxmlformats.org/officeDocument/2006/relationships" xmlns:p="http://schemas.openxmlformats.org/presentationml/2006/main">
+  <p:cSld>
+    <p:spTree>
+      <p:nvGrpSpPr>
+        <p:cNvPr id="1" name=""/>
+        <p:cNvGrpSpPr/>
+        <p:nvPr/>
+      </p:nvGrpSpPr>
+      <p:grpSpPr>
+        <a:xfrm>
+          <a:off x="0" y="0"/>
+          <a:ext cx="0" cy="0"/>
+          <a:chOff x="0" y="0"/>
+          <a:chExt cx="0" cy="0"/>
+        </a:xfrm>
+      </p:grpSpPr>
+      <p:sp>
+        <p:nvSpPr>
+          <p:cNvPr id="2" name="Slide Image Placeholder 1"/>
+          <p:cNvSpPr>
+            <a:spLocks noGrp="1" noRot="1" noChangeAspect="1"/>
+          </p:cNvSpPr>
+          <p:nvPr>
+            <p:ph type="sldImg"/>
+          </p:nvPr>
+        </p:nvSpPr>
+        <p:spPr>
+          <a:xfrm>
+            <a:off x="381000" y="685800"/>
+            <a:ext cx="6096000" cy="3429000"/>
+          </a:xfrm>
+        </p:spPr>
+      </p:sp>
+      <p:sp>
+        <p:nvSpPr>
+          <p:cNvPr id="3" name="Notes Placeholder 2"/>
+          <p:cNvSpPr>
+            <a:spLocks noGrp="1"/>
+          </p:cNvSpPr>
+          <p:nvPr>
+            <p:ph type="body" idx="1"/>
+          </p:nvPr>
+        </p:nvSpPr>
+        <p:spPr/>
+        <p:txBody>
+          <a:bodyPr/>
+          <a:lstStyle/>
+          <a:p>
+            <a:endParaRPr lang="en-US" dirty="0"/>
+          </a:p>
+        </p:txBody>
+      </p:sp>
+    </p:spTree>
+    <p:extLst>
+      <p:ext uri="{BB962C8B-B14F-4D97-AF65-F5344CB8AC3E}">
+        <p14:creationId xmlns:p14="http://schemas.microsoft.com/office/powerpoint/2010/main" val="708333178"/>
       </p:ext>
     </p:extLst>
   </p:cSld>
@@ -4520,24 +5246,7 @@
           <a:p>
             <a:r>
               <a:rPr lang="en-US" dirty="0"/>
-              <a:t>Here's a real example.  We build a listener.   Then, the first time this component is displayed, we add this listener to the clock, thereby connecting the component.  The rest of the component can see the local time by checking the '</a:t>
-            </a:r>
-            <a:r>
-              <a:rPr lang="en-US" dirty="0" err="1"/>
-              <a:t>localTime</a:t>
-            </a:r>
-            <a:r>
-              <a:rPr lang="en-US" dirty="0"/>
-              <a:t>' variable.</a:t>
-            </a:r>
-          </a:p>
-          <a:p>
-            <a:endParaRPr lang="en-US" dirty="0"/>
-          </a:p>
-          <a:p>
-            <a:r>
-              <a:rPr lang="en-US" dirty="0"/>
-              <a:t>When the component dismounts, we tell the clock to release the listener.  </a:t>
+              <a:t>What do we mean by an "external system" &lt;read slide&gt;</a:t>
             </a:r>
           </a:p>
         </p:txBody>
@@ -4545,7 +5254,7 @@
     </p:spTree>
     <p:extLst>
       <p:ext uri="{BB962C8B-B14F-4D97-AF65-F5344CB8AC3E}">
-        <p14:creationId xmlns:p14="http://schemas.microsoft.com/office/powerpoint/2010/main" val="1963582097"/>
+        <p14:creationId xmlns:p14="http://schemas.microsoft.com/office/powerpoint/2010/main" val="575429464"/>
       </p:ext>
     </p:extLst>
   </p:cSld>
@@ -4606,13 +5315,15 @@
           <a:p>
             <a:r>
               <a:rPr lang="en-US" dirty="0"/>
-              <a:t>Let's look at this in action.</a:t>
-            </a:r>
-          </a:p>
-          <a:p>
+              <a:t>Here's a real example.  We build a listener.   Then, the first time this component is displayed, we add this listener to the clock, thereby connecting the component.  The rest of the component can see the local time by checking the '</a:t>
+            </a:r>
+            <a:r>
+              <a:rPr lang="en-US" dirty="0" err="1"/>
+              <a:t>localTime</a:t>
+            </a:r>
             <a:r>
               <a:rPr lang="en-US" dirty="0"/>
-              <a:t>&lt;Demo&gt; Observe that the clocks agree about the time and they count by themselves.  </a:t>
+              <a:t>' variable.</a:t>
             </a:r>
           </a:p>
           <a:p>
@@ -4621,7 +5332,7 @@
           <a:p>
             <a:r>
               <a:rPr lang="en-US" dirty="0"/>
-              <a:t>Let’s see how this is accomplished.</a:t>
+              <a:t>When the component dismounts, we tell the clock to release the listener.  </a:t>
             </a:r>
           </a:p>
         </p:txBody>
@@ -4629,7 +5340,7 @@
     </p:spTree>
     <p:extLst>
       <p:ext uri="{BB962C8B-B14F-4D97-AF65-F5344CB8AC3E}">
-        <p14:creationId xmlns:p14="http://schemas.microsoft.com/office/powerpoint/2010/main" val="1078673987"/>
+        <p14:creationId xmlns:p14="http://schemas.microsoft.com/office/powerpoint/2010/main" val="1963582097"/>
       </p:ext>
     </p:extLst>
   </p:cSld>
@@ -4690,7 +5401,13 @@
           <a:p>
             <a:r>
               <a:rPr lang="en-US" dirty="0"/>
-              <a:t>Our clock will use a listener pattern.   In this version of the pattern, the listener is a function that takes no arguments and returns void.  Presumably calling a listener has some side-effect.  This clock is very bare-bones: it doesn’t even keep track of the time itself: It just calls all its listeners every `interval` milliseconds.</a:t>
+              <a:t>Let's look at this in action.</a:t>
+            </a:r>
+          </a:p>
+          <a:p>
+            <a:r>
+              <a:rPr lang="en-US" dirty="0"/>
+              <a:t>&lt;Demo&gt; Observe that the clocks agree about the time and they count by themselves.  </a:t>
             </a:r>
           </a:p>
           <a:p>
@@ -4699,7 +5416,7 @@
           <a:p>
             <a:r>
               <a:rPr lang="en-US" dirty="0"/>
-              <a:t>In the OO world, this organization of a listener is sometimes called a “delegate”.</a:t>
+              <a:t>Let’s see how this is accomplished.</a:t>
             </a:r>
           </a:p>
         </p:txBody>
@@ -4707,7 +5424,7 @@
     </p:spTree>
     <p:extLst>
       <p:ext uri="{BB962C8B-B14F-4D97-AF65-F5344CB8AC3E}">
-        <p14:creationId xmlns:p14="http://schemas.microsoft.com/office/powerpoint/2010/main" val="1864501898"/>
+        <p14:creationId xmlns:p14="http://schemas.microsoft.com/office/powerpoint/2010/main" val="1078673987"/>
       </p:ext>
     </p:extLst>
   </p:cSld>
@@ -4768,7 +5485,16 @@
           <a:p>
             <a:r>
               <a:rPr lang="en-US" dirty="0"/>
-              <a:t>Just like we did back in Module 04.</a:t>
+              <a:t>Our clock will use a listener pattern.   In this version of the pattern, the listener is a function that takes no arguments and returns void.  Presumably calling a listener has some side-effect.  This clock is very bare-bones: it doesn’t even keep track of the time itself: It just calls all its listeners every `interval` milliseconds.</a:t>
+            </a:r>
+          </a:p>
+          <a:p>
+            <a:endParaRPr lang="en-US" dirty="0"/>
+          </a:p>
+          <a:p>
+            <a:r>
+              <a:rPr lang="en-US" dirty="0"/>
+              <a:t>In the OO world, this organization of a listener is sometimes called a “delegate”.</a:t>
             </a:r>
           </a:p>
         </p:txBody>
@@ -4776,7 +5502,7 @@
     </p:spTree>
     <p:extLst>
       <p:ext uri="{BB962C8B-B14F-4D97-AF65-F5344CB8AC3E}">
-        <p14:creationId xmlns:p14="http://schemas.microsoft.com/office/powerpoint/2010/main" val="1041089081"/>
+        <p14:creationId xmlns:p14="http://schemas.microsoft.com/office/powerpoint/2010/main" val="1864501898"/>
       </p:ext>
     </p:extLst>
   </p:cSld>
@@ -4837,70 +5563,7 @@
           <a:p>
             <a:r>
               <a:rPr lang="en-US" dirty="0"/>
-              <a:t>Here we create a listener, which, when called, increments the local time.  Following the pattern on Slide 5, we use `</a:t>
-            </a:r>
-            <a:r>
-              <a:rPr lang="en-US" dirty="0" err="1"/>
-              <a:t>useEffect</a:t>
-            </a:r>
-            <a:r>
-              <a:rPr lang="en-US" dirty="0"/>
-              <a:t>` to add the listener to the clock when the page first mounts, and we remove it when the page dismounts.</a:t>
-            </a:r>
-          </a:p>
-          <a:p>
-            <a:endParaRPr lang="en-US" dirty="0"/>
-          </a:p>
-          <a:p>
-            <a:r>
-              <a:rPr lang="en-US" dirty="0" err="1"/>
-              <a:t>ClockDisplay</a:t>
-            </a:r>
-            <a:r>
-              <a:rPr lang="en-US" dirty="0"/>
-              <a:t> takes props for </a:t>
-            </a:r>
-            <a:r>
-              <a:rPr lang="en-US" dirty="0" err="1"/>
-              <a:t>handleDelete</a:t>
-            </a:r>
-            <a:r>
-              <a:rPr lang="en-US" dirty="0"/>
-              <a:t> and </a:t>
-            </a:r>
-            <a:r>
-              <a:rPr lang="en-US" dirty="0" err="1"/>
-              <a:t>handleAdd</a:t>
-            </a:r>
-            <a:r>
-              <a:rPr lang="en-US" dirty="0"/>
-              <a:t>, but &lt;</a:t>
-            </a:r>
-            <a:r>
-              <a:rPr lang="en-US" dirty="0" err="1"/>
-              <a:t>ClockDisplayApp</a:t>
-            </a:r>
-            <a:r>
-              <a:rPr lang="en-US" dirty="0"/>
-              <a:t>&gt; provides them with a function that does nothing.  So the trash can and the little plus sign don’t do anything right now.</a:t>
-            </a:r>
-          </a:p>
-          <a:p>
-            <a:endParaRPr lang="en-US" dirty="0"/>
-          </a:p>
-          <a:p>
-            <a:r>
-              <a:rPr lang="en-US" dirty="0"/>
-              <a:t>Let’s watch it in action again. &lt;Demo, again&gt;</a:t>
-            </a:r>
-          </a:p>
-          <a:p>
-            <a:endParaRPr lang="en-US" dirty="0"/>
-          </a:p>
-          <a:p>
-            <a:r>
-              <a:rPr lang="en-US" dirty="0"/>
-              <a:t>{ </a:t>
+              <a:t>We'll make the clock into a singleton, just like we did back in Module 04.</a:t>
             </a:r>
           </a:p>
         </p:txBody>
@@ -4908,7 +5571,7 @@
     </p:spTree>
     <p:extLst>
       <p:ext uri="{BB962C8B-B14F-4D97-AF65-F5344CB8AC3E}">
-        <p14:creationId xmlns:p14="http://schemas.microsoft.com/office/powerpoint/2010/main" val="1900560210"/>
+        <p14:creationId xmlns:p14="http://schemas.microsoft.com/office/powerpoint/2010/main" val="1041089081"/>
       </p:ext>
     </p:extLst>
   </p:cSld>
@@ -4969,15 +5632,75 @@
           <a:p>
             <a:r>
               <a:rPr lang="en-US" dirty="0"/>
-              <a:t>And finally, here's where the display is actually generated.</a:t>
-            </a:r>
+              <a:t>Here we create a listener, which, when called, increments the local time.  Following the pattern on Slide 5, we use `</a:t>
+            </a:r>
+            <a:r>
+              <a:rPr lang="en-US" dirty="0" err="1"/>
+              <a:t>useEffect</a:t>
+            </a:r>
+            <a:r>
+              <a:rPr lang="en-US" dirty="0"/>
+              <a:t>` to add the listener to the clock when the page first mounts, and we remove it when the page dismounts.</a:t>
+            </a:r>
+          </a:p>
+          <a:p>
+            <a:endParaRPr lang="en-US" dirty="0"/>
+          </a:p>
+          <a:p>
+            <a:r>
+              <a:rPr lang="en-US" dirty="0" err="1"/>
+              <a:t>ClockDisplay</a:t>
+            </a:r>
+            <a:r>
+              <a:rPr lang="en-US" dirty="0"/>
+              <a:t> takes props for </a:t>
+            </a:r>
+            <a:r>
+              <a:rPr lang="en-US" dirty="0" err="1"/>
+              <a:t>handleDelete</a:t>
+            </a:r>
+            <a:r>
+              <a:rPr lang="en-US" dirty="0"/>
+              <a:t> and </a:t>
+            </a:r>
+            <a:r>
+              <a:rPr lang="en-US" dirty="0" err="1"/>
+              <a:t>handleAdd</a:t>
+            </a:r>
+            <a:r>
+              <a:rPr lang="en-US" dirty="0"/>
+              <a:t>, but &lt;</a:t>
+            </a:r>
+            <a:r>
+              <a:rPr lang="en-US" dirty="0" err="1"/>
+              <a:t>ClockDisplayApp</a:t>
+            </a:r>
+            <a:r>
+              <a:rPr lang="en-US" dirty="0"/>
+              <a:t>&gt; provides them with a function that does nothing.  So the trash can and the little plus sign don’t do anything right now.</a:t>
+            </a:r>
+          </a:p>
+          <a:p>
+            <a:endParaRPr lang="en-US" dirty="0"/>
+          </a:p>
+          <a:p>
+            <a:r>
+              <a:rPr lang="en-US" dirty="0"/>
+              <a:t>Let’s watch it in action again. &lt;Demo, again&gt;</a:t>
+            </a:r>
+          </a:p>
+          <a:p>
+            <a:endParaRPr lang="en-US" dirty="0"/>
+          </a:p>
+          <a:p>
+            <a:endParaRPr lang="en-US" dirty="0"/>
           </a:p>
         </p:txBody>
       </p:sp>
     </p:spTree>
     <p:extLst>
       <p:ext uri="{BB962C8B-B14F-4D97-AF65-F5344CB8AC3E}">
-        <p14:creationId xmlns:p14="http://schemas.microsoft.com/office/powerpoint/2010/main" val="3924830816"/>
+        <p14:creationId xmlns:p14="http://schemas.microsoft.com/office/powerpoint/2010/main" val="1900560210"/>
       </p:ext>
     </p:extLst>
   </p:cSld>
@@ -6561,7 +7284,7 @@
           </a:ln>
           <a:extLst>
             <a:ext uri="{C572A759-6A51-4108-AA02-DFA0A04FC94B}">
-              <ma14:wrappingTextBoxFlag xmlns="" xmlns:m="http://schemas.openxmlformats.org/officeDocument/2006/math" xmlns:a14="http://schemas.microsoft.com/office/drawing/2010/main" xmlns:ma14="http://schemas.microsoft.com/office/mac/drawingml/2011/main" val="1"/>
+              <ma14:wrappingTextBoxFlag xmlns:ma14="http://schemas.microsoft.com/office/mac/drawingml/2011/main" xmlns:a14="http://schemas.microsoft.com/office/drawing/2010/main" xmlns:m="http://schemas.openxmlformats.org/officeDocument/2006/math" xmlns="" val="1"/>
             </a:ext>
           </a:extLst>
         </p:spPr>
@@ -6672,7 +7395,7 @@
           </a:ln>
           <a:extLst>
             <a:ext uri="{C572A759-6A51-4108-AA02-DFA0A04FC94B}">
-              <ma14:wrappingTextBoxFlag xmlns="" xmlns:m="http://schemas.openxmlformats.org/officeDocument/2006/math" xmlns:a14="http://schemas.microsoft.com/office/drawing/2010/main" xmlns:ma14="http://schemas.microsoft.com/office/mac/drawingml/2011/main" val="1"/>
+              <ma14:wrappingTextBoxFlag xmlns:ma14="http://schemas.microsoft.com/office/mac/drawingml/2011/main" xmlns:a14="http://schemas.microsoft.com/office/drawing/2010/main" xmlns:m="http://schemas.openxmlformats.org/officeDocument/2006/math" xmlns="" val="1"/>
             </a:ext>
           </a:extLst>
         </p:spPr>
@@ -7582,7 +8305,7 @@
           </a:prstGeom>
           <a:extLst>
             <a:ext uri="{C572A759-6A51-4108-AA02-DFA0A04FC94B}">
-              <ma14:wrappingTextBoxFlag xmlns="" xmlns:m="http://schemas.openxmlformats.org/officeDocument/2006/math" xmlns:a14="http://schemas.microsoft.com/office/drawing/2010/main" xmlns:ma14="http://schemas.microsoft.com/office/mac/drawingml/2011/main" val="1"/>
+              <ma14:wrappingTextBoxFlag xmlns:ma14="http://schemas.microsoft.com/office/mac/drawingml/2011/main" xmlns:a14="http://schemas.microsoft.com/office/drawing/2010/main" xmlns:m="http://schemas.openxmlformats.org/officeDocument/2006/math" xmlns="" val="1"/>
             </a:ext>
           </a:extLst>
         </p:spPr>
@@ -7617,7 +8340,7 @@
           </a:ln>
           <a:extLst>
             <a:ext uri="{C572A759-6A51-4108-AA02-DFA0A04FC94B}">
-              <ma14:wrappingTextBoxFlag xmlns="" xmlns:m="http://schemas.openxmlformats.org/officeDocument/2006/math" xmlns:a14="http://schemas.microsoft.com/office/drawing/2010/main" xmlns:ma14="http://schemas.microsoft.com/office/mac/drawingml/2011/main" val="1"/>
+              <ma14:wrappingTextBoxFlag xmlns:ma14="http://schemas.microsoft.com/office/mac/drawingml/2011/main" xmlns:a14="http://schemas.microsoft.com/office/drawing/2010/main" xmlns:m="http://schemas.openxmlformats.org/officeDocument/2006/math" xmlns="" val="1"/>
             </a:ext>
           </a:extLst>
         </p:spPr>
@@ -9062,7 +9785,7 @@
         <p:spPr>
           <a:xfrm>
             <a:off x="838200" y="1410779"/>
-            <a:ext cx="8310112" cy="5047536"/>
+            <a:ext cx="8310112" cy="4832092"/>
           </a:xfrm>
           <a:prstGeom prst="rect">
             <a:avLst/>
@@ -9407,110 +10130,8 @@
                 <a:effectLst/>
                 <a:latin typeface="Consolas" panose="020B0609020204030204" pitchFamily="49" charset="0"/>
               </a:rPr>
-              <a:t>    </a:t>
-            </a:r>
-            <a:r>
-              <a:rPr lang="en-US" sz="1400" b="0" dirty="0">
-                <a:solidFill>
-                  <a:srgbClr val="0000FF"/>
-                </a:solidFill>
-                <a:effectLst/>
-                <a:latin typeface="Consolas" panose="020B0609020204030204" pitchFamily="49" charset="0"/>
-              </a:rPr>
-              <a:t>const</a:t>
-            </a:r>
-            <a:r>
-              <a:rPr lang="en-US" sz="1400" b="0" dirty="0">
-                <a:solidFill>
-                  <a:srgbClr val="000000"/>
-                </a:solidFill>
-                <a:effectLst/>
-                <a:latin typeface="Consolas" panose="020B0609020204030204" pitchFamily="49" charset="0"/>
-              </a:rPr>
-              <a:t> [</a:t>
-            </a:r>
-            <a:r>
-              <a:rPr lang="en-US" sz="1400" b="0" dirty="0">
-                <a:solidFill>
-                  <a:srgbClr val="0070C1"/>
-                </a:solidFill>
-                <a:effectLst/>
-                <a:latin typeface="Consolas" panose="020B0609020204030204" pitchFamily="49" charset="0"/>
-              </a:rPr>
-              <a:t>count</a:t>
-            </a:r>
-            <a:r>
-              <a:rPr lang="en-US" sz="1400" b="0" dirty="0">
-                <a:solidFill>
-                  <a:srgbClr val="000000"/>
-                </a:solidFill>
-                <a:effectLst/>
-                <a:latin typeface="Consolas" panose="020B0609020204030204" pitchFamily="49" charset="0"/>
-              </a:rPr>
-              <a:t>, </a:t>
-            </a:r>
-            <a:r>
-              <a:rPr lang="en-US" sz="1400" b="0" dirty="0" err="1">
-                <a:solidFill>
-                  <a:srgbClr val="795E26"/>
-                </a:solidFill>
-                <a:effectLst/>
-                <a:latin typeface="Consolas" panose="020B0609020204030204" pitchFamily="49" charset="0"/>
-              </a:rPr>
-              <a:t>setCount</a:t>
-            </a:r>
-            <a:r>
-              <a:rPr lang="en-US" sz="1400" b="0" dirty="0">
-                <a:solidFill>
-                  <a:srgbClr val="000000"/>
-                </a:solidFill>
-                <a:effectLst/>
-                <a:latin typeface="Consolas" panose="020B0609020204030204" pitchFamily="49" charset="0"/>
-              </a:rPr>
-              <a:t>] = </a:t>
-            </a:r>
-            <a:r>
-              <a:rPr lang="en-US" sz="1400" b="0" dirty="0" err="1">
-                <a:solidFill>
-                  <a:srgbClr val="795E26"/>
-                </a:solidFill>
-                <a:effectLst/>
-                <a:latin typeface="Consolas" panose="020B0609020204030204" pitchFamily="49" charset="0"/>
-              </a:rPr>
-              <a:t>useState</a:t>
-            </a:r>
-            <a:r>
-              <a:rPr lang="en-US" sz="1400" b="0" dirty="0">
-                <a:solidFill>
-                  <a:srgbClr val="000000"/>
-                </a:solidFill>
-                <a:effectLst/>
-                <a:latin typeface="Consolas" panose="020B0609020204030204" pitchFamily="49" charset="0"/>
-              </a:rPr>
-              <a:t>(</a:t>
-            </a:r>
-            <a:r>
-              <a:rPr lang="en-US" sz="1400" b="0" dirty="0">
-                <a:solidFill>
-                  <a:srgbClr val="098658"/>
-                </a:solidFill>
-                <a:effectLst/>
-                <a:latin typeface="Consolas" panose="020B0609020204030204" pitchFamily="49" charset="0"/>
-              </a:rPr>
-              <a:t>0</a:t>
-            </a:r>
-            <a:r>
-              <a:rPr lang="en-US" sz="1400" b="0" dirty="0">
-                <a:solidFill>
-                  <a:srgbClr val="000000"/>
-                </a:solidFill>
-                <a:effectLst/>
-                <a:latin typeface="Consolas" panose="020B0609020204030204" pitchFamily="49" charset="0"/>
-              </a:rPr>
-              <a:t>)</a:t>
-            </a:r>
-          </a:p>
-          <a:p>
+              <a:t>   </a:t>
+            </a:r>
             <a:br>
               <a:rPr lang="en-US" sz="1400" b="0" dirty="0">
                 <a:solidFill>
@@ -12249,1657 +12870,6 @@
       </p:sp>
       <p:sp>
         <p:nvSpPr>
-          <p:cNvPr id="4" name="TextBox 3">
-            <a:extLst>
-              <a:ext uri="{FF2B5EF4-FFF2-40B4-BE49-F238E27FC236}">
-                <a16:creationId xmlns:a16="http://schemas.microsoft.com/office/drawing/2014/main" id="{98194F6F-A81F-AA90-8BDC-E8EFBB880B1F}"/>
-              </a:ext>
-            </a:extLst>
-          </p:cNvPr>
-          <p:cNvSpPr txBox="1"/>
-          <p:nvPr/>
-        </p:nvSpPr>
-        <p:spPr>
-          <a:xfrm>
-            <a:off x="838200" y="1325563"/>
-            <a:ext cx="9334500" cy="5909310"/>
-          </a:xfrm>
-          <a:prstGeom prst="rect">
-            <a:avLst/>
-          </a:prstGeom>
-          <a:noFill/>
-          <a:ln w="12700" cap="flat">
-            <a:noFill/>
-            <a:miter lim="400000"/>
-          </a:ln>
-          <a:effectLst/>
-          <a:sp3d/>
-        </p:spPr>
-        <p:style>
-          <a:lnRef idx="0">
-            <a:scrgbClr r="0" g="0" b="0"/>
-          </a:lnRef>
-          <a:fillRef idx="0">
-            <a:scrgbClr r="0" g="0" b="0"/>
-          </a:fillRef>
-          <a:effectRef idx="0">
-            <a:scrgbClr r="0" g="0" b="0"/>
-          </a:effectRef>
-          <a:fontRef idx="none"/>
-        </p:style>
-        <p:txBody>
-          <a:bodyPr wrap="square">
-            <a:spAutoFit/>
-          </a:bodyPr>
-          <a:lstStyle/>
-          <a:p>
-            <a:r>
-              <a:rPr lang="en-US" sz="1400" b="0" dirty="0">
-                <a:solidFill>
-                  <a:srgbClr val="0000FF"/>
-                </a:solidFill>
-                <a:effectLst/>
-                <a:latin typeface="Consolas" panose="020B0609020204030204" pitchFamily="49" charset="0"/>
-              </a:rPr>
-              <a:t>type</a:t>
-            </a:r>
-            <a:r>
-              <a:rPr lang="en-US" sz="1400" b="0" dirty="0">
-                <a:solidFill>
-                  <a:srgbClr val="000000"/>
-                </a:solidFill>
-                <a:effectLst/>
-                <a:latin typeface="Consolas" panose="020B0609020204030204" pitchFamily="49" charset="0"/>
-              </a:rPr>
-              <a:t> </a:t>
-            </a:r>
-            <a:r>
-              <a:rPr lang="en-US" sz="1400" b="0" dirty="0" err="1">
-                <a:solidFill>
-                  <a:srgbClr val="267F99"/>
-                </a:solidFill>
-                <a:effectLst/>
-                <a:latin typeface="Consolas" panose="020B0609020204030204" pitchFamily="49" charset="0"/>
-              </a:rPr>
-              <a:t>ClockDisplayData</a:t>
-            </a:r>
-            <a:r>
-              <a:rPr lang="en-US" sz="1400" b="0" dirty="0">
-                <a:solidFill>
-                  <a:srgbClr val="000000"/>
-                </a:solidFill>
-                <a:effectLst/>
-                <a:latin typeface="Consolas" panose="020B0609020204030204" pitchFamily="49" charset="0"/>
-              </a:rPr>
-              <a:t> = {</a:t>
-            </a:r>
-            <a:r>
-              <a:rPr lang="en-US" sz="1400" b="0" dirty="0" err="1">
-                <a:solidFill>
-                  <a:srgbClr val="001080"/>
-                </a:solidFill>
-                <a:effectLst/>
-                <a:latin typeface="Consolas" panose="020B0609020204030204" pitchFamily="49" charset="0"/>
-              </a:rPr>
-              <a:t>key</a:t>
-            </a:r>
-            <a:r>
-              <a:rPr lang="en-US" sz="1400" b="0" dirty="0" err="1">
-                <a:solidFill>
-                  <a:srgbClr val="000000"/>
-                </a:solidFill>
-                <a:effectLst/>
-                <a:latin typeface="Consolas" panose="020B0609020204030204" pitchFamily="49" charset="0"/>
-              </a:rPr>
-              <a:t>:</a:t>
-            </a:r>
-            <a:r>
-              <a:rPr lang="en-US" sz="1400" b="0" dirty="0" err="1">
-                <a:solidFill>
-                  <a:srgbClr val="267F99"/>
-                </a:solidFill>
-                <a:effectLst/>
-                <a:latin typeface="Consolas" panose="020B0609020204030204" pitchFamily="49" charset="0"/>
-              </a:rPr>
-              <a:t>number</a:t>
-            </a:r>
-            <a:r>
-              <a:rPr lang="en-US" sz="1400" b="0" dirty="0">
-                <a:solidFill>
-                  <a:srgbClr val="000000"/>
-                </a:solidFill>
-                <a:effectLst/>
-                <a:latin typeface="Consolas" panose="020B0609020204030204" pitchFamily="49" charset="0"/>
-              </a:rPr>
-              <a:t>, </a:t>
-            </a:r>
-            <a:r>
-              <a:rPr lang="en-US" sz="1400" b="0" dirty="0" err="1">
-                <a:solidFill>
-                  <a:srgbClr val="001080"/>
-                </a:solidFill>
-                <a:effectLst/>
-                <a:latin typeface="Consolas" panose="020B0609020204030204" pitchFamily="49" charset="0"/>
-              </a:rPr>
-              <a:t>name</a:t>
-            </a:r>
-            <a:r>
-              <a:rPr lang="en-US" sz="1400" b="0" dirty="0" err="1">
-                <a:solidFill>
-                  <a:srgbClr val="000000"/>
-                </a:solidFill>
-                <a:effectLst/>
-                <a:latin typeface="Consolas" panose="020B0609020204030204" pitchFamily="49" charset="0"/>
-              </a:rPr>
-              <a:t>:</a:t>
-            </a:r>
-            <a:r>
-              <a:rPr lang="en-US" sz="1400" b="0" dirty="0" err="1">
-                <a:solidFill>
-                  <a:srgbClr val="267F99"/>
-                </a:solidFill>
-                <a:effectLst/>
-                <a:latin typeface="Consolas" panose="020B0609020204030204" pitchFamily="49" charset="0"/>
-              </a:rPr>
-              <a:t>string</a:t>
-            </a:r>
-            <a:r>
-              <a:rPr lang="en-US" sz="1400" b="0" dirty="0">
-                <a:solidFill>
-                  <a:srgbClr val="000000"/>
-                </a:solidFill>
-                <a:effectLst/>
-                <a:latin typeface="Consolas" panose="020B0609020204030204" pitchFamily="49" charset="0"/>
-              </a:rPr>
-              <a:t>, </a:t>
-            </a:r>
-            <a:r>
-              <a:rPr lang="en-US" sz="1400" b="0" dirty="0" err="1">
-                <a:solidFill>
-                  <a:srgbClr val="001080"/>
-                </a:solidFill>
-                <a:effectLst/>
-                <a:latin typeface="Consolas" panose="020B0609020204030204" pitchFamily="49" charset="0"/>
-              </a:rPr>
-              <a:t>noisyDelete</a:t>
-            </a:r>
-            <a:r>
-              <a:rPr lang="en-US" sz="1400" b="0" dirty="0">
-                <a:solidFill>
-                  <a:srgbClr val="000000"/>
-                </a:solidFill>
-                <a:effectLst/>
-                <a:latin typeface="Consolas" panose="020B0609020204030204" pitchFamily="49" charset="0"/>
-              </a:rPr>
-              <a:t>?:</a:t>
-            </a:r>
-            <a:r>
-              <a:rPr lang="en-US" sz="1400" b="0" dirty="0" err="1">
-                <a:solidFill>
-                  <a:srgbClr val="267F99"/>
-                </a:solidFill>
-                <a:effectLst/>
-                <a:latin typeface="Consolas" panose="020B0609020204030204" pitchFamily="49" charset="0"/>
-              </a:rPr>
-              <a:t>boolean</a:t>
-            </a:r>
-            <a:r>
-              <a:rPr lang="en-US" sz="1400" b="0" dirty="0">
-                <a:solidFill>
-                  <a:srgbClr val="000000"/>
-                </a:solidFill>
-                <a:effectLst/>
-                <a:latin typeface="Consolas" panose="020B0609020204030204" pitchFamily="49" charset="0"/>
-              </a:rPr>
-              <a:t>}</a:t>
-            </a:r>
-          </a:p>
-          <a:p>
-            <a:br>
-              <a:rPr lang="en-US" sz="1400" b="0" dirty="0">
-                <a:solidFill>
-                  <a:srgbClr val="000000"/>
-                </a:solidFill>
-                <a:effectLst/>
-                <a:latin typeface="Consolas" panose="020B0609020204030204" pitchFamily="49" charset="0"/>
-              </a:rPr>
-            </a:br>
-            <a:r>
-              <a:rPr lang="en-US" sz="1400" b="0" dirty="0">
-                <a:solidFill>
-                  <a:srgbClr val="AF00DB"/>
-                </a:solidFill>
-                <a:effectLst/>
-                <a:latin typeface="Consolas" panose="020B0609020204030204" pitchFamily="49" charset="0"/>
-              </a:rPr>
-              <a:t>import</a:t>
-            </a:r>
-            <a:r>
-              <a:rPr lang="en-US" sz="1400" b="0" dirty="0">
-                <a:solidFill>
-                  <a:srgbClr val="000000"/>
-                </a:solidFill>
-                <a:effectLst/>
-                <a:latin typeface="Consolas" panose="020B0609020204030204" pitchFamily="49" charset="0"/>
-              </a:rPr>
-              <a:t> { </a:t>
-            </a:r>
-            <a:r>
-              <a:rPr lang="en-US" sz="1400" b="0" dirty="0" err="1">
-                <a:solidFill>
-                  <a:srgbClr val="001080"/>
-                </a:solidFill>
-                <a:effectLst/>
-                <a:latin typeface="Consolas" panose="020B0609020204030204" pitchFamily="49" charset="0"/>
-              </a:rPr>
-              <a:t>ClockDisplay</a:t>
-            </a:r>
-            <a:r>
-              <a:rPr lang="en-US" sz="1400" b="0" dirty="0">
-                <a:solidFill>
-                  <a:srgbClr val="000000"/>
-                </a:solidFill>
-                <a:effectLst/>
-                <a:latin typeface="Consolas" panose="020B0609020204030204" pitchFamily="49" charset="0"/>
-              </a:rPr>
-              <a:t> } </a:t>
-            </a:r>
-            <a:r>
-              <a:rPr lang="en-US" sz="1400" b="0" dirty="0">
-                <a:solidFill>
-                  <a:srgbClr val="AF00DB"/>
-                </a:solidFill>
-                <a:effectLst/>
-                <a:latin typeface="Consolas" panose="020B0609020204030204" pitchFamily="49" charset="0"/>
-              </a:rPr>
-              <a:t>from</a:t>
-            </a:r>
-            <a:r>
-              <a:rPr lang="en-US" sz="1400" b="0" dirty="0">
-                <a:solidFill>
-                  <a:srgbClr val="000000"/>
-                </a:solidFill>
-                <a:effectLst/>
-                <a:latin typeface="Consolas" panose="020B0609020204030204" pitchFamily="49" charset="0"/>
-              </a:rPr>
-              <a:t> </a:t>
-            </a:r>
-            <a:r>
-              <a:rPr lang="en-US" sz="1400" b="0" dirty="0">
-                <a:solidFill>
-                  <a:srgbClr val="A31515"/>
-                </a:solidFill>
-                <a:effectLst/>
-                <a:latin typeface="Consolas" panose="020B0609020204030204" pitchFamily="49" charset="0"/>
-              </a:rPr>
-              <a:t>'./</a:t>
-            </a:r>
-            <a:r>
-              <a:rPr lang="en-US" sz="1400" b="0" dirty="0" err="1">
-                <a:solidFill>
-                  <a:srgbClr val="A31515"/>
-                </a:solidFill>
-                <a:effectLst/>
-                <a:latin typeface="Consolas" panose="020B0609020204030204" pitchFamily="49" charset="0"/>
-              </a:rPr>
-              <a:t>SimpleClockDisplay</a:t>
-            </a:r>
-            <a:r>
-              <a:rPr lang="en-US" sz="1400" b="0" dirty="0">
-                <a:solidFill>
-                  <a:srgbClr val="A31515"/>
-                </a:solidFill>
-                <a:effectLst/>
-                <a:latin typeface="Consolas" panose="020B0609020204030204" pitchFamily="49" charset="0"/>
-              </a:rPr>
-              <a:t>'</a:t>
-            </a:r>
-            <a:endParaRPr lang="en-US" sz="1400" b="0" dirty="0">
-              <a:solidFill>
-                <a:srgbClr val="000000"/>
-              </a:solidFill>
-              <a:effectLst/>
-              <a:latin typeface="Consolas" panose="020B0609020204030204" pitchFamily="49" charset="0"/>
-            </a:endParaRPr>
-          </a:p>
-          <a:p>
-            <a:br>
-              <a:rPr lang="en-US" sz="1400" b="0" dirty="0">
-                <a:solidFill>
-                  <a:srgbClr val="000000"/>
-                </a:solidFill>
-                <a:effectLst/>
-                <a:latin typeface="Consolas" panose="020B0609020204030204" pitchFamily="49" charset="0"/>
-              </a:rPr>
-            </a:br>
-            <a:r>
-              <a:rPr lang="en-US" sz="1400" b="0" dirty="0">
-                <a:solidFill>
-                  <a:srgbClr val="0000FF"/>
-                </a:solidFill>
-                <a:effectLst/>
-                <a:latin typeface="Consolas" panose="020B0609020204030204" pitchFamily="49" charset="0"/>
-              </a:rPr>
-              <a:t>function</a:t>
-            </a:r>
-            <a:r>
-              <a:rPr lang="en-US" sz="1400" b="0" dirty="0">
-                <a:solidFill>
-                  <a:srgbClr val="000000"/>
-                </a:solidFill>
-                <a:effectLst/>
-                <a:latin typeface="Consolas" panose="020B0609020204030204" pitchFamily="49" charset="0"/>
-              </a:rPr>
-              <a:t> </a:t>
-            </a:r>
-            <a:r>
-              <a:rPr lang="en-US" sz="1400" b="0" dirty="0" err="1">
-                <a:solidFill>
-                  <a:srgbClr val="795E26"/>
-                </a:solidFill>
-                <a:effectLst/>
-                <a:latin typeface="Consolas" panose="020B0609020204030204" pitchFamily="49" charset="0"/>
-              </a:rPr>
-              <a:t>makeClockDisplayData</a:t>
-            </a:r>
-            <a:r>
-              <a:rPr lang="en-US" sz="1400" b="0" dirty="0">
-                <a:solidFill>
-                  <a:srgbClr val="000000"/>
-                </a:solidFill>
-                <a:effectLst/>
-                <a:latin typeface="Consolas" panose="020B0609020204030204" pitchFamily="49" charset="0"/>
-              </a:rPr>
-              <a:t>(</a:t>
-            </a:r>
-            <a:r>
-              <a:rPr lang="en-US" sz="1400" b="0" dirty="0" err="1">
-                <a:solidFill>
-                  <a:srgbClr val="001080"/>
-                </a:solidFill>
-                <a:effectLst/>
-                <a:latin typeface="Consolas" panose="020B0609020204030204" pitchFamily="49" charset="0"/>
-              </a:rPr>
-              <a:t>key</a:t>
-            </a:r>
-            <a:r>
-              <a:rPr lang="en-US" sz="1400" b="0" dirty="0" err="1">
-                <a:solidFill>
-                  <a:srgbClr val="000000"/>
-                </a:solidFill>
-                <a:effectLst/>
-                <a:latin typeface="Consolas" panose="020B0609020204030204" pitchFamily="49" charset="0"/>
-              </a:rPr>
-              <a:t>:</a:t>
-            </a:r>
-            <a:r>
-              <a:rPr lang="en-US" sz="1400" b="0" dirty="0" err="1">
-                <a:solidFill>
-                  <a:srgbClr val="267F99"/>
-                </a:solidFill>
-                <a:effectLst/>
-                <a:latin typeface="Consolas" panose="020B0609020204030204" pitchFamily="49" charset="0"/>
-              </a:rPr>
-              <a:t>number</a:t>
-            </a:r>
-            <a:r>
-              <a:rPr lang="en-US" sz="1400" b="0" dirty="0">
-                <a:solidFill>
-                  <a:srgbClr val="000000"/>
-                </a:solidFill>
-                <a:effectLst/>
-                <a:latin typeface="Consolas" panose="020B0609020204030204" pitchFamily="49" charset="0"/>
-              </a:rPr>
-              <a:t>) { </a:t>
-            </a:r>
-          </a:p>
-          <a:p>
-            <a:r>
-              <a:rPr lang="en-US" sz="1400" b="0" dirty="0">
-                <a:solidFill>
-                  <a:srgbClr val="000000"/>
-                </a:solidFill>
-                <a:effectLst/>
-                <a:latin typeface="Consolas" panose="020B0609020204030204" pitchFamily="49" charset="0"/>
-              </a:rPr>
-              <a:t>    </a:t>
-            </a:r>
-            <a:r>
-              <a:rPr lang="en-US" sz="1400" b="0" dirty="0">
-                <a:solidFill>
-                  <a:srgbClr val="AF00DB"/>
-                </a:solidFill>
-                <a:effectLst/>
-                <a:latin typeface="Consolas" panose="020B0609020204030204" pitchFamily="49" charset="0"/>
-              </a:rPr>
-              <a:t>return</a:t>
-            </a:r>
-            <a:r>
-              <a:rPr lang="en-US" sz="1400" b="0" dirty="0">
-                <a:solidFill>
-                  <a:srgbClr val="000000"/>
-                </a:solidFill>
-                <a:effectLst/>
-                <a:latin typeface="Consolas" panose="020B0609020204030204" pitchFamily="49" charset="0"/>
-              </a:rPr>
-              <a:t> {</a:t>
-            </a:r>
-            <a:r>
-              <a:rPr lang="en-US" sz="1400" b="0" dirty="0" err="1">
-                <a:solidFill>
-                  <a:srgbClr val="001080"/>
-                </a:solidFill>
-                <a:effectLst/>
-                <a:latin typeface="Consolas" panose="020B0609020204030204" pitchFamily="49" charset="0"/>
-              </a:rPr>
-              <a:t>key:key</a:t>
-            </a:r>
-            <a:r>
-              <a:rPr lang="en-US" sz="1400" b="0" dirty="0">
-                <a:solidFill>
-                  <a:srgbClr val="000000"/>
-                </a:solidFill>
-                <a:effectLst/>
-                <a:latin typeface="Consolas" panose="020B0609020204030204" pitchFamily="49" charset="0"/>
-              </a:rPr>
-              <a:t>, </a:t>
-            </a:r>
-            <a:r>
-              <a:rPr lang="en-US" sz="1400" b="0" dirty="0" err="1">
-                <a:solidFill>
-                  <a:srgbClr val="001080"/>
-                </a:solidFill>
-                <a:effectLst/>
-                <a:latin typeface="Consolas" panose="020B0609020204030204" pitchFamily="49" charset="0"/>
-              </a:rPr>
-              <a:t>name:</a:t>
-            </a:r>
-            <a:r>
-              <a:rPr lang="en-US" sz="1400" b="0" dirty="0" err="1">
-                <a:solidFill>
-                  <a:srgbClr val="A31515"/>
-                </a:solidFill>
-                <a:effectLst/>
-                <a:latin typeface="Consolas" panose="020B0609020204030204" pitchFamily="49" charset="0"/>
-              </a:rPr>
-              <a:t>'clock</a:t>
-            </a:r>
-            <a:r>
-              <a:rPr lang="en-US" sz="1400" b="0" dirty="0">
-                <a:solidFill>
-                  <a:srgbClr val="A31515"/>
-                </a:solidFill>
-                <a:effectLst/>
-                <a:latin typeface="Consolas" panose="020B0609020204030204" pitchFamily="49" charset="0"/>
-              </a:rPr>
-              <a:t> '</a:t>
-            </a:r>
-            <a:r>
-              <a:rPr lang="en-US" sz="1400" b="0" dirty="0">
-                <a:solidFill>
-                  <a:srgbClr val="000000"/>
-                </a:solidFill>
-                <a:effectLst/>
-                <a:latin typeface="Consolas" panose="020B0609020204030204" pitchFamily="49" charset="0"/>
-              </a:rPr>
-              <a:t> + </a:t>
-            </a:r>
-            <a:r>
-              <a:rPr lang="en-US" sz="1400" b="0" dirty="0">
-                <a:solidFill>
-                  <a:srgbClr val="001080"/>
-                </a:solidFill>
-                <a:effectLst/>
-                <a:latin typeface="Consolas" panose="020B0609020204030204" pitchFamily="49" charset="0"/>
-              </a:rPr>
-              <a:t>key</a:t>
-            </a:r>
-            <a:r>
-              <a:rPr lang="en-US" sz="1400" b="0" dirty="0">
-                <a:solidFill>
-                  <a:srgbClr val="000000"/>
-                </a:solidFill>
-                <a:effectLst/>
-                <a:latin typeface="Consolas" panose="020B0609020204030204" pitchFamily="49" charset="0"/>
-              </a:rPr>
-              <a:t>, </a:t>
-            </a:r>
-            <a:r>
-              <a:rPr lang="en-US" sz="1400" b="0" dirty="0" err="1">
-                <a:solidFill>
-                  <a:srgbClr val="001080"/>
-                </a:solidFill>
-                <a:effectLst/>
-                <a:latin typeface="Consolas" panose="020B0609020204030204" pitchFamily="49" charset="0"/>
-              </a:rPr>
-              <a:t>noisyDelete</a:t>
-            </a:r>
-            <a:r>
-              <a:rPr lang="en-US" sz="1400" b="0" dirty="0">
-                <a:solidFill>
-                  <a:srgbClr val="001080"/>
-                </a:solidFill>
-                <a:effectLst/>
-                <a:latin typeface="Consolas" panose="020B0609020204030204" pitchFamily="49" charset="0"/>
-              </a:rPr>
-              <a:t>:</a:t>
-            </a:r>
-            <a:r>
-              <a:rPr lang="en-US" sz="1400" b="0" dirty="0">
-                <a:solidFill>
-                  <a:srgbClr val="000000"/>
-                </a:solidFill>
-                <a:effectLst/>
-                <a:latin typeface="Consolas" panose="020B0609020204030204" pitchFamily="49" charset="0"/>
-              </a:rPr>
-              <a:t> </a:t>
-            </a:r>
-            <a:r>
-              <a:rPr lang="en-US" sz="1400" b="0" dirty="0">
-                <a:solidFill>
-                  <a:srgbClr val="0000FF"/>
-                </a:solidFill>
-                <a:effectLst/>
-                <a:latin typeface="Consolas" panose="020B0609020204030204" pitchFamily="49" charset="0"/>
-              </a:rPr>
-              <a:t>true</a:t>
-            </a:r>
-            <a:r>
-              <a:rPr lang="en-US" sz="1400" b="0" dirty="0">
-                <a:solidFill>
-                  <a:srgbClr val="000000"/>
-                </a:solidFill>
-                <a:effectLst/>
-                <a:latin typeface="Consolas" panose="020B0609020204030204" pitchFamily="49" charset="0"/>
-              </a:rPr>
-              <a:t>}</a:t>
-            </a:r>
-          </a:p>
-          <a:p>
-            <a:r>
-              <a:rPr lang="en-US" sz="1400" b="0" dirty="0">
-                <a:solidFill>
-                  <a:srgbClr val="000000"/>
-                </a:solidFill>
-                <a:effectLst/>
-                <a:latin typeface="Consolas" panose="020B0609020204030204" pitchFamily="49" charset="0"/>
-              </a:rPr>
-              <a:t>}</a:t>
-            </a:r>
-          </a:p>
-          <a:p>
-            <a:br>
-              <a:rPr lang="en-US" sz="1400" b="0" dirty="0">
-                <a:solidFill>
-                  <a:srgbClr val="000000"/>
-                </a:solidFill>
-                <a:effectLst/>
-                <a:latin typeface="Consolas" panose="020B0609020204030204" pitchFamily="49" charset="0"/>
-              </a:rPr>
-            </a:br>
-            <a:r>
-              <a:rPr lang="en-US" sz="1400" b="0" dirty="0">
-                <a:solidFill>
-                  <a:srgbClr val="AF00DB"/>
-                </a:solidFill>
-                <a:effectLst/>
-                <a:latin typeface="Consolas" panose="020B0609020204030204" pitchFamily="49" charset="0"/>
-              </a:rPr>
-              <a:t>export</a:t>
-            </a:r>
-            <a:r>
-              <a:rPr lang="en-US" sz="1400" b="0" dirty="0">
-                <a:solidFill>
-                  <a:srgbClr val="000000"/>
-                </a:solidFill>
-                <a:effectLst/>
-                <a:latin typeface="Consolas" panose="020B0609020204030204" pitchFamily="49" charset="0"/>
-              </a:rPr>
-              <a:t> </a:t>
-            </a:r>
-            <a:r>
-              <a:rPr lang="en-US" sz="1400" b="0" dirty="0">
-                <a:solidFill>
-                  <a:srgbClr val="AF00DB"/>
-                </a:solidFill>
-                <a:effectLst/>
-                <a:latin typeface="Consolas" panose="020B0609020204030204" pitchFamily="49" charset="0"/>
-              </a:rPr>
-              <a:t>default</a:t>
-            </a:r>
-            <a:r>
-              <a:rPr lang="en-US" sz="1400" b="0" dirty="0">
-                <a:solidFill>
-                  <a:srgbClr val="000000"/>
-                </a:solidFill>
-                <a:effectLst/>
-                <a:latin typeface="Consolas" panose="020B0609020204030204" pitchFamily="49" charset="0"/>
-              </a:rPr>
-              <a:t> </a:t>
-            </a:r>
-            <a:r>
-              <a:rPr lang="en-US" sz="1400" b="0" dirty="0">
-                <a:solidFill>
-                  <a:srgbClr val="0000FF"/>
-                </a:solidFill>
-                <a:effectLst/>
-                <a:latin typeface="Consolas" panose="020B0609020204030204" pitchFamily="49" charset="0"/>
-              </a:rPr>
-              <a:t>function</a:t>
-            </a:r>
-            <a:r>
-              <a:rPr lang="en-US" sz="1400" b="0" dirty="0">
-                <a:solidFill>
-                  <a:srgbClr val="000000"/>
-                </a:solidFill>
-                <a:effectLst/>
-                <a:latin typeface="Consolas" panose="020B0609020204030204" pitchFamily="49" charset="0"/>
-              </a:rPr>
-              <a:t> </a:t>
-            </a:r>
-            <a:r>
-              <a:rPr lang="en-US" sz="1400" b="0" dirty="0">
-                <a:solidFill>
-                  <a:srgbClr val="795E26"/>
-                </a:solidFill>
-                <a:effectLst/>
-                <a:latin typeface="Consolas" panose="020B0609020204030204" pitchFamily="49" charset="0"/>
-              </a:rPr>
-              <a:t>App</a:t>
-            </a:r>
-            <a:r>
-              <a:rPr lang="en-US" sz="1400" b="0" dirty="0">
-                <a:solidFill>
-                  <a:srgbClr val="000000"/>
-                </a:solidFill>
-                <a:effectLst/>
-                <a:latin typeface="Consolas" panose="020B0609020204030204" pitchFamily="49" charset="0"/>
-              </a:rPr>
-              <a:t> () {</a:t>
-            </a:r>
-          </a:p>
-          <a:p>
-            <a:r>
-              <a:rPr lang="en-US" sz="1400" b="0" dirty="0">
-                <a:solidFill>
-                  <a:srgbClr val="000000"/>
-                </a:solidFill>
-                <a:effectLst/>
-                <a:latin typeface="Consolas" panose="020B0609020204030204" pitchFamily="49" charset="0"/>
-              </a:rPr>
-              <a:t>    </a:t>
-            </a:r>
-            <a:r>
-              <a:rPr lang="en-US" sz="1400" b="0" dirty="0">
-                <a:solidFill>
-                  <a:srgbClr val="0000FF"/>
-                </a:solidFill>
-                <a:effectLst/>
-                <a:latin typeface="Consolas" panose="020B0609020204030204" pitchFamily="49" charset="0"/>
-              </a:rPr>
-              <a:t>const</a:t>
-            </a:r>
-            <a:r>
-              <a:rPr lang="en-US" sz="1400" b="0" dirty="0">
-                <a:solidFill>
-                  <a:srgbClr val="000000"/>
-                </a:solidFill>
-                <a:effectLst/>
-                <a:latin typeface="Consolas" panose="020B0609020204030204" pitchFamily="49" charset="0"/>
-              </a:rPr>
-              <a:t> [</a:t>
-            </a:r>
-            <a:r>
-              <a:rPr lang="en-US" sz="1400" b="0" dirty="0" err="1">
-                <a:solidFill>
-                  <a:srgbClr val="0070C1"/>
-                </a:solidFill>
-                <a:effectLst/>
-                <a:latin typeface="Consolas" panose="020B0609020204030204" pitchFamily="49" charset="0"/>
-              </a:rPr>
-              <a:t>clockDisplays</a:t>
-            </a:r>
-            <a:r>
-              <a:rPr lang="en-US" sz="1400" b="0" dirty="0">
-                <a:solidFill>
-                  <a:srgbClr val="000000"/>
-                </a:solidFill>
-                <a:effectLst/>
-                <a:latin typeface="Consolas" panose="020B0609020204030204" pitchFamily="49" charset="0"/>
-              </a:rPr>
-              <a:t>, </a:t>
-            </a:r>
-            <a:r>
-              <a:rPr lang="en-US" sz="1400" b="0" dirty="0" err="1">
-                <a:solidFill>
-                  <a:srgbClr val="795E26"/>
-                </a:solidFill>
-                <a:effectLst/>
-                <a:latin typeface="Consolas" panose="020B0609020204030204" pitchFamily="49" charset="0"/>
-              </a:rPr>
-              <a:t>setClockDisplays</a:t>
-            </a:r>
-            <a:r>
-              <a:rPr lang="en-US" sz="1400" b="0" dirty="0">
-                <a:solidFill>
-                  <a:srgbClr val="000000"/>
-                </a:solidFill>
-                <a:effectLst/>
-                <a:latin typeface="Consolas" panose="020B0609020204030204" pitchFamily="49" charset="0"/>
-              </a:rPr>
-              <a:t>] = </a:t>
-            </a:r>
-            <a:r>
-              <a:rPr lang="en-US" sz="1400" b="0" dirty="0" err="1">
-                <a:solidFill>
-                  <a:srgbClr val="795E26"/>
-                </a:solidFill>
-                <a:effectLst/>
-                <a:latin typeface="Consolas" panose="020B0609020204030204" pitchFamily="49" charset="0"/>
-              </a:rPr>
-              <a:t>useState</a:t>
-            </a:r>
-            <a:r>
-              <a:rPr lang="en-US" sz="1400" b="0" dirty="0">
-                <a:solidFill>
-                  <a:srgbClr val="000000"/>
-                </a:solidFill>
-                <a:effectLst/>
-                <a:latin typeface="Consolas" panose="020B0609020204030204" pitchFamily="49" charset="0"/>
-              </a:rPr>
-              <a:t>&lt;</a:t>
-            </a:r>
-            <a:r>
-              <a:rPr lang="en-US" sz="1400" b="0" dirty="0" err="1">
-                <a:solidFill>
-                  <a:srgbClr val="267F99"/>
-                </a:solidFill>
-                <a:effectLst/>
-                <a:latin typeface="Consolas" panose="020B0609020204030204" pitchFamily="49" charset="0"/>
-              </a:rPr>
-              <a:t>ClockDisplayData</a:t>
-            </a:r>
-            <a:r>
-              <a:rPr lang="en-US" sz="1400" b="0" dirty="0">
-                <a:solidFill>
-                  <a:srgbClr val="000000"/>
-                </a:solidFill>
-                <a:effectLst/>
-                <a:latin typeface="Consolas" panose="020B0609020204030204" pitchFamily="49" charset="0"/>
-              </a:rPr>
-              <a:t>[]&gt;([])</a:t>
-            </a:r>
-          </a:p>
-          <a:p>
-            <a:r>
-              <a:rPr lang="en-US" sz="1400" b="0" dirty="0">
-                <a:solidFill>
-                  <a:srgbClr val="000000"/>
-                </a:solidFill>
-                <a:effectLst/>
-                <a:latin typeface="Consolas" panose="020B0609020204030204" pitchFamily="49" charset="0"/>
-              </a:rPr>
-              <a:t>    </a:t>
-            </a:r>
-            <a:r>
-              <a:rPr lang="en-US" sz="1400" b="0" dirty="0">
-                <a:solidFill>
-                  <a:srgbClr val="0000FF"/>
-                </a:solidFill>
-                <a:effectLst/>
-                <a:latin typeface="Consolas" panose="020B0609020204030204" pitchFamily="49" charset="0"/>
-              </a:rPr>
-              <a:t>const</a:t>
-            </a:r>
-            <a:r>
-              <a:rPr lang="en-US" sz="1400" b="0" dirty="0">
-                <a:solidFill>
-                  <a:srgbClr val="000000"/>
-                </a:solidFill>
-                <a:effectLst/>
-                <a:latin typeface="Consolas" panose="020B0609020204030204" pitchFamily="49" charset="0"/>
-              </a:rPr>
-              <a:t> [</a:t>
-            </a:r>
-            <a:r>
-              <a:rPr lang="en-US" sz="1400" b="0" dirty="0" err="1">
-                <a:solidFill>
-                  <a:srgbClr val="0070C1"/>
-                </a:solidFill>
-                <a:effectLst/>
-                <a:latin typeface="Consolas" panose="020B0609020204030204" pitchFamily="49" charset="0"/>
-              </a:rPr>
-              <a:t>nextKey</a:t>
-            </a:r>
-            <a:r>
-              <a:rPr lang="en-US" sz="1400" b="0" dirty="0">
-                <a:solidFill>
-                  <a:srgbClr val="000000"/>
-                </a:solidFill>
-                <a:effectLst/>
-                <a:latin typeface="Consolas" panose="020B0609020204030204" pitchFamily="49" charset="0"/>
-              </a:rPr>
-              <a:t>, </a:t>
-            </a:r>
-            <a:r>
-              <a:rPr lang="en-US" sz="1400" b="0" dirty="0" err="1">
-                <a:solidFill>
-                  <a:srgbClr val="795E26"/>
-                </a:solidFill>
-                <a:effectLst/>
-                <a:latin typeface="Consolas" panose="020B0609020204030204" pitchFamily="49" charset="0"/>
-              </a:rPr>
-              <a:t>setNextKey</a:t>
-            </a:r>
-            <a:r>
-              <a:rPr lang="en-US" sz="1400" b="0" dirty="0">
-                <a:solidFill>
-                  <a:srgbClr val="000000"/>
-                </a:solidFill>
-                <a:effectLst/>
-                <a:latin typeface="Consolas" panose="020B0609020204030204" pitchFamily="49" charset="0"/>
-              </a:rPr>
-              <a:t>] = </a:t>
-            </a:r>
-            <a:r>
-              <a:rPr lang="en-US" sz="1400" b="0" dirty="0" err="1">
-                <a:solidFill>
-                  <a:srgbClr val="795E26"/>
-                </a:solidFill>
-                <a:effectLst/>
-                <a:latin typeface="Consolas" panose="020B0609020204030204" pitchFamily="49" charset="0"/>
-              </a:rPr>
-              <a:t>useState</a:t>
-            </a:r>
-            <a:r>
-              <a:rPr lang="en-US" sz="1400" b="0" dirty="0">
-                <a:solidFill>
-                  <a:srgbClr val="000000"/>
-                </a:solidFill>
-                <a:effectLst/>
-                <a:latin typeface="Consolas" panose="020B0609020204030204" pitchFamily="49" charset="0"/>
-              </a:rPr>
-              <a:t>(</a:t>
-            </a:r>
-            <a:r>
-              <a:rPr lang="en-US" sz="1400" b="0" dirty="0">
-                <a:solidFill>
-                  <a:srgbClr val="098658"/>
-                </a:solidFill>
-                <a:effectLst/>
-                <a:latin typeface="Consolas" panose="020B0609020204030204" pitchFamily="49" charset="0"/>
-              </a:rPr>
-              <a:t>1</a:t>
-            </a:r>
-            <a:r>
-              <a:rPr lang="en-US" sz="1400" b="0" dirty="0">
-                <a:solidFill>
-                  <a:srgbClr val="000000"/>
-                </a:solidFill>
-                <a:effectLst/>
-                <a:latin typeface="Consolas" panose="020B0609020204030204" pitchFamily="49" charset="0"/>
-              </a:rPr>
-              <a:t>)</a:t>
-            </a:r>
-          </a:p>
-          <a:p>
-            <a:br>
-              <a:rPr lang="en-US" sz="1400" b="0" dirty="0">
-                <a:solidFill>
-                  <a:srgbClr val="000000"/>
-                </a:solidFill>
-                <a:effectLst/>
-                <a:latin typeface="Consolas" panose="020B0609020204030204" pitchFamily="49" charset="0"/>
-              </a:rPr>
-            </a:br>
-            <a:r>
-              <a:rPr lang="en-US" sz="1400" b="0" dirty="0">
-                <a:solidFill>
-                  <a:srgbClr val="000000"/>
-                </a:solidFill>
-                <a:effectLst/>
-                <a:latin typeface="Consolas" panose="020B0609020204030204" pitchFamily="49" charset="0"/>
-              </a:rPr>
-              <a:t>    </a:t>
-            </a:r>
-            <a:r>
-              <a:rPr lang="en-US" sz="1400" b="0" dirty="0">
-                <a:solidFill>
-                  <a:srgbClr val="008000"/>
-                </a:solidFill>
-                <a:effectLst/>
-                <a:latin typeface="Consolas" panose="020B0609020204030204" pitchFamily="49" charset="0"/>
-              </a:rPr>
-              <a:t>// add a clock display on first render</a:t>
-            </a:r>
-            <a:endParaRPr lang="en-US" sz="1400" b="0" dirty="0">
-              <a:solidFill>
-                <a:srgbClr val="000000"/>
-              </a:solidFill>
-              <a:effectLst/>
-              <a:latin typeface="Consolas" panose="020B0609020204030204" pitchFamily="49" charset="0"/>
-            </a:endParaRPr>
-          </a:p>
-          <a:p>
-            <a:r>
-              <a:rPr lang="en-US" sz="1400" b="0" dirty="0">
-                <a:solidFill>
-                  <a:srgbClr val="000000"/>
-                </a:solidFill>
-                <a:effectLst/>
-                <a:latin typeface="Consolas" panose="020B0609020204030204" pitchFamily="49" charset="0"/>
-              </a:rPr>
-              <a:t>    </a:t>
-            </a:r>
-            <a:r>
-              <a:rPr lang="en-US" sz="1400" b="0" dirty="0" err="1">
-                <a:solidFill>
-                  <a:srgbClr val="795E26"/>
-                </a:solidFill>
-                <a:effectLst/>
-                <a:latin typeface="Consolas" panose="020B0609020204030204" pitchFamily="49" charset="0"/>
-              </a:rPr>
-              <a:t>useEffect</a:t>
-            </a:r>
-            <a:r>
-              <a:rPr lang="en-US" sz="1400" b="0" dirty="0">
-                <a:solidFill>
-                  <a:srgbClr val="000000"/>
-                </a:solidFill>
-                <a:effectLst/>
-                <a:latin typeface="Consolas" panose="020B0609020204030204" pitchFamily="49" charset="0"/>
-              </a:rPr>
-              <a:t>(() </a:t>
-            </a:r>
-            <a:r>
-              <a:rPr lang="en-US" sz="1400" b="0" dirty="0">
-                <a:solidFill>
-                  <a:srgbClr val="0000FF"/>
-                </a:solidFill>
-                <a:effectLst/>
-                <a:latin typeface="Consolas" panose="020B0609020204030204" pitchFamily="49" charset="0"/>
-              </a:rPr>
-              <a:t>=&gt;</a:t>
-            </a:r>
-            <a:r>
-              <a:rPr lang="en-US" sz="1400" b="0" dirty="0">
-                <a:solidFill>
-                  <a:srgbClr val="000000"/>
-                </a:solidFill>
-                <a:effectLst/>
-                <a:latin typeface="Consolas" panose="020B0609020204030204" pitchFamily="49" charset="0"/>
-              </a:rPr>
-              <a:t> {</a:t>
-            </a:r>
-            <a:r>
-              <a:rPr lang="en-US" sz="1400" b="0" dirty="0" err="1">
-                <a:solidFill>
-                  <a:srgbClr val="795E26"/>
-                </a:solidFill>
-                <a:effectLst/>
-                <a:latin typeface="Consolas" panose="020B0609020204030204" pitchFamily="49" charset="0"/>
-              </a:rPr>
-              <a:t>handleAdd</a:t>
-            </a:r>
-            <a:r>
-              <a:rPr lang="en-US" sz="1400" b="0" dirty="0">
-                <a:solidFill>
-                  <a:srgbClr val="000000"/>
-                </a:solidFill>
-                <a:effectLst/>
-                <a:latin typeface="Consolas" panose="020B0609020204030204" pitchFamily="49" charset="0"/>
-              </a:rPr>
-              <a:t>()}, [])</a:t>
-            </a:r>
-          </a:p>
-          <a:p>
-            <a:r>
-              <a:rPr lang="en-US" sz="1400" b="0" dirty="0">
-                <a:solidFill>
-                  <a:srgbClr val="000000"/>
-                </a:solidFill>
-                <a:effectLst/>
-                <a:latin typeface="Consolas" panose="020B0609020204030204" pitchFamily="49" charset="0"/>
-              </a:rPr>
-              <a:t>        </a:t>
-            </a:r>
-          </a:p>
-          <a:p>
-            <a:br>
-              <a:rPr lang="en-US" sz="1400" b="0" dirty="0">
-                <a:solidFill>
-                  <a:srgbClr val="000000"/>
-                </a:solidFill>
-                <a:effectLst/>
-                <a:latin typeface="Consolas" panose="020B0609020204030204" pitchFamily="49" charset="0"/>
-              </a:rPr>
-            </a:br>
-            <a:r>
-              <a:rPr lang="en-US" sz="1400" b="0" dirty="0">
-                <a:solidFill>
-                  <a:srgbClr val="000000"/>
-                </a:solidFill>
-                <a:effectLst/>
-                <a:latin typeface="Consolas" panose="020B0609020204030204" pitchFamily="49" charset="0"/>
-              </a:rPr>
-              <a:t>    </a:t>
-            </a:r>
-            <a:r>
-              <a:rPr lang="en-US" sz="1400" b="0" dirty="0">
-                <a:solidFill>
-                  <a:srgbClr val="0000FF"/>
-                </a:solidFill>
-                <a:effectLst/>
-                <a:latin typeface="Consolas" panose="020B0609020204030204" pitchFamily="49" charset="0"/>
-              </a:rPr>
-              <a:t>function</a:t>
-            </a:r>
-            <a:r>
-              <a:rPr lang="en-US" sz="1400" b="0" dirty="0">
-                <a:solidFill>
-                  <a:srgbClr val="000000"/>
-                </a:solidFill>
-                <a:effectLst/>
-                <a:latin typeface="Consolas" panose="020B0609020204030204" pitchFamily="49" charset="0"/>
-              </a:rPr>
-              <a:t> </a:t>
-            </a:r>
-            <a:r>
-              <a:rPr lang="en-US" sz="1400" b="0" dirty="0" err="1">
-                <a:solidFill>
-                  <a:srgbClr val="795E26"/>
-                </a:solidFill>
-                <a:effectLst/>
-                <a:latin typeface="Consolas" panose="020B0609020204030204" pitchFamily="49" charset="0"/>
-              </a:rPr>
-              <a:t>handleAdd</a:t>
-            </a:r>
-            <a:r>
-              <a:rPr lang="en-US" sz="1400" b="0" dirty="0">
-                <a:solidFill>
-                  <a:srgbClr val="000000"/>
-                </a:solidFill>
-                <a:effectLst/>
-                <a:latin typeface="Consolas" panose="020B0609020204030204" pitchFamily="49" charset="0"/>
-              </a:rPr>
-              <a:t>() {</a:t>
-            </a:r>
-          </a:p>
-          <a:p>
-            <a:r>
-              <a:rPr lang="en-US" sz="1400" b="0" dirty="0">
-                <a:solidFill>
-                  <a:srgbClr val="000000"/>
-                </a:solidFill>
-                <a:effectLst/>
-                <a:latin typeface="Consolas" panose="020B0609020204030204" pitchFamily="49" charset="0"/>
-              </a:rPr>
-              <a:t>        </a:t>
-            </a:r>
-            <a:r>
-              <a:rPr lang="en-US" sz="1400" b="0" dirty="0" err="1">
-                <a:solidFill>
-                  <a:srgbClr val="795E26"/>
-                </a:solidFill>
-                <a:effectLst/>
-                <a:latin typeface="Consolas" panose="020B0609020204030204" pitchFamily="49" charset="0"/>
-              </a:rPr>
-              <a:t>setClockDisplays</a:t>
-            </a:r>
-            <a:r>
-              <a:rPr lang="en-US" sz="1400" b="0" dirty="0">
-                <a:solidFill>
-                  <a:srgbClr val="000000"/>
-                </a:solidFill>
-                <a:effectLst/>
-                <a:latin typeface="Consolas" panose="020B0609020204030204" pitchFamily="49" charset="0"/>
-              </a:rPr>
-              <a:t>(</a:t>
-            </a:r>
-            <a:r>
-              <a:rPr lang="en-US" sz="1400" b="0" dirty="0" err="1">
-                <a:solidFill>
-                  <a:srgbClr val="0070C1"/>
-                </a:solidFill>
-                <a:effectLst/>
-                <a:latin typeface="Consolas" panose="020B0609020204030204" pitchFamily="49" charset="0"/>
-              </a:rPr>
-              <a:t>clockDisplays</a:t>
-            </a:r>
-            <a:r>
-              <a:rPr lang="en-US" sz="1400" b="0" dirty="0" err="1">
-                <a:solidFill>
-                  <a:srgbClr val="000000"/>
-                </a:solidFill>
-                <a:effectLst/>
-                <a:latin typeface="Consolas" panose="020B0609020204030204" pitchFamily="49" charset="0"/>
-              </a:rPr>
-              <a:t>.</a:t>
-            </a:r>
-            <a:r>
-              <a:rPr lang="en-US" sz="1400" b="0" dirty="0" err="1">
-                <a:solidFill>
-                  <a:srgbClr val="795E26"/>
-                </a:solidFill>
-                <a:effectLst/>
-                <a:latin typeface="Consolas" panose="020B0609020204030204" pitchFamily="49" charset="0"/>
-              </a:rPr>
-              <a:t>concat</a:t>
-            </a:r>
-            <a:r>
-              <a:rPr lang="en-US" sz="1400" b="0" dirty="0">
-                <a:solidFill>
-                  <a:srgbClr val="000000"/>
-                </a:solidFill>
-                <a:effectLst/>
-                <a:latin typeface="Consolas" panose="020B0609020204030204" pitchFamily="49" charset="0"/>
-              </a:rPr>
-              <a:t>(</a:t>
-            </a:r>
-            <a:r>
-              <a:rPr lang="en-US" sz="1400" b="0" dirty="0" err="1">
-                <a:solidFill>
-                  <a:srgbClr val="795E26"/>
-                </a:solidFill>
-                <a:effectLst/>
-                <a:latin typeface="Consolas" panose="020B0609020204030204" pitchFamily="49" charset="0"/>
-              </a:rPr>
-              <a:t>makeClockDisplayData</a:t>
-            </a:r>
-            <a:r>
-              <a:rPr lang="en-US" sz="1400" b="0" dirty="0">
-                <a:solidFill>
-                  <a:srgbClr val="000000"/>
-                </a:solidFill>
-                <a:effectLst/>
-                <a:latin typeface="Consolas" panose="020B0609020204030204" pitchFamily="49" charset="0"/>
-              </a:rPr>
-              <a:t>(</a:t>
-            </a:r>
-            <a:r>
-              <a:rPr lang="en-US" sz="1400" b="0" dirty="0" err="1">
-                <a:solidFill>
-                  <a:srgbClr val="0070C1"/>
-                </a:solidFill>
-                <a:effectLst/>
-                <a:latin typeface="Consolas" panose="020B0609020204030204" pitchFamily="49" charset="0"/>
-              </a:rPr>
-              <a:t>nextKey</a:t>
-            </a:r>
-            <a:r>
-              <a:rPr lang="en-US" sz="1400" b="0" dirty="0">
-                <a:solidFill>
-                  <a:srgbClr val="000000"/>
-                </a:solidFill>
-                <a:effectLst/>
-                <a:latin typeface="Consolas" panose="020B0609020204030204" pitchFamily="49" charset="0"/>
-              </a:rPr>
-              <a:t>)))</a:t>
-            </a:r>
-          </a:p>
-          <a:p>
-            <a:r>
-              <a:rPr lang="en-US" sz="1400" b="0" dirty="0">
-                <a:solidFill>
-                  <a:srgbClr val="000000"/>
-                </a:solidFill>
-                <a:effectLst/>
-                <a:latin typeface="Consolas" panose="020B0609020204030204" pitchFamily="49" charset="0"/>
-              </a:rPr>
-              <a:t>        </a:t>
-            </a:r>
-            <a:r>
-              <a:rPr lang="en-US" sz="1400" b="0" dirty="0" err="1">
-                <a:solidFill>
-                  <a:srgbClr val="795E26"/>
-                </a:solidFill>
-                <a:effectLst/>
-                <a:latin typeface="Consolas" panose="020B0609020204030204" pitchFamily="49" charset="0"/>
-              </a:rPr>
-              <a:t>setNextKey</a:t>
-            </a:r>
-            <a:r>
-              <a:rPr lang="en-US" sz="1400" b="0" dirty="0">
-                <a:solidFill>
-                  <a:srgbClr val="000000"/>
-                </a:solidFill>
-                <a:effectLst/>
-                <a:latin typeface="Consolas" panose="020B0609020204030204" pitchFamily="49" charset="0"/>
-              </a:rPr>
-              <a:t>(</a:t>
-            </a:r>
-            <a:r>
-              <a:rPr lang="en-US" sz="1400" b="0" dirty="0">
-                <a:solidFill>
-                  <a:srgbClr val="0070C1"/>
-                </a:solidFill>
-                <a:effectLst/>
-                <a:latin typeface="Consolas" panose="020B0609020204030204" pitchFamily="49" charset="0"/>
-              </a:rPr>
-              <a:t>nextKey</a:t>
-            </a:r>
-            <a:r>
-              <a:rPr lang="en-US" sz="1400" b="0" dirty="0">
-                <a:solidFill>
-                  <a:srgbClr val="000000"/>
-                </a:solidFill>
-                <a:effectLst/>
-                <a:latin typeface="Consolas" panose="020B0609020204030204" pitchFamily="49" charset="0"/>
-              </a:rPr>
-              <a:t>+</a:t>
-            </a:r>
-            <a:r>
-              <a:rPr lang="en-US" sz="1400" b="0" dirty="0">
-                <a:solidFill>
-                  <a:srgbClr val="098658"/>
-                </a:solidFill>
-                <a:effectLst/>
-                <a:latin typeface="Consolas" panose="020B0609020204030204" pitchFamily="49" charset="0"/>
-              </a:rPr>
-              <a:t>1</a:t>
-            </a:r>
-            <a:r>
-              <a:rPr lang="en-US" sz="1400" b="0" dirty="0">
-                <a:solidFill>
-                  <a:srgbClr val="000000"/>
-                </a:solidFill>
-                <a:effectLst/>
-                <a:latin typeface="Consolas" panose="020B0609020204030204" pitchFamily="49" charset="0"/>
-              </a:rPr>
-              <a:t>)</a:t>
-            </a:r>
-          </a:p>
-          <a:p>
-            <a:r>
-              <a:rPr lang="en-US" sz="1400" b="0" dirty="0">
-                <a:solidFill>
-                  <a:srgbClr val="000000"/>
-                </a:solidFill>
-                <a:effectLst/>
-                <a:latin typeface="Consolas" panose="020B0609020204030204" pitchFamily="49" charset="0"/>
-              </a:rPr>
-              <a:t>    }</a:t>
-            </a:r>
-          </a:p>
-          <a:p>
-            <a:br>
-              <a:rPr lang="en-US" sz="1400" b="0" dirty="0">
-                <a:solidFill>
-                  <a:srgbClr val="000000"/>
-                </a:solidFill>
-                <a:effectLst/>
-                <a:latin typeface="Consolas" panose="020B0609020204030204" pitchFamily="49" charset="0"/>
-              </a:rPr>
-            </a:br>
-            <a:r>
-              <a:rPr lang="en-US" sz="1400" b="0" dirty="0">
-                <a:solidFill>
-                  <a:srgbClr val="000000"/>
-                </a:solidFill>
-                <a:effectLst/>
-                <a:latin typeface="Consolas" panose="020B0609020204030204" pitchFamily="49" charset="0"/>
-              </a:rPr>
-              <a:t>    </a:t>
-            </a:r>
-            <a:r>
-              <a:rPr lang="en-US" sz="1400" b="0" dirty="0">
-                <a:solidFill>
-                  <a:srgbClr val="0000FF"/>
-                </a:solidFill>
-                <a:effectLst/>
-                <a:latin typeface="Consolas" panose="020B0609020204030204" pitchFamily="49" charset="0"/>
-              </a:rPr>
-              <a:t>function</a:t>
-            </a:r>
-            <a:r>
-              <a:rPr lang="en-US" sz="1400" b="0" dirty="0">
-                <a:solidFill>
-                  <a:srgbClr val="000000"/>
-                </a:solidFill>
-                <a:effectLst/>
-                <a:latin typeface="Consolas" panose="020B0609020204030204" pitchFamily="49" charset="0"/>
-              </a:rPr>
-              <a:t> </a:t>
-            </a:r>
-            <a:r>
-              <a:rPr lang="en-US" sz="1400" b="0" dirty="0" err="1">
-                <a:solidFill>
-                  <a:srgbClr val="795E26"/>
-                </a:solidFill>
-                <a:effectLst/>
-                <a:latin typeface="Consolas" panose="020B0609020204030204" pitchFamily="49" charset="0"/>
-              </a:rPr>
-              <a:t>handleDelete</a:t>
-            </a:r>
-            <a:r>
-              <a:rPr lang="en-US" sz="1400" b="0" dirty="0">
-                <a:solidFill>
-                  <a:srgbClr val="000000"/>
-                </a:solidFill>
-                <a:effectLst/>
-                <a:latin typeface="Consolas" panose="020B0609020204030204" pitchFamily="49" charset="0"/>
-              </a:rPr>
-              <a:t>(</a:t>
-            </a:r>
-            <a:r>
-              <a:rPr lang="en-US" sz="1400" b="0" dirty="0" err="1">
-                <a:solidFill>
-                  <a:srgbClr val="001080"/>
-                </a:solidFill>
-                <a:effectLst/>
-                <a:latin typeface="Consolas" panose="020B0609020204030204" pitchFamily="49" charset="0"/>
-              </a:rPr>
-              <a:t>targetKey</a:t>
-            </a:r>
-            <a:r>
-              <a:rPr lang="en-US" sz="1400" b="0" dirty="0" err="1">
-                <a:solidFill>
-                  <a:srgbClr val="000000"/>
-                </a:solidFill>
-                <a:effectLst/>
-                <a:latin typeface="Consolas" panose="020B0609020204030204" pitchFamily="49" charset="0"/>
-              </a:rPr>
-              <a:t>:</a:t>
-            </a:r>
-            <a:r>
-              <a:rPr lang="en-US" sz="1400" b="0" dirty="0" err="1">
-                <a:solidFill>
-                  <a:srgbClr val="267F99"/>
-                </a:solidFill>
-                <a:effectLst/>
-                <a:latin typeface="Consolas" panose="020B0609020204030204" pitchFamily="49" charset="0"/>
-              </a:rPr>
-              <a:t>number</a:t>
-            </a:r>
-            <a:r>
-              <a:rPr lang="en-US" sz="1400" b="0" dirty="0">
-                <a:solidFill>
-                  <a:srgbClr val="000000"/>
-                </a:solidFill>
-                <a:effectLst/>
-                <a:latin typeface="Consolas" panose="020B0609020204030204" pitchFamily="49" charset="0"/>
-              </a:rPr>
-              <a:t>) {</a:t>
-            </a:r>
-          </a:p>
-          <a:p>
-            <a:r>
-              <a:rPr lang="en-US" sz="1400" b="0" dirty="0">
-                <a:solidFill>
-                  <a:srgbClr val="000000"/>
-                </a:solidFill>
-                <a:effectLst/>
-                <a:latin typeface="Consolas" panose="020B0609020204030204" pitchFamily="49" charset="0"/>
-              </a:rPr>
-              <a:t>        </a:t>
-            </a:r>
-            <a:r>
-              <a:rPr lang="en-US" sz="1400" b="0" dirty="0">
-                <a:solidFill>
-                  <a:srgbClr val="0000FF"/>
-                </a:solidFill>
-                <a:effectLst/>
-                <a:latin typeface="Consolas" panose="020B0609020204030204" pitchFamily="49" charset="0"/>
-              </a:rPr>
-              <a:t>const</a:t>
-            </a:r>
-            <a:r>
-              <a:rPr lang="en-US" sz="1400" b="0" dirty="0">
-                <a:solidFill>
-                  <a:srgbClr val="000000"/>
-                </a:solidFill>
-                <a:effectLst/>
-                <a:latin typeface="Consolas" panose="020B0609020204030204" pitchFamily="49" charset="0"/>
-              </a:rPr>
-              <a:t> </a:t>
-            </a:r>
-            <a:r>
-              <a:rPr lang="en-US" sz="1400" b="0" dirty="0" err="1">
-                <a:solidFill>
-                  <a:srgbClr val="0070C1"/>
-                </a:solidFill>
-                <a:effectLst/>
-                <a:latin typeface="Consolas" panose="020B0609020204030204" pitchFamily="49" charset="0"/>
-              </a:rPr>
-              <a:t>newList</a:t>
-            </a:r>
-            <a:r>
-              <a:rPr lang="en-US" sz="1400" b="0" dirty="0">
-                <a:solidFill>
-                  <a:srgbClr val="000000"/>
-                </a:solidFill>
-                <a:effectLst/>
-                <a:latin typeface="Consolas" panose="020B0609020204030204" pitchFamily="49" charset="0"/>
-              </a:rPr>
-              <a:t> = </a:t>
-            </a:r>
-            <a:r>
-              <a:rPr lang="en-US" sz="1400" b="0" dirty="0" err="1">
-                <a:solidFill>
-                  <a:srgbClr val="0070C1"/>
-                </a:solidFill>
-                <a:effectLst/>
-                <a:latin typeface="Consolas" panose="020B0609020204030204" pitchFamily="49" charset="0"/>
-              </a:rPr>
-              <a:t>clockDisplays</a:t>
-            </a:r>
-            <a:r>
-              <a:rPr lang="en-US" sz="1400" b="0" dirty="0" err="1">
-                <a:solidFill>
-                  <a:srgbClr val="000000"/>
-                </a:solidFill>
-                <a:effectLst/>
-                <a:latin typeface="Consolas" panose="020B0609020204030204" pitchFamily="49" charset="0"/>
-              </a:rPr>
-              <a:t>.</a:t>
-            </a:r>
-            <a:r>
-              <a:rPr lang="en-US" sz="1400" b="0" dirty="0" err="1">
-                <a:solidFill>
-                  <a:srgbClr val="795E26"/>
-                </a:solidFill>
-                <a:effectLst/>
-                <a:latin typeface="Consolas" panose="020B0609020204030204" pitchFamily="49" charset="0"/>
-              </a:rPr>
-              <a:t>filter</a:t>
-            </a:r>
-            <a:r>
-              <a:rPr lang="en-US" sz="1400" b="0" dirty="0">
-                <a:solidFill>
-                  <a:srgbClr val="000000"/>
-                </a:solidFill>
-                <a:effectLst/>
-                <a:latin typeface="Consolas" panose="020B0609020204030204" pitchFamily="49" charset="0"/>
-              </a:rPr>
-              <a:t>(</a:t>
-            </a:r>
-            <a:r>
-              <a:rPr lang="en-US" sz="1400" b="0" dirty="0">
-                <a:solidFill>
-                  <a:srgbClr val="001080"/>
-                </a:solidFill>
-                <a:effectLst/>
-                <a:latin typeface="Consolas" panose="020B0609020204030204" pitchFamily="49" charset="0"/>
-              </a:rPr>
-              <a:t>item</a:t>
-            </a:r>
-            <a:r>
-              <a:rPr lang="en-US" sz="1400" b="0" dirty="0">
-                <a:solidFill>
-                  <a:srgbClr val="000000"/>
-                </a:solidFill>
-                <a:effectLst/>
-                <a:latin typeface="Consolas" panose="020B0609020204030204" pitchFamily="49" charset="0"/>
-              </a:rPr>
-              <a:t> </a:t>
-            </a:r>
-            <a:r>
-              <a:rPr lang="en-US" sz="1400" b="0" dirty="0">
-                <a:solidFill>
-                  <a:srgbClr val="0000FF"/>
-                </a:solidFill>
-                <a:effectLst/>
-                <a:latin typeface="Consolas" panose="020B0609020204030204" pitchFamily="49" charset="0"/>
-              </a:rPr>
-              <a:t>=&gt;</a:t>
-            </a:r>
-            <a:r>
-              <a:rPr lang="en-US" sz="1400" b="0" dirty="0">
-                <a:solidFill>
-                  <a:srgbClr val="000000"/>
-                </a:solidFill>
-                <a:effectLst/>
-                <a:latin typeface="Consolas" panose="020B0609020204030204" pitchFamily="49" charset="0"/>
-              </a:rPr>
-              <a:t> </a:t>
-            </a:r>
-            <a:r>
-              <a:rPr lang="en-US" sz="1400" b="0" dirty="0" err="1">
-                <a:solidFill>
-                  <a:srgbClr val="001080"/>
-                </a:solidFill>
-                <a:effectLst/>
-                <a:latin typeface="Consolas" panose="020B0609020204030204" pitchFamily="49" charset="0"/>
-              </a:rPr>
-              <a:t>item</a:t>
-            </a:r>
-            <a:r>
-              <a:rPr lang="en-US" sz="1400" b="0" dirty="0" err="1">
-                <a:solidFill>
-                  <a:srgbClr val="000000"/>
-                </a:solidFill>
-                <a:effectLst/>
-                <a:latin typeface="Consolas" panose="020B0609020204030204" pitchFamily="49" charset="0"/>
-              </a:rPr>
-              <a:t>.</a:t>
-            </a:r>
-            <a:r>
-              <a:rPr lang="en-US" sz="1400" b="0" dirty="0" err="1">
-                <a:solidFill>
-                  <a:srgbClr val="001080"/>
-                </a:solidFill>
-                <a:effectLst/>
-                <a:latin typeface="Consolas" panose="020B0609020204030204" pitchFamily="49" charset="0"/>
-              </a:rPr>
-              <a:t>key</a:t>
-            </a:r>
-            <a:r>
-              <a:rPr lang="en-US" sz="1400" b="0" dirty="0">
-                <a:solidFill>
-                  <a:srgbClr val="000000"/>
-                </a:solidFill>
-                <a:effectLst/>
-                <a:latin typeface="Consolas" panose="020B0609020204030204" pitchFamily="49" charset="0"/>
-              </a:rPr>
-              <a:t> != </a:t>
-            </a:r>
-            <a:r>
-              <a:rPr lang="en-US" sz="1400" b="0" dirty="0" err="1">
-                <a:solidFill>
-                  <a:srgbClr val="001080"/>
-                </a:solidFill>
-                <a:effectLst/>
-                <a:latin typeface="Consolas" panose="020B0609020204030204" pitchFamily="49" charset="0"/>
-              </a:rPr>
-              <a:t>targetKey</a:t>
-            </a:r>
-            <a:r>
-              <a:rPr lang="en-US" sz="1400" b="0" dirty="0">
-                <a:solidFill>
-                  <a:srgbClr val="000000"/>
-                </a:solidFill>
-                <a:effectLst/>
-                <a:latin typeface="Consolas" panose="020B0609020204030204" pitchFamily="49" charset="0"/>
-              </a:rPr>
-              <a:t>)</a:t>
-            </a:r>
-          </a:p>
-          <a:p>
-            <a:r>
-              <a:rPr lang="en-US" sz="1400" b="0" dirty="0">
-                <a:solidFill>
-                  <a:srgbClr val="000000"/>
-                </a:solidFill>
-                <a:effectLst/>
-                <a:latin typeface="Consolas" panose="020B0609020204030204" pitchFamily="49" charset="0"/>
-              </a:rPr>
-              <a:t>        </a:t>
-            </a:r>
-            <a:r>
-              <a:rPr lang="en-US" sz="1400" b="0" dirty="0" err="1">
-                <a:solidFill>
-                  <a:srgbClr val="795E26"/>
-                </a:solidFill>
-                <a:effectLst/>
-                <a:latin typeface="Consolas" panose="020B0609020204030204" pitchFamily="49" charset="0"/>
-              </a:rPr>
-              <a:t>setClockDisplays</a:t>
-            </a:r>
-            <a:r>
-              <a:rPr lang="en-US" sz="1400" b="0" dirty="0">
-                <a:solidFill>
-                  <a:srgbClr val="000000"/>
-                </a:solidFill>
-                <a:effectLst/>
-                <a:latin typeface="Consolas" panose="020B0609020204030204" pitchFamily="49" charset="0"/>
-              </a:rPr>
-              <a:t>(</a:t>
-            </a:r>
-            <a:r>
-              <a:rPr lang="en-US" sz="1400" b="0" dirty="0" err="1">
-                <a:solidFill>
-                  <a:srgbClr val="0070C1"/>
-                </a:solidFill>
-                <a:effectLst/>
-                <a:latin typeface="Consolas" panose="020B0609020204030204" pitchFamily="49" charset="0"/>
-              </a:rPr>
-              <a:t>newList</a:t>
-            </a:r>
-            <a:r>
-              <a:rPr lang="en-US" sz="1400" b="0" dirty="0">
-                <a:solidFill>
-                  <a:srgbClr val="000000"/>
-                </a:solidFill>
-                <a:effectLst/>
-                <a:latin typeface="Consolas" panose="020B0609020204030204" pitchFamily="49" charset="0"/>
-              </a:rPr>
-              <a:t>)</a:t>
-            </a:r>
-          </a:p>
-          <a:p>
-            <a:r>
-              <a:rPr lang="en-US" sz="1400" b="0" dirty="0">
-                <a:solidFill>
-                  <a:srgbClr val="000000"/>
-                </a:solidFill>
-                <a:effectLst/>
-                <a:latin typeface="Consolas" panose="020B0609020204030204" pitchFamily="49" charset="0"/>
-              </a:rPr>
-              <a:t>    }   </a:t>
-            </a:r>
-          </a:p>
-          <a:p>
-            <a:br>
-              <a:rPr lang="en-US" sz="1400" b="0" dirty="0">
-                <a:solidFill>
-                  <a:srgbClr val="000000"/>
-                </a:solidFill>
-                <a:effectLst/>
-                <a:latin typeface="Consolas" panose="020B0609020204030204" pitchFamily="49" charset="0"/>
-              </a:rPr>
-            </a:br>
-            <a:endParaRPr lang="en-US" sz="1400" b="0" dirty="0">
-              <a:solidFill>
-                <a:srgbClr val="000000"/>
-              </a:solidFill>
-              <a:effectLst/>
-              <a:latin typeface="Consolas" panose="020B0609020204030204" pitchFamily="49" charset="0"/>
-            </a:endParaRPr>
-          </a:p>
-        </p:txBody>
-      </p:sp>
-      <p:sp>
-        <p:nvSpPr>
           <p:cNvPr id="5" name="Rectangle: Rounded Corners 4">
             <a:extLst>
               <a:ext uri="{FF2B5EF4-FFF2-40B4-BE49-F238E27FC236}">
@@ -14001,6 +12971,1455 @@
               <a:t>15</a:t>
             </a:fld>
             <a:endParaRPr lang="en-US"/>
+          </a:p>
+        </p:txBody>
+      </p:sp>
+      <p:sp>
+        <p:nvSpPr>
+          <p:cNvPr id="7" name="TextBox 6">
+            <a:extLst>
+              <a:ext uri="{FF2B5EF4-FFF2-40B4-BE49-F238E27FC236}">
+                <a16:creationId xmlns:a16="http://schemas.microsoft.com/office/drawing/2014/main" id="{10A3B06D-E16F-3927-4A5C-C3FBBE27C93D}"/>
+              </a:ext>
+            </a:extLst>
+          </p:cNvPr>
+          <p:cNvSpPr txBox="1"/>
+          <p:nvPr/>
+        </p:nvSpPr>
+        <p:spPr>
+          <a:xfrm>
+            <a:off x="1122217" y="1659612"/>
+            <a:ext cx="10526439" cy="5078313"/>
+          </a:xfrm>
+          <a:prstGeom prst="rect">
+            <a:avLst/>
+          </a:prstGeom>
+          <a:noFill/>
+          <a:ln w="12700" cap="flat">
+            <a:noFill/>
+            <a:miter lim="400000"/>
+          </a:ln>
+          <a:effectLst/>
+          <a:sp3d/>
+        </p:spPr>
+        <p:style>
+          <a:lnRef idx="0">
+            <a:scrgbClr r="0" g="0" b="0"/>
+          </a:lnRef>
+          <a:fillRef idx="0">
+            <a:scrgbClr r="0" g="0" b="0"/>
+          </a:fillRef>
+          <a:effectRef idx="0">
+            <a:scrgbClr r="0" g="0" b="0"/>
+          </a:effectRef>
+          <a:fontRef idx="none"/>
+        </p:style>
+        <p:txBody>
+          <a:bodyPr wrap="square">
+            <a:spAutoFit/>
+          </a:bodyPr>
+          <a:lstStyle/>
+          <a:p>
+            <a:r>
+              <a:rPr lang="en-US" b="0" dirty="0">
+                <a:solidFill>
+                  <a:srgbClr val="0000FF"/>
+                </a:solidFill>
+                <a:effectLst/>
+                <a:latin typeface="Consolas" panose="020B0609020204030204" pitchFamily="49" charset="0"/>
+              </a:rPr>
+              <a:t>type</a:t>
+            </a:r>
+            <a:r>
+              <a:rPr lang="en-US" b="0" dirty="0">
+                <a:solidFill>
+                  <a:srgbClr val="000000"/>
+                </a:solidFill>
+                <a:effectLst/>
+                <a:latin typeface="Consolas" panose="020B0609020204030204" pitchFamily="49" charset="0"/>
+              </a:rPr>
+              <a:t> </a:t>
+            </a:r>
+            <a:r>
+              <a:rPr lang="en-US" b="0" dirty="0" err="1">
+                <a:solidFill>
+                  <a:srgbClr val="267F99"/>
+                </a:solidFill>
+                <a:effectLst/>
+                <a:latin typeface="Consolas" panose="020B0609020204030204" pitchFamily="49" charset="0"/>
+              </a:rPr>
+              <a:t>ClockDisplayData</a:t>
+            </a:r>
+            <a:r>
+              <a:rPr lang="en-US" b="0" dirty="0">
+                <a:solidFill>
+                  <a:srgbClr val="000000"/>
+                </a:solidFill>
+                <a:effectLst/>
+                <a:latin typeface="Consolas" panose="020B0609020204030204" pitchFamily="49" charset="0"/>
+              </a:rPr>
+              <a:t> = {</a:t>
+            </a:r>
+            <a:r>
+              <a:rPr lang="en-US" b="0" dirty="0" err="1">
+                <a:solidFill>
+                  <a:srgbClr val="001080"/>
+                </a:solidFill>
+                <a:effectLst/>
+                <a:latin typeface="Consolas" panose="020B0609020204030204" pitchFamily="49" charset="0"/>
+              </a:rPr>
+              <a:t>key</a:t>
+            </a:r>
+            <a:r>
+              <a:rPr lang="en-US" b="0" dirty="0" err="1">
+                <a:solidFill>
+                  <a:srgbClr val="000000"/>
+                </a:solidFill>
+                <a:effectLst/>
+                <a:latin typeface="Consolas" panose="020B0609020204030204" pitchFamily="49" charset="0"/>
+              </a:rPr>
+              <a:t>:</a:t>
+            </a:r>
+            <a:r>
+              <a:rPr lang="en-US" b="0" dirty="0" err="1">
+                <a:solidFill>
+                  <a:srgbClr val="267F99"/>
+                </a:solidFill>
+                <a:effectLst/>
+                <a:latin typeface="Consolas" panose="020B0609020204030204" pitchFamily="49" charset="0"/>
+              </a:rPr>
+              <a:t>number</a:t>
+            </a:r>
+            <a:r>
+              <a:rPr lang="en-US" b="0" dirty="0">
+                <a:solidFill>
+                  <a:srgbClr val="000000"/>
+                </a:solidFill>
+                <a:effectLst/>
+                <a:latin typeface="Consolas" panose="020B0609020204030204" pitchFamily="49" charset="0"/>
+              </a:rPr>
+              <a:t>, </a:t>
+            </a:r>
+            <a:r>
+              <a:rPr lang="en-US" b="0" dirty="0" err="1">
+                <a:solidFill>
+                  <a:srgbClr val="001080"/>
+                </a:solidFill>
+                <a:effectLst/>
+                <a:latin typeface="Consolas" panose="020B0609020204030204" pitchFamily="49" charset="0"/>
+              </a:rPr>
+              <a:t>name</a:t>
+            </a:r>
+            <a:r>
+              <a:rPr lang="en-US" b="0" dirty="0" err="1">
+                <a:solidFill>
+                  <a:srgbClr val="000000"/>
+                </a:solidFill>
+                <a:effectLst/>
+                <a:latin typeface="Consolas" panose="020B0609020204030204" pitchFamily="49" charset="0"/>
+              </a:rPr>
+              <a:t>:</a:t>
+            </a:r>
+            <a:r>
+              <a:rPr lang="en-US" b="0" dirty="0" err="1">
+                <a:solidFill>
+                  <a:srgbClr val="267F99"/>
+                </a:solidFill>
+                <a:effectLst/>
+                <a:latin typeface="Consolas" panose="020B0609020204030204" pitchFamily="49" charset="0"/>
+              </a:rPr>
+              <a:t>string</a:t>
+            </a:r>
+            <a:r>
+              <a:rPr lang="en-US" b="0" dirty="0">
+                <a:solidFill>
+                  <a:srgbClr val="000000"/>
+                </a:solidFill>
+                <a:effectLst/>
+                <a:latin typeface="Consolas" panose="020B0609020204030204" pitchFamily="49" charset="0"/>
+              </a:rPr>
+              <a:t>, </a:t>
+            </a:r>
+            <a:r>
+              <a:rPr lang="en-US" b="0" dirty="0" err="1">
+                <a:solidFill>
+                  <a:srgbClr val="001080"/>
+                </a:solidFill>
+                <a:effectLst/>
+                <a:latin typeface="Consolas" panose="020B0609020204030204" pitchFamily="49" charset="0"/>
+              </a:rPr>
+              <a:t>noisyDelete</a:t>
+            </a:r>
+            <a:r>
+              <a:rPr lang="en-US" b="0" dirty="0">
+                <a:solidFill>
+                  <a:srgbClr val="000000"/>
+                </a:solidFill>
+                <a:effectLst/>
+                <a:latin typeface="Consolas" panose="020B0609020204030204" pitchFamily="49" charset="0"/>
+              </a:rPr>
+              <a:t>?:</a:t>
+            </a:r>
+            <a:r>
+              <a:rPr lang="en-US" b="0" dirty="0" err="1">
+                <a:solidFill>
+                  <a:srgbClr val="267F99"/>
+                </a:solidFill>
+                <a:effectLst/>
+                <a:latin typeface="Consolas" panose="020B0609020204030204" pitchFamily="49" charset="0"/>
+              </a:rPr>
+              <a:t>boolean</a:t>
+            </a:r>
+            <a:r>
+              <a:rPr lang="en-US" b="0" dirty="0">
+                <a:solidFill>
+                  <a:srgbClr val="000000"/>
+                </a:solidFill>
+                <a:effectLst/>
+                <a:latin typeface="Consolas" panose="020B0609020204030204" pitchFamily="49" charset="0"/>
+              </a:rPr>
+              <a:t>}</a:t>
+            </a:r>
+            <a:br>
+              <a:rPr lang="en-US" b="0" dirty="0">
+                <a:solidFill>
+                  <a:srgbClr val="000000"/>
+                </a:solidFill>
+                <a:effectLst/>
+                <a:latin typeface="Consolas" panose="020B0609020204030204" pitchFamily="49" charset="0"/>
+              </a:rPr>
+            </a:br>
+            <a:r>
+              <a:rPr lang="en-US" b="0" dirty="0">
+                <a:solidFill>
+                  <a:srgbClr val="AF00DB"/>
+                </a:solidFill>
+                <a:effectLst/>
+                <a:latin typeface="Consolas" panose="020B0609020204030204" pitchFamily="49" charset="0"/>
+              </a:rPr>
+              <a:t>import</a:t>
+            </a:r>
+            <a:r>
+              <a:rPr lang="en-US" b="0" dirty="0">
+                <a:solidFill>
+                  <a:srgbClr val="000000"/>
+                </a:solidFill>
+                <a:effectLst/>
+                <a:latin typeface="Consolas" panose="020B0609020204030204" pitchFamily="49" charset="0"/>
+              </a:rPr>
+              <a:t> { </a:t>
+            </a:r>
+            <a:r>
+              <a:rPr lang="en-US" b="0" dirty="0" err="1">
+                <a:solidFill>
+                  <a:srgbClr val="001080"/>
+                </a:solidFill>
+                <a:effectLst/>
+                <a:latin typeface="Consolas" panose="020B0609020204030204" pitchFamily="49" charset="0"/>
+              </a:rPr>
+              <a:t>ClockDisplay</a:t>
+            </a:r>
+            <a:r>
+              <a:rPr lang="en-US" b="0" dirty="0">
+                <a:solidFill>
+                  <a:srgbClr val="000000"/>
+                </a:solidFill>
+                <a:effectLst/>
+                <a:latin typeface="Consolas" panose="020B0609020204030204" pitchFamily="49" charset="0"/>
+              </a:rPr>
+              <a:t> } </a:t>
+            </a:r>
+            <a:r>
+              <a:rPr lang="en-US" b="0" dirty="0">
+                <a:solidFill>
+                  <a:srgbClr val="AF00DB"/>
+                </a:solidFill>
+                <a:effectLst/>
+                <a:latin typeface="Consolas" panose="020B0609020204030204" pitchFamily="49" charset="0"/>
+              </a:rPr>
+              <a:t>from</a:t>
+            </a:r>
+            <a:r>
+              <a:rPr lang="en-US" b="0" dirty="0">
+                <a:solidFill>
+                  <a:srgbClr val="000000"/>
+                </a:solidFill>
+                <a:effectLst/>
+                <a:latin typeface="Consolas" panose="020B0609020204030204" pitchFamily="49" charset="0"/>
+              </a:rPr>
+              <a:t> </a:t>
+            </a:r>
+            <a:r>
+              <a:rPr lang="en-US" b="0" dirty="0">
+                <a:solidFill>
+                  <a:srgbClr val="A31515"/>
+                </a:solidFill>
+                <a:effectLst/>
+                <a:latin typeface="Consolas" panose="020B0609020204030204" pitchFamily="49" charset="0"/>
+              </a:rPr>
+              <a:t>'./</a:t>
+            </a:r>
+            <a:r>
+              <a:rPr lang="en-US" b="0" dirty="0" err="1">
+                <a:solidFill>
+                  <a:srgbClr val="A31515"/>
+                </a:solidFill>
+                <a:effectLst/>
+                <a:latin typeface="Consolas" panose="020B0609020204030204" pitchFamily="49" charset="0"/>
+              </a:rPr>
+              <a:t>SimpleClockDisplay</a:t>
+            </a:r>
+            <a:r>
+              <a:rPr lang="en-US" b="0" dirty="0">
+                <a:solidFill>
+                  <a:srgbClr val="A31515"/>
+                </a:solidFill>
+                <a:effectLst/>
+                <a:latin typeface="Consolas" panose="020B0609020204030204" pitchFamily="49" charset="0"/>
+              </a:rPr>
+              <a:t>'</a:t>
+            </a:r>
+            <a:br>
+              <a:rPr lang="en-US" b="0" dirty="0">
+                <a:solidFill>
+                  <a:srgbClr val="000000"/>
+                </a:solidFill>
+                <a:effectLst/>
+                <a:latin typeface="Consolas" panose="020B0609020204030204" pitchFamily="49" charset="0"/>
+              </a:rPr>
+            </a:br>
+            <a:r>
+              <a:rPr lang="en-US" b="0" dirty="0">
+                <a:solidFill>
+                  <a:srgbClr val="0000FF"/>
+                </a:solidFill>
+                <a:effectLst/>
+                <a:latin typeface="Consolas" panose="020B0609020204030204" pitchFamily="49" charset="0"/>
+              </a:rPr>
+              <a:t>function</a:t>
+            </a:r>
+            <a:r>
+              <a:rPr lang="en-US" b="0" dirty="0">
+                <a:solidFill>
+                  <a:srgbClr val="000000"/>
+                </a:solidFill>
+                <a:effectLst/>
+                <a:latin typeface="Consolas" panose="020B0609020204030204" pitchFamily="49" charset="0"/>
+              </a:rPr>
+              <a:t> </a:t>
+            </a:r>
+            <a:r>
+              <a:rPr lang="en-US" b="0" dirty="0" err="1">
+                <a:solidFill>
+                  <a:srgbClr val="795E26"/>
+                </a:solidFill>
+                <a:effectLst/>
+                <a:latin typeface="Consolas" panose="020B0609020204030204" pitchFamily="49" charset="0"/>
+              </a:rPr>
+              <a:t>makeClockDisplayData</a:t>
+            </a:r>
+            <a:r>
+              <a:rPr lang="en-US" b="0" dirty="0">
+                <a:solidFill>
+                  <a:srgbClr val="000000"/>
+                </a:solidFill>
+                <a:effectLst/>
+                <a:latin typeface="Consolas" panose="020B0609020204030204" pitchFamily="49" charset="0"/>
+              </a:rPr>
+              <a:t>(</a:t>
+            </a:r>
+            <a:r>
+              <a:rPr lang="en-US" b="0" dirty="0" err="1">
+                <a:solidFill>
+                  <a:srgbClr val="001080"/>
+                </a:solidFill>
+                <a:effectLst/>
+                <a:latin typeface="Consolas" panose="020B0609020204030204" pitchFamily="49" charset="0"/>
+              </a:rPr>
+              <a:t>key</a:t>
+            </a:r>
+            <a:r>
+              <a:rPr lang="en-US" b="0" dirty="0" err="1">
+                <a:solidFill>
+                  <a:srgbClr val="000000"/>
+                </a:solidFill>
+                <a:effectLst/>
+                <a:latin typeface="Consolas" panose="020B0609020204030204" pitchFamily="49" charset="0"/>
+              </a:rPr>
+              <a:t>:</a:t>
+            </a:r>
+            <a:r>
+              <a:rPr lang="en-US" b="0" dirty="0" err="1">
+                <a:solidFill>
+                  <a:srgbClr val="267F99"/>
+                </a:solidFill>
+                <a:effectLst/>
+                <a:latin typeface="Consolas" panose="020B0609020204030204" pitchFamily="49" charset="0"/>
+              </a:rPr>
+              <a:t>number</a:t>
+            </a:r>
+            <a:r>
+              <a:rPr lang="en-US" b="0" dirty="0">
+                <a:solidFill>
+                  <a:srgbClr val="000000"/>
+                </a:solidFill>
+                <a:effectLst/>
+                <a:latin typeface="Consolas" panose="020B0609020204030204" pitchFamily="49" charset="0"/>
+              </a:rPr>
+              <a:t>) {</a:t>
+            </a:r>
+          </a:p>
+          <a:p>
+            <a:r>
+              <a:rPr lang="en-US" b="0" dirty="0">
+                <a:solidFill>
+                  <a:srgbClr val="000000"/>
+                </a:solidFill>
+                <a:effectLst/>
+                <a:latin typeface="Consolas" panose="020B0609020204030204" pitchFamily="49" charset="0"/>
+              </a:rPr>
+              <a:t>     </a:t>
+            </a:r>
+            <a:r>
+              <a:rPr lang="en-US" b="0" dirty="0">
+                <a:solidFill>
+                  <a:srgbClr val="AF00DB"/>
+                </a:solidFill>
+                <a:effectLst/>
+                <a:latin typeface="Consolas" panose="020B0609020204030204" pitchFamily="49" charset="0"/>
+              </a:rPr>
+              <a:t>return</a:t>
+            </a:r>
+            <a:r>
+              <a:rPr lang="en-US" b="0" dirty="0">
+                <a:solidFill>
+                  <a:srgbClr val="000000"/>
+                </a:solidFill>
+                <a:effectLst/>
+                <a:latin typeface="Consolas" panose="020B0609020204030204" pitchFamily="49" charset="0"/>
+              </a:rPr>
+              <a:t> {</a:t>
+            </a:r>
+            <a:r>
+              <a:rPr lang="en-US" b="0" dirty="0" err="1">
+                <a:solidFill>
+                  <a:srgbClr val="001080"/>
+                </a:solidFill>
+                <a:effectLst/>
+                <a:latin typeface="Consolas" panose="020B0609020204030204" pitchFamily="49" charset="0"/>
+              </a:rPr>
+              <a:t>key:key</a:t>
+            </a:r>
+            <a:r>
+              <a:rPr lang="en-US" b="0" dirty="0">
+                <a:solidFill>
+                  <a:srgbClr val="000000"/>
+                </a:solidFill>
+                <a:effectLst/>
+                <a:latin typeface="Consolas" panose="020B0609020204030204" pitchFamily="49" charset="0"/>
+              </a:rPr>
+              <a:t>, </a:t>
+            </a:r>
+            <a:r>
+              <a:rPr lang="en-US" b="0" dirty="0" err="1">
+                <a:solidFill>
+                  <a:srgbClr val="001080"/>
+                </a:solidFill>
+                <a:effectLst/>
+                <a:latin typeface="Consolas" panose="020B0609020204030204" pitchFamily="49" charset="0"/>
+              </a:rPr>
+              <a:t>name:</a:t>
+            </a:r>
+            <a:r>
+              <a:rPr lang="en-US" b="0" dirty="0" err="1">
+                <a:solidFill>
+                  <a:srgbClr val="A31515"/>
+                </a:solidFill>
+                <a:effectLst/>
+                <a:latin typeface="Consolas" panose="020B0609020204030204" pitchFamily="49" charset="0"/>
+              </a:rPr>
+              <a:t>'clock</a:t>
+            </a:r>
+            <a:r>
+              <a:rPr lang="en-US" b="0" dirty="0">
+                <a:solidFill>
+                  <a:srgbClr val="A31515"/>
+                </a:solidFill>
+                <a:effectLst/>
+                <a:latin typeface="Consolas" panose="020B0609020204030204" pitchFamily="49" charset="0"/>
+              </a:rPr>
+              <a:t> '</a:t>
+            </a:r>
+            <a:r>
+              <a:rPr lang="en-US" b="0" dirty="0">
+                <a:solidFill>
+                  <a:srgbClr val="000000"/>
+                </a:solidFill>
+                <a:effectLst/>
+                <a:latin typeface="Consolas" panose="020B0609020204030204" pitchFamily="49" charset="0"/>
+              </a:rPr>
+              <a:t> + </a:t>
+            </a:r>
+            <a:r>
+              <a:rPr lang="en-US" b="0" dirty="0">
+                <a:solidFill>
+                  <a:srgbClr val="001080"/>
+                </a:solidFill>
+                <a:effectLst/>
+                <a:latin typeface="Consolas" panose="020B0609020204030204" pitchFamily="49" charset="0"/>
+              </a:rPr>
+              <a:t>key</a:t>
+            </a:r>
+            <a:r>
+              <a:rPr lang="en-US" b="0" dirty="0">
+                <a:solidFill>
+                  <a:srgbClr val="000000"/>
+                </a:solidFill>
+                <a:effectLst/>
+                <a:latin typeface="Consolas" panose="020B0609020204030204" pitchFamily="49" charset="0"/>
+              </a:rPr>
+              <a:t>, </a:t>
+            </a:r>
+            <a:r>
+              <a:rPr lang="en-US" b="0" dirty="0" err="1">
+                <a:solidFill>
+                  <a:srgbClr val="001080"/>
+                </a:solidFill>
+                <a:effectLst/>
+                <a:latin typeface="Consolas" panose="020B0609020204030204" pitchFamily="49" charset="0"/>
+              </a:rPr>
+              <a:t>noisyDelete</a:t>
+            </a:r>
+            <a:r>
+              <a:rPr lang="en-US" b="0" dirty="0">
+                <a:solidFill>
+                  <a:srgbClr val="001080"/>
+                </a:solidFill>
+                <a:effectLst/>
+                <a:latin typeface="Consolas" panose="020B0609020204030204" pitchFamily="49" charset="0"/>
+              </a:rPr>
+              <a:t>:</a:t>
+            </a:r>
+            <a:r>
+              <a:rPr lang="en-US" b="0" dirty="0">
+                <a:solidFill>
+                  <a:srgbClr val="000000"/>
+                </a:solidFill>
+                <a:effectLst/>
+                <a:latin typeface="Consolas" panose="020B0609020204030204" pitchFamily="49" charset="0"/>
+              </a:rPr>
+              <a:t> </a:t>
+            </a:r>
+            <a:r>
+              <a:rPr lang="en-US" b="0" dirty="0">
+                <a:solidFill>
+                  <a:srgbClr val="0000FF"/>
+                </a:solidFill>
+                <a:effectLst/>
+                <a:latin typeface="Consolas" panose="020B0609020204030204" pitchFamily="49" charset="0"/>
+              </a:rPr>
+              <a:t>true</a:t>
+            </a:r>
+            <a:r>
+              <a:rPr lang="en-US" b="0" dirty="0">
+                <a:solidFill>
+                  <a:srgbClr val="000000"/>
+                </a:solidFill>
+                <a:effectLst/>
+                <a:latin typeface="Consolas" panose="020B0609020204030204" pitchFamily="49" charset="0"/>
+              </a:rPr>
+              <a:t>}</a:t>
+            </a:r>
+          </a:p>
+          <a:p>
+            <a:r>
+              <a:rPr lang="en-US" b="0" dirty="0">
+                <a:solidFill>
+                  <a:srgbClr val="000000"/>
+                </a:solidFill>
+                <a:effectLst/>
+                <a:latin typeface="Consolas" panose="020B0609020204030204" pitchFamily="49" charset="0"/>
+              </a:rPr>
+              <a:t>}</a:t>
+            </a:r>
+            <a:br>
+              <a:rPr lang="en-US" b="0" dirty="0">
+                <a:solidFill>
+                  <a:srgbClr val="000000"/>
+                </a:solidFill>
+                <a:effectLst/>
+                <a:latin typeface="Consolas" panose="020B0609020204030204" pitchFamily="49" charset="0"/>
+              </a:rPr>
+            </a:br>
+            <a:r>
+              <a:rPr lang="en-US" b="0" dirty="0">
+                <a:solidFill>
+                  <a:srgbClr val="AF00DB"/>
+                </a:solidFill>
+                <a:effectLst/>
+                <a:latin typeface="Consolas" panose="020B0609020204030204" pitchFamily="49" charset="0"/>
+              </a:rPr>
+              <a:t>export</a:t>
+            </a:r>
+            <a:r>
+              <a:rPr lang="en-US" b="0" dirty="0">
+                <a:solidFill>
+                  <a:srgbClr val="000000"/>
+                </a:solidFill>
+                <a:effectLst/>
+                <a:latin typeface="Consolas" panose="020B0609020204030204" pitchFamily="49" charset="0"/>
+              </a:rPr>
+              <a:t> </a:t>
+            </a:r>
+            <a:r>
+              <a:rPr lang="en-US" b="0" dirty="0">
+                <a:solidFill>
+                  <a:srgbClr val="AF00DB"/>
+                </a:solidFill>
+                <a:effectLst/>
+                <a:latin typeface="Consolas" panose="020B0609020204030204" pitchFamily="49" charset="0"/>
+              </a:rPr>
+              <a:t>default</a:t>
+            </a:r>
+            <a:r>
+              <a:rPr lang="en-US" b="0" dirty="0">
+                <a:solidFill>
+                  <a:srgbClr val="000000"/>
+                </a:solidFill>
+                <a:effectLst/>
+                <a:latin typeface="Consolas" panose="020B0609020204030204" pitchFamily="49" charset="0"/>
+              </a:rPr>
+              <a:t> </a:t>
+            </a:r>
+            <a:r>
+              <a:rPr lang="en-US" b="0" dirty="0">
+                <a:solidFill>
+                  <a:srgbClr val="0000FF"/>
+                </a:solidFill>
+                <a:effectLst/>
+                <a:latin typeface="Consolas" panose="020B0609020204030204" pitchFamily="49" charset="0"/>
+              </a:rPr>
+              <a:t>function</a:t>
+            </a:r>
+            <a:r>
+              <a:rPr lang="en-US" b="0" dirty="0">
+                <a:solidFill>
+                  <a:srgbClr val="000000"/>
+                </a:solidFill>
+                <a:effectLst/>
+                <a:latin typeface="Consolas" panose="020B0609020204030204" pitchFamily="49" charset="0"/>
+              </a:rPr>
+              <a:t> </a:t>
+            </a:r>
+            <a:r>
+              <a:rPr lang="en-US" b="0" dirty="0">
+                <a:solidFill>
+                  <a:srgbClr val="795E26"/>
+                </a:solidFill>
+                <a:effectLst/>
+                <a:latin typeface="Consolas" panose="020B0609020204030204" pitchFamily="49" charset="0"/>
+              </a:rPr>
+              <a:t>App</a:t>
+            </a:r>
+            <a:r>
+              <a:rPr lang="en-US" b="0" dirty="0">
+                <a:solidFill>
+                  <a:srgbClr val="000000"/>
+                </a:solidFill>
+                <a:effectLst/>
+                <a:latin typeface="Consolas" panose="020B0609020204030204" pitchFamily="49" charset="0"/>
+              </a:rPr>
+              <a:t> () {</a:t>
+            </a:r>
+          </a:p>
+          <a:p>
+            <a:r>
+              <a:rPr lang="en-US" b="0" dirty="0">
+                <a:solidFill>
+                  <a:srgbClr val="000000"/>
+                </a:solidFill>
+                <a:effectLst/>
+                <a:latin typeface="Consolas" panose="020B0609020204030204" pitchFamily="49" charset="0"/>
+              </a:rPr>
+              <a:t>    </a:t>
+            </a:r>
+            <a:r>
+              <a:rPr lang="en-US" b="0" dirty="0">
+                <a:solidFill>
+                  <a:srgbClr val="0000FF"/>
+                </a:solidFill>
+                <a:effectLst/>
+                <a:latin typeface="Consolas" panose="020B0609020204030204" pitchFamily="49" charset="0"/>
+              </a:rPr>
+              <a:t>const</a:t>
+            </a:r>
+            <a:r>
+              <a:rPr lang="en-US" b="0" dirty="0">
+                <a:solidFill>
+                  <a:srgbClr val="000000"/>
+                </a:solidFill>
+                <a:effectLst/>
+                <a:latin typeface="Consolas" panose="020B0609020204030204" pitchFamily="49" charset="0"/>
+              </a:rPr>
+              <a:t> [</a:t>
+            </a:r>
+            <a:r>
+              <a:rPr lang="en-US" b="0" dirty="0" err="1">
+                <a:solidFill>
+                  <a:srgbClr val="0070C1"/>
+                </a:solidFill>
+                <a:effectLst/>
+                <a:latin typeface="Consolas" panose="020B0609020204030204" pitchFamily="49" charset="0"/>
+              </a:rPr>
+              <a:t>clockDisplays</a:t>
+            </a:r>
+            <a:r>
+              <a:rPr lang="en-US" b="0" dirty="0">
+                <a:solidFill>
+                  <a:srgbClr val="000000"/>
+                </a:solidFill>
+                <a:effectLst/>
+                <a:latin typeface="Consolas" panose="020B0609020204030204" pitchFamily="49" charset="0"/>
+              </a:rPr>
+              <a:t>, </a:t>
+            </a:r>
+            <a:r>
+              <a:rPr lang="en-US" b="0" dirty="0" err="1">
+                <a:solidFill>
+                  <a:srgbClr val="795E26"/>
+                </a:solidFill>
+                <a:effectLst/>
+                <a:latin typeface="Consolas" panose="020B0609020204030204" pitchFamily="49" charset="0"/>
+              </a:rPr>
+              <a:t>setClockDisplays</a:t>
+            </a:r>
+            <a:r>
+              <a:rPr lang="en-US" b="0" dirty="0">
+                <a:solidFill>
+                  <a:srgbClr val="000000"/>
+                </a:solidFill>
+                <a:effectLst/>
+                <a:latin typeface="Consolas" panose="020B0609020204030204" pitchFamily="49" charset="0"/>
+              </a:rPr>
+              <a:t>] = </a:t>
+            </a:r>
+            <a:r>
+              <a:rPr lang="en-US" b="0" dirty="0" err="1">
+                <a:solidFill>
+                  <a:srgbClr val="795E26"/>
+                </a:solidFill>
+                <a:effectLst/>
+                <a:latin typeface="Consolas" panose="020B0609020204030204" pitchFamily="49" charset="0"/>
+              </a:rPr>
+              <a:t>useState</a:t>
+            </a:r>
+            <a:r>
+              <a:rPr lang="en-US" b="0" dirty="0">
+                <a:solidFill>
+                  <a:srgbClr val="000000"/>
+                </a:solidFill>
+                <a:effectLst/>
+                <a:latin typeface="Consolas" panose="020B0609020204030204" pitchFamily="49" charset="0"/>
+              </a:rPr>
+              <a:t>&lt;</a:t>
+            </a:r>
+            <a:r>
+              <a:rPr lang="en-US" b="0" dirty="0" err="1">
+                <a:solidFill>
+                  <a:srgbClr val="267F99"/>
+                </a:solidFill>
+                <a:effectLst/>
+                <a:latin typeface="Consolas" panose="020B0609020204030204" pitchFamily="49" charset="0"/>
+              </a:rPr>
+              <a:t>ClockDisplayData</a:t>
+            </a:r>
+            <a:r>
+              <a:rPr lang="en-US" b="0" dirty="0">
+                <a:solidFill>
+                  <a:srgbClr val="000000"/>
+                </a:solidFill>
+                <a:effectLst/>
+                <a:latin typeface="Consolas" panose="020B0609020204030204" pitchFamily="49" charset="0"/>
+              </a:rPr>
+              <a:t>[]&gt;([])</a:t>
+            </a:r>
+          </a:p>
+          <a:p>
+            <a:r>
+              <a:rPr lang="en-US" b="0" dirty="0">
+                <a:solidFill>
+                  <a:srgbClr val="000000"/>
+                </a:solidFill>
+                <a:effectLst/>
+                <a:latin typeface="Consolas" panose="020B0609020204030204" pitchFamily="49" charset="0"/>
+              </a:rPr>
+              <a:t>    </a:t>
+            </a:r>
+            <a:r>
+              <a:rPr lang="en-US" b="0" dirty="0">
+                <a:solidFill>
+                  <a:srgbClr val="0000FF"/>
+                </a:solidFill>
+                <a:effectLst/>
+                <a:latin typeface="Consolas" panose="020B0609020204030204" pitchFamily="49" charset="0"/>
+              </a:rPr>
+              <a:t>const</a:t>
+            </a:r>
+            <a:r>
+              <a:rPr lang="en-US" b="0" dirty="0">
+                <a:solidFill>
+                  <a:srgbClr val="000000"/>
+                </a:solidFill>
+                <a:effectLst/>
+                <a:latin typeface="Consolas" panose="020B0609020204030204" pitchFamily="49" charset="0"/>
+              </a:rPr>
+              <a:t> [</a:t>
+            </a:r>
+            <a:r>
+              <a:rPr lang="en-US" b="0" dirty="0" err="1">
+                <a:solidFill>
+                  <a:srgbClr val="0070C1"/>
+                </a:solidFill>
+                <a:effectLst/>
+                <a:latin typeface="Consolas" panose="020B0609020204030204" pitchFamily="49" charset="0"/>
+              </a:rPr>
+              <a:t>nextKey</a:t>
+            </a:r>
+            <a:r>
+              <a:rPr lang="en-US" b="0" dirty="0">
+                <a:solidFill>
+                  <a:srgbClr val="000000"/>
+                </a:solidFill>
+                <a:effectLst/>
+                <a:latin typeface="Consolas" panose="020B0609020204030204" pitchFamily="49" charset="0"/>
+              </a:rPr>
+              <a:t>, </a:t>
+            </a:r>
+            <a:r>
+              <a:rPr lang="en-US" b="0" dirty="0" err="1">
+                <a:solidFill>
+                  <a:srgbClr val="795E26"/>
+                </a:solidFill>
+                <a:effectLst/>
+                <a:latin typeface="Consolas" panose="020B0609020204030204" pitchFamily="49" charset="0"/>
+              </a:rPr>
+              <a:t>setNextKey</a:t>
+            </a:r>
+            <a:r>
+              <a:rPr lang="en-US" b="0" dirty="0">
+                <a:solidFill>
+                  <a:srgbClr val="000000"/>
+                </a:solidFill>
+                <a:effectLst/>
+                <a:latin typeface="Consolas" panose="020B0609020204030204" pitchFamily="49" charset="0"/>
+              </a:rPr>
+              <a:t>] = </a:t>
+            </a:r>
+            <a:r>
+              <a:rPr lang="en-US" b="0" dirty="0" err="1">
+                <a:solidFill>
+                  <a:srgbClr val="795E26"/>
+                </a:solidFill>
+                <a:effectLst/>
+                <a:latin typeface="Consolas" panose="020B0609020204030204" pitchFamily="49" charset="0"/>
+              </a:rPr>
+              <a:t>useState</a:t>
+            </a:r>
+            <a:r>
+              <a:rPr lang="en-US" b="0" dirty="0">
+                <a:solidFill>
+                  <a:srgbClr val="000000"/>
+                </a:solidFill>
+                <a:effectLst/>
+                <a:latin typeface="Consolas" panose="020B0609020204030204" pitchFamily="49" charset="0"/>
+              </a:rPr>
+              <a:t>(</a:t>
+            </a:r>
+            <a:r>
+              <a:rPr lang="en-US" b="0" dirty="0">
+                <a:solidFill>
+                  <a:srgbClr val="098658"/>
+                </a:solidFill>
+                <a:effectLst/>
+                <a:latin typeface="Consolas" panose="020B0609020204030204" pitchFamily="49" charset="0"/>
+              </a:rPr>
+              <a:t>1</a:t>
+            </a:r>
+            <a:r>
+              <a:rPr lang="en-US" b="0" dirty="0">
+                <a:solidFill>
+                  <a:srgbClr val="000000"/>
+                </a:solidFill>
+                <a:effectLst/>
+                <a:latin typeface="Consolas" panose="020B0609020204030204" pitchFamily="49" charset="0"/>
+              </a:rPr>
+              <a:t>)          </a:t>
+            </a:r>
+          </a:p>
+          <a:p>
+            <a:br>
+              <a:rPr lang="en-US" b="0" dirty="0">
+                <a:solidFill>
+                  <a:srgbClr val="000000"/>
+                </a:solidFill>
+                <a:effectLst/>
+                <a:latin typeface="Consolas" panose="020B0609020204030204" pitchFamily="49" charset="0"/>
+              </a:rPr>
+            </a:br>
+            <a:r>
+              <a:rPr lang="en-US" b="0" dirty="0">
+                <a:solidFill>
+                  <a:srgbClr val="000000"/>
+                </a:solidFill>
+                <a:effectLst/>
+                <a:latin typeface="Consolas" panose="020B0609020204030204" pitchFamily="49" charset="0"/>
+              </a:rPr>
+              <a:t>    </a:t>
+            </a:r>
+            <a:r>
+              <a:rPr lang="en-US" b="0" dirty="0">
+                <a:solidFill>
+                  <a:srgbClr val="0000FF"/>
+                </a:solidFill>
+                <a:effectLst/>
+                <a:latin typeface="Consolas" panose="020B0609020204030204" pitchFamily="49" charset="0"/>
+              </a:rPr>
+              <a:t>function</a:t>
+            </a:r>
+            <a:r>
+              <a:rPr lang="en-US" b="0" dirty="0">
+                <a:solidFill>
+                  <a:srgbClr val="000000"/>
+                </a:solidFill>
+                <a:effectLst/>
+                <a:latin typeface="Consolas" panose="020B0609020204030204" pitchFamily="49" charset="0"/>
+              </a:rPr>
+              <a:t> </a:t>
+            </a:r>
+            <a:r>
+              <a:rPr lang="en-US" b="0" dirty="0" err="1">
+                <a:solidFill>
+                  <a:srgbClr val="795E26"/>
+                </a:solidFill>
+                <a:effectLst/>
+                <a:latin typeface="Consolas" panose="020B0609020204030204" pitchFamily="49" charset="0"/>
+              </a:rPr>
+              <a:t>handleAdd</a:t>
+            </a:r>
+            <a:r>
+              <a:rPr lang="en-US" b="0" dirty="0">
+                <a:solidFill>
+                  <a:srgbClr val="000000"/>
+                </a:solidFill>
+                <a:effectLst/>
+                <a:latin typeface="Consolas" panose="020B0609020204030204" pitchFamily="49" charset="0"/>
+              </a:rPr>
+              <a:t>() {</a:t>
+            </a:r>
+          </a:p>
+          <a:p>
+            <a:r>
+              <a:rPr lang="en-US" b="0" dirty="0">
+                <a:solidFill>
+                  <a:srgbClr val="000000"/>
+                </a:solidFill>
+                <a:effectLst/>
+                <a:latin typeface="Consolas" panose="020B0609020204030204" pitchFamily="49" charset="0"/>
+              </a:rPr>
+              <a:t>        </a:t>
+            </a:r>
+            <a:r>
+              <a:rPr lang="en-US" b="0" dirty="0">
+                <a:solidFill>
+                  <a:srgbClr val="0000FF"/>
+                </a:solidFill>
+                <a:effectLst/>
+                <a:latin typeface="Consolas" panose="020B0609020204030204" pitchFamily="49" charset="0"/>
+              </a:rPr>
+              <a:t>const</a:t>
+            </a:r>
+            <a:r>
+              <a:rPr lang="en-US" b="0" dirty="0">
+                <a:solidFill>
+                  <a:srgbClr val="000000"/>
+                </a:solidFill>
+                <a:effectLst/>
+                <a:latin typeface="Consolas" panose="020B0609020204030204" pitchFamily="49" charset="0"/>
+              </a:rPr>
+              <a:t> </a:t>
+            </a:r>
+            <a:r>
+              <a:rPr lang="en-US" b="0" dirty="0" err="1">
+                <a:solidFill>
+                  <a:srgbClr val="0070C1"/>
+                </a:solidFill>
+                <a:effectLst/>
+                <a:latin typeface="Consolas" panose="020B0609020204030204" pitchFamily="49" charset="0"/>
+              </a:rPr>
+              <a:t>newDisplay</a:t>
+            </a:r>
+            <a:r>
+              <a:rPr lang="en-US" b="0" dirty="0">
+                <a:solidFill>
+                  <a:srgbClr val="000000"/>
+                </a:solidFill>
+                <a:effectLst/>
+                <a:latin typeface="Consolas" panose="020B0609020204030204" pitchFamily="49" charset="0"/>
+              </a:rPr>
+              <a:t> = </a:t>
+            </a:r>
+            <a:r>
+              <a:rPr lang="en-US" b="0" dirty="0" err="1">
+                <a:solidFill>
+                  <a:srgbClr val="795E26"/>
+                </a:solidFill>
+                <a:effectLst/>
+                <a:latin typeface="Consolas" panose="020B0609020204030204" pitchFamily="49" charset="0"/>
+              </a:rPr>
+              <a:t>makeClockDisplayData</a:t>
+            </a:r>
+            <a:r>
+              <a:rPr lang="en-US" b="0" dirty="0">
+                <a:solidFill>
+                  <a:srgbClr val="000000"/>
+                </a:solidFill>
+                <a:effectLst/>
+                <a:latin typeface="Consolas" panose="020B0609020204030204" pitchFamily="49" charset="0"/>
+              </a:rPr>
+              <a:t>(</a:t>
+            </a:r>
+            <a:r>
+              <a:rPr lang="en-US" b="0" dirty="0" err="1">
+                <a:solidFill>
+                  <a:srgbClr val="0070C1"/>
+                </a:solidFill>
+                <a:effectLst/>
+                <a:latin typeface="Consolas" panose="020B0609020204030204" pitchFamily="49" charset="0"/>
+              </a:rPr>
+              <a:t>nextKey</a:t>
+            </a:r>
+            <a:r>
+              <a:rPr lang="en-US" b="0" dirty="0">
+                <a:solidFill>
+                  <a:srgbClr val="000000"/>
+                </a:solidFill>
+                <a:effectLst/>
+                <a:latin typeface="Consolas" panose="020B0609020204030204" pitchFamily="49" charset="0"/>
+              </a:rPr>
+              <a:t>)</a:t>
+            </a:r>
+          </a:p>
+          <a:p>
+            <a:r>
+              <a:rPr lang="en-US" b="0" dirty="0">
+                <a:solidFill>
+                  <a:srgbClr val="000000"/>
+                </a:solidFill>
+                <a:effectLst/>
+                <a:latin typeface="Consolas" panose="020B0609020204030204" pitchFamily="49" charset="0"/>
+              </a:rPr>
+              <a:t>        </a:t>
+            </a:r>
+            <a:r>
+              <a:rPr lang="en-US" b="0" dirty="0" err="1">
+                <a:solidFill>
+                  <a:srgbClr val="795E26"/>
+                </a:solidFill>
+                <a:effectLst/>
+                <a:latin typeface="Consolas" panose="020B0609020204030204" pitchFamily="49" charset="0"/>
+              </a:rPr>
+              <a:t>setClockDisplays</a:t>
+            </a:r>
+            <a:r>
+              <a:rPr lang="en-US" b="0" dirty="0">
+                <a:solidFill>
+                  <a:srgbClr val="000000"/>
+                </a:solidFill>
+                <a:effectLst/>
+                <a:latin typeface="Consolas" panose="020B0609020204030204" pitchFamily="49" charset="0"/>
+              </a:rPr>
+              <a:t>(</a:t>
+            </a:r>
+            <a:r>
+              <a:rPr lang="en-US" b="0" dirty="0" err="1">
+                <a:solidFill>
+                  <a:srgbClr val="0070C1"/>
+                </a:solidFill>
+                <a:effectLst/>
+                <a:latin typeface="Consolas" panose="020B0609020204030204" pitchFamily="49" charset="0"/>
+              </a:rPr>
+              <a:t>clockDisplays</a:t>
+            </a:r>
+            <a:r>
+              <a:rPr lang="en-US" b="0" dirty="0" err="1">
+                <a:solidFill>
+                  <a:srgbClr val="000000"/>
+                </a:solidFill>
+                <a:effectLst/>
+                <a:latin typeface="Consolas" panose="020B0609020204030204" pitchFamily="49" charset="0"/>
+              </a:rPr>
+              <a:t>.</a:t>
+            </a:r>
+            <a:r>
+              <a:rPr lang="en-US" b="0" dirty="0" err="1">
+                <a:solidFill>
+                  <a:srgbClr val="795E26"/>
+                </a:solidFill>
+                <a:effectLst/>
+                <a:latin typeface="Consolas" panose="020B0609020204030204" pitchFamily="49" charset="0"/>
+              </a:rPr>
+              <a:t>concat</a:t>
+            </a:r>
+            <a:r>
+              <a:rPr lang="en-US" b="0" dirty="0">
+                <a:solidFill>
+                  <a:srgbClr val="000000"/>
+                </a:solidFill>
+                <a:effectLst/>
+                <a:latin typeface="Consolas" panose="020B0609020204030204" pitchFamily="49" charset="0"/>
+              </a:rPr>
+              <a:t>(</a:t>
+            </a:r>
+            <a:r>
+              <a:rPr lang="en-US" b="0" dirty="0" err="1">
+                <a:solidFill>
+                  <a:srgbClr val="0070C1"/>
+                </a:solidFill>
+                <a:effectLst/>
+                <a:latin typeface="Consolas" panose="020B0609020204030204" pitchFamily="49" charset="0"/>
+              </a:rPr>
+              <a:t>newDisplay</a:t>
+            </a:r>
+            <a:r>
+              <a:rPr lang="en-US" b="0" dirty="0">
+                <a:solidFill>
+                  <a:srgbClr val="000000"/>
+                </a:solidFill>
+                <a:effectLst/>
+                <a:latin typeface="Consolas" panose="020B0609020204030204" pitchFamily="49" charset="0"/>
+              </a:rPr>
+              <a:t>))</a:t>
+            </a:r>
+          </a:p>
+          <a:p>
+            <a:r>
+              <a:rPr lang="en-US" b="0" dirty="0">
+                <a:solidFill>
+                  <a:srgbClr val="000000"/>
+                </a:solidFill>
+                <a:effectLst/>
+                <a:latin typeface="Consolas" panose="020B0609020204030204" pitchFamily="49" charset="0"/>
+              </a:rPr>
+              <a:t>        </a:t>
+            </a:r>
+            <a:r>
+              <a:rPr lang="en-US" b="0" dirty="0" err="1">
+                <a:solidFill>
+                  <a:srgbClr val="795E26"/>
+                </a:solidFill>
+                <a:effectLst/>
+                <a:latin typeface="Consolas" panose="020B0609020204030204" pitchFamily="49" charset="0"/>
+              </a:rPr>
+              <a:t>setNextKey</a:t>
+            </a:r>
+            <a:r>
+              <a:rPr lang="en-US" b="0" dirty="0">
+                <a:solidFill>
+                  <a:srgbClr val="000000"/>
+                </a:solidFill>
+                <a:effectLst/>
+                <a:latin typeface="Consolas" panose="020B0609020204030204" pitchFamily="49" charset="0"/>
+              </a:rPr>
+              <a:t>(</a:t>
+            </a:r>
+            <a:r>
+              <a:rPr lang="en-US" b="0" dirty="0">
+                <a:solidFill>
+                  <a:srgbClr val="0070C1"/>
+                </a:solidFill>
+                <a:effectLst/>
+                <a:latin typeface="Consolas" panose="020B0609020204030204" pitchFamily="49" charset="0"/>
+              </a:rPr>
+              <a:t>nextKey</a:t>
+            </a:r>
+            <a:r>
+              <a:rPr lang="en-US" b="0" dirty="0">
+                <a:solidFill>
+                  <a:srgbClr val="000000"/>
+                </a:solidFill>
+                <a:effectLst/>
+                <a:latin typeface="Consolas" panose="020B0609020204030204" pitchFamily="49" charset="0"/>
+              </a:rPr>
+              <a:t>+</a:t>
+            </a:r>
+            <a:r>
+              <a:rPr lang="en-US" b="0" dirty="0">
+                <a:solidFill>
+                  <a:srgbClr val="098658"/>
+                </a:solidFill>
+                <a:effectLst/>
+                <a:latin typeface="Consolas" panose="020B0609020204030204" pitchFamily="49" charset="0"/>
+              </a:rPr>
+              <a:t>1</a:t>
+            </a:r>
+            <a:r>
+              <a:rPr lang="en-US" b="0" dirty="0">
+                <a:solidFill>
+                  <a:srgbClr val="000000"/>
+                </a:solidFill>
+                <a:effectLst/>
+                <a:latin typeface="Consolas" panose="020B0609020204030204" pitchFamily="49" charset="0"/>
+              </a:rPr>
+              <a:t>)</a:t>
+            </a:r>
+          </a:p>
+          <a:p>
+            <a:r>
+              <a:rPr lang="en-US" b="0" dirty="0">
+                <a:solidFill>
+                  <a:srgbClr val="000000"/>
+                </a:solidFill>
+                <a:effectLst/>
+                <a:latin typeface="Consolas" panose="020B0609020204030204" pitchFamily="49" charset="0"/>
+              </a:rPr>
+              <a:t>    }</a:t>
+            </a:r>
+            <a:br>
+              <a:rPr lang="en-US" b="0" dirty="0">
+                <a:solidFill>
+                  <a:srgbClr val="000000"/>
+                </a:solidFill>
+                <a:effectLst/>
+                <a:latin typeface="Consolas" panose="020B0609020204030204" pitchFamily="49" charset="0"/>
+              </a:rPr>
+            </a:br>
+            <a:r>
+              <a:rPr lang="en-US" b="0" dirty="0">
+                <a:solidFill>
+                  <a:srgbClr val="000000"/>
+                </a:solidFill>
+                <a:effectLst/>
+                <a:latin typeface="Consolas" panose="020B0609020204030204" pitchFamily="49" charset="0"/>
+              </a:rPr>
+              <a:t>    </a:t>
+            </a:r>
+            <a:r>
+              <a:rPr lang="en-US" b="0" dirty="0">
+                <a:solidFill>
+                  <a:srgbClr val="0000FF"/>
+                </a:solidFill>
+                <a:effectLst/>
+                <a:latin typeface="Consolas" panose="020B0609020204030204" pitchFamily="49" charset="0"/>
+              </a:rPr>
+              <a:t>function</a:t>
+            </a:r>
+            <a:r>
+              <a:rPr lang="en-US" b="0" dirty="0">
+                <a:solidFill>
+                  <a:srgbClr val="000000"/>
+                </a:solidFill>
+                <a:effectLst/>
+                <a:latin typeface="Consolas" panose="020B0609020204030204" pitchFamily="49" charset="0"/>
+              </a:rPr>
+              <a:t> </a:t>
+            </a:r>
+            <a:r>
+              <a:rPr lang="en-US" b="0" dirty="0" err="1">
+                <a:solidFill>
+                  <a:srgbClr val="795E26"/>
+                </a:solidFill>
+                <a:effectLst/>
+                <a:latin typeface="Consolas" panose="020B0609020204030204" pitchFamily="49" charset="0"/>
+              </a:rPr>
+              <a:t>handleDelete</a:t>
+            </a:r>
+            <a:r>
+              <a:rPr lang="en-US" b="0" dirty="0">
+                <a:solidFill>
+                  <a:srgbClr val="000000"/>
+                </a:solidFill>
+                <a:effectLst/>
+                <a:latin typeface="Consolas" panose="020B0609020204030204" pitchFamily="49" charset="0"/>
+              </a:rPr>
+              <a:t>(</a:t>
+            </a:r>
+            <a:r>
+              <a:rPr lang="en-US" b="0" dirty="0" err="1">
+                <a:solidFill>
+                  <a:srgbClr val="001080"/>
+                </a:solidFill>
+                <a:effectLst/>
+                <a:latin typeface="Consolas" panose="020B0609020204030204" pitchFamily="49" charset="0"/>
+              </a:rPr>
+              <a:t>targetKey</a:t>
+            </a:r>
+            <a:r>
+              <a:rPr lang="en-US" b="0" dirty="0" err="1">
+                <a:solidFill>
+                  <a:srgbClr val="000000"/>
+                </a:solidFill>
+                <a:effectLst/>
+                <a:latin typeface="Consolas" panose="020B0609020204030204" pitchFamily="49" charset="0"/>
+              </a:rPr>
+              <a:t>:</a:t>
+            </a:r>
+            <a:r>
+              <a:rPr lang="en-US" b="0" dirty="0" err="1">
+                <a:solidFill>
+                  <a:srgbClr val="267F99"/>
+                </a:solidFill>
+                <a:effectLst/>
+                <a:latin typeface="Consolas" panose="020B0609020204030204" pitchFamily="49" charset="0"/>
+              </a:rPr>
+              <a:t>number</a:t>
+            </a:r>
+            <a:r>
+              <a:rPr lang="en-US" b="0" dirty="0">
+                <a:solidFill>
+                  <a:srgbClr val="000000"/>
+                </a:solidFill>
+                <a:effectLst/>
+                <a:latin typeface="Consolas" panose="020B0609020204030204" pitchFamily="49" charset="0"/>
+              </a:rPr>
+              <a:t>) { --- } </a:t>
+            </a:r>
+            <a:r>
+              <a:rPr lang="en-US" b="0" dirty="0">
+                <a:solidFill>
+                  <a:srgbClr val="008000"/>
+                </a:solidFill>
+                <a:effectLst/>
+                <a:latin typeface="Consolas" panose="020B0609020204030204" pitchFamily="49" charset="0"/>
+              </a:rPr>
+              <a:t>// not so interesting</a:t>
+            </a:r>
+            <a:endParaRPr lang="en-US" b="0" dirty="0">
+              <a:solidFill>
+                <a:srgbClr val="000000"/>
+              </a:solidFill>
+              <a:effectLst/>
+              <a:latin typeface="Consolas" panose="020B0609020204030204" pitchFamily="49" charset="0"/>
+            </a:endParaRPr>
+          </a:p>
+          <a:p>
+            <a:r>
+              <a:rPr lang="en-US" b="0" dirty="0">
+                <a:solidFill>
+                  <a:srgbClr val="000000"/>
+                </a:solidFill>
+                <a:effectLst/>
+                <a:latin typeface="Consolas" panose="020B0609020204030204" pitchFamily="49" charset="0"/>
+              </a:rPr>
+              <a:t>       </a:t>
+            </a:r>
+            <a:br>
+              <a:rPr lang="en-US" b="0" dirty="0">
+                <a:solidFill>
+                  <a:srgbClr val="000000"/>
+                </a:solidFill>
+                <a:effectLst/>
+                <a:latin typeface="Consolas" panose="020B0609020204030204" pitchFamily="49" charset="0"/>
+              </a:rPr>
+            </a:br>
+            <a:r>
+              <a:rPr lang="en-US" b="0" dirty="0">
+                <a:solidFill>
+                  <a:srgbClr val="000000"/>
+                </a:solidFill>
+                <a:effectLst/>
+                <a:latin typeface="Consolas" panose="020B0609020204030204" pitchFamily="49" charset="0"/>
+              </a:rPr>
+              <a:t>    </a:t>
+            </a:r>
+            <a:r>
+              <a:rPr lang="en-US" b="0" dirty="0">
+                <a:solidFill>
+                  <a:srgbClr val="008000"/>
+                </a:solidFill>
+                <a:effectLst/>
+                <a:latin typeface="Consolas" panose="020B0609020204030204" pitchFamily="49" charset="0"/>
+              </a:rPr>
+              <a:t>// add a clock display for the first render</a:t>
+            </a:r>
+            <a:endParaRPr lang="en-US" b="0" dirty="0">
+              <a:solidFill>
+                <a:srgbClr val="000000"/>
+              </a:solidFill>
+              <a:effectLst/>
+              <a:latin typeface="Consolas" panose="020B0609020204030204" pitchFamily="49" charset="0"/>
+            </a:endParaRPr>
+          </a:p>
+          <a:p>
+            <a:r>
+              <a:rPr lang="en-US" b="0" dirty="0">
+                <a:solidFill>
+                  <a:srgbClr val="000000"/>
+                </a:solidFill>
+                <a:effectLst/>
+                <a:latin typeface="Consolas" panose="020B0609020204030204" pitchFamily="49" charset="0"/>
+              </a:rPr>
+              <a:t>    </a:t>
+            </a:r>
+            <a:r>
+              <a:rPr lang="en-US" b="0" dirty="0" err="1">
+                <a:solidFill>
+                  <a:srgbClr val="795E26"/>
+                </a:solidFill>
+                <a:effectLst/>
+                <a:latin typeface="Consolas" panose="020B0609020204030204" pitchFamily="49" charset="0"/>
+              </a:rPr>
+              <a:t>useEffect</a:t>
+            </a:r>
+            <a:r>
+              <a:rPr lang="en-US" b="0" dirty="0">
+                <a:solidFill>
+                  <a:srgbClr val="000000"/>
+                </a:solidFill>
+                <a:effectLst/>
+                <a:latin typeface="Consolas" panose="020B0609020204030204" pitchFamily="49" charset="0"/>
+              </a:rPr>
+              <a:t>(() </a:t>
+            </a:r>
+            <a:r>
+              <a:rPr lang="en-US" b="0" dirty="0">
+                <a:solidFill>
+                  <a:srgbClr val="0000FF"/>
+                </a:solidFill>
+                <a:effectLst/>
+                <a:latin typeface="Consolas" panose="020B0609020204030204" pitchFamily="49" charset="0"/>
+              </a:rPr>
+              <a:t>=&gt;</a:t>
+            </a:r>
+            <a:r>
+              <a:rPr lang="en-US" b="0" dirty="0">
+                <a:solidFill>
+                  <a:srgbClr val="000000"/>
+                </a:solidFill>
+                <a:effectLst/>
+                <a:latin typeface="Consolas" panose="020B0609020204030204" pitchFamily="49" charset="0"/>
+              </a:rPr>
+              <a:t> {</a:t>
+            </a:r>
+            <a:r>
+              <a:rPr lang="en-US" b="0" dirty="0" err="1">
+                <a:solidFill>
+                  <a:srgbClr val="795E26"/>
+                </a:solidFill>
+                <a:effectLst/>
+                <a:latin typeface="Consolas" panose="020B0609020204030204" pitchFamily="49" charset="0"/>
+              </a:rPr>
+              <a:t>handleAdd</a:t>
+            </a:r>
+            <a:r>
+              <a:rPr lang="en-US" b="0" dirty="0">
+                <a:solidFill>
+                  <a:srgbClr val="000000"/>
+                </a:solidFill>
+                <a:effectLst/>
+                <a:latin typeface="Consolas" panose="020B0609020204030204" pitchFamily="49" charset="0"/>
+              </a:rPr>
+              <a:t>()}, [])</a:t>
+            </a:r>
           </a:p>
         </p:txBody>
       </p:sp>
@@ -17182,7 +17601,7 @@
         <p:spPr>
           <a:xfrm>
             <a:off x="838200" y="1574304"/>
-            <a:ext cx="9520646" cy="4801314"/>
+            <a:ext cx="10515600" cy="4524315"/>
           </a:xfrm>
           <a:prstGeom prst="rect">
             <a:avLst/>
@@ -18067,6 +18486,83 @@
               <a:t>19</a:t>
             </a:fld>
             <a:endParaRPr lang="en-US"/>
+          </a:p>
+        </p:txBody>
+      </p:sp>
+      <p:sp>
+        <p:nvSpPr>
+          <p:cNvPr id="4" name="Rectangle: Rounded Corners 3">
+            <a:extLst>
+              <a:ext uri="{FF2B5EF4-FFF2-40B4-BE49-F238E27FC236}">
+                <a16:creationId xmlns:a16="http://schemas.microsoft.com/office/drawing/2014/main" id="{762A44C0-E257-BF5F-4223-90DDDAE90A1C}"/>
+              </a:ext>
+            </a:extLst>
+          </p:cNvPr>
+          <p:cNvSpPr/>
+          <p:nvPr/>
+        </p:nvSpPr>
+        <p:spPr>
+          <a:xfrm>
+            <a:off x="6610301" y="157400"/>
+            <a:ext cx="5176128" cy="601981"/>
+          </a:xfrm>
+          <a:prstGeom prst="roundRect">
+            <a:avLst/>
+          </a:prstGeom>
+          <a:solidFill>
+            <a:schemeClr val="accent6">
+              <a:lumMod val="20000"/>
+              <a:lumOff val="80000"/>
+            </a:schemeClr>
+          </a:solidFill>
+          <a:ln>
+            <a:solidFill>
+              <a:srgbClr val="0070C0"/>
+            </a:solidFill>
+          </a:ln>
+        </p:spPr>
+        <p:style>
+          <a:lnRef idx="2">
+            <a:schemeClr val="accent1">
+              <a:shade val="50000"/>
+            </a:schemeClr>
+          </a:lnRef>
+          <a:fillRef idx="1">
+            <a:schemeClr val="accent1"/>
+          </a:fillRef>
+          <a:effectRef idx="0">
+            <a:schemeClr val="accent1"/>
+          </a:effectRef>
+          <a:fontRef idx="minor">
+            <a:schemeClr val="lt1"/>
+          </a:fontRef>
+        </p:style>
+        <p:txBody>
+          <a:bodyPr rtlCol="0" anchor="ctr"/>
+          <a:lstStyle/>
+          <a:p>
+            <a:pPr algn="ctr"/>
+            <a:r>
+              <a:rPr lang="en-US" sz="2400" dirty="0">
+                <a:solidFill>
+                  <a:schemeClr val="tx1"/>
+                </a:solidFill>
+              </a:rPr>
+              <a:t>app/Hooks/</a:t>
+            </a:r>
+            <a:r>
+              <a:rPr lang="en-US" sz="2400" dirty="0" err="1">
+                <a:solidFill>
+                  <a:schemeClr val="tx1"/>
+                </a:solidFill>
+              </a:rPr>
+              <a:t>useClock.tsx</a:t>
+            </a:r>
+            <a:endParaRPr lang="en-US" sz="2400" dirty="0">
+              <a:solidFill>
+                <a:schemeClr val="tx1"/>
+              </a:solidFill>
+            </a:endParaRPr>
           </a:p>
         </p:txBody>
       </p:sp>
@@ -18124,7 +18620,7 @@
           <a:p>
             <a:r>
               <a:rPr lang="en-US" dirty="0"/>
-              <a:t>Learning Objectives for this Lesson</a:t>
+              <a:t>Learning Objectives for this Module</a:t>
             </a:r>
           </a:p>
         </p:txBody>
@@ -18152,7 +18648,7 @@
           <a:p>
             <a:r>
               <a:rPr lang="en-US" dirty="0"/>
-              <a:t>By the end of this lesson, you should be able to:</a:t>
+              <a:t>By the end of module 8, you should be able to:</a:t>
             </a:r>
           </a:p>
           <a:p>
@@ -18213,7 +18709,7 @@
             </a:pPr>
             <a:r>
               <a:rPr lang="en-US" dirty="0"/>
-              <a:t>Be able to map the three core steps of a test (assemble, act, assess) to UI component testing</a:t>
+              <a:t>Be able to explain the three core steps of a test (assemble, act, assess) can map to UI component testing</a:t>
             </a:r>
           </a:p>
           <a:p>
@@ -18235,7 +18731,7 @@
           <p:cNvPr id="4" name="Slide Number Placeholder 3">
             <a:extLst>
               <a:ext uri="{FF2B5EF4-FFF2-40B4-BE49-F238E27FC236}">
-                <a16:creationId xmlns:a16="http://schemas.microsoft.com/office/drawing/2014/main" id="{B649CAA7-60AD-03B2-54C1-62841D68AE3C}"/>
+                <a16:creationId xmlns:a16="http://schemas.microsoft.com/office/drawing/2014/main" id="{9C59EC0F-49C9-70CA-27EB-0E8D9E76C630}"/>
               </a:ext>
             </a:extLst>
           </p:cNvPr>
@@ -18262,7 +18758,7 @@
     </p:spTree>
     <p:extLst>
       <p:ext uri="{BB962C8B-B14F-4D97-AF65-F5344CB8AC3E}">
-        <p14:creationId xmlns:p14="http://schemas.microsoft.com/office/powerpoint/2010/main" val="2060496032"/>
+        <p14:creationId xmlns:p14="http://schemas.microsoft.com/office/powerpoint/2010/main" val="2074273268"/>
       </p:ext>
     </p:extLst>
   </p:cSld>
@@ -18338,7 +18834,7 @@
         <p:spPr>
           <a:xfrm>
             <a:off x="922021" y="1325563"/>
-            <a:ext cx="8108768" cy="5262979"/>
+            <a:ext cx="8108768" cy="5478423"/>
           </a:xfrm>
           <a:prstGeom prst="rect">
             <a:avLst/>
@@ -19138,6 +19634,8 @@
               </a:rPr>
               <a:t>)</a:t>
             </a:r>
+          </a:p>
+          <a:p>
             <a:br>
               <a:rPr lang="en-US" sz="1400" b="0" dirty="0">
                 <a:solidFill>
@@ -20014,6 +20512,83 @@
               <a:t>20</a:t>
             </a:fld>
             <a:endParaRPr lang="en-US"/>
+          </a:p>
+        </p:txBody>
+      </p:sp>
+      <p:sp>
+        <p:nvSpPr>
+          <p:cNvPr id="5" name="Rectangle: Rounded Corners 4">
+            <a:extLst>
+              <a:ext uri="{FF2B5EF4-FFF2-40B4-BE49-F238E27FC236}">
+                <a16:creationId xmlns:a16="http://schemas.microsoft.com/office/drawing/2014/main" id="{71476609-2237-3E45-225B-93A1772E4FA5}"/>
+              </a:ext>
+            </a:extLst>
+          </p:cNvPr>
+          <p:cNvSpPr/>
+          <p:nvPr/>
+        </p:nvSpPr>
+        <p:spPr>
+          <a:xfrm>
+            <a:off x="5111015" y="157400"/>
+            <a:ext cx="6675414" cy="601981"/>
+          </a:xfrm>
+          <a:prstGeom prst="roundRect">
+            <a:avLst/>
+          </a:prstGeom>
+          <a:solidFill>
+            <a:schemeClr val="accent6">
+              <a:lumMod val="20000"/>
+              <a:lumOff val="80000"/>
+            </a:schemeClr>
+          </a:solidFill>
+          <a:ln>
+            <a:solidFill>
+              <a:srgbClr val="0070C0"/>
+            </a:solidFill>
+          </a:ln>
+        </p:spPr>
+        <p:style>
+          <a:lnRef idx="2">
+            <a:schemeClr val="accent1">
+              <a:shade val="50000"/>
+            </a:schemeClr>
+          </a:lnRef>
+          <a:fillRef idx="1">
+            <a:schemeClr val="accent1"/>
+          </a:fillRef>
+          <a:effectRef idx="0">
+            <a:schemeClr val="accent1"/>
+          </a:effectRef>
+          <a:fontRef idx="minor">
+            <a:schemeClr val="lt1"/>
+          </a:fontRef>
+        </p:style>
+        <p:txBody>
+          <a:bodyPr rtlCol="0" anchor="ctr"/>
+          <a:lstStyle/>
+          <a:p>
+            <a:pPr algn="ctr"/>
+            <a:r>
+              <a:rPr lang="en-US" sz="2400" dirty="0">
+                <a:solidFill>
+                  <a:schemeClr val="tx1"/>
+                </a:solidFill>
+              </a:rPr>
+              <a:t>app/Apps/</a:t>
+            </a:r>
+            <a:r>
+              <a:rPr lang="en-US" sz="2400" dirty="0" err="1">
+                <a:solidFill>
+                  <a:schemeClr val="tx1"/>
+                </a:solidFill>
+              </a:rPr>
+              <a:t>SimpleClockDisplayWithUseClock.tsx</a:t>
+            </a:r>
+            <a:endParaRPr lang="en-US" sz="2400" dirty="0">
+              <a:solidFill>
+                <a:schemeClr val="tx1"/>
+              </a:solidFill>
+            </a:endParaRPr>
           </a:p>
         </p:txBody>
       </p:sp>
@@ -20171,7 +20746,7 @@
           </a:prstGeom>
           <a:extLst>
             <a:ext uri="{C572A759-6A51-4108-AA02-DFA0A04FC94B}">
-              <ma14:wrappingTextBoxFlag xmlns="" xmlns:m="http://schemas.openxmlformats.org/officeDocument/2006/math" xmlns:a14="http://schemas.microsoft.com/office/drawing/2010/main" xmlns:ma14="http://schemas.microsoft.com/office/mac/drawingml/2011/main" val="1"/>
+              <ma14:wrappingTextBoxFlag xmlns:ma14="http://schemas.microsoft.com/office/mac/drawingml/2011/main" xmlns:a14="http://schemas.microsoft.com/office/drawing/2010/main" xmlns:m="http://schemas.openxmlformats.org/officeDocument/2006/math" xmlns="" val="1"/>
             </a:ext>
           </a:extLst>
         </p:spPr>
@@ -20212,7 +20787,7 @@
           </a:ln>
           <a:extLst>
             <a:ext uri="{C572A759-6A51-4108-AA02-DFA0A04FC94B}">
-              <ma14:wrappingTextBoxFlag xmlns="" xmlns:m="http://schemas.openxmlformats.org/officeDocument/2006/math" xmlns:a14="http://schemas.microsoft.com/office/drawing/2010/main" xmlns:ma14="http://schemas.microsoft.com/office/mac/drawingml/2011/main" val="1"/>
+              <ma14:wrappingTextBoxFlag xmlns:ma14="http://schemas.microsoft.com/office/mac/drawingml/2011/main" xmlns:a14="http://schemas.microsoft.com/office/drawing/2010/main" xmlns:m="http://schemas.openxmlformats.org/officeDocument/2006/math" xmlns="" val="1"/>
             </a:ext>
           </a:extLst>
         </p:spPr>
@@ -20487,7 +21062,7 @@
             <a:effectLst/>
             <a:extLst>
               <a:ext uri="{C572A759-6A51-4108-AA02-DFA0A04FC94B}">
-                <ma14:wrappingTextBoxFlag xmlns="" xmlns:m="http://schemas.openxmlformats.org/officeDocument/2006/math" xmlns:a14="http://schemas.microsoft.com/office/drawing/2010/main" xmlns:ma14="http://schemas.microsoft.com/office/mac/drawingml/2011/main" val="1"/>
+                <ma14:wrappingTextBoxFlag xmlns:ma14="http://schemas.microsoft.com/office/mac/drawingml/2011/main" xmlns:a14="http://schemas.microsoft.com/office/drawing/2010/main" xmlns:m="http://schemas.openxmlformats.org/officeDocument/2006/math" xmlns="" val="1"/>
               </a:ext>
             </a:extLst>
           </p:spPr>
@@ -20713,7 +21288,7 @@
           </a:prstGeom>
           <a:extLst>
             <a:ext uri="{C572A759-6A51-4108-AA02-DFA0A04FC94B}">
-              <ma14:wrappingTextBoxFlag xmlns="" xmlns:m="http://schemas.openxmlformats.org/officeDocument/2006/math" xmlns:a14="http://schemas.microsoft.com/office/drawing/2010/main" xmlns:ma14="http://schemas.microsoft.com/office/mac/drawingml/2011/main" val="1"/>
+              <ma14:wrappingTextBoxFlag xmlns:ma14="http://schemas.microsoft.com/office/mac/drawingml/2011/main" xmlns:a14="http://schemas.microsoft.com/office/drawing/2010/main" xmlns:m="http://schemas.openxmlformats.org/officeDocument/2006/math" xmlns="" val="1"/>
             </a:ext>
           </a:extLst>
         </p:spPr>
@@ -20884,7 +21459,7 @@
           </a:prstGeom>
           <a:extLst>
             <a:ext uri="{C572A759-6A51-4108-AA02-DFA0A04FC94B}">
-              <ma14:wrappingTextBoxFlag xmlns:ma14="http://schemas.microsoft.com/office/mac/drawingml/2011/main" xmlns:a14="http://schemas.microsoft.com/office/drawing/2010/main" xmlns:m="http://schemas.openxmlformats.org/officeDocument/2006/math" xmlns="" val="1"/>
+              <ma14:wrappingTextBoxFlag xmlns="" xmlns:m="http://schemas.openxmlformats.org/officeDocument/2006/math" xmlns:a14="http://schemas.microsoft.com/office/drawing/2010/main" xmlns:ma14="http://schemas.microsoft.com/office/mac/drawingml/2011/main" val="1"/>
             </a:ext>
           </a:extLst>
         </p:spPr>
@@ -20952,7 +21527,7 @@
           </a:ln>
           <a:extLst>
             <a:ext uri="{C572A759-6A51-4108-AA02-DFA0A04FC94B}">
-              <ma14:wrappingTextBoxFlag xmlns:ma14="http://schemas.microsoft.com/office/mac/drawingml/2011/main" xmlns:a14="http://schemas.microsoft.com/office/drawing/2010/main" xmlns:m="http://schemas.openxmlformats.org/officeDocument/2006/math" xmlns="" val="1"/>
+              <ma14:wrappingTextBoxFlag xmlns="" xmlns:m="http://schemas.openxmlformats.org/officeDocument/2006/math" xmlns:a14="http://schemas.microsoft.com/office/drawing/2010/main" xmlns:ma14="http://schemas.microsoft.com/office/mac/drawingml/2011/main" val="1"/>
             </a:ext>
           </a:extLst>
         </p:spPr>
@@ -21124,7 +21699,7 @@
           </a:prstGeom>
           <a:extLst>
             <a:ext uri="{C572A759-6A51-4108-AA02-DFA0A04FC94B}">
-              <ma14:wrappingTextBoxFlag xmlns:ma14="http://schemas.microsoft.com/office/mac/drawingml/2011/main" xmlns:a14="http://schemas.microsoft.com/office/drawing/2010/main" xmlns:m="http://schemas.openxmlformats.org/officeDocument/2006/math" xmlns="" val="1"/>
+              <ma14:wrappingTextBoxFlag xmlns="" xmlns:m="http://schemas.openxmlformats.org/officeDocument/2006/math" xmlns:a14="http://schemas.microsoft.com/office/drawing/2010/main" xmlns:ma14="http://schemas.microsoft.com/office/mac/drawingml/2011/main" val="1"/>
             </a:ext>
           </a:extLst>
         </p:spPr>
@@ -21219,7 +21794,7 @@
             <a:effectLst/>
             <a:extLst>
               <a:ext uri="{C572A759-6A51-4108-AA02-DFA0A04FC94B}">
-                <ma14:wrappingTextBoxFlag xmlns:ma14="http://schemas.microsoft.com/office/mac/drawingml/2011/main" xmlns:a14="http://schemas.microsoft.com/office/drawing/2010/main" xmlns:m="http://schemas.openxmlformats.org/officeDocument/2006/math" xmlns="" val="1"/>
+                <ma14:wrappingTextBoxFlag xmlns="" xmlns:m="http://schemas.openxmlformats.org/officeDocument/2006/math" xmlns:a14="http://schemas.microsoft.com/office/drawing/2010/main" xmlns:ma14="http://schemas.microsoft.com/office/mac/drawingml/2011/main" val="1"/>
               </a:ext>
             </a:extLst>
           </p:spPr>
@@ -21420,7 +21995,7 @@
             <a:effectLst/>
             <a:extLst>
               <a:ext uri="{C572A759-6A51-4108-AA02-DFA0A04FC94B}">
-                <ma14:wrappingTextBoxFlag xmlns:ma14="http://schemas.microsoft.com/office/mac/drawingml/2011/main" xmlns:a14="http://schemas.microsoft.com/office/drawing/2010/main" xmlns:m="http://schemas.openxmlformats.org/officeDocument/2006/math" xmlns="" val="1"/>
+                <ma14:wrappingTextBoxFlag xmlns="" xmlns:m="http://schemas.openxmlformats.org/officeDocument/2006/math" xmlns:a14="http://schemas.microsoft.com/office/drawing/2010/main" xmlns:ma14="http://schemas.microsoft.com/office/mac/drawingml/2011/main" val="1"/>
               </a:ext>
             </a:extLst>
           </p:spPr>
@@ -21516,7 +22091,7 @@
             <a:effectLst/>
             <a:extLst>
               <a:ext uri="{C572A759-6A51-4108-AA02-DFA0A04FC94B}">
-                <ma14:wrappingTextBoxFlag xmlns:ma14="http://schemas.microsoft.com/office/mac/drawingml/2011/main" xmlns:a14="http://schemas.microsoft.com/office/drawing/2010/main" xmlns:m="http://schemas.openxmlformats.org/officeDocument/2006/math" xmlns="" val="1"/>
+                <ma14:wrappingTextBoxFlag xmlns="" xmlns:m="http://schemas.openxmlformats.org/officeDocument/2006/math" xmlns:a14="http://schemas.microsoft.com/office/drawing/2010/main" xmlns:ma14="http://schemas.microsoft.com/office/mac/drawingml/2011/main" val="1"/>
               </a:ext>
             </a:extLst>
           </p:spPr>
@@ -21612,7 +22187,7 @@
             <a:effectLst/>
             <a:extLst>
               <a:ext uri="{C572A759-6A51-4108-AA02-DFA0A04FC94B}">
-                <ma14:wrappingTextBoxFlag xmlns:ma14="http://schemas.microsoft.com/office/mac/drawingml/2011/main" xmlns:a14="http://schemas.microsoft.com/office/drawing/2010/main" xmlns:m="http://schemas.openxmlformats.org/officeDocument/2006/math" xmlns="" val="1"/>
+                <ma14:wrappingTextBoxFlag xmlns="" xmlns:m="http://schemas.openxmlformats.org/officeDocument/2006/math" xmlns:a14="http://schemas.microsoft.com/office/drawing/2010/main" xmlns:ma14="http://schemas.microsoft.com/office/mac/drawingml/2011/main" val="1"/>
               </a:ext>
             </a:extLst>
           </p:spPr>
@@ -21894,7 +22469,7 @@
           </a:prstGeom>
           <a:extLst>
             <a:ext uri="{C572A759-6A51-4108-AA02-DFA0A04FC94B}">
-              <ma14:wrappingTextBoxFlag xmlns:ma14="http://schemas.microsoft.com/office/mac/drawingml/2011/main" xmlns:a14="http://schemas.microsoft.com/office/drawing/2010/main" xmlns:m="http://schemas.openxmlformats.org/officeDocument/2006/math" xmlns="" val="1"/>
+              <ma14:wrappingTextBoxFlag xmlns="" xmlns:m="http://schemas.openxmlformats.org/officeDocument/2006/math" xmlns:a14="http://schemas.microsoft.com/office/drawing/2010/main" xmlns:ma14="http://schemas.microsoft.com/office/mac/drawingml/2011/main" val="1"/>
             </a:ext>
           </a:extLst>
         </p:spPr>
@@ -21932,7 +22507,7 @@
           </a:ln>
           <a:extLst>
             <a:ext uri="{C572A759-6A51-4108-AA02-DFA0A04FC94B}">
-              <ma14:wrappingTextBoxFlag xmlns:ma14="http://schemas.microsoft.com/office/mac/drawingml/2011/main" xmlns:a14="http://schemas.microsoft.com/office/drawing/2010/main" xmlns:m="http://schemas.openxmlformats.org/officeDocument/2006/math" xmlns="" val="1"/>
+              <ma14:wrappingTextBoxFlag xmlns="" xmlns:m="http://schemas.openxmlformats.org/officeDocument/2006/math" xmlns:a14="http://schemas.microsoft.com/office/drawing/2010/main" xmlns:ma14="http://schemas.microsoft.com/office/mac/drawingml/2011/main" val="1"/>
             </a:ext>
           </a:extLst>
         </p:spPr>
@@ -22237,7 +22812,7 @@
           </a:ln>
           <a:extLst>
             <a:ext uri="{C572A759-6A51-4108-AA02-DFA0A04FC94B}">
-              <ma14:wrappingTextBoxFlag xmlns:ma14="http://schemas.microsoft.com/office/mac/drawingml/2011/main" xmlns:a14="http://schemas.microsoft.com/office/drawing/2010/main" xmlns:m="http://schemas.openxmlformats.org/officeDocument/2006/math" xmlns="" val="1"/>
+              <ma14:wrappingTextBoxFlag xmlns="" xmlns:m="http://schemas.openxmlformats.org/officeDocument/2006/math" xmlns:a14="http://schemas.microsoft.com/office/drawing/2010/main" xmlns:ma14="http://schemas.microsoft.com/office/mac/drawingml/2011/main" val="1"/>
             </a:ext>
           </a:extLst>
         </p:spPr>
@@ -22395,7 +22970,7 @@
           </a:prstGeom>
           <a:extLst>
             <a:ext uri="{C572A759-6A51-4108-AA02-DFA0A04FC94B}">
-              <ma14:wrappingTextBoxFlag xmlns:ma14="http://schemas.microsoft.com/office/mac/drawingml/2011/main" xmlns:a14="http://schemas.microsoft.com/office/drawing/2010/main" xmlns:m="http://schemas.openxmlformats.org/officeDocument/2006/math" xmlns="" val="1"/>
+              <ma14:wrappingTextBoxFlag xmlns="" xmlns:m="http://schemas.openxmlformats.org/officeDocument/2006/math" xmlns:a14="http://schemas.microsoft.com/office/drawing/2010/main" xmlns:ma14="http://schemas.microsoft.com/office/mac/drawingml/2011/main" val="1"/>
             </a:ext>
           </a:extLst>
         </p:spPr>
@@ -22419,21 +22994,19 @@
         </p:nvSpPr>
         <p:spPr>
           <a:xfrm>
-            <a:off x="947530" y="3970627"/>
-            <a:ext cx="10296940" cy="1221741"/>
+            <a:off x="947529" y="2129309"/>
+            <a:ext cx="10296940" cy="1569660"/>
           </a:xfrm>
           <a:prstGeom prst="rect">
             <a:avLst/>
           </a:prstGeom>
           <a:ln w="12700">
-            <a:solidFill>
-              <a:srgbClr val="0070C0"/>
-            </a:solidFill>
+            <a:noFill/>
             <a:miter/>
           </a:ln>
           <a:extLst>
             <a:ext uri="{C572A759-6A51-4108-AA02-DFA0A04FC94B}">
-              <ma14:wrappingTextBoxFlag xmlns:ma14="http://schemas.microsoft.com/office/mac/drawingml/2011/main" xmlns:a14="http://schemas.microsoft.com/office/drawing/2010/main" xmlns:m="http://schemas.openxmlformats.org/officeDocument/2006/math" xmlns="" val="1"/>
+              <ma14:wrappingTextBoxFlag xmlns="" xmlns:m="http://schemas.openxmlformats.org/officeDocument/2006/math" xmlns:a14="http://schemas.microsoft.com/office/drawing/2010/main" xmlns:ma14="http://schemas.microsoft.com/office/mac/drawingml/2011/main" val="1"/>
             </a:ext>
           </a:extLst>
         </p:spPr>
@@ -22455,7 +23028,7 @@
               </a:defRPr>
             </a:pPr>
             <a:r>
-              <a:rPr i="1" dirty="0">
+              <a:rPr lang="en-US" sz="2400" i="1" dirty="0">
                 <a:solidFill>
                   <a:srgbClr val="272727"/>
                 </a:solidFill>
@@ -22463,7 +23036,7 @@
               <a:t>test</a:t>
             </a:r>
             <a:r>
-              <a:rPr dirty="0">
+              <a:rPr sz="2400" dirty="0">
                 <a:solidFill>
                   <a:srgbClr val="272727"/>
                 </a:solidFill>
@@ -22471,11 +23044,11 @@
               <a:t>(</a:t>
             </a:r>
             <a:r>
-              <a:rPr dirty="0"/>
+              <a:rPr sz="2400" dirty="0"/>
               <a:t>"It renders the greeting"</a:t>
             </a:r>
             <a:r>
-              <a:rPr dirty="0">
+              <a:rPr sz="2400" dirty="0">
                 <a:solidFill>
                   <a:srgbClr val="272727"/>
                 </a:solidFill>
@@ -22496,7 +23069,7 @@
               </a:defRPr>
             </a:pPr>
             <a:r>
-              <a:rPr dirty="0">
+              <a:rPr sz="2400" dirty="0">
                 <a:solidFill>
                   <a:srgbClr val="272727"/>
                 </a:solidFill>
@@ -22504,7 +23077,7 @@
               <a:t>  </a:t>
             </a:r>
             <a:r>
-              <a:rPr dirty="0">
+              <a:rPr sz="2400" dirty="0">
                 <a:solidFill>
                   <a:srgbClr val="011480"/>
                 </a:solidFill>
@@ -22512,7 +23085,7 @@
               <a:t>const </a:t>
             </a:r>
             <a:r>
-              <a:rPr dirty="0">
+              <a:rPr sz="2400" dirty="0">
                 <a:solidFill>
                   <a:srgbClr val="458383"/>
                 </a:solidFill>
@@ -22520,7 +23093,7 @@
               <a:t>greeting </a:t>
             </a:r>
             <a:r>
-              <a:rPr dirty="0">
+              <a:rPr sz="2400" dirty="0">
                 <a:solidFill>
                   <a:srgbClr val="272727"/>
                 </a:solidFill>
@@ -22528,7 +23101,7 @@
               <a:t>= </a:t>
             </a:r>
             <a:r>
-              <a:rPr i="1" dirty="0" err="1">
+              <a:rPr sz="2400" i="1" dirty="0" err="1">
                 <a:solidFill>
                   <a:srgbClr val="66187A"/>
                 </a:solidFill>
@@ -22539,7 +23112,7 @@
               <a:t>screen</a:t>
             </a:r>
             <a:r>
-              <a:rPr dirty="0" err="1">
+              <a:rPr sz="2400" dirty="0" err="1">
                 <a:solidFill>
                   <a:srgbClr val="272727"/>
                 </a:solidFill>
@@ -22550,7 +23123,7 @@
               <a:t>.</a:t>
             </a:r>
             <a:r>
-              <a:rPr i="1" dirty="0" err="1">
+              <a:rPr sz="2400" i="1" dirty="0" err="1">
                 <a:solidFill>
                   <a:srgbClr val="272727"/>
                 </a:solidFill>
@@ -22561,7 +23134,7 @@
               <a:t>getByText</a:t>
             </a:r>
             <a:r>
-              <a:rPr dirty="0">
+              <a:rPr sz="2400" dirty="0">
                 <a:solidFill>
                   <a:srgbClr val="272727"/>
                 </a:solidFill>
@@ -22569,11 +23142,11 @@
               <a:t>(</a:t>
             </a:r>
             <a:r>
-              <a:rPr dirty="0"/>
+              <a:rPr sz="2400" dirty="0"/>
               <a:t>/Hello, Ripley!/</a:t>
             </a:r>
             <a:r>
-              <a:rPr dirty="0">
+              <a:rPr sz="2400" dirty="0">
                 <a:solidFill>
                   <a:srgbClr val="272727"/>
                 </a:solidFill>
@@ -22594,7 +23167,7 @@
               </a:defRPr>
             </a:pPr>
             <a:r>
-              <a:rPr dirty="0">
+              <a:rPr sz="2400" dirty="0">
                 <a:solidFill>
                   <a:srgbClr val="272727"/>
                 </a:solidFill>
@@ -22602,7 +23175,7 @@
               <a:t>  </a:t>
             </a:r>
             <a:r>
-              <a:rPr i="1" dirty="0">
+              <a:rPr sz="2400" i="1" dirty="0">
                 <a:solidFill>
                   <a:srgbClr val="272727"/>
                 </a:solidFill>
@@ -22610,7 +23183,7 @@
               <a:t>expect</a:t>
             </a:r>
             <a:r>
-              <a:rPr dirty="0">
+              <a:rPr sz="2400" dirty="0">
                 <a:solidFill>
                   <a:srgbClr val="272727"/>
                 </a:solidFill>
@@ -22618,7 +23191,7 @@
               <a:t>(</a:t>
             </a:r>
             <a:r>
-              <a:rPr dirty="0">
+              <a:rPr sz="2400" dirty="0">
                 <a:solidFill>
                   <a:srgbClr val="458383"/>
                 </a:solidFill>
@@ -22626,7 +23199,7 @@
               <a:t>greeting</a:t>
             </a:r>
             <a:r>
-              <a:rPr dirty="0">
+              <a:rPr sz="2400" dirty="0">
                 <a:solidFill>
                   <a:srgbClr val="272727"/>
                 </a:solidFill>
@@ -22634,11 +23207,11 @@
               <a:t>).</a:t>
             </a:r>
             <a:r>
-              <a:rPr dirty="0" err="1"/>
+              <a:rPr sz="2400" dirty="0" err="1"/>
               <a:t>toBeInTheDocument</a:t>
             </a:r>
             <a:r>
-              <a:rPr dirty="0">
+              <a:rPr sz="2400" dirty="0">
                 <a:solidFill>
                   <a:srgbClr val="272727"/>
                 </a:solidFill>
@@ -22659,409 +23232,8 @@
               </a:defRPr>
             </a:pPr>
             <a:r>
-              <a:rPr dirty="0"/>
+              <a:rPr sz="2400" dirty="0"/>
               <a:t>})</a:t>
-            </a:r>
-          </a:p>
-        </p:txBody>
-      </p:sp>
-      <p:sp>
-        <p:nvSpPr>
-          <p:cNvPr id="388" name="TextBox 4"/>
-          <p:cNvSpPr txBox="1"/>
-          <p:nvPr/>
-        </p:nvSpPr>
-        <p:spPr>
-          <a:xfrm>
-            <a:off x="954127" y="1624077"/>
-            <a:ext cx="8915259" cy="2031325"/>
-          </a:xfrm>
-          <a:prstGeom prst="rect">
-            <a:avLst/>
-          </a:prstGeom>
-          <a:ln w="12700">
-            <a:solidFill>
-              <a:srgbClr val="0070C0"/>
-            </a:solidFill>
-            <a:miter/>
-          </a:ln>
-          <a:extLst>
-            <a:ext uri="{C572A759-6A51-4108-AA02-DFA0A04FC94B}">
-              <ma14:wrappingTextBoxFlag xmlns:ma14="http://schemas.microsoft.com/office/mac/drawingml/2011/main" xmlns:a14="http://schemas.microsoft.com/office/drawing/2010/main" xmlns:m="http://schemas.openxmlformats.org/officeDocument/2006/math" xmlns="" val="1"/>
-            </a:ext>
-          </a:extLst>
-        </p:spPr>
-        <p:txBody>
-          <a:bodyPr wrap="none" lIns="45719" rIns="45719">
-            <a:spAutoFit/>
-          </a:bodyPr>
-          <a:lstStyle/>
-          <a:p>
-            <a:pPr defTabSz="457200">
-              <a:defRPr>
-                <a:solidFill>
-                  <a:srgbClr val="011480"/>
-                </a:solidFill>
-                <a:latin typeface="Courier"/>
-                <a:ea typeface="Courier"/>
-                <a:cs typeface="Courier"/>
-                <a:sym typeface="Courier"/>
-              </a:defRPr>
-            </a:pPr>
-            <a:r>
-              <a:rPr dirty="0"/>
-              <a:t>return </a:t>
-            </a:r>
-            <a:r>
-              <a:rPr dirty="0">
-                <a:solidFill>
-                  <a:srgbClr val="272727"/>
-                </a:solidFill>
-              </a:rPr>
-              <a:t>(</a:t>
-            </a:r>
-          </a:p>
-          <a:p>
-            <a:pPr defTabSz="457200">
-              <a:defRPr>
-                <a:solidFill>
-                  <a:srgbClr val="272727"/>
-                </a:solidFill>
-                <a:latin typeface="Courier"/>
-                <a:ea typeface="Courier"/>
-                <a:cs typeface="Courier"/>
-                <a:sym typeface="Courier"/>
-              </a:defRPr>
-            </a:pPr>
-            <a:r>
-              <a:rPr dirty="0"/>
-              <a:t>    &lt;</a:t>
-            </a:r>
-            <a:r>
-              <a:rPr dirty="0">
-                <a:solidFill>
-                  <a:srgbClr val="011480"/>
-                </a:solidFill>
-              </a:rPr>
-              <a:t>div</a:t>
-            </a:r>
-            <a:r>
-              <a:rPr dirty="0"/>
-              <a:t>&gt;</a:t>
-            </a:r>
-          </a:p>
-          <a:p>
-            <a:pPr defTabSz="457200">
-              <a:defRPr>
-                <a:solidFill>
-                  <a:srgbClr val="272727"/>
-                </a:solidFill>
-                <a:latin typeface="Courier"/>
-                <a:ea typeface="Courier"/>
-                <a:cs typeface="Courier"/>
-                <a:sym typeface="Courier"/>
-              </a:defRPr>
-            </a:pPr>
-            <a:r>
-              <a:rPr dirty="0"/>
-              <a:t>      Hello, {</a:t>
-            </a:r>
-            <a:r>
-              <a:rPr dirty="0" err="1"/>
-              <a:t>props.</a:t>
-            </a:r>
-            <a:r>
-              <a:rPr dirty="0" err="1">
-                <a:solidFill>
-                  <a:srgbClr val="66187A"/>
-                </a:solidFill>
-              </a:rPr>
-              <a:t>name</a:t>
-            </a:r>
-            <a:r>
-              <a:rPr dirty="0"/>
-              <a:t>}! This is React! {</a:t>
-            </a:r>
-            <a:r>
-              <a:rPr dirty="0" err="1"/>
-              <a:t>likeButton</a:t>
-            </a:r>
-            <a:r>
-              <a:rPr dirty="0"/>
-              <a:t>}</a:t>
-            </a:r>
-          </a:p>
-          <a:p>
-            <a:pPr defTabSz="457200">
-              <a:defRPr>
-                <a:solidFill>
-                  <a:srgbClr val="011480"/>
-                </a:solidFill>
-                <a:latin typeface="Courier"/>
-                <a:ea typeface="Courier"/>
-                <a:cs typeface="Courier"/>
-                <a:sym typeface="Courier"/>
-              </a:defRPr>
-            </a:pPr>
-            <a:r>
-              <a:rPr dirty="0">
-                <a:solidFill>
-                  <a:srgbClr val="272727"/>
-                </a:solidFill>
-              </a:rPr>
-              <a:t>      &lt;</a:t>
-            </a:r>
-            <a:r>
-              <a:rPr dirty="0" err="1"/>
-              <a:t>IconButton</a:t>
-            </a:r>
-            <a:r>
-              <a:rPr dirty="0"/>
-              <a:t> </a:t>
-            </a:r>
-            <a:r>
-              <a:rPr dirty="0">
-                <a:solidFill>
-                  <a:srgbClr val="0073E6"/>
-                </a:solidFill>
-              </a:rPr>
-              <a:t>aria-label</a:t>
-            </a:r>
-            <a:r>
-              <a:rPr dirty="0">
-                <a:solidFill>
-                  <a:srgbClr val="00733B"/>
-                </a:solidFill>
-              </a:rPr>
-              <a:t>='delete' </a:t>
-            </a:r>
-            <a:r>
-              <a:rPr dirty="0">
-                <a:solidFill>
-                  <a:srgbClr val="0073E6"/>
-                </a:solidFill>
-              </a:rPr>
-              <a:t>icon</a:t>
-            </a:r>
-            <a:r>
-              <a:rPr dirty="0">
-                <a:solidFill>
-                  <a:srgbClr val="00733B"/>
-                </a:solidFill>
-              </a:rPr>
-              <a:t>=</a:t>
-            </a:r>
-            <a:r>
-              <a:rPr dirty="0">
-                <a:solidFill>
-                  <a:srgbClr val="272727"/>
-                </a:solidFill>
-              </a:rPr>
-              <a:t>{&lt;</a:t>
-            </a:r>
-            <a:r>
-              <a:rPr dirty="0" err="1"/>
-              <a:t>AiTwotoneDelete</a:t>
-            </a:r>
-            <a:r>
-              <a:rPr dirty="0"/>
-              <a:t> </a:t>
-            </a:r>
-            <a:r>
-              <a:rPr dirty="0">
-                <a:solidFill>
-                  <a:srgbClr val="272727"/>
-                </a:solidFill>
-              </a:rPr>
-              <a:t>/&gt;}</a:t>
-            </a:r>
-            <a:br>
-              <a:rPr lang="en-US" dirty="0">
-                <a:solidFill>
-                  <a:srgbClr val="272727"/>
-                </a:solidFill>
-              </a:rPr>
-            </a:br>
-            <a:r>
-              <a:rPr lang="en-US" dirty="0">
-                <a:solidFill>
-                  <a:srgbClr val="272727"/>
-                </a:solidFill>
-              </a:rPr>
-              <a:t>           </a:t>
-            </a:r>
-            <a:r>
-              <a:rPr dirty="0" err="1">
-                <a:solidFill>
-                  <a:srgbClr val="0073E6"/>
-                </a:solidFill>
-              </a:rPr>
-              <a:t>onClick</a:t>
-            </a:r>
-            <a:r>
-              <a:rPr dirty="0">
-                <a:solidFill>
-                  <a:srgbClr val="00733B"/>
-                </a:solidFill>
-              </a:rPr>
-              <a:t>=</a:t>
-            </a:r>
-            <a:r>
-              <a:rPr dirty="0">
-                <a:solidFill>
-                  <a:srgbClr val="272727"/>
-                </a:solidFill>
-              </a:rPr>
-              <a:t>{</a:t>
-            </a:r>
-            <a:r>
-              <a:rPr dirty="0" err="1">
-                <a:solidFill>
-                  <a:srgbClr val="272727"/>
-                </a:solidFill>
-              </a:rPr>
-              <a:t>props.</a:t>
-            </a:r>
-            <a:r>
-              <a:rPr dirty="0" err="1">
-                <a:solidFill>
-                  <a:srgbClr val="66187A"/>
-                </a:solidFill>
-              </a:rPr>
-              <a:t>onDelete</a:t>
-            </a:r>
-            <a:r>
-              <a:rPr dirty="0">
-                <a:solidFill>
-                  <a:srgbClr val="272727"/>
-                </a:solidFill>
-              </a:rPr>
-              <a:t>} /&gt;</a:t>
-            </a:r>
-          </a:p>
-          <a:p>
-            <a:pPr defTabSz="457200">
-              <a:defRPr>
-                <a:solidFill>
-                  <a:srgbClr val="272727"/>
-                </a:solidFill>
-                <a:latin typeface="Courier"/>
-                <a:ea typeface="Courier"/>
-                <a:cs typeface="Courier"/>
-                <a:sym typeface="Courier"/>
-              </a:defRPr>
-            </a:pPr>
-            <a:r>
-              <a:rPr dirty="0"/>
-              <a:t>    &lt;/</a:t>
-            </a:r>
-            <a:r>
-              <a:rPr dirty="0">
-                <a:solidFill>
-                  <a:srgbClr val="011480"/>
-                </a:solidFill>
-              </a:rPr>
-              <a:t>div</a:t>
-            </a:r>
-            <a:r>
-              <a:rPr dirty="0"/>
-              <a:t>&gt;</a:t>
-            </a:r>
-          </a:p>
-          <a:p>
-            <a:pPr defTabSz="457200">
-              <a:defRPr>
-                <a:solidFill>
-                  <a:srgbClr val="272727"/>
-                </a:solidFill>
-                <a:latin typeface="Courier"/>
-                <a:ea typeface="Courier"/>
-                <a:cs typeface="Courier"/>
-                <a:sym typeface="Courier"/>
-              </a:defRPr>
-            </a:pPr>
-            <a:r>
-              <a:rPr dirty="0"/>
-              <a:t>);</a:t>
-            </a:r>
-          </a:p>
-        </p:txBody>
-      </p:sp>
-      <p:sp>
-        <p:nvSpPr>
-          <p:cNvPr id="389" name="TextBox 5"/>
-          <p:cNvSpPr txBox="1"/>
-          <p:nvPr/>
-        </p:nvSpPr>
-        <p:spPr>
-          <a:xfrm>
-            <a:off x="45720" y="1617727"/>
-            <a:ext cx="981987" cy="549336"/>
-          </a:xfrm>
-          <a:prstGeom prst="rect">
-            <a:avLst/>
-          </a:prstGeom>
-          <a:ln w="12700">
-            <a:miter lim="400000"/>
-          </a:ln>
-          <a:extLst>
-            <a:ext uri="{C572A759-6A51-4108-AA02-DFA0A04FC94B}">
-              <ma14:wrappingTextBoxFlag xmlns:ma14="http://schemas.microsoft.com/office/mac/drawingml/2011/main" xmlns:a14="http://schemas.microsoft.com/office/drawing/2010/main" xmlns:m="http://schemas.openxmlformats.org/officeDocument/2006/math" xmlns="" val="1"/>
-            </a:ext>
-          </a:extLst>
-        </p:spPr>
-        <p:txBody>
-          <a:bodyPr lIns="45719" rIns="45719">
-            <a:spAutoFit/>
-          </a:bodyPr>
-          <a:lstStyle>
-            <a:lvl1pPr>
-              <a:defRPr sz="3600" b="1"/>
-            </a:lvl1pPr>
-          </a:lstStyle>
-          <a:p>
-            <a:r>
-              <a:rPr dirty="0"/>
-              <a:t>SUT</a:t>
-            </a:r>
-          </a:p>
-        </p:txBody>
-      </p:sp>
-      <p:sp>
-        <p:nvSpPr>
-          <p:cNvPr id="390" name="TextBox 10"/>
-          <p:cNvSpPr txBox="1"/>
-          <p:nvPr/>
-        </p:nvSpPr>
-        <p:spPr>
-          <a:xfrm>
-            <a:off x="45720" y="4157737"/>
-            <a:ext cx="981987" cy="549336"/>
-          </a:xfrm>
-          <a:prstGeom prst="rect">
-            <a:avLst/>
-          </a:prstGeom>
-          <a:ln w="12700">
-            <a:miter lim="400000"/>
-          </a:ln>
-          <a:extLst>
-            <a:ext uri="{C572A759-6A51-4108-AA02-DFA0A04FC94B}">
-              <ma14:wrappingTextBoxFlag xmlns:ma14="http://schemas.microsoft.com/office/mac/drawingml/2011/main" xmlns:a14="http://schemas.microsoft.com/office/drawing/2010/main" xmlns:m="http://schemas.openxmlformats.org/officeDocument/2006/math" xmlns="" val="1"/>
-            </a:ext>
-          </a:extLst>
-        </p:spPr>
-        <p:txBody>
-          <a:bodyPr lIns="45719" rIns="45719">
-            <a:spAutoFit/>
-          </a:bodyPr>
-          <a:lstStyle>
-            <a:lvl1pPr>
-              <a:defRPr sz="3600" b="1"/>
-            </a:lvl1pPr>
-          </a:lstStyle>
-          <a:p>
-            <a:r>
-              <a:t>Test</a:t>
             </a:r>
           </a:p>
         </p:txBody>
@@ -23609,7 +23781,7 @@
           </a:prstGeom>
           <a:extLst>
             <a:ext uri="{C572A759-6A51-4108-AA02-DFA0A04FC94B}">
-              <ma14:wrappingTextBoxFlag xmlns:ma14="http://schemas.microsoft.com/office/mac/drawingml/2011/main" xmlns:a14="http://schemas.microsoft.com/office/drawing/2010/main" xmlns:m="http://schemas.openxmlformats.org/officeDocument/2006/math" xmlns="" val="1"/>
+              <ma14:wrappingTextBoxFlag xmlns="" xmlns:m="http://schemas.openxmlformats.org/officeDocument/2006/math" xmlns:a14="http://schemas.microsoft.com/office/drawing/2010/main" xmlns:ma14="http://schemas.microsoft.com/office/mac/drawingml/2011/main" val="1"/>
             </a:ext>
           </a:extLst>
         </p:spPr>
@@ -23647,7 +23819,7 @@
           </a:ln>
           <a:extLst>
             <a:ext uri="{C572A759-6A51-4108-AA02-DFA0A04FC94B}">
-              <ma14:wrappingTextBoxFlag xmlns:ma14="http://schemas.microsoft.com/office/mac/drawingml/2011/main" xmlns:a14="http://schemas.microsoft.com/office/drawing/2010/main" xmlns:m="http://schemas.openxmlformats.org/officeDocument/2006/math" xmlns="" val="1"/>
+              <ma14:wrappingTextBoxFlag xmlns="" xmlns:m="http://schemas.openxmlformats.org/officeDocument/2006/math" xmlns:a14="http://schemas.microsoft.com/office/drawing/2010/main" xmlns:ma14="http://schemas.microsoft.com/office/mac/drawingml/2011/main" val="1"/>
             </a:ext>
           </a:extLst>
         </p:spPr>
@@ -24153,7 +24325,7 @@
           </a:ln>
           <a:extLst>
             <a:ext uri="{C572A759-6A51-4108-AA02-DFA0A04FC94B}">
-              <ma14:wrappingTextBoxFlag xmlns:ma14="http://schemas.microsoft.com/office/mac/drawingml/2011/main" xmlns:a14="http://schemas.microsoft.com/office/drawing/2010/main" xmlns:m="http://schemas.openxmlformats.org/officeDocument/2006/math" xmlns="" val="1"/>
+              <ma14:wrappingTextBoxFlag xmlns="" xmlns:m="http://schemas.openxmlformats.org/officeDocument/2006/math" xmlns:a14="http://schemas.microsoft.com/office/drawing/2010/main" xmlns:ma14="http://schemas.microsoft.com/office/mac/drawingml/2011/main" val="1"/>
             </a:ext>
           </a:extLst>
         </p:spPr>
@@ -24587,7 +24759,7 @@
         <p:spPr>
           <a:xfrm>
             <a:off x="45720" y="1792798"/>
-            <a:ext cx="981987" cy="549335"/>
+            <a:ext cx="981987" cy="646331"/>
           </a:xfrm>
           <a:prstGeom prst="rect">
             <a:avLst/>
@@ -24597,7 +24769,7 @@
           </a:ln>
           <a:extLst>
             <a:ext uri="{C572A759-6A51-4108-AA02-DFA0A04FC94B}">
-              <ma14:wrappingTextBoxFlag xmlns:ma14="http://schemas.microsoft.com/office/mac/drawingml/2011/main" xmlns:a14="http://schemas.microsoft.com/office/drawing/2010/main" xmlns:m="http://schemas.openxmlformats.org/officeDocument/2006/math" xmlns="" val="1"/>
+              <ma14:wrappingTextBoxFlag xmlns="" xmlns:m="http://schemas.openxmlformats.org/officeDocument/2006/math" xmlns:a14="http://schemas.microsoft.com/office/drawing/2010/main" xmlns:ma14="http://schemas.microsoft.com/office/mac/drawingml/2011/main" val="1"/>
             </a:ext>
           </a:extLst>
         </p:spPr>
@@ -24611,9 +24783,7 @@
             </a:lvl1pPr>
           </a:lstStyle>
           <a:p>
-            <a:r>
-              <a:t>SUT</a:t>
-            </a:r>
+            <a:endParaRPr dirty="0"/>
           </a:p>
         </p:txBody>
       </p:sp>
@@ -24636,7 +24806,7 @@
           </a:ln>
           <a:extLst>
             <a:ext uri="{C572A759-6A51-4108-AA02-DFA0A04FC94B}">
-              <ma14:wrappingTextBoxFlag xmlns:ma14="http://schemas.microsoft.com/office/mac/drawingml/2011/main" xmlns:a14="http://schemas.microsoft.com/office/drawing/2010/main" xmlns:m="http://schemas.openxmlformats.org/officeDocument/2006/math" xmlns="" val="1"/>
+              <ma14:wrappingTextBoxFlag xmlns="" xmlns:m="http://schemas.openxmlformats.org/officeDocument/2006/math" xmlns:a14="http://schemas.microsoft.com/office/drawing/2010/main" xmlns:ma14="http://schemas.microsoft.com/office/mac/drawingml/2011/main" val="1"/>
             </a:ext>
           </a:extLst>
         </p:spPr>
@@ -24651,6 +24821,7 @@
           </a:lstStyle>
           <a:p>
             <a:r>
+              <a:rPr dirty="0"/>
               <a:t>Test</a:t>
             </a:r>
           </a:p>
@@ -24731,7 +24902,7 @@
           </a:prstGeom>
           <a:extLst>
             <a:ext uri="{C572A759-6A51-4108-AA02-DFA0A04FC94B}">
-              <ma14:wrappingTextBoxFlag xmlns:ma14="http://schemas.microsoft.com/office/mac/drawingml/2011/main" xmlns:a14="http://schemas.microsoft.com/office/drawing/2010/main" xmlns:m="http://schemas.openxmlformats.org/officeDocument/2006/math" xmlns="" val="1"/>
+              <ma14:wrappingTextBoxFlag xmlns="" xmlns:m="http://schemas.openxmlformats.org/officeDocument/2006/math" xmlns:a14="http://schemas.microsoft.com/office/drawing/2010/main" xmlns:ma14="http://schemas.microsoft.com/office/mac/drawingml/2011/main" val="1"/>
             </a:ext>
           </a:extLst>
         </p:spPr>
@@ -24962,7 +25133,7 @@
           </a:ln>
           <a:extLst>
             <a:ext uri="{C572A759-6A51-4108-AA02-DFA0A04FC94B}">
-              <ma14:wrappingTextBoxFlag xmlns:ma14="http://schemas.microsoft.com/office/mac/drawingml/2011/main" xmlns:a14="http://schemas.microsoft.com/office/drawing/2010/main" xmlns:m="http://schemas.openxmlformats.org/officeDocument/2006/math" xmlns="" val="1"/>
+              <ma14:wrappingTextBoxFlag xmlns="" xmlns:m="http://schemas.openxmlformats.org/officeDocument/2006/math" xmlns:a14="http://schemas.microsoft.com/office/drawing/2010/main" xmlns:ma14="http://schemas.microsoft.com/office/mac/drawingml/2011/main" val="1"/>
             </a:ext>
           </a:extLst>
         </p:spPr>
@@ -25712,83 +25883,6 @@
               <a:ea typeface="+mn-ea"/>
               <a:cs typeface="+mn-cs"/>
               <a:sym typeface="Calibri"/>
-            </a:endParaRPr>
-          </a:p>
-        </p:txBody>
-      </p:sp>
-      <p:sp>
-        <p:nvSpPr>
-          <p:cNvPr id="3" name="Rectangle: Rounded Corners 2">
-            <a:extLst>
-              <a:ext uri="{FF2B5EF4-FFF2-40B4-BE49-F238E27FC236}">
-                <a16:creationId xmlns:a16="http://schemas.microsoft.com/office/drawing/2014/main" id="{2DDB6885-DAB4-D298-0AF0-0C1AEC48EB9E}"/>
-              </a:ext>
-            </a:extLst>
-          </p:cNvPr>
-          <p:cNvSpPr/>
-          <p:nvPr/>
-        </p:nvSpPr>
-        <p:spPr>
-          <a:xfrm>
-            <a:off x="7402286" y="1670923"/>
-            <a:ext cx="4557701" cy="601981"/>
-          </a:xfrm>
-          <a:prstGeom prst="roundRect">
-            <a:avLst/>
-          </a:prstGeom>
-          <a:solidFill>
-            <a:schemeClr val="accent6">
-              <a:lumMod val="20000"/>
-              <a:lumOff val="80000"/>
-            </a:schemeClr>
-          </a:solidFill>
-          <a:ln>
-            <a:solidFill>
-              <a:srgbClr val="0070C0"/>
-            </a:solidFill>
-          </a:ln>
-        </p:spPr>
-        <p:style>
-          <a:lnRef idx="2">
-            <a:schemeClr val="accent1">
-              <a:shade val="50000"/>
-            </a:schemeClr>
-          </a:lnRef>
-          <a:fillRef idx="1">
-            <a:schemeClr val="accent1"/>
-          </a:fillRef>
-          <a:effectRef idx="0">
-            <a:schemeClr val="accent1"/>
-          </a:effectRef>
-          <a:fontRef idx="minor">
-            <a:schemeClr val="lt1"/>
-          </a:fontRef>
-        </p:style>
-        <p:txBody>
-          <a:bodyPr rtlCol="0" anchor="ctr"/>
-          <a:lstStyle/>
-          <a:p>
-            <a:pPr algn="ctr"/>
-            <a:r>
-              <a:rPr lang="en-US" sz="2400" dirty="0">
-                <a:solidFill>
-                  <a:schemeClr val="tx1"/>
-                </a:solidFill>
-              </a:rPr>
-              <a:t>app/Apps/</a:t>
-            </a:r>
-            <a:r>
-              <a:rPr lang="en-US" sz="2400" dirty="0" err="1">
-                <a:solidFill>
-                  <a:schemeClr val="tx1"/>
-                </a:solidFill>
-              </a:rPr>
-              <a:t>ClockClient.tsx</a:t>
-            </a:r>
-            <a:endParaRPr lang="en-US" sz="2400" dirty="0">
-              <a:solidFill>
-                <a:schemeClr val="tx1"/>
-              </a:solidFill>
             </a:endParaRPr>
           </a:p>
         </p:txBody>
@@ -26355,1923 +26449,13 @@
           <a:lstStyle/>
           <a:p>
             <a:r>
-              <a:t>Testing Library Cheat Sheet</a:t>
-            </a:r>
+              <a:rPr lang="en-US" dirty="0"/>
+              <a:t>But wait, there's more…</a:t>
+            </a:r>
+            <a:endParaRPr dirty="0"/>
           </a:p>
         </p:txBody>
       </p:sp>
-      <p:graphicFrame>
-        <p:nvGraphicFramePr>
-          <p:cNvPr id="411" name="Content Placeholder 4"/>
-          <p:cNvGraphicFramePr/>
-          <p:nvPr/>
-        </p:nvGraphicFramePr>
-        <p:xfrm>
-          <a:off x="838200" y="2003371"/>
-          <a:ext cx="5181596" cy="3267686"/>
-        </p:xfrm>
-        <a:graphic>
-          <a:graphicData uri="http://schemas.openxmlformats.org/drawingml/2006/table">
-            <a:tbl>
-              <a:tblPr>
-                <a:tableStyleId>{4C3C2611-4C71-4FC5-86AE-919BDF0F9419}</a:tableStyleId>
-              </a:tblPr>
-              <a:tblGrid>
-                <a:gridCol w="1230086">
-                  <a:extLst>
-                    <a:ext uri="{9D8B030D-6E8A-4147-A177-3AD203B41FA5}">
-                      <a16:colId xmlns:a16="http://schemas.microsoft.com/office/drawing/2014/main" val="20000"/>
-                    </a:ext>
-                  </a:extLst>
-                </a:gridCol>
-                <a:gridCol w="1088571">
-                  <a:extLst>
-                    <a:ext uri="{9D8B030D-6E8A-4147-A177-3AD203B41FA5}">
-                      <a16:colId xmlns:a16="http://schemas.microsoft.com/office/drawing/2014/main" val="20001"/>
-                    </a:ext>
-                  </a:extLst>
-                </a:gridCol>
-                <a:gridCol w="947055">
-                  <a:extLst>
-                    <a:ext uri="{9D8B030D-6E8A-4147-A177-3AD203B41FA5}">
-                      <a16:colId xmlns:a16="http://schemas.microsoft.com/office/drawing/2014/main" val="20002"/>
-                    </a:ext>
-                  </a:extLst>
-                </a:gridCol>
-                <a:gridCol w="1055914">
-                  <a:extLst>
-                    <a:ext uri="{9D8B030D-6E8A-4147-A177-3AD203B41FA5}">
-                      <a16:colId xmlns:a16="http://schemas.microsoft.com/office/drawing/2014/main" val="20003"/>
-                    </a:ext>
-                  </a:extLst>
-                </a:gridCol>
-                <a:gridCol w="859970">
-                  <a:extLst>
-                    <a:ext uri="{9D8B030D-6E8A-4147-A177-3AD203B41FA5}">
-                      <a16:colId xmlns:a16="http://schemas.microsoft.com/office/drawing/2014/main" val="20004"/>
-                    </a:ext>
-                  </a:extLst>
-                </a:gridCol>
-              </a:tblGrid>
-              <a:tr h="383276">
-                <a:tc>
-                  <a:txBody>
-                    <a:bodyPr/>
-                    <a:lstStyle/>
-                    <a:p>
-                      <a:pPr algn="l">
-                        <a:defRPr sz="1800"/>
-                      </a:pPr>
-                      <a:endParaRPr sz="1500" b="1" dirty="0">
-                        <a:solidFill>
-                          <a:srgbClr val="151719"/>
-                        </a:solidFill>
-                        <a:latin typeface="+mj-lt"/>
-                        <a:ea typeface="+mj-ea"/>
-                        <a:cs typeface="+mj-cs"/>
-                        <a:sym typeface="Helvetica"/>
-                      </a:endParaRPr>
-                    </a:p>
-                  </a:txBody>
-                  <a:tcPr marL="96269" marR="96269" marT="96269" marB="96269" anchor="ctr" horzOverflow="overflow">
-                    <a:lnL>
-                      <a:solidFill>
-                        <a:srgbClr val="000000"/>
-                      </a:solidFill>
-                    </a:lnL>
-                    <a:lnR w="9525" cap="flat" cmpd="sng" algn="ctr">
-                      <a:solidFill>
-                        <a:srgbClr val="000000"/>
-                      </a:solidFill>
-                      <a:prstDash val="solid"/>
-                      <a:round/>
-                      <a:headEnd type="none" w="med" len="med"/>
-                      <a:tailEnd type="none" w="med" len="med"/>
-                    </a:lnR>
-                    <a:lnT w="9525" cap="flat" cmpd="sng" algn="ctr">
-                      <a:solidFill>
-                        <a:srgbClr val="000000"/>
-                      </a:solidFill>
-                      <a:prstDash val="solid"/>
-                      <a:round/>
-                      <a:headEnd type="none" w="med" len="med"/>
-                      <a:tailEnd type="none" w="med" len="med"/>
-                    </a:lnT>
-                    <a:lnB w="9525" cap="flat" cmpd="sng" algn="ctr">
-                      <a:solidFill>
-                        <a:srgbClr val="000000"/>
-                      </a:solidFill>
-                      <a:prstDash val="solid"/>
-                      <a:round/>
-                      <a:headEnd type="none" w="med" len="med"/>
-                      <a:tailEnd type="none" w="med" len="med"/>
-                    </a:lnB>
-                    <a:noFill/>
-                  </a:tcPr>
-                </a:tc>
-                <a:tc>
-                  <a:txBody>
-                    <a:bodyPr/>
-                    <a:lstStyle/>
-                    <a:p>
-                      <a:pPr algn="l">
-                        <a:defRPr sz="1800"/>
-                      </a:pPr>
-                      <a:r>
-                        <a:rPr lang="en-US" sz="1500" b="1" dirty="0">
-                          <a:solidFill>
-                            <a:srgbClr val="151719"/>
-                          </a:solidFill>
-                          <a:latin typeface="+mj-lt"/>
-                          <a:ea typeface="+mj-ea"/>
-                          <a:cs typeface="+mj-cs"/>
-                          <a:sym typeface="Helvetica"/>
-                        </a:rPr>
-                        <a:t>No Match</a:t>
-                      </a:r>
-                      <a:endParaRPr sz="1500" b="1" dirty="0">
-                        <a:solidFill>
-                          <a:srgbClr val="151719"/>
-                        </a:solidFill>
-                        <a:latin typeface="+mj-lt"/>
-                        <a:ea typeface="+mj-ea"/>
-                        <a:cs typeface="+mj-cs"/>
-                        <a:sym typeface="Helvetica"/>
-                      </a:endParaRPr>
-                    </a:p>
-                  </a:txBody>
-                  <a:tcPr marL="96269" marR="96269" marT="96269" marB="96269" anchor="ctr" horzOverflow="overflow">
-                    <a:lnL w="9525" cap="flat" cmpd="sng" algn="ctr">
-                      <a:solidFill>
-                        <a:srgbClr val="000000"/>
-                      </a:solidFill>
-                      <a:prstDash val="solid"/>
-                      <a:round/>
-                      <a:headEnd type="none" w="med" len="med"/>
-                      <a:tailEnd type="none" w="med" len="med"/>
-                    </a:lnL>
-                    <a:lnR w="9525" cap="flat" cmpd="sng" algn="ctr">
-                      <a:solidFill>
-                        <a:srgbClr val="000000"/>
-                      </a:solidFill>
-                      <a:prstDash val="solid"/>
-                      <a:round/>
-                      <a:headEnd type="none" w="med" len="med"/>
-                      <a:tailEnd type="none" w="med" len="med"/>
-                    </a:lnR>
-                    <a:lnT w="9525" cap="flat" cmpd="sng" algn="ctr">
-                      <a:solidFill>
-                        <a:srgbClr val="000000"/>
-                      </a:solidFill>
-                      <a:prstDash val="solid"/>
-                      <a:round/>
-                      <a:headEnd type="none" w="med" len="med"/>
-                      <a:tailEnd type="none" w="med" len="med"/>
-                    </a:lnT>
-                    <a:lnB w="9525" cap="flat" cmpd="sng" algn="ctr">
-                      <a:solidFill>
-                        <a:srgbClr val="000000"/>
-                      </a:solidFill>
-                      <a:prstDash val="solid"/>
-                      <a:round/>
-                      <a:headEnd type="none" w="med" len="med"/>
-                      <a:tailEnd type="none" w="med" len="med"/>
-                    </a:lnB>
-                    <a:noFill/>
-                  </a:tcPr>
-                </a:tc>
-                <a:tc>
-                  <a:txBody>
-                    <a:bodyPr/>
-                    <a:lstStyle/>
-                    <a:p>
-                      <a:pPr algn="l">
-                        <a:defRPr sz="1800"/>
-                      </a:pPr>
-                      <a:r>
-                        <a:rPr lang="en-US" sz="1500" b="1" dirty="0">
-                          <a:solidFill>
-                            <a:srgbClr val="151719"/>
-                          </a:solidFill>
-                          <a:latin typeface="+mj-lt"/>
-                          <a:ea typeface="+mj-ea"/>
-                          <a:cs typeface="+mj-cs"/>
-                          <a:sym typeface="Helvetica"/>
-                        </a:rPr>
-                        <a:t>1 Match</a:t>
-                      </a:r>
-                      <a:endParaRPr sz="1500" b="1" dirty="0">
-                        <a:solidFill>
-                          <a:srgbClr val="151719"/>
-                        </a:solidFill>
-                        <a:latin typeface="+mj-lt"/>
-                        <a:ea typeface="+mj-ea"/>
-                        <a:cs typeface="+mj-cs"/>
-                        <a:sym typeface="Helvetica"/>
-                      </a:endParaRPr>
-                    </a:p>
-                  </a:txBody>
-                  <a:tcPr marL="96269" marR="96269" marT="96269" marB="96269" anchor="ctr" horzOverflow="overflow">
-                    <a:lnL w="9525" cap="flat" cmpd="sng" algn="ctr">
-                      <a:solidFill>
-                        <a:srgbClr val="000000"/>
-                      </a:solidFill>
-                      <a:prstDash val="solid"/>
-                      <a:round/>
-                      <a:headEnd type="none" w="med" len="med"/>
-                      <a:tailEnd type="none" w="med" len="med"/>
-                    </a:lnL>
-                    <a:lnR w="9525" cap="flat" cmpd="sng" algn="ctr">
-                      <a:solidFill>
-                        <a:srgbClr val="000000"/>
-                      </a:solidFill>
-                      <a:prstDash val="solid"/>
-                      <a:round/>
-                      <a:headEnd type="none" w="med" len="med"/>
-                      <a:tailEnd type="none" w="med" len="med"/>
-                    </a:lnR>
-                    <a:lnT w="9525" cap="flat" cmpd="sng" algn="ctr">
-                      <a:solidFill>
-                        <a:srgbClr val="000000"/>
-                      </a:solidFill>
-                      <a:prstDash val="solid"/>
-                      <a:round/>
-                      <a:headEnd type="none" w="med" len="med"/>
-                      <a:tailEnd type="none" w="med" len="med"/>
-                    </a:lnT>
-                    <a:lnB w="9525" cap="flat" cmpd="sng" algn="ctr">
-                      <a:solidFill>
-                        <a:srgbClr val="000000"/>
-                      </a:solidFill>
-                      <a:prstDash val="solid"/>
-                      <a:round/>
-                      <a:headEnd type="none" w="med" len="med"/>
-                      <a:tailEnd type="none" w="med" len="med"/>
-                    </a:lnB>
-                    <a:noFill/>
-                  </a:tcPr>
-                </a:tc>
-                <a:tc>
-                  <a:txBody>
-                    <a:bodyPr/>
-                    <a:lstStyle/>
-                    <a:p>
-                      <a:pPr algn="l">
-                        <a:defRPr sz="1800"/>
-                      </a:pPr>
-                      <a:r>
-                        <a:rPr lang="en-US" sz="1500" b="1" dirty="0">
-                          <a:solidFill>
-                            <a:srgbClr val="151719"/>
-                          </a:solidFill>
-                          <a:latin typeface="+mj-lt"/>
-                          <a:ea typeface="+mj-ea"/>
-                          <a:cs typeface="+mj-cs"/>
-                          <a:sym typeface="Helvetica"/>
-                        </a:rPr>
-                        <a:t>1+ Match</a:t>
-                      </a:r>
-                      <a:endParaRPr sz="1500" b="1" dirty="0">
-                        <a:solidFill>
-                          <a:srgbClr val="151719"/>
-                        </a:solidFill>
-                        <a:latin typeface="+mj-lt"/>
-                        <a:ea typeface="+mj-ea"/>
-                        <a:cs typeface="+mj-cs"/>
-                        <a:sym typeface="Helvetica"/>
-                      </a:endParaRPr>
-                    </a:p>
-                  </a:txBody>
-                  <a:tcPr marL="96269" marR="96269" marT="96269" marB="96269" anchor="ctr" horzOverflow="overflow">
-                    <a:lnL w="9525" cap="flat" cmpd="sng" algn="ctr">
-                      <a:solidFill>
-                        <a:srgbClr val="000000"/>
-                      </a:solidFill>
-                      <a:prstDash val="solid"/>
-                      <a:round/>
-                      <a:headEnd type="none" w="med" len="med"/>
-                      <a:tailEnd type="none" w="med" len="med"/>
-                    </a:lnL>
-                    <a:lnR w="9525" cap="flat" cmpd="sng" algn="ctr">
-                      <a:solidFill>
-                        <a:srgbClr val="000000"/>
-                      </a:solidFill>
-                      <a:prstDash val="solid"/>
-                      <a:round/>
-                      <a:headEnd type="none" w="med" len="med"/>
-                      <a:tailEnd type="none" w="med" len="med"/>
-                    </a:lnR>
-                    <a:lnT w="9525" cap="flat" cmpd="sng" algn="ctr">
-                      <a:solidFill>
-                        <a:srgbClr val="000000"/>
-                      </a:solidFill>
-                      <a:prstDash val="solid"/>
-                      <a:round/>
-                      <a:headEnd type="none" w="med" len="med"/>
-                      <a:tailEnd type="none" w="med" len="med"/>
-                    </a:lnT>
-                    <a:lnB w="9525" cap="flat" cmpd="sng" algn="ctr">
-                      <a:solidFill>
-                        <a:srgbClr val="000000"/>
-                      </a:solidFill>
-                      <a:prstDash val="solid"/>
-                      <a:round/>
-                      <a:headEnd type="none" w="med" len="med"/>
-                      <a:tailEnd type="none" w="med" len="med"/>
-                    </a:lnB>
-                    <a:noFill/>
-                  </a:tcPr>
-                </a:tc>
-                <a:tc>
-                  <a:txBody>
-                    <a:bodyPr/>
-                    <a:lstStyle/>
-                    <a:p>
-                      <a:pPr algn="l">
-                        <a:defRPr sz="1800"/>
-                      </a:pPr>
-                      <a:r>
-                        <a:rPr lang="en-US" sz="1500" b="1" dirty="0">
-                          <a:solidFill>
-                            <a:srgbClr val="151719"/>
-                          </a:solidFill>
-                          <a:latin typeface="+mj-lt"/>
-                          <a:ea typeface="+mj-ea"/>
-                          <a:cs typeface="+mj-cs"/>
-                          <a:sym typeface="Helvetica"/>
-                        </a:rPr>
-                        <a:t>Await?</a:t>
-                      </a:r>
-                      <a:endParaRPr sz="1500" b="1" dirty="0">
-                        <a:solidFill>
-                          <a:srgbClr val="151719"/>
-                        </a:solidFill>
-                        <a:latin typeface="+mj-lt"/>
-                        <a:ea typeface="+mj-ea"/>
-                        <a:cs typeface="+mj-cs"/>
-                        <a:sym typeface="Helvetica"/>
-                      </a:endParaRPr>
-                    </a:p>
-                  </a:txBody>
-                  <a:tcPr marL="96269" marR="96269" marT="96269" marB="96269" anchor="ctr" horzOverflow="overflow">
-                    <a:lnL w="9525" cap="flat" cmpd="sng" algn="ctr">
-                      <a:solidFill>
-                        <a:srgbClr val="000000"/>
-                      </a:solidFill>
-                      <a:prstDash val="solid"/>
-                      <a:round/>
-                      <a:headEnd type="none" w="med" len="med"/>
-                      <a:tailEnd type="none" w="med" len="med"/>
-                    </a:lnL>
-                    <a:lnR>
-                      <a:solidFill>
-                        <a:srgbClr val="000000"/>
-                      </a:solidFill>
-                    </a:lnR>
-                    <a:lnT w="9525" cap="flat" cmpd="sng" algn="ctr">
-                      <a:solidFill>
-                        <a:srgbClr val="000000"/>
-                      </a:solidFill>
-                      <a:prstDash val="solid"/>
-                      <a:round/>
-                      <a:headEnd type="none" w="med" len="med"/>
-                      <a:tailEnd type="none" w="med" len="med"/>
-                    </a:lnT>
-                    <a:lnB w="9525" cap="flat" cmpd="sng" algn="ctr">
-                      <a:solidFill>
-                        <a:srgbClr val="000000"/>
-                      </a:solidFill>
-                      <a:prstDash val="solid"/>
-                      <a:round/>
-                      <a:headEnd type="none" w="med" len="med"/>
-                      <a:tailEnd type="none" w="med" len="med"/>
-                    </a:lnB>
-                    <a:noFill/>
-                  </a:tcPr>
-                </a:tc>
-                <a:extLst>
-                  <a:ext uri="{0D108BD9-81ED-4DB2-BD59-A6C34878D82A}">
-                    <a16:rowId xmlns:a16="http://schemas.microsoft.com/office/drawing/2014/main" val="181975700"/>
-                  </a:ext>
-                </a:extLst>
-              </a:tr>
-              <a:tr h="383276">
-                <a:tc>
-                  <a:txBody>
-                    <a:bodyPr/>
-                    <a:lstStyle/>
-                    <a:p>
-                      <a:pPr algn="l">
-                        <a:defRPr sz="1800"/>
-                      </a:pPr>
-                      <a:r>
-                        <a:rPr sz="1500" b="1" dirty="0" err="1">
-                          <a:solidFill>
-                            <a:srgbClr val="151719"/>
-                          </a:solidFill>
-                          <a:latin typeface="+mj-lt"/>
-                          <a:ea typeface="+mj-ea"/>
-                          <a:cs typeface="+mj-cs"/>
-                          <a:sym typeface="Helvetica"/>
-                        </a:rPr>
-                        <a:t>getBy</a:t>
-                      </a:r>
-                      <a:endParaRPr sz="1500" b="1" dirty="0">
-                        <a:solidFill>
-                          <a:srgbClr val="151719"/>
-                        </a:solidFill>
-                        <a:latin typeface="+mj-lt"/>
-                        <a:ea typeface="+mj-ea"/>
-                        <a:cs typeface="+mj-cs"/>
-                        <a:sym typeface="Helvetica"/>
-                      </a:endParaRPr>
-                    </a:p>
-                  </a:txBody>
-                  <a:tcPr marL="96269" marR="96269" marT="96269" marB="96269" anchor="ctr" horzOverflow="overflow">
-                    <a:lnL>
-                      <a:solidFill>
-                        <a:srgbClr val="000000"/>
-                      </a:solidFill>
-                    </a:lnL>
-                    <a:lnR w="9525" cap="flat" cmpd="sng" algn="ctr">
-                      <a:solidFill>
-                        <a:srgbClr val="000000"/>
-                      </a:solidFill>
-                      <a:prstDash val="solid"/>
-                      <a:round/>
-                      <a:headEnd type="none" w="med" len="med"/>
-                      <a:tailEnd type="none" w="med" len="med"/>
-                    </a:lnR>
-                    <a:lnT w="9525" cap="flat" cmpd="sng" algn="ctr">
-                      <a:solidFill>
-                        <a:srgbClr val="000000"/>
-                      </a:solidFill>
-                      <a:prstDash val="solid"/>
-                      <a:round/>
-                      <a:headEnd type="none" w="med" len="med"/>
-                      <a:tailEnd type="none" w="med" len="med"/>
-                    </a:lnT>
-                    <a:lnB>
-                      <a:solidFill>
-                        <a:srgbClr val="000000"/>
-                      </a:solidFill>
-                    </a:lnB>
-                    <a:noFill/>
-                  </a:tcPr>
-                </a:tc>
-                <a:tc>
-                  <a:txBody>
-                    <a:bodyPr/>
-                    <a:lstStyle/>
-                    <a:p>
-                      <a:pPr algn="l">
-                        <a:defRPr sz="1800"/>
-                      </a:pPr>
-                      <a:r>
-                        <a:rPr sz="1500" dirty="0">
-                          <a:solidFill>
-                            <a:srgbClr val="151719"/>
-                          </a:solidFill>
-                          <a:latin typeface="+mj-lt"/>
-                          <a:ea typeface="+mj-ea"/>
-                          <a:cs typeface="+mj-cs"/>
-                          <a:sym typeface="Helvetica"/>
-                        </a:rPr>
-                        <a:t>throw</a:t>
-                      </a:r>
-                    </a:p>
-                  </a:txBody>
-                  <a:tcPr marL="96269" marR="96269" marT="96269" marB="96269" anchor="ctr" horzOverflow="overflow">
-                    <a:lnL w="9525" cap="flat" cmpd="sng" algn="ctr">
-                      <a:solidFill>
-                        <a:srgbClr val="000000"/>
-                      </a:solidFill>
-                      <a:prstDash val="solid"/>
-                      <a:round/>
-                      <a:headEnd type="none" w="med" len="med"/>
-                      <a:tailEnd type="none" w="med" len="med"/>
-                    </a:lnL>
-                    <a:lnR w="9525" cap="flat" cmpd="sng" algn="ctr">
-                      <a:solidFill>
-                        <a:srgbClr val="000000"/>
-                      </a:solidFill>
-                      <a:prstDash val="solid"/>
-                      <a:round/>
-                      <a:headEnd type="none" w="med" len="med"/>
-                      <a:tailEnd type="none" w="med" len="med"/>
-                    </a:lnR>
-                    <a:lnT w="9525" cap="flat" cmpd="sng" algn="ctr">
-                      <a:solidFill>
-                        <a:srgbClr val="000000"/>
-                      </a:solidFill>
-                      <a:prstDash val="solid"/>
-                      <a:round/>
-                      <a:headEnd type="none" w="med" len="med"/>
-                      <a:tailEnd type="none" w="med" len="med"/>
-                    </a:lnT>
-                    <a:lnB>
-                      <a:solidFill>
-                        <a:srgbClr val="000000"/>
-                      </a:solidFill>
-                    </a:lnB>
-                    <a:noFill/>
-                  </a:tcPr>
-                </a:tc>
-                <a:tc>
-                  <a:txBody>
-                    <a:bodyPr/>
-                    <a:lstStyle/>
-                    <a:p>
-                      <a:pPr algn="l">
-                        <a:defRPr sz="1800"/>
-                      </a:pPr>
-                      <a:r>
-                        <a:rPr sz="1500" dirty="0">
-                          <a:solidFill>
-                            <a:srgbClr val="151719"/>
-                          </a:solidFill>
-                          <a:latin typeface="+mj-lt"/>
-                          <a:ea typeface="+mj-ea"/>
-                          <a:cs typeface="+mj-cs"/>
-                          <a:sym typeface="Helvetica"/>
-                        </a:rPr>
-                        <a:t>return</a:t>
-                      </a:r>
-                    </a:p>
-                  </a:txBody>
-                  <a:tcPr marL="96269" marR="96269" marT="96269" marB="96269" anchor="ctr" horzOverflow="overflow">
-                    <a:lnL w="9525" cap="flat" cmpd="sng" algn="ctr">
-                      <a:solidFill>
-                        <a:srgbClr val="000000"/>
-                      </a:solidFill>
-                      <a:prstDash val="solid"/>
-                      <a:round/>
-                      <a:headEnd type="none" w="med" len="med"/>
-                      <a:tailEnd type="none" w="med" len="med"/>
-                    </a:lnL>
-                    <a:lnR w="9525" cap="flat" cmpd="sng" algn="ctr">
-                      <a:solidFill>
-                        <a:srgbClr val="000000"/>
-                      </a:solidFill>
-                      <a:prstDash val="solid"/>
-                      <a:round/>
-                      <a:headEnd type="none" w="med" len="med"/>
-                      <a:tailEnd type="none" w="med" len="med"/>
-                    </a:lnR>
-                    <a:lnT w="9525" cap="flat" cmpd="sng" algn="ctr">
-                      <a:solidFill>
-                        <a:srgbClr val="000000"/>
-                      </a:solidFill>
-                      <a:prstDash val="solid"/>
-                      <a:round/>
-                      <a:headEnd type="none" w="med" len="med"/>
-                      <a:tailEnd type="none" w="med" len="med"/>
-                    </a:lnT>
-                    <a:lnB>
-                      <a:solidFill>
-                        <a:srgbClr val="000000"/>
-                      </a:solidFill>
-                    </a:lnB>
-                    <a:noFill/>
-                  </a:tcPr>
-                </a:tc>
-                <a:tc>
-                  <a:txBody>
-                    <a:bodyPr/>
-                    <a:lstStyle/>
-                    <a:p>
-                      <a:pPr algn="l">
-                        <a:defRPr sz="1800"/>
-                      </a:pPr>
-                      <a:r>
-                        <a:rPr sz="1500">
-                          <a:solidFill>
-                            <a:srgbClr val="151719"/>
-                          </a:solidFill>
-                          <a:latin typeface="+mj-lt"/>
-                          <a:ea typeface="+mj-ea"/>
-                          <a:cs typeface="+mj-cs"/>
-                          <a:sym typeface="Helvetica"/>
-                        </a:rPr>
-                        <a:t>throw</a:t>
-                      </a:r>
-                    </a:p>
-                  </a:txBody>
-                  <a:tcPr marL="96269" marR="96269" marT="96269" marB="96269" anchor="ctr" horzOverflow="overflow">
-                    <a:lnL w="9525" cap="flat" cmpd="sng" algn="ctr">
-                      <a:solidFill>
-                        <a:srgbClr val="000000"/>
-                      </a:solidFill>
-                      <a:prstDash val="solid"/>
-                      <a:round/>
-                      <a:headEnd type="none" w="med" len="med"/>
-                      <a:tailEnd type="none" w="med" len="med"/>
-                    </a:lnL>
-                    <a:lnR w="9525" cap="flat" cmpd="sng" algn="ctr">
-                      <a:solidFill>
-                        <a:srgbClr val="000000"/>
-                      </a:solidFill>
-                      <a:prstDash val="solid"/>
-                      <a:round/>
-                      <a:headEnd type="none" w="med" len="med"/>
-                      <a:tailEnd type="none" w="med" len="med"/>
-                    </a:lnR>
-                    <a:lnT w="9525" cap="flat" cmpd="sng" algn="ctr">
-                      <a:solidFill>
-                        <a:srgbClr val="000000"/>
-                      </a:solidFill>
-                      <a:prstDash val="solid"/>
-                      <a:round/>
-                      <a:headEnd type="none" w="med" len="med"/>
-                      <a:tailEnd type="none" w="med" len="med"/>
-                    </a:lnT>
-                    <a:lnB>
-                      <a:solidFill>
-                        <a:srgbClr val="000000"/>
-                      </a:solidFill>
-                    </a:lnB>
-                    <a:noFill/>
-                  </a:tcPr>
-                </a:tc>
-                <a:tc>
-                  <a:txBody>
-                    <a:bodyPr/>
-                    <a:lstStyle/>
-                    <a:p>
-                      <a:pPr algn="l">
-                        <a:defRPr sz="1800"/>
-                      </a:pPr>
-                      <a:r>
-                        <a:rPr sz="1500">
-                          <a:solidFill>
-                            <a:srgbClr val="151719"/>
-                          </a:solidFill>
-                          <a:latin typeface="+mj-lt"/>
-                          <a:ea typeface="+mj-ea"/>
-                          <a:cs typeface="+mj-cs"/>
-                          <a:sym typeface="Helvetica"/>
-                        </a:rPr>
-                        <a:t>No</a:t>
-                      </a:r>
-                    </a:p>
-                  </a:txBody>
-                  <a:tcPr marL="96269" marR="96269" marT="96269" marB="96269" anchor="ctr" horzOverflow="overflow">
-                    <a:lnL w="9525" cap="flat" cmpd="sng" algn="ctr">
-                      <a:solidFill>
-                        <a:srgbClr val="000000"/>
-                      </a:solidFill>
-                      <a:prstDash val="solid"/>
-                      <a:round/>
-                      <a:headEnd type="none" w="med" len="med"/>
-                      <a:tailEnd type="none" w="med" len="med"/>
-                    </a:lnL>
-                    <a:lnR>
-                      <a:solidFill>
-                        <a:srgbClr val="000000"/>
-                      </a:solidFill>
-                    </a:lnR>
-                    <a:lnT w="9525" cap="flat" cmpd="sng" algn="ctr">
-                      <a:solidFill>
-                        <a:srgbClr val="000000"/>
-                      </a:solidFill>
-                      <a:prstDash val="solid"/>
-                      <a:round/>
-                      <a:headEnd type="none" w="med" len="med"/>
-                      <a:tailEnd type="none" w="med" len="med"/>
-                    </a:lnT>
-                    <a:lnB>
-                      <a:solidFill>
-                        <a:srgbClr val="000000"/>
-                      </a:solidFill>
-                    </a:lnB>
-                    <a:noFill/>
-                  </a:tcPr>
-                </a:tc>
-                <a:extLst>
-                  <a:ext uri="{0D108BD9-81ED-4DB2-BD59-A6C34878D82A}">
-                    <a16:rowId xmlns:a16="http://schemas.microsoft.com/office/drawing/2014/main" val="10001"/>
-                  </a:ext>
-                </a:extLst>
-              </a:tr>
-              <a:tr h="383276">
-                <a:tc>
-                  <a:txBody>
-                    <a:bodyPr/>
-                    <a:lstStyle/>
-                    <a:p>
-                      <a:pPr algn="l">
-                        <a:defRPr sz="1800"/>
-                      </a:pPr>
-                      <a:r>
-                        <a:rPr sz="1500" b="1">
-                          <a:solidFill>
-                            <a:srgbClr val="151719"/>
-                          </a:solidFill>
-                          <a:latin typeface="+mj-lt"/>
-                          <a:ea typeface="+mj-ea"/>
-                          <a:cs typeface="+mj-cs"/>
-                          <a:sym typeface="Helvetica"/>
-                        </a:rPr>
-                        <a:t>findBy</a:t>
-                      </a:r>
-                    </a:p>
-                  </a:txBody>
-                  <a:tcPr marL="96269" marR="96269" marT="96269" marB="96269" anchor="ctr" horzOverflow="overflow">
-                    <a:lnL>
-                      <a:solidFill>
-                        <a:srgbClr val="000000"/>
-                      </a:solidFill>
-                    </a:lnL>
-                    <a:lnR>
-                      <a:solidFill>
-                        <a:srgbClr val="000000"/>
-                      </a:solidFill>
-                    </a:lnR>
-                    <a:lnT>
-                      <a:solidFill>
-                        <a:srgbClr val="000000"/>
-                      </a:solidFill>
-                    </a:lnT>
-                    <a:lnB>
-                      <a:solidFill>
-                        <a:srgbClr val="000000"/>
-                      </a:solidFill>
-                    </a:lnB>
-                    <a:solidFill>
-                      <a:srgbClr val="F2F4F5"/>
-                    </a:solidFill>
-                  </a:tcPr>
-                </a:tc>
-                <a:tc>
-                  <a:txBody>
-                    <a:bodyPr/>
-                    <a:lstStyle/>
-                    <a:p>
-                      <a:pPr algn="l">
-                        <a:defRPr sz="1800"/>
-                      </a:pPr>
-                      <a:r>
-                        <a:rPr sz="1500">
-                          <a:solidFill>
-                            <a:srgbClr val="151719"/>
-                          </a:solidFill>
-                          <a:latin typeface="+mj-lt"/>
-                          <a:ea typeface="+mj-ea"/>
-                          <a:cs typeface="+mj-cs"/>
-                          <a:sym typeface="Helvetica"/>
-                        </a:rPr>
-                        <a:t>throw</a:t>
-                      </a:r>
-                    </a:p>
-                  </a:txBody>
-                  <a:tcPr marL="96269" marR="96269" marT="96269" marB="96269" anchor="ctr" horzOverflow="overflow">
-                    <a:lnL>
-                      <a:solidFill>
-                        <a:srgbClr val="000000"/>
-                      </a:solidFill>
-                    </a:lnL>
-                    <a:lnR>
-                      <a:solidFill>
-                        <a:srgbClr val="000000"/>
-                      </a:solidFill>
-                    </a:lnR>
-                    <a:lnT>
-                      <a:solidFill>
-                        <a:srgbClr val="000000"/>
-                      </a:solidFill>
-                    </a:lnT>
-                    <a:lnB>
-                      <a:solidFill>
-                        <a:srgbClr val="000000"/>
-                      </a:solidFill>
-                    </a:lnB>
-                    <a:solidFill>
-                      <a:srgbClr val="F2F4F5"/>
-                    </a:solidFill>
-                  </a:tcPr>
-                </a:tc>
-                <a:tc>
-                  <a:txBody>
-                    <a:bodyPr/>
-                    <a:lstStyle/>
-                    <a:p>
-                      <a:pPr algn="l">
-                        <a:defRPr sz="1800"/>
-                      </a:pPr>
-                      <a:r>
-                        <a:rPr sz="1500">
-                          <a:solidFill>
-                            <a:srgbClr val="151719"/>
-                          </a:solidFill>
-                          <a:latin typeface="+mj-lt"/>
-                          <a:ea typeface="+mj-ea"/>
-                          <a:cs typeface="+mj-cs"/>
-                          <a:sym typeface="Helvetica"/>
-                        </a:rPr>
-                        <a:t>return</a:t>
-                      </a:r>
-                    </a:p>
-                  </a:txBody>
-                  <a:tcPr marL="96269" marR="96269" marT="96269" marB="96269" anchor="ctr" horzOverflow="overflow">
-                    <a:lnL>
-                      <a:solidFill>
-                        <a:srgbClr val="000000"/>
-                      </a:solidFill>
-                    </a:lnL>
-                    <a:lnR>
-                      <a:solidFill>
-                        <a:srgbClr val="000000"/>
-                      </a:solidFill>
-                    </a:lnR>
-                    <a:lnT>
-                      <a:solidFill>
-                        <a:srgbClr val="000000"/>
-                      </a:solidFill>
-                    </a:lnT>
-                    <a:lnB>
-                      <a:solidFill>
-                        <a:srgbClr val="000000"/>
-                      </a:solidFill>
-                    </a:lnB>
-                    <a:solidFill>
-                      <a:srgbClr val="F2F4F5"/>
-                    </a:solidFill>
-                  </a:tcPr>
-                </a:tc>
-                <a:tc>
-                  <a:txBody>
-                    <a:bodyPr/>
-                    <a:lstStyle/>
-                    <a:p>
-                      <a:pPr algn="l">
-                        <a:defRPr sz="1800"/>
-                      </a:pPr>
-                      <a:r>
-                        <a:rPr sz="1500">
-                          <a:solidFill>
-                            <a:srgbClr val="151719"/>
-                          </a:solidFill>
-                          <a:latin typeface="+mj-lt"/>
-                          <a:ea typeface="+mj-ea"/>
-                          <a:cs typeface="+mj-cs"/>
-                          <a:sym typeface="Helvetica"/>
-                        </a:rPr>
-                        <a:t>throw</a:t>
-                      </a:r>
-                    </a:p>
-                  </a:txBody>
-                  <a:tcPr marL="96269" marR="96269" marT="96269" marB="96269" anchor="ctr" horzOverflow="overflow">
-                    <a:lnL>
-                      <a:solidFill>
-                        <a:srgbClr val="000000"/>
-                      </a:solidFill>
-                    </a:lnL>
-                    <a:lnR>
-                      <a:solidFill>
-                        <a:srgbClr val="000000"/>
-                      </a:solidFill>
-                    </a:lnR>
-                    <a:lnT>
-                      <a:solidFill>
-                        <a:srgbClr val="000000"/>
-                      </a:solidFill>
-                    </a:lnT>
-                    <a:lnB>
-                      <a:solidFill>
-                        <a:srgbClr val="000000"/>
-                      </a:solidFill>
-                    </a:lnB>
-                    <a:solidFill>
-                      <a:srgbClr val="F2F4F5"/>
-                    </a:solidFill>
-                  </a:tcPr>
-                </a:tc>
-                <a:tc>
-                  <a:txBody>
-                    <a:bodyPr/>
-                    <a:lstStyle/>
-                    <a:p>
-                      <a:pPr algn="l">
-                        <a:defRPr sz="1800"/>
-                      </a:pPr>
-                      <a:r>
-                        <a:rPr sz="1500">
-                          <a:solidFill>
-                            <a:srgbClr val="151719"/>
-                          </a:solidFill>
-                          <a:latin typeface="+mj-lt"/>
-                          <a:ea typeface="+mj-ea"/>
-                          <a:cs typeface="+mj-cs"/>
-                          <a:sym typeface="Helvetica"/>
-                        </a:rPr>
-                        <a:t>Yes</a:t>
-                      </a:r>
-                    </a:p>
-                  </a:txBody>
-                  <a:tcPr marL="96269" marR="96269" marT="96269" marB="96269" anchor="ctr" horzOverflow="overflow">
-                    <a:lnL>
-                      <a:solidFill>
-                        <a:srgbClr val="000000"/>
-                      </a:solidFill>
-                    </a:lnL>
-                    <a:lnR>
-                      <a:solidFill>
-                        <a:srgbClr val="000000"/>
-                      </a:solidFill>
-                    </a:lnR>
-                    <a:lnT>
-                      <a:solidFill>
-                        <a:srgbClr val="000000"/>
-                      </a:solidFill>
-                    </a:lnT>
-                    <a:lnB>
-                      <a:solidFill>
-                        <a:srgbClr val="000000"/>
-                      </a:solidFill>
-                    </a:lnB>
-                    <a:solidFill>
-                      <a:srgbClr val="F2F4F5"/>
-                    </a:solidFill>
-                  </a:tcPr>
-                </a:tc>
-                <a:extLst>
-                  <a:ext uri="{0D108BD9-81ED-4DB2-BD59-A6C34878D82A}">
-                    <a16:rowId xmlns:a16="http://schemas.microsoft.com/office/drawing/2014/main" val="10002"/>
-                  </a:ext>
-                </a:extLst>
-              </a:tr>
-              <a:tr h="501068">
-                <a:tc>
-                  <a:txBody>
-                    <a:bodyPr/>
-                    <a:lstStyle/>
-                    <a:p>
-                      <a:pPr algn="l">
-                        <a:defRPr sz="1800"/>
-                      </a:pPr>
-                      <a:r>
-                        <a:rPr sz="1500" b="1">
-                          <a:solidFill>
-                            <a:srgbClr val="151719"/>
-                          </a:solidFill>
-                          <a:latin typeface="+mj-lt"/>
-                          <a:ea typeface="+mj-ea"/>
-                          <a:cs typeface="+mj-cs"/>
-                          <a:sym typeface="Helvetica"/>
-                        </a:rPr>
-                        <a:t>queryBy</a:t>
-                      </a:r>
-                    </a:p>
-                  </a:txBody>
-                  <a:tcPr marL="96269" marR="96269" marT="96269" marB="96269" anchor="ctr" horzOverflow="overflow">
-                    <a:lnL>
-                      <a:solidFill>
-                        <a:srgbClr val="000000"/>
-                      </a:solidFill>
-                    </a:lnL>
-                    <a:lnR>
-                      <a:solidFill>
-                        <a:srgbClr val="000000"/>
-                      </a:solidFill>
-                    </a:lnR>
-                    <a:lnT>
-                      <a:solidFill>
-                        <a:srgbClr val="000000"/>
-                      </a:solidFill>
-                    </a:lnT>
-                    <a:lnB>
-                      <a:solidFill>
-                        <a:srgbClr val="000000"/>
-                      </a:solidFill>
-                    </a:lnB>
-                    <a:noFill/>
-                  </a:tcPr>
-                </a:tc>
-                <a:tc>
-                  <a:txBody>
-                    <a:bodyPr/>
-                    <a:lstStyle/>
-                    <a:p>
-                      <a:pPr algn="l">
-                        <a:defRPr sz="1800"/>
-                      </a:pPr>
-                      <a:r>
-                        <a:rPr sz="1500">
-                          <a:solidFill>
-                            <a:srgbClr val="151719"/>
-                          </a:solidFill>
-                          <a:latin typeface="+mj-lt"/>
-                          <a:ea typeface="+mj-ea"/>
-                          <a:cs typeface="+mj-cs"/>
-                          <a:sym typeface="Helvetica"/>
-                        </a:rPr>
-                        <a:t>null</a:t>
-                      </a:r>
-                    </a:p>
-                  </a:txBody>
-                  <a:tcPr marL="96269" marR="96269" marT="96269" marB="96269" anchor="ctr" horzOverflow="overflow">
-                    <a:lnL>
-                      <a:solidFill>
-                        <a:srgbClr val="000000"/>
-                      </a:solidFill>
-                    </a:lnL>
-                    <a:lnR>
-                      <a:solidFill>
-                        <a:srgbClr val="000000"/>
-                      </a:solidFill>
-                    </a:lnR>
-                    <a:lnT>
-                      <a:solidFill>
-                        <a:srgbClr val="000000"/>
-                      </a:solidFill>
-                    </a:lnT>
-                    <a:lnB>
-                      <a:solidFill>
-                        <a:srgbClr val="000000"/>
-                      </a:solidFill>
-                    </a:lnB>
-                    <a:noFill/>
-                  </a:tcPr>
-                </a:tc>
-                <a:tc>
-                  <a:txBody>
-                    <a:bodyPr/>
-                    <a:lstStyle/>
-                    <a:p>
-                      <a:pPr algn="l">
-                        <a:defRPr sz="1800"/>
-                      </a:pPr>
-                      <a:r>
-                        <a:rPr sz="1500">
-                          <a:solidFill>
-                            <a:srgbClr val="151719"/>
-                          </a:solidFill>
-                          <a:latin typeface="+mj-lt"/>
-                          <a:ea typeface="+mj-ea"/>
-                          <a:cs typeface="+mj-cs"/>
-                          <a:sym typeface="Helvetica"/>
-                        </a:rPr>
-                        <a:t>return</a:t>
-                      </a:r>
-                    </a:p>
-                  </a:txBody>
-                  <a:tcPr marL="96269" marR="96269" marT="96269" marB="96269" anchor="ctr" horzOverflow="overflow">
-                    <a:lnL>
-                      <a:solidFill>
-                        <a:srgbClr val="000000"/>
-                      </a:solidFill>
-                    </a:lnL>
-                    <a:lnR>
-                      <a:solidFill>
-                        <a:srgbClr val="000000"/>
-                      </a:solidFill>
-                    </a:lnR>
-                    <a:lnT>
-                      <a:solidFill>
-                        <a:srgbClr val="000000"/>
-                      </a:solidFill>
-                    </a:lnT>
-                    <a:lnB>
-                      <a:solidFill>
-                        <a:srgbClr val="000000"/>
-                      </a:solidFill>
-                    </a:lnB>
-                    <a:noFill/>
-                  </a:tcPr>
-                </a:tc>
-                <a:tc>
-                  <a:txBody>
-                    <a:bodyPr/>
-                    <a:lstStyle/>
-                    <a:p>
-                      <a:pPr algn="l">
-                        <a:defRPr sz="1800"/>
-                      </a:pPr>
-                      <a:r>
-                        <a:rPr sz="1500">
-                          <a:solidFill>
-                            <a:srgbClr val="151719"/>
-                          </a:solidFill>
-                          <a:latin typeface="+mj-lt"/>
-                          <a:ea typeface="+mj-ea"/>
-                          <a:cs typeface="+mj-cs"/>
-                          <a:sym typeface="Helvetica"/>
-                        </a:rPr>
-                        <a:t>throw</a:t>
-                      </a:r>
-                    </a:p>
-                  </a:txBody>
-                  <a:tcPr marL="96269" marR="96269" marT="96269" marB="96269" anchor="ctr" horzOverflow="overflow">
-                    <a:lnL>
-                      <a:solidFill>
-                        <a:srgbClr val="000000"/>
-                      </a:solidFill>
-                    </a:lnL>
-                    <a:lnR>
-                      <a:solidFill>
-                        <a:srgbClr val="000000"/>
-                      </a:solidFill>
-                    </a:lnR>
-                    <a:lnT>
-                      <a:solidFill>
-                        <a:srgbClr val="000000"/>
-                      </a:solidFill>
-                    </a:lnT>
-                    <a:lnB>
-                      <a:solidFill>
-                        <a:srgbClr val="000000"/>
-                      </a:solidFill>
-                    </a:lnB>
-                    <a:noFill/>
-                  </a:tcPr>
-                </a:tc>
-                <a:tc>
-                  <a:txBody>
-                    <a:bodyPr/>
-                    <a:lstStyle/>
-                    <a:p>
-                      <a:pPr algn="l">
-                        <a:defRPr sz="1800"/>
-                      </a:pPr>
-                      <a:r>
-                        <a:rPr sz="1500">
-                          <a:solidFill>
-                            <a:srgbClr val="151719"/>
-                          </a:solidFill>
-                          <a:latin typeface="+mj-lt"/>
-                          <a:ea typeface="+mj-ea"/>
-                          <a:cs typeface="+mj-cs"/>
-                          <a:sym typeface="Helvetica"/>
-                        </a:rPr>
-                        <a:t>No</a:t>
-                      </a:r>
-                    </a:p>
-                  </a:txBody>
-                  <a:tcPr marL="96269" marR="96269" marT="96269" marB="96269" anchor="ctr" horzOverflow="overflow">
-                    <a:lnL>
-                      <a:solidFill>
-                        <a:srgbClr val="000000"/>
-                      </a:solidFill>
-                    </a:lnL>
-                    <a:lnR>
-                      <a:solidFill>
-                        <a:srgbClr val="000000"/>
-                      </a:solidFill>
-                    </a:lnR>
-                    <a:lnT>
-                      <a:solidFill>
-                        <a:srgbClr val="000000"/>
-                      </a:solidFill>
-                    </a:lnT>
-                    <a:lnB>
-                      <a:solidFill>
-                        <a:srgbClr val="000000"/>
-                      </a:solidFill>
-                    </a:lnB>
-                    <a:noFill/>
-                  </a:tcPr>
-                </a:tc>
-                <a:extLst>
-                  <a:ext uri="{0D108BD9-81ED-4DB2-BD59-A6C34878D82A}">
-                    <a16:rowId xmlns:a16="http://schemas.microsoft.com/office/drawing/2014/main" val="10003"/>
-                  </a:ext>
-                </a:extLst>
-              </a:tr>
-              <a:tr h="501068">
-                <a:tc>
-                  <a:txBody>
-                    <a:bodyPr/>
-                    <a:lstStyle/>
-                    <a:p>
-                      <a:pPr algn="l">
-                        <a:defRPr sz="1800"/>
-                      </a:pPr>
-                      <a:r>
-                        <a:rPr sz="1500" b="1">
-                          <a:solidFill>
-                            <a:srgbClr val="151719"/>
-                          </a:solidFill>
-                          <a:latin typeface="+mj-lt"/>
-                          <a:ea typeface="+mj-ea"/>
-                          <a:cs typeface="+mj-cs"/>
-                          <a:sym typeface="Helvetica"/>
-                        </a:rPr>
-                        <a:t>getAllBy</a:t>
-                      </a:r>
-                    </a:p>
-                  </a:txBody>
-                  <a:tcPr marL="96269" marR="96269" marT="96269" marB="96269" anchor="ctr" horzOverflow="overflow">
-                    <a:lnL>
-                      <a:solidFill>
-                        <a:srgbClr val="000000"/>
-                      </a:solidFill>
-                    </a:lnL>
-                    <a:lnR>
-                      <a:solidFill>
-                        <a:srgbClr val="000000"/>
-                      </a:solidFill>
-                    </a:lnR>
-                    <a:lnT>
-                      <a:solidFill>
-                        <a:srgbClr val="000000"/>
-                      </a:solidFill>
-                    </a:lnT>
-                    <a:lnB>
-                      <a:solidFill>
-                        <a:srgbClr val="000000"/>
-                      </a:solidFill>
-                    </a:lnB>
-                    <a:solidFill>
-                      <a:srgbClr val="F2F4F5"/>
-                    </a:solidFill>
-                  </a:tcPr>
-                </a:tc>
-                <a:tc>
-                  <a:txBody>
-                    <a:bodyPr/>
-                    <a:lstStyle/>
-                    <a:p>
-                      <a:pPr algn="l">
-                        <a:defRPr sz="1800"/>
-                      </a:pPr>
-                      <a:r>
-                        <a:rPr sz="1500">
-                          <a:solidFill>
-                            <a:srgbClr val="151719"/>
-                          </a:solidFill>
-                          <a:latin typeface="+mj-lt"/>
-                          <a:ea typeface="+mj-ea"/>
-                          <a:cs typeface="+mj-cs"/>
-                          <a:sym typeface="Helvetica"/>
-                        </a:rPr>
-                        <a:t>throw</a:t>
-                      </a:r>
-                    </a:p>
-                  </a:txBody>
-                  <a:tcPr marL="96269" marR="96269" marT="96269" marB="96269" anchor="ctr" horzOverflow="overflow">
-                    <a:lnL>
-                      <a:solidFill>
-                        <a:srgbClr val="000000"/>
-                      </a:solidFill>
-                    </a:lnL>
-                    <a:lnR>
-                      <a:solidFill>
-                        <a:srgbClr val="000000"/>
-                      </a:solidFill>
-                    </a:lnR>
-                    <a:lnT>
-                      <a:solidFill>
-                        <a:srgbClr val="000000"/>
-                      </a:solidFill>
-                    </a:lnT>
-                    <a:lnB>
-                      <a:solidFill>
-                        <a:srgbClr val="000000"/>
-                      </a:solidFill>
-                    </a:lnB>
-                    <a:solidFill>
-                      <a:srgbClr val="F2F4F5"/>
-                    </a:solidFill>
-                  </a:tcPr>
-                </a:tc>
-                <a:tc>
-                  <a:txBody>
-                    <a:bodyPr/>
-                    <a:lstStyle/>
-                    <a:p>
-                      <a:pPr algn="l">
-                        <a:defRPr sz="1800"/>
-                      </a:pPr>
-                      <a:r>
-                        <a:rPr sz="1500">
-                          <a:solidFill>
-                            <a:srgbClr val="151719"/>
-                          </a:solidFill>
-                          <a:latin typeface="+mj-lt"/>
-                          <a:ea typeface="+mj-ea"/>
-                          <a:cs typeface="+mj-cs"/>
-                          <a:sym typeface="Helvetica"/>
-                        </a:rPr>
-                        <a:t>array</a:t>
-                      </a:r>
-                    </a:p>
-                  </a:txBody>
-                  <a:tcPr marL="96269" marR="96269" marT="96269" marB="96269" anchor="ctr" horzOverflow="overflow">
-                    <a:lnL>
-                      <a:solidFill>
-                        <a:srgbClr val="000000"/>
-                      </a:solidFill>
-                    </a:lnL>
-                    <a:lnR>
-                      <a:solidFill>
-                        <a:srgbClr val="000000"/>
-                      </a:solidFill>
-                    </a:lnR>
-                    <a:lnT>
-                      <a:solidFill>
-                        <a:srgbClr val="000000"/>
-                      </a:solidFill>
-                    </a:lnT>
-                    <a:lnB>
-                      <a:solidFill>
-                        <a:srgbClr val="000000"/>
-                      </a:solidFill>
-                    </a:lnB>
-                    <a:solidFill>
-                      <a:srgbClr val="F2F4F5"/>
-                    </a:solidFill>
-                  </a:tcPr>
-                </a:tc>
-                <a:tc>
-                  <a:txBody>
-                    <a:bodyPr/>
-                    <a:lstStyle/>
-                    <a:p>
-                      <a:pPr algn="l">
-                        <a:defRPr sz="1800"/>
-                      </a:pPr>
-                      <a:r>
-                        <a:rPr sz="1500">
-                          <a:solidFill>
-                            <a:srgbClr val="151719"/>
-                          </a:solidFill>
-                          <a:latin typeface="+mj-lt"/>
-                          <a:ea typeface="+mj-ea"/>
-                          <a:cs typeface="+mj-cs"/>
-                          <a:sym typeface="Helvetica"/>
-                        </a:rPr>
-                        <a:t>array</a:t>
-                      </a:r>
-                    </a:p>
-                  </a:txBody>
-                  <a:tcPr marL="96269" marR="96269" marT="96269" marB="96269" anchor="ctr" horzOverflow="overflow">
-                    <a:lnL>
-                      <a:solidFill>
-                        <a:srgbClr val="000000"/>
-                      </a:solidFill>
-                    </a:lnL>
-                    <a:lnR>
-                      <a:solidFill>
-                        <a:srgbClr val="000000"/>
-                      </a:solidFill>
-                    </a:lnR>
-                    <a:lnT>
-                      <a:solidFill>
-                        <a:srgbClr val="000000"/>
-                      </a:solidFill>
-                    </a:lnT>
-                    <a:lnB>
-                      <a:solidFill>
-                        <a:srgbClr val="000000"/>
-                      </a:solidFill>
-                    </a:lnB>
-                    <a:solidFill>
-                      <a:srgbClr val="F2F4F5"/>
-                    </a:solidFill>
-                  </a:tcPr>
-                </a:tc>
-                <a:tc>
-                  <a:txBody>
-                    <a:bodyPr/>
-                    <a:lstStyle/>
-                    <a:p>
-                      <a:pPr algn="l">
-                        <a:defRPr sz="1800"/>
-                      </a:pPr>
-                      <a:r>
-                        <a:rPr sz="1500">
-                          <a:solidFill>
-                            <a:srgbClr val="151719"/>
-                          </a:solidFill>
-                          <a:latin typeface="+mj-lt"/>
-                          <a:ea typeface="+mj-ea"/>
-                          <a:cs typeface="+mj-cs"/>
-                          <a:sym typeface="Helvetica"/>
-                        </a:rPr>
-                        <a:t>No</a:t>
-                      </a:r>
-                    </a:p>
-                  </a:txBody>
-                  <a:tcPr marL="96269" marR="96269" marT="96269" marB="96269" anchor="ctr" horzOverflow="overflow">
-                    <a:lnL>
-                      <a:solidFill>
-                        <a:srgbClr val="000000"/>
-                      </a:solidFill>
-                    </a:lnL>
-                    <a:lnR>
-                      <a:solidFill>
-                        <a:srgbClr val="000000"/>
-                      </a:solidFill>
-                    </a:lnR>
-                    <a:lnT>
-                      <a:solidFill>
-                        <a:srgbClr val="000000"/>
-                      </a:solidFill>
-                    </a:lnT>
-                    <a:lnB>
-                      <a:solidFill>
-                        <a:srgbClr val="000000"/>
-                      </a:solidFill>
-                    </a:lnB>
-                    <a:solidFill>
-                      <a:srgbClr val="F2F4F5"/>
-                    </a:solidFill>
-                  </a:tcPr>
-                </a:tc>
-                <a:extLst>
-                  <a:ext uri="{0D108BD9-81ED-4DB2-BD59-A6C34878D82A}">
-                    <a16:rowId xmlns:a16="http://schemas.microsoft.com/office/drawing/2014/main" val="10004"/>
-                  </a:ext>
-                </a:extLst>
-              </a:tr>
-              <a:tr h="501068">
-                <a:tc>
-                  <a:txBody>
-                    <a:bodyPr/>
-                    <a:lstStyle/>
-                    <a:p>
-                      <a:pPr algn="l">
-                        <a:defRPr sz="1800"/>
-                      </a:pPr>
-                      <a:r>
-                        <a:rPr sz="1500" b="1">
-                          <a:solidFill>
-                            <a:srgbClr val="151719"/>
-                          </a:solidFill>
-                          <a:latin typeface="+mj-lt"/>
-                          <a:ea typeface="+mj-ea"/>
-                          <a:cs typeface="+mj-cs"/>
-                          <a:sym typeface="Helvetica"/>
-                        </a:rPr>
-                        <a:t>findAllBy</a:t>
-                      </a:r>
-                    </a:p>
-                  </a:txBody>
-                  <a:tcPr marL="96269" marR="96269" marT="96269" marB="96269" anchor="ctr" horzOverflow="overflow">
-                    <a:lnL>
-                      <a:solidFill>
-                        <a:srgbClr val="000000"/>
-                      </a:solidFill>
-                    </a:lnL>
-                    <a:lnR>
-                      <a:solidFill>
-                        <a:srgbClr val="000000"/>
-                      </a:solidFill>
-                    </a:lnR>
-                    <a:lnT>
-                      <a:solidFill>
-                        <a:srgbClr val="000000"/>
-                      </a:solidFill>
-                    </a:lnT>
-                    <a:lnB>
-                      <a:solidFill>
-                        <a:srgbClr val="000000"/>
-                      </a:solidFill>
-                    </a:lnB>
-                    <a:noFill/>
-                  </a:tcPr>
-                </a:tc>
-                <a:tc>
-                  <a:txBody>
-                    <a:bodyPr/>
-                    <a:lstStyle/>
-                    <a:p>
-                      <a:pPr algn="l">
-                        <a:defRPr sz="1800"/>
-                      </a:pPr>
-                      <a:r>
-                        <a:rPr sz="1500">
-                          <a:solidFill>
-                            <a:srgbClr val="151719"/>
-                          </a:solidFill>
-                          <a:latin typeface="+mj-lt"/>
-                          <a:ea typeface="+mj-ea"/>
-                          <a:cs typeface="+mj-cs"/>
-                          <a:sym typeface="Helvetica"/>
-                        </a:rPr>
-                        <a:t>throw</a:t>
-                      </a:r>
-                    </a:p>
-                  </a:txBody>
-                  <a:tcPr marL="96269" marR="96269" marT="96269" marB="96269" anchor="ctr" horzOverflow="overflow">
-                    <a:lnL>
-                      <a:solidFill>
-                        <a:srgbClr val="000000"/>
-                      </a:solidFill>
-                    </a:lnL>
-                    <a:lnR>
-                      <a:solidFill>
-                        <a:srgbClr val="000000"/>
-                      </a:solidFill>
-                    </a:lnR>
-                    <a:lnT>
-                      <a:solidFill>
-                        <a:srgbClr val="000000"/>
-                      </a:solidFill>
-                    </a:lnT>
-                    <a:lnB>
-                      <a:solidFill>
-                        <a:srgbClr val="000000"/>
-                      </a:solidFill>
-                    </a:lnB>
-                    <a:noFill/>
-                  </a:tcPr>
-                </a:tc>
-                <a:tc>
-                  <a:txBody>
-                    <a:bodyPr/>
-                    <a:lstStyle/>
-                    <a:p>
-                      <a:pPr algn="l">
-                        <a:defRPr sz="1800"/>
-                      </a:pPr>
-                      <a:r>
-                        <a:rPr sz="1500">
-                          <a:solidFill>
-                            <a:srgbClr val="151719"/>
-                          </a:solidFill>
-                          <a:latin typeface="+mj-lt"/>
-                          <a:ea typeface="+mj-ea"/>
-                          <a:cs typeface="+mj-cs"/>
-                          <a:sym typeface="Helvetica"/>
-                        </a:rPr>
-                        <a:t>array</a:t>
-                      </a:r>
-                    </a:p>
-                  </a:txBody>
-                  <a:tcPr marL="96269" marR="96269" marT="96269" marB="96269" anchor="ctr" horzOverflow="overflow">
-                    <a:lnL>
-                      <a:solidFill>
-                        <a:srgbClr val="000000"/>
-                      </a:solidFill>
-                    </a:lnL>
-                    <a:lnR>
-                      <a:solidFill>
-                        <a:srgbClr val="000000"/>
-                      </a:solidFill>
-                    </a:lnR>
-                    <a:lnT>
-                      <a:solidFill>
-                        <a:srgbClr val="000000"/>
-                      </a:solidFill>
-                    </a:lnT>
-                    <a:lnB>
-                      <a:solidFill>
-                        <a:srgbClr val="000000"/>
-                      </a:solidFill>
-                    </a:lnB>
-                    <a:noFill/>
-                  </a:tcPr>
-                </a:tc>
-                <a:tc>
-                  <a:txBody>
-                    <a:bodyPr/>
-                    <a:lstStyle/>
-                    <a:p>
-                      <a:pPr algn="l">
-                        <a:defRPr sz="1800"/>
-                      </a:pPr>
-                      <a:r>
-                        <a:rPr sz="1500">
-                          <a:solidFill>
-                            <a:srgbClr val="151719"/>
-                          </a:solidFill>
-                          <a:latin typeface="+mj-lt"/>
-                          <a:ea typeface="+mj-ea"/>
-                          <a:cs typeface="+mj-cs"/>
-                          <a:sym typeface="Helvetica"/>
-                        </a:rPr>
-                        <a:t>array</a:t>
-                      </a:r>
-                    </a:p>
-                  </a:txBody>
-                  <a:tcPr marL="96269" marR="96269" marT="96269" marB="96269" anchor="ctr" horzOverflow="overflow">
-                    <a:lnL>
-                      <a:solidFill>
-                        <a:srgbClr val="000000"/>
-                      </a:solidFill>
-                    </a:lnL>
-                    <a:lnR>
-                      <a:solidFill>
-                        <a:srgbClr val="000000"/>
-                      </a:solidFill>
-                    </a:lnR>
-                    <a:lnT>
-                      <a:solidFill>
-                        <a:srgbClr val="000000"/>
-                      </a:solidFill>
-                    </a:lnT>
-                    <a:lnB>
-                      <a:solidFill>
-                        <a:srgbClr val="000000"/>
-                      </a:solidFill>
-                    </a:lnB>
-                    <a:noFill/>
-                  </a:tcPr>
-                </a:tc>
-                <a:tc>
-                  <a:txBody>
-                    <a:bodyPr/>
-                    <a:lstStyle/>
-                    <a:p>
-                      <a:pPr algn="l">
-                        <a:defRPr sz="1800"/>
-                      </a:pPr>
-                      <a:r>
-                        <a:rPr sz="1500">
-                          <a:solidFill>
-                            <a:srgbClr val="151719"/>
-                          </a:solidFill>
-                          <a:latin typeface="+mj-lt"/>
-                          <a:ea typeface="+mj-ea"/>
-                          <a:cs typeface="+mj-cs"/>
-                          <a:sym typeface="Helvetica"/>
-                        </a:rPr>
-                        <a:t>Yes</a:t>
-                      </a:r>
-                    </a:p>
-                  </a:txBody>
-                  <a:tcPr marL="96269" marR="96269" marT="96269" marB="96269" anchor="ctr" horzOverflow="overflow">
-                    <a:lnL>
-                      <a:solidFill>
-                        <a:srgbClr val="000000"/>
-                      </a:solidFill>
-                    </a:lnL>
-                    <a:lnR>
-                      <a:solidFill>
-                        <a:srgbClr val="000000"/>
-                      </a:solidFill>
-                    </a:lnR>
-                    <a:lnT>
-                      <a:solidFill>
-                        <a:srgbClr val="000000"/>
-                      </a:solidFill>
-                    </a:lnT>
-                    <a:lnB>
-                      <a:solidFill>
-                        <a:srgbClr val="000000"/>
-                      </a:solidFill>
-                    </a:lnB>
-                    <a:noFill/>
-                  </a:tcPr>
-                </a:tc>
-                <a:extLst>
-                  <a:ext uri="{0D108BD9-81ED-4DB2-BD59-A6C34878D82A}">
-                    <a16:rowId xmlns:a16="http://schemas.microsoft.com/office/drawing/2014/main" val="10005"/>
-                  </a:ext>
-                </a:extLst>
-              </a:tr>
-              <a:tr h="501068">
-                <a:tc>
-                  <a:txBody>
-                    <a:bodyPr/>
-                    <a:lstStyle/>
-                    <a:p>
-                      <a:pPr algn="l">
-                        <a:defRPr sz="1800"/>
-                      </a:pPr>
-                      <a:r>
-                        <a:rPr sz="1500" b="1">
-                          <a:solidFill>
-                            <a:srgbClr val="151719"/>
-                          </a:solidFill>
-                          <a:latin typeface="+mj-lt"/>
-                          <a:ea typeface="+mj-ea"/>
-                          <a:cs typeface="+mj-cs"/>
-                          <a:sym typeface="Helvetica"/>
-                        </a:rPr>
-                        <a:t>queryAllBy</a:t>
-                      </a:r>
-                    </a:p>
-                  </a:txBody>
-                  <a:tcPr marL="96269" marR="96269" marT="96269" marB="96269" anchor="ctr" horzOverflow="overflow">
-                    <a:lnL>
-                      <a:solidFill>
-                        <a:srgbClr val="000000"/>
-                      </a:solidFill>
-                    </a:lnL>
-                    <a:lnR>
-                      <a:solidFill>
-                        <a:srgbClr val="000000"/>
-                      </a:solidFill>
-                    </a:lnR>
-                    <a:lnT>
-                      <a:solidFill>
-                        <a:srgbClr val="000000"/>
-                      </a:solidFill>
-                    </a:lnT>
-                    <a:lnB>
-                      <a:solidFill>
-                        <a:srgbClr val="000000"/>
-                      </a:solidFill>
-                    </a:lnB>
-                    <a:solidFill>
-                      <a:srgbClr val="F2F4F5"/>
-                    </a:solidFill>
-                  </a:tcPr>
-                </a:tc>
-                <a:tc>
-                  <a:txBody>
-                    <a:bodyPr/>
-                    <a:lstStyle/>
-                    <a:p>
-                      <a:pPr algn="l">
-                        <a:defRPr sz="1800"/>
-                      </a:pPr>
-                      <a:r>
-                        <a:rPr sz="1500" dirty="0">
-                          <a:solidFill>
-                            <a:srgbClr val="151719"/>
-                          </a:solidFill>
-                          <a:latin typeface="+mj-lt"/>
-                          <a:ea typeface="+mj-ea"/>
-                          <a:cs typeface="+mj-cs"/>
-                          <a:sym typeface="Helvetica"/>
-                        </a:rPr>
-                        <a:t>[]</a:t>
-                      </a:r>
-                    </a:p>
-                  </a:txBody>
-                  <a:tcPr marL="96269" marR="96269" marT="96269" marB="96269" anchor="ctr" horzOverflow="overflow">
-                    <a:lnL>
-                      <a:solidFill>
-                        <a:srgbClr val="000000"/>
-                      </a:solidFill>
-                    </a:lnL>
-                    <a:lnR>
-                      <a:solidFill>
-                        <a:srgbClr val="000000"/>
-                      </a:solidFill>
-                    </a:lnR>
-                    <a:lnT>
-                      <a:solidFill>
-                        <a:srgbClr val="000000"/>
-                      </a:solidFill>
-                    </a:lnT>
-                    <a:lnB>
-                      <a:solidFill>
-                        <a:srgbClr val="000000"/>
-                      </a:solidFill>
-                    </a:lnB>
-                    <a:solidFill>
-                      <a:srgbClr val="F2F4F5"/>
-                    </a:solidFill>
-                  </a:tcPr>
-                </a:tc>
-                <a:tc>
-                  <a:txBody>
-                    <a:bodyPr/>
-                    <a:lstStyle/>
-                    <a:p>
-                      <a:pPr algn="l">
-                        <a:defRPr sz="1800"/>
-                      </a:pPr>
-                      <a:r>
-                        <a:rPr sz="1500" dirty="0">
-                          <a:solidFill>
-                            <a:srgbClr val="151719"/>
-                          </a:solidFill>
-                          <a:latin typeface="+mj-lt"/>
-                          <a:ea typeface="+mj-ea"/>
-                          <a:cs typeface="+mj-cs"/>
-                          <a:sym typeface="Helvetica"/>
-                        </a:rPr>
-                        <a:t>array</a:t>
-                      </a:r>
-                    </a:p>
-                  </a:txBody>
-                  <a:tcPr marL="96269" marR="96269" marT="96269" marB="96269" anchor="ctr" horzOverflow="overflow">
-                    <a:lnL>
-                      <a:solidFill>
-                        <a:srgbClr val="000000"/>
-                      </a:solidFill>
-                    </a:lnL>
-                    <a:lnR>
-                      <a:solidFill>
-                        <a:srgbClr val="000000"/>
-                      </a:solidFill>
-                    </a:lnR>
-                    <a:lnT>
-                      <a:solidFill>
-                        <a:srgbClr val="000000"/>
-                      </a:solidFill>
-                    </a:lnT>
-                    <a:lnB>
-                      <a:solidFill>
-                        <a:srgbClr val="000000"/>
-                      </a:solidFill>
-                    </a:lnB>
-                    <a:solidFill>
-                      <a:srgbClr val="F2F4F5"/>
-                    </a:solidFill>
-                  </a:tcPr>
-                </a:tc>
-                <a:tc>
-                  <a:txBody>
-                    <a:bodyPr/>
-                    <a:lstStyle/>
-                    <a:p>
-                      <a:pPr algn="l">
-                        <a:defRPr sz="1800"/>
-                      </a:pPr>
-                      <a:r>
-                        <a:rPr sz="1500">
-                          <a:solidFill>
-                            <a:srgbClr val="151719"/>
-                          </a:solidFill>
-                          <a:latin typeface="+mj-lt"/>
-                          <a:ea typeface="+mj-ea"/>
-                          <a:cs typeface="+mj-cs"/>
-                          <a:sym typeface="Helvetica"/>
-                        </a:rPr>
-                        <a:t>array</a:t>
-                      </a:r>
-                    </a:p>
-                  </a:txBody>
-                  <a:tcPr marL="96269" marR="96269" marT="96269" marB="96269" anchor="ctr" horzOverflow="overflow">
-                    <a:lnL>
-                      <a:solidFill>
-                        <a:srgbClr val="000000"/>
-                      </a:solidFill>
-                    </a:lnL>
-                    <a:lnR>
-                      <a:solidFill>
-                        <a:srgbClr val="000000"/>
-                      </a:solidFill>
-                    </a:lnR>
-                    <a:lnT>
-                      <a:solidFill>
-                        <a:srgbClr val="000000"/>
-                      </a:solidFill>
-                    </a:lnT>
-                    <a:lnB>
-                      <a:solidFill>
-                        <a:srgbClr val="000000"/>
-                      </a:solidFill>
-                    </a:lnB>
-                    <a:solidFill>
-                      <a:srgbClr val="F2F4F5"/>
-                    </a:solidFill>
-                  </a:tcPr>
-                </a:tc>
-                <a:tc>
-                  <a:txBody>
-                    <a:bodyPr/>
-                    <a:lstStyle/>
-                    <a:p>
-                      <a:pPr algn="l">
-                        <a:defRPr sz="1800"/>
-                      </a:pPr>
-                      <a:r>
-                        <a:rPr sz="1500" dirty="0">
-                          <a:solidFill>
-                            <a:srgbClr val="151719"/>
-                          </a:solidFill>
-                          <a:latin typeface="+mj-lt"/>
-                          <a:ea typeface="+mj-ea"/>
-                          <a:cs typeface="+mj-cs"/>
-                          <a:sym typeface="Helvetica"/>
-                        </a:rPr>
-                        <a:t>No</a:t>
-                      </a:r>
-                    </a:p>
-                  </a:txBody>
-                  <a:tcPr marL="96269" marR="96269" marT="96269" marB="96269" anchor="ctr" horzOverflow="overflow">
-                    <a:lnL>
-                      <a:solidFill>
-                        <a:srgbClr val="000000"/>
-                      </a:solidFill>
-                    </a:lnL>
-                    <a:lnR>
-                      <a:solidFill>
-                        <a:srgbClr val="000000"/>
-                      </a:solidFill>
-                    </a:lnR>
-                    <a:lnT>
-                      <a:solidFill>
-                        <a:srgbClr val="000000"/>
-                      </a:solidFill>
-                    </a:lnT>
-                    <a:lnB>
-                      <a:solidFill>
-                        <a:srgbClr val="000000"/>
-                      </a:solidFill>
-                    </a:lnB>
-                    <a:solidFill>
-                      <a:srgbClr val="F2F4F5"/>
-                    </a:solidFill>
-                  </a:tcPr>
-                </a:tc>
-                <a:extLst>
-                  <a:ext uri="{0D108BD9-81ED-4DB2-BD59-A6C34878D82A}">
-                    <a16:rowId xmlns:a16="http://schemas.microsoft.com/office/drawing/2014/main" val="10006"/>
-                  </a:ext>
-                </a:extLst>
-              </a:tr>
-            </a:tbl>
-          </a:graphicData>
-        </a:graphic>
-      </p:graphicFrame>
       <p:sp>
         <p:nvSpPr>
           <p:cNvPr id="412" name="Content Placeholder 7"/>
@@ -28279,14 +26463,10 @@
             <a:spLocks noGrp="1"/>
           </p:cNvSpPr>
           <p:nvPr>
-            <p:ph type="body" sz="half" idx="1"/>
+            <p:ph type="body" idx="1"/>
           </p:nvPr>
         </p:nvSpPr>
         <p:spPr>
-          <a:xfrm>
-            <a:off x="6172200" y="1825625"/>
-            <a:ext cx="5181600" cy="4351338"/>
-          </a:xfrm>
           <a:prstGeom prst="rect">
             <a:avLst/>
           </a:prstGeom>
@@ -28296,14 +26476,27 @@
           <a:lstStyle/>
           <a:p>
             <a:r>
+              <a:rPr lang="en-US" dirty="0"/>
+              <a:t>You may want different behavior when there are different numbers of matches to a query.</a:t>
+            </a:r>
+            <a:endParaRPr dirty="0"/>
+          </a:p>
+          <a:p>
+            <a:r>
+              <a:rPr lang="en-US" dirty="0"/>
+              <a:t>Testing-library includes a query called </a:t>
+            </a:r>
+            <a:r>
               <a:rPr dirty="0"/>
-              <a:t>Get and query have different behavior when there are different numbers of matches</a:t>
-            </a:r>
-          </a:p>
-          <a:p>
+              <a:t>Find</a:t>
+            </a:r>
+            <a:r>
+              <a:rPr lang="en-US" dirty="0"/>
+              <a:t>, which</a:t>
+            </a:r>
             <a:r>
               <a:rPr dirty="0"/>
-              <a:t>Find is </a:t>
+              <a:t> is </a:t>
             </a:r>
             <a:r>
               <a:rPr i="1" dirty="0"/>
@@ -28327,16 +26520,12 @@
           </p:nvPr>
         </p:nvSpPr>
         <p:spPr>
-          <a:xfrm>
-            <a:off x="11095176" y="6414760"/>
-            <a:ext cx="258624" cy="248305"/>
-          </a:xfrm>
           <a:prstGeom prst="rect">
             <a:avLst/>
           </a:prstGeom>
           <a:extLst>
             <a:ext uri="{C572A759-6A51-4108-AA02-DFA0A04FC94B}">
-              <ma14:wrappingTextBoxFlag xmlns:ma14="http://schemas.microsoft.com/office/mac/drawingml/2011/main" xmlns:a14="http://schemas.microsoft.com/office/drawing/2010/main" xmlns:m="http://schemas.openxmlformats.org/officeDocument/2006/math" xmlns="" val="1"/>
+              <ma14:wrappingTextBoxFlag xmlns="" xmlns:m="http://schemas.openxmlformats.org/officeDocument/2006/math" xmlns:a14="http://schemas.microsoft.com/office/drawing/2010/main" xmlns:ma14="http://schemas.microsoft.com/office/mac/drawingml/2011/main" val="1"/>
             </a:ext>
           </a:extLst>
         </p:spPr>
@@ -28374,7 +26563,7 @@
           </a:ln>
           <a:extLst>
             <a:ext uri="{C572A759-6A51-4108-AA02-DFA0A04FC94B}">
-              <ma14:wrappingTextBoxFlag xmlns:ma14="http://schemas.microsoft.com/office/mac/drawingml/2011/main" xmlns:a14="http://schemas.microsoft.com/office/drawing/2010/main" xmlns:m="http://schemas.openxmlformats.org/officeDocument/2006/math" xmlns="" val="1"/>
+              <ma14:wrappingTextBoxFlag xmlns="" xmlns:m="http://schemas.openxmlformats.org/officeDocument/2006/math" xmlns:a14="http://schemas.microsoft.com/office/drawing/2010/main" xmlns:ma14="http://schemas.microsoft.com/office/mac/drawingml/2011/main" val="1"/>
             </a:ext>
           </a:extLst>
         </p:spPr>
@@ -28548,8 +26737,8 @@
               <a:defRPr sz="2400"/>
             </a:pPr>
             <a:r>
-              <a:rPr lang="en-US"/>
-              <a:t>Be able to map the three core steps of a test (assemble, act, assess) to UI component testing</a:t>
+              <a:rPr lang="en-US" dirty="0"/>
+              <a:t>Be able to explain the three core steps of a test (assemble, act, assess) can map to UI component testing</a:t>
             </a:r>
           </a:p>
           <a:p>
@@ -28655,7 +26844,7 @@
           <a:p>
             <a:r>
               <a:rPr lang="en-US" dirty="0"/>
-              <a:t>An external system means any piece of code that’s not controlled by React</a:t>
+              <a:t>An external system means any piece of code that’s not inside your React component</a:t>
             </a:r>
           </a:p>
         </p:txBody>
@@ -28678,8 +26867,16 @@
         </p:nvSpPr>
         <p:spPr/>
         <p:txBody>
-          <a:bodyPr/>
+          <a:bodyPr>
+            <a:normAutofit/>
+          </a:bodyPr>
           <a:lstStyle/>
+          <a:p>
+            <a:r>
+              <a:rPr lang="en-US" dirty="0"/>
+              <a:t>An event in the lifecycle of a component, like redisplay.</a:t>
+            </a:r>
+          </a:p>
           <a:p>
             <a:r>
               <a:rPr lang="en-US" dirty="0"/>
@@ -28714,13 +26911,7 @@
           <a:p>
             <a:r>
               <a:rPr lang="en-US" dirty="0"/>
-              <a:t>A piece of business logic</a:t>
-            </a:r>
-          </a:p>
-          <a:p>
-            <a:r>
-              <a:rPr lang="en-US" dirty="0"/>
-              <a:t>If you’re not connecting to any external system, you probably don’t need an Effect.</a:t>
+              <a:t>A piece of business logic in an app that is external to your component</a:t>
             </a:r>
           </a:p>
           <a:p>
@@ -29980,6 +28171,83 @@
               <a:ea typeface="+mn-ea"/>
               <a:cs typeface="+mn-cs"/>
               <a:sym typeface="Calibri"/>
+            </a:endParaRPr>
+          </a:p>
+        </p:txBody>
+      </p:sp>
+      <p:sp>
+        <p:nvSpPr>
+          <p:cNvPr id="3" name="Rectangle: Rounded Corners 2">
+            <a:extLst>
+              <a:ext uri="{FF2B5EF4-FFF2-40B4-BE49-F238E27FC236}">
+                <a16:creationId xmlns:a16="http://schemas.microsoft.com/office/drawing/2014/main" id="{ADE0A4A4-C242-1F63-A215-2BBB08EB5C99}"/>
+              </a:ext>
+            </a:extLst>
+          </p:cNvPr>
+          <p:cNvSpPr/>
+          <p:nvPr/>
+        </p:nvSpPr>
+        <p:spPr>
+          <a:xfrm>
+            <a:off x="6629185" y="878979"/>
+            <a:ext cx="5176128" cy="601981"/>
+          </a:xfrm>
+          <a:prstGeom prst="roundRect">
+            <a:avLst/>
+          </a:prstGeom>
+          <a:solidFill>
+            <a:schemeClr val="accent6">
+              <a:lumMod val="20000"/>
+              <a:lumOff val="80000"/>
+            </a:schemeClr>
+          </a:solidFill>
+          <a:ln>
+            <a:solidFill>
+              <a:srgbClr val="0070C0"/>
+            </a:solidFill>
+          </a:ln>
+        </p:spPr>
+        <p:style>
+          <a:lnRef idx="2">
+            <a:schemeClr val="accent1">
+              <a:shade val="50000"/>
+            </a:schemeClr>
+          </a:lnRef>
+          <a:fillRef idx="1">
+            <a:schemeClr val="accent1"/>
+          </a:fillRef>
+          <a:effectRef idx="0">
+            <a:schemeClr val="accent1"/>
+          </a:effectRef>
+          <a:fontRef idx="minor">
+            <a:schemeClr val="lt1"/>
+          </a:fontRef>
+        </p:style>
+        <p:txBody>
+          <a:bodyPr rtlCol="0" anchor="ctr"/>
+          <a:lstStyle/>
+          <a:p>
+            <a:pPr algn="ctr"/>
+            <a:r>
+              <a:rPr lang="en-US" sz="2400" dirty="0">
+                <a:solidFill>
+                  <a:schemeClr val="tx1"/>
+                </a:solidFill>
+              </a:rPr>
+              <a:t>app/Apps/</a:t>
+            </a:r>
+            <a:r>
+              <a:rPr lang="en-US" sz="2400" dirty="0" err="1">
+                <a:solidFill>
+                  <a:schemeClr val="tx1"/>
+                </a:solidFill>
+              </a:rPr>
+              <a:t>SimpleClockDisplay.tsx</a:t>
+            </a:r>
+            <a:endParaRPr lang="en-US" sz="2400" dirty="0">
+              <a:solidFill>
+                <a:schemeClr val="tx1"/>
+              </a:solidFill>
             </a:endParaRPr>
           </a:p>
         </p:txBody>
